--- a/icons/MinecraftApiToolbox.ico.pptx
+++ b/icons/MinecraftApiToolbox.ico.pptx
@@ -261,7 +261,7 @@
           <a:p>
             <a:fld id="{0EA1EAA3-4BCA-4C1B-BE7D-C23912242F91}" type="datetimeFigureOut">
               <a:rPr lang="zh-CN" altLang="en-US" smtClean="0"/>
-              <a:t>2020/10/24</a:t>
+              <a:t>2021/1/9</a:t>
             </a:fld>
             <a:endParaRPr lang="zh-CN" altLang="en-US"/>
           </a:p>
@@ -459,7 +459,7 @@
           <a:p>
             <a:fld id="{0EA1EAA3-4BCA-4C1B-BE7D-C23912242F91}" type="datetimeFigureOut">
               <a:rPr lang="zh-CN" altLang="en-US" smtClean="0"/>
-              <a:t>2020/10/24</a:t>
+              <a:t>2021/1/9</a:t>
             </a:fld>
             <a:endParaRPr lang="zh-CN" altLang="en-US"/>
           </a:p>
@@ -667,7 +667,7 @@
           <a:p>
             <a:fld id="{0EA1EAA3-4BCA-4C1B-BE7D-C23912242F91}" type="datetimeFigureOut">
               <a:rPr lang="zh-CN" altLang="en-US" smtClean="0"/>
-              <a:t>2020/10/24</a:t>
+              <a:t>2021/1/9</a:t>
             </a:fld>
             <a:endParaRPr lang="zh-CN" altLang="en-US"/>
           </a:p>
@@ -865,7 +865,7 @@
           <a:p>
             <a:fld id="{0EA1EAA3-4BCA-4C1B-BE7D-C23912242F91}" type="datetimeFigureOut">
               <a:rPr lang="zh-CN" altLang="en-US" smtClean="0"/>
-              <a:t>2020/10/24</a:t>
+              <a:t>2021/1/9</a:t>
             </a:fld>
             <a:endParaRPr lang="zh-CN" altLang="en-US"/>
           </a:p>
@@ -1140,7 +1140,7 @@
           <a:p>
             <a:fld id="{0EA1EAA3-4BCA-4C1B-BE7D-C23912242F91}" type="datetimeFigureOut">
               <a:rPr lang="zh-CN" altLang="en-US" smtClean="0"/>
-              <a:t>2020/10/24</a:t>
+              <a:t>2021/1/9</a:t>
             </a:fld>
             <a:endParaRPr lang="zh-CN" altLang="en-US"/>
           </a:p>
@@ -1405,7 +1405,7 @@
           <a:p>
             <a:fld id="{0EA1EAA3-4BCA-4C1B-BE7D-C23912242F91}" type="datetimeFigureOut">
               <a:rPr lang="zh-CN" altLang="en-US" smtClean="0"/>
-              <a:t>2020/10/24</a:t>
+              <a:t>2021/1/9</a:t>
             </a:fld>
             <a:endParaRPr lang="zh-CN" altLang="en-US"/>
           </a:p>
@@ -1817,7 +1817,7 @@
           <a:p>
             <a:fld id="{0EA1EAA3-4BCA-4C1B-BE7D-C23912242F91}" type="datetimeFigureOut">
               <a:rPr lang="zh-CN" altLang="en-US" smtClean="0"/>
-              <a:t>2020/10/24</a:t>
+              <a:t>2021/1/9</a:t>
             </a:fld>
             <a:endParaRPr lang="zh-CN" altLang="en-US"/>
           </a:p>
@@ -1958,7 +1958,7 @@
           <a:p>
             <a:fld id="{0EA1EAA3-4BCA-4C1B-BE7D-C23912242F91}" type="datetimeFigureOut">
               <a:rPr lang="zh-CN" altLang="en-US" smtClean="0"/>
-              <a:t>2020/10/24</a:t>
+              <a:t>2021/1/9</a:t>
             </a:fld>
             <a:endParaRPr lang="zh-CN" altLang="en-US"/>
           </a:p>
@@ -2071,7 +2071,7 @@
           <a:p>
             <a:fld id="{0EA1EAA3-4BCA-4C1B-BE7D-C23912242F91}" type="datetimeFigureOut">
               <a:rPr lang="zh-CN" altLang="en-US" smtClean="0"/>
-              <a:t>2020/10/24</a:t>
+              <a:t>2021/1/9</a:t>
             </a:fld>
             <a:endParaRPr lang="zh-CN" altLang="en-US"/>
           </a:p>
@@ -2382,7 +2382,7 @@
           <a:p>
             <a:fld id="{0EA1EAA3-4BCA-4C1B-BE7D-C23912242F91}" type="datetimeFigureOut">
               <a:rPr lang="zh-CN" altLang="en-US" smtClean="0"/>
-              <a:t>2020/10/24</a:t>
+              <a:t>2021/1/9</a:t>
             </a:fld>
             <a:endParaRPr lang="zh-CN" altLang="en-US"/>
           </a:p>
@@ -2670,7 +2670,7 @@
           <a:p>
             <a:fld id="{0EA1EAA3-4BCA-4C1B-BE7D-C23912242F91}" type="datetimeFigureOut">
               <a:rPr lang="zh-CN" altLang="en-US" smtClean="0"/>
-              <a:t>2020/10/24</a:t>
+              <a:t>2021/1/9</a:t>
             </a:fld>
             <a:endParaRPr lang="zh-CN" altLang="en-US"/>
           </a:p>
@@ -2911,7 +2911,7 @@
           <a:p>
             <a:fld id="{0EA1EAA3-4BCA-4C1B-BE7D-C23912242F91}" type="datetimeFigureOut">
               <a:rPr lang="zh-CN" altLang="en-US" smtClean="0"/>
-              <a:t>2020/10/24</a:t>
+              <a:t>2021/1/9</a:t>
             </a:fld>
             <a:endParaRPr lang="zh-CN" altLang="en-US"/>
           </a:p>
@@ -8245,6 +8245,8557 @@
           <a:chExt cx="0" cy="0"/>
         </a:xfrm>
       </p:grpSpPr>
+      <p:grpSp>
+        <p:nvGrpSpPr>
+          <p:cNvPr id="17" name="组合 16">
+            <a:extLst>
+              <a:ext uri="{FF2B5EF4-FFF2-40B4-BE49-F238E27FC236}">
+                <a16:creationId xmlns:a16="http://schemas.microsoft.com/office/drawing/2014/main" id="{30952978-9665-41D7-B3D7-2E3661C79021}"/>
+              </a:ext>
+            </a:extLst>
+          </p:cNvPr>
+          <p:cNvGrpSpPr/>
+          <p:nvPr/>
+        </p:nvGrpSpPr>
+        <p:grpSpPr>
+          <a:xfrm>
+            <a:off x="1911565" y="1867908"/>
+            <a:ext cx="2499892" cy="2495511"/>
+            <a:chOff x="1022557" y="786758"/>
+            <a:chExt cx="1044317" cy="1042486"/>
+          </a:xfrm>
+          <a:solidFill>
+            <a:srgbClr val="92D050"/>
+          </a:solidFill>
+          <a:effectLst>
+            <a:outerShdw blurRad="50800" dist="38100" dir="13500000" algn="br" rotWithShape="0">
+              <a:prstClr val="black">
+                <a:alpha val="40000"/>
+              </a:prstClr>
+            </a:outerShdw>
+          </a:effectLst>
+        </p:grpSpPr>
+        <p:sp>
+          <p:nvSpPr>
+            <p:cNvPr id="15" name="PA-任意多边形 52">
+              <a:extLst>
+                <a:ext uri="{FF2B5EF4-FFF2-40B4-BE49-F238E27FC236}">
+                  <a16:creationId xmlns:a16="http://schemas.microsoft.com/office/drawing/2014/main" id="{66408BAB-8B87-41E5-A56D-C0313F3CF721}"/>
+                </a:ext>
+              </a:extLst>
+            </p:cNvPr>
+            <p:cNvSpPr>
+              <a:spLocks noEditPoints="1"/>
+            </p:cNvSpPr>
+            <p:nvPr>
+              <p:custDataLst>
+                <p:tags r:id="rId3"/>
+              </p:custDataLst>
+            </p:nvPr>
+          </p:nvSpPr>
+          <p:spPr bwMode="auto">
+            <a:xfrm>
+              <a:off x="1022557" y="786758"/>
+              <a:ext cx="489180" cy="1042486"/>
+            </a:xfrm>
+            <a:custGeom>
+              <a:avLst/>
+              <a:gdLst>
+                <a:gd name="T0" fmla="*/ 302 w 705"/>
+                <a:gd name="T1" fmla="*/ 346 h 1508"/>
+                <a:gd name="T2" fmla="*/ 247 w 705"/>
+                <a:gd name="T3" fmla="*/ 709 h 1508"/>
+                <a:gd name="T4" fmla="*/ 0 w 705"/>
+                <a:gd name="T5" fmla="*/ 709 h 1508"/>
+                <a:gd name="T6" fmla="*/ 118 w 705"/>
+                <a:gd name="T7" fmla="*/ 346 h 1508"/>
+                <a:gd name="T8" fmla="*/ 302 w 705"/>
+                <a:gd name="T9" fmla="*/ 346 h 1508"/>
+                <a:gd name="T10" fmla="*/ 194 w 705"/>
+                <a:gd name="T11" fmla="*/ 247 h 1508"/>
+                <a:gd name="T12" fmla="*/ 430 w 705"/>
+                <a:gd name="T13" fmla="*/ 72 h 1508"/>
+                <a:gd name="T14" fmla="*/ 337 w 705"/>
+                <a:gd name="T15" fmla="*/ 247 h 1508"/>
+                <a:gd name="T16" fmla="*/ 194 w 705"/>
+                <a:gd name="T17" fmla="*/ 247 h 1508"/>
+                <a:gd name="T18" fmla="*/ 0 w 705"/>
+                <a:gd name="T19" fmla="*/ 808 h 1508"/>
+                <a:gd name="T20" fmla="*/ 247 w 705"/>
+                <a:gd name="T21" fmla="*/ 808 h 1508"/>
+                <a:gd name="T22" fmla="*/ 303 w 705"/>
+                <a:gd name="T23" fmla="*/ 1164 h 1508"/>
+                <a:gd name="T24" fmla="*/ 119 w 705"/>
+                <a:gd name="T25" fmla="*/ 1164 h 1508"/>
+                <a:gd name="T26" fmla="*/ 0 w 705"/>
+                <a:gd name="T27" fmla="*/ 808 h 1508"/>
+                <a:gd name="T28" fmla="*/ 196 w 705"/>
+                <a:gd name="T29" fmla="*/ 1263 h 1508"/>
+                <a:gd name="T30" fmla="*/ 337 w 705"/>
+                <a:gd name="T31" fmla="*/ 1263 h 1508"/>
+                <a:gd name="T32" fmla="*/ 430 w 705"/>
+                <a:gd name="T33" fmla="*/ 1437 h 1508"/>
+                <a:gd name="T34" fmla="*/ 196 w 705"/>
+                <a:gd name="T35" fmla="*/ 1263 h 1508"/>
+                <a:gd name="T36" fmla="*/ 705 w 705"/>
+                <a:gd name="T37" fmla="*/ 1508 h 1508"/>
+                <a:gd name="T38" fmla="*/ 638 w 705"/>
+                <a:gd name="T39" fmla="*/ 1501 h 1508"/>
+                <a:gd name="T40" fmla="*/ 447 w 705"/>
+                <a:gd name="T41" fmla="*/ 1263 h 1508"/>
+                <a:gd name="T42" fmla="*/ 705 w 705"/>
+                <a:gd name="T43" fmla="*/ 1263 h 1508"/>
+                <a:gd name="T44" fmla="*/ 705 w 705"/>
+                <a:gd name="T45" fmla="*/ 1508 h 1508"/>
+                <a:gd name="T46" fmla="*/ 705 w 705"/>
+                <a:gd name="T47" fmla="*/ 1164 h 1508"/>
+                <a:gd name="T48" fmla="*/ 408 w 705"/>
+                <a:gd name="T49" fmla="*/ 1164 h 1508"/>
+                <a:gd name="T50" fmla="*/ 346 w 705"/>
+                <a:gd name="T51" fmla="*/ 808 h 1508"/>
+                <a:gd name="T52" fmla="*/ 705 w 705"/>
+                <a:gd name="T53" fmla="*/ 808 h 1508"/>
+                <a:gd name="T54" fmla="*/ 705 w 705"/>
+                <a:gd name="T55" fmla="*/ 1164 h 1508"/>
+                <a:gd name="T56" fmla="*/ 705 w 705"/>
+                <a:gd name="T57" fmla="*/ 709 h 1508"/>
+                <a:gd name="T58" fmla="*/ 346 w 705"/>
+                <a:gd name="T59" fmla="*/ 709 h 1508"/>
+                <a:gd name="T60" fmla="*/ 408 w 705"/>
+                <a:gd name="T61" fmla="*/ 346 h 1508"/>
+                <a:gd name="T62" fmla="*/ 705 w 705"/>
+                <a:gd name="T63" fmla="*/ 346 h 1508"/>
+                <a:gd name="T64" fmla="*/ 705 w 705"/>
+                <a:gd name="T65" fmla="*/ 709 h 1508"/>
+                <a:gd name="T66" fmla="*/ 705 w 705"/>
+                <a:gd name="T67" fmla="*/ 247 h 1508"/>
+                <a:gd name="T68" fmla="*/ 446 w 705"/>
+                <a:gd name="T69" fmla="*/ 247 h 1508"/>
+                <a:gd name="T70" fmla="*/ 638 w 705"/>
+                <a:gd name="T71" fmla="*/ 8 h 1508"/>
+                <a:gd name="T72" fmla="*/ 705 w 705"/>
+                <a:gd name="T73" fmla="*/ 0 h 1508"/>
+                <a:gd name="T74" fmla="*/ 705 w 705"/>
+                <a:gd name="T75" fmla="*/ 247 h 1508"/>
+              </a:gdLst>
+              <a:ahLst/>
+              <a:cxnLst>
+                <a:cxn ang="0">
+                  <a:pos x="T0" y="T1"/>
+                </a:cxn>
+                <a:cxn ang="0">
+                  <a:pos x="T2" y="T3"/>
+                </a:cxn>
+                <a:cxn ang="0">
+                  <a:pos x="T4" y="T5"/>
+                </a:cxn>
+                <a:cxn ang="0">
+                  <a:pos x="T6" y="T7"/>
+                </a:cxn>
+                <a:cxn ang="0">
+                  <a:pos x="T8" y="T9"/>
+                </a:cxn>
+                <a:cxn ang="0">
+                  <a:pos x="T10" y="T11"/>
+                </a:cxn>
+                <a:cxn ang="0">
+                  <a:pos x="T12" y="T13"/>
+                </a:cxn>
+                <a:cxn ang="0">
+                  <a:pos x="T14" y="T15"/>
+                </a:cxn>
+                <a:cxn ang="0">
+                  <a:pos x="T16" y="T17"/>
+                </a:cxn>
+                <a:cxn ang="0">
+                  <a:pos x="T18" y="T19"/>
+                </a:cxn>
+                <a:cxn ang="0">
+                  <a:pos x="T20" y="T21"/>
+                </a:cxn>
+                <a:cxn ang="0">
+                  <a:pos x="T22" y="T23"/>
+                </a:cxn>
+                <a:cxn ang="0">
+                  <a:pos x="T24" y="T25"/>
+                </a:cxn>
+                <a:cxn ang="0">
+                  <a:pos x="T26" y="T27"/>
+                </a:cxn>
+                <a:cxn ang="0">
+                  <a:pos x="T28" y="T29"/>
+                </a:cxn>
+                <a:cxn ang="0">
+                  <a:pos x="T30" y="T31"/>
+                </a:cxn>
+                <a:cxn ang="0">
+                  <a:pos x="T32" y="T33"/>
+                </a:cxn>
+                <a:cxn ang="0">
+                  <a:pos x="T34" y="T35"/>
+                </a:cxn>
+                <a:cxn ang="0">
+                  <a:pos x="T36" y="T37"/>
+                </a:cxn>
+                <a:cxn ang="0">
+                  <a:pos x="T38" y="T39"/>
+                </a:cxn>
+                <a:cxn ang="0">
+                  <a:pos x="T40" y="T41"/>
+                </a:cxn>
+                <a:cxn ang="0">
+                  <a:pos x="T42" y="T43"/>
+                </a:cxn>
+                <a:cxn ang="0">
+                  <a:pos x="T44" y="T45"/>
+                </a:cxn>
+                <a:cxn ang="0">
+                  <a:pos x="T46" y="T47"/>
+                </a:cxn>
+                <a:cxn ang="0">
+                  <a:pos x="T48" y="T49"/>
+                </a:cxn>
+                <a:cxn ang="0">
+                  <a:pos x="T50" y="T51"/>
+                </a:cxn>
+                <a:cxn ang="0">
+                  <a:pos x="T52" y="T53"/>
+                </a:cxn>
+                <a:cxn ang="0">
+                  <a:pos x="T54" y="T55"/>
+                </a:cxn>
+                <a:cxn ang="0">
+                  <a:pos x="T56" y="T57"/>
+                </a:cxn>
+                <a:cxn ang="0">
+                  <a:pos x="T58" y="T59"/>
+                </a:cxn>
+                <a:cxn ang="0">
+                  <a:pos x="T60" y="T61"/>
+                </a:cxn>
+                <a:cxn ang="0">
+                  <a:pos x="T62" y="T63"/>
+                </a:cxn>
+                <a:cxn ang="0">
+                  <a:pos x="T64" y="T65"/>
+                </a:cxn>
+                <a:cxn ang="0">
+                  <a:pos x="T66" y="T67"/>
+                </a:cxn>
+                <a:cxn ang="0">
+                  <a:pos x="T68" y="T69"/>
+                </a:cxn>
+                <a:cxn ang="0">
+                  <a:pos x="T70" y="T71"/>
+                </a:cxn>
+                <a:cxn ang="0">
+                  <a:pos x="T72" y="T73"/>
+                </a:cxn>
+                <a:cxn ang="0">
+                  <a:pos x="T74" y="T75"/>
+                </a:cxn>
+              </a:cxnLst>
+              <a:rect l="0" t="0" r="r" b="b"/>
+              <a:pathLst>
+                <a:path w="705" h="1508">
+                  <a:moveTo>
+                    <a:pt x="302" y="346"/>
+                  </a:moveTo>
+                  <a:cubicBezTo>
+                    <a:pt x="270" y="455"/>
+                    <a:pt x="251" y="578"/>
+                    <a:pt x="247" y="709"/>
+                  </a:cubicBezTo>
+                  <a:lnTo>
+                    <a:pt x="0" y="709"/>
+                  </a:lnTo>
+                  <a:cubicBezTo>
+                    <a:pt x="8" y="576"/>
+                    <a:pt x="50" y="452"/>
+                    <a:pt x="118" y="346"/>
+                  </a:cubicBezTo>
+                  <a:lnTo>
+                    <a:pt x="302" y="346"/>
+                  </a:lnTo>
+                  <a:close/>
+                  <a:moveTo>
+                    <a:pt x="194" y="247"/>
+                  </a:moveTo>
+                  <a:cubicBezTo>
+                    <a:pt x="261" y="174"/>
+                    <a:pt x="341" y="114"/>
+                    <a:pt x="430" y="72"/>
+                  </a:cubicBezTo>
+                  <a:cubicBezTo>
+                    <a:pt x="394" y="122"/>
+                    <a:pt x="363" y="182"/>
+                    <a:pt x="337" y="247"/>
+                  </a:cubicBezTo>
+                  <a:lnTo>
+                    <a:pt x="194" y="247"/>
+                  </a:lnTo>
+                  <a:close/>
+                  <a:moveTo>
+                    <a:pt x="0" y="808"/>
+                  </a:moveTo>
+                  <a:lnTo>
+                    <a:pt x="247" y="808"/>
+                  </a:lnTo>
+                  <a:cubicBezTo>
+                    <a:pt x="251" y="937"/>
+                    <a:pt x="271" y="1057"/>
+                    <a:pt x="303" y="1164"/>
+                  </a:cubicBezTo>
+                  <a:lnTo>
+                    <a:pt x="119" y="1164"/>
+                  </a:lnTo>
+                  <a:cubicBezTo>
+                    <a:pt x="52" y="1060"/>
+                    <a:pt x="9" y="939"/>
+                    <a:pt x="0" y="808"/>
+                  </a:cubicBezTo>
+                  <a:close/>
+                  <a:moveTo>
+                    <a:pt x="196" y="1263"/>
+                  </a:moveTo>
+                  <a:lnTo>
+                    <a:pt x="337" y="1263"/>
+                  </a:lnTo>
+                  <a:cubicBezTo>
+                    <a:pt x="364" y="1328"/>
+                    <a:pt x="395" y="1387"/>
+                    <a:pt x="430" y="1437"/>
+                  </a:cubicBezTo>
+                  <a:cubicBezTo>
+                    <a:pt x="341" y="1394"/>
+                    <a:pt x="262" y="1335"/>
+                    <a:pt x="196" y="1263"/>
+                  </a:cubicBezTo>
+                  <a:close/>
+                  <a:moveTo>
+                    <a:pt x="705" y="1508"/>
+                  </a:moveTo>
+                  <a:cubicBezTo>
+                    <a:pt x="682" y="1507"/>
+                    <a:pt x="660" y="1504"/>
+                    <a:pt x="638" y="1501"/>
+                  </a:cubicBezTo>
+                  <a:cubicBezTo>
+                    <a:pt x="563" y="1457"/>
+                    <a:pt x="498" y="1373"/>
+                    <a:pt x="447" y="1263"/>
+                  </a:cubicBezTo>
+                  <a:lnTo>
+                    <a:pt x="705" y="1263"/>
+                  </a:lnTo>
+                  <a:lnTo>
+                    <a:pt x="705" y="1508"/>
+                  </a:lnTo>
+                  <a:close/>
+                  <a:moveTo>
+                    <a:pt x="705" y="1164"/>
+                  </a:moveTo>
+                  <a:lnTo>
+                    <a:pt x="408" y="1164"/>
+                  </a:lnTo>
+                  <a:cubicBezTo>
+                    <a:pt x="373" y="1059"/>
+                    <a:pt x="351" y="937"/>
+                    <a:pt x="346" y="808"/>
+                  </a:cubicBezTo>
+                  <a:lnTo>
+                    <a:pt x="705" y="808"/>
+                  </a:lnTo>
+                  <a:lnTo>
+                    <a:pt x="705" y="1164"/>
+                  </a:lnTo>
+                  <a:close/>
+                  <a:moveTo>
+                    <a:pt x="705" y="709"/>
+                  </a:moveTo>
+                  <a:lnTo>
+                    <a:pt x="346" y="709"/>
+                  </a:lnTo>
+                  <a:cubicBezTo>
+                    <a:pt x="350" y="578"/>
+                    <a:pt x="372" y="454"/>
+                    <a:pt x="408" y="346"/>
+                  </a:cubicBezTo>
+                  <a:lnTo>
+                    <a:pt x="705" y="346"/>
+                  </a:lnTo>
+                  <a:lnTo>
+                    <a:pt x="705" y="709"/>
+                  </a:lnTo>
+                  <a:close/>
+                  <a:moveTo>
+                    <a:pt x="705" y="247"/>
+                  </a:moveTo>
+                  <a:lnTo>
+                    <a:pt x="446" y="247"/>
+                  </a:lnTo>
+                  <a:cubicBezTo>
+                    <a:pt x="497" y="137"/>
+                    <a:pt x="563" y="52"/>
+                    <a:pt x="638" y="8"/>
+                  </a:cubicBezTo>
+                  <a:cubicBezTo>
+                    <a:pt x="660" y="4"/>
+                    <a:pt x="683" y="2"/>
+                    <a:pt x="705" y="0"/>
+                  </a:cubicBezTo>
+                  <a:lnTo>
+                    <a:pt x="705" y="247"/>
+                  </a:lnTo>
+                  <a:close/>
+                </a:path>
+              </a:pathLst>
+            </a:custGeom>
+            <a:grpFill/>
+            <a:ln w="0">
+              <a:noFill/>
+              <a:prstDash val="solid"/>
+              <a:round/>
+              <a:headEnd/>
+              <a:tailEnd/>
+            </a:ln>
+            <a:scene3d>
+              <a:camera prst="orthographicFront"/>
+              <a:lightRig rig="threePt" dir="t"/>
+            </a:scene3d>
+            <a:sp3d prstMaterial="matte">
+              <a:bevelB h="12700"/>
+            </a:sp3d>
+            <a:extLst>
+              <a:ext uri="{91240B29-F687-4F45-9708-019B960494DF}">
+                <a14:hiddenLine xmlns:a14="http://schemas.microsoft.com/office/drawing/2010/main" w="0">
+                  <a:solidFill>
+                    <a:srgbClr val="000000"/>
+                  </a:solidFill>
+                  <a:prstDash val="solid"/>
+                  <a:round/>
+                  <a:headEnd/>
+                  <a:tailEnd/>
+                </a14:hiddenLine>
+              </a:ext>
+            </a:extLst>
+          </p:spPr>
+          <p:txBody>
+            <a:bodyPr vert="horz" wrap="square" lIns="91440" tIns="45720" rIns="91440" bIns="45720" numCol="1" anchor="t" anchorCtr="0" compatLnSpc="1">
+              <a:prstTxWarp prst="textNoShape">
+                <a:avLst/>
+              </a:prstTxWarp>
+            </a:bodyPr>
+            <a:lstStyle>
+              <a:defPPr>
+                <a:defRPr lang="zh-CN"/>
+              </a:defPPr>
+              <a:lvl1pPr marL="0" algn="l" defTabSz="914400" rtl="0" eaLnBrk="1" latinLnBrk="0" hangingPunct="1">
+                <a:defRPr sz="1800" kern="1200">
+                  <a:solidFill>
+                    <a:schemeClr val="tx1"/>
+                  </a:solidFill>
+                  <a:latin typeface="+mn-lt"/>
+                  <a:ea typeface="+mn-ea"/>
+                  <a:cs typeface="+mn-cs"/>
+                </a:defRPr>
+              </a:lvl1pPr>
+              <a:lvl2pPr marL="457200" algn="l" defTabSz="914400" rtl="0" eaLnBrk="1" latinLnBrk="0" hangingPunct="1">
+                <a:defRPr sz="1800" kern="1200">
+                  <a:solidFill>
+                    <a:schemeClr val="tx1"/>
+                  </a:solidFill>
+                  <a:latin typeface="+mn-lt"/>
+                  <a:ea typeface="+mn-ea"/>
+                  <a:cs typeface="+mn-cs"/>
+                </a:defRPr>
+              </a:lvl2pPr>
+              <a:lvl3pPr marL="914400" algn="l" defTabSz="914400" rtl="0" eaLnBrk="1" latinLnBrk="0" hangingPunct="1">
+                <a:defRPr sz="1800" kern="1200">
+                  <a:solidFill>
+                    <a:schemeClr val="tx1"/>
+                  </a:solidFill>
+                  <a:latin typeface="+mn-lt"/>
+                  <a:ea typeface="+mn-ea"/>
+                  <a:cs typeface="+mn-cs"/>
+                </a:defRPr>
+              </a:lvl3pPr>
+              <a:lvl4pPr marL="1371600" algn="l" defTabSz="914400" rtl="0" eaLnBrk="1" latinLnBrk="0" hangingPunct="1">
+                <a:defRPr sz="1800" kern="1200">
+                  <a:solidFill>
+                    <a:schemeClr val="tx1"/>
+                  </a:solidFill>
+                  <a:latin typeface="+mn-lt"/>
+                  <a:ea typeface="+mn-ea"/>
+                  <a:cs typeface="+mn-cs"/>
+                </a:defRPr>
+              </a:lvl4pPr>
+              <a:lvl5pPr marL="1828800" algn="l" defTabSz="914400" rtl="0" eaLnBrk="1" latinLnBrk="0" hangingPunct="1">
+                <a:defRPr sz="1800" kern="1200">
+                  <a:solidFill>
+                    <a:schemeClr val="tx1"/>
+                  </a:solidFill>
+                  <a:latin typeface="+mn-lt"/>
+                  <a:ea typeface="+mn-ea"/>
+                  <a:cs typeface="+mn-cs"/>
+                </a:defRPr>
+              </a:lvl5pPr>
+              <a:lvl6pPr marL="2286000" algn="l" defTabSz="914400" rtl="0" eaLnBrk="1" latinLnBrk="0" hangingPunct="1">
+                <a:defRPr sz="1800" kern="1200">
+                  <a:solidFill>
+                    <a:schemeClr val="tx1"/>
+                  </a:solidFill>
+                  <a:latin typeface="+mn-lt"/>
+                  <a:ea typeface="+mn-ea"/>
+                  <a:cs typeface="+mn-cs"/>
+                </a:defRPr>
+              </a:lvl6pPr>
+              <a:lvl7pPr marL="2743200" algn="l" defTabSz="914400" rtl="0" eaLnBrk="1" latinLnBrk="0" hangingPunct="1">
+                <a:defRPr sz="1800" kern="1200">
+                  <a:solidFill>
+                    <a:schemeClr val="tx1"/>
+                  </a:solidFill>
+                  <a:latin typeface="+mn-lt"/>
+                  <a:ea typeface="+mn-ea"/>
+                  <a:cs typeface="+mn-cs"/>
+                </a:defRPr>
+              </a:lvl7pPr>
+              <a:lvl8pPr marL="3200400" algn="l" defTabSz="914400" rtl="0" eaLnBrk="1" latinLnBrk="0" hangingPunct="1">
+                <a:defRPr sz="1800" kern="1200">
+                  <a:solidFill>
+                    <a:schemeClr val="tx1"/>
+                  </a:solidFill>
+                  <a:latin typeface="+mn-lt"/>
+                  <a:ea typeface="+mn-ea"/>
+                  <a:cs typeface="+mn-cs"/>
+                </a:defRPr>
+              </a:lvl8pPr>
+              <a:lvl9pPr marL="3657600" algn="l" defTabSz="914400" rtl="0" eaLnBrk="1" latinLnBrk="0" hangingPunct="1">
+                <a:defRPr sz="1800" kern="1200">
+                  <a:solidFill>
+                    <a:schemeClr val="tx1"/>
+                  </a:solidFill>
+                  <a:latin typeface="+mn-lt"/>
+                  <a:ea typeface="+mn-ea"/>
+                  <a:cs typeface="+mn-cs"/>
+                </a:defRPr>
+              </a:lvl9pPr>
+            </a:lstStyle>
+            <a:p>
+              <a:endParaRPr lang="zh-CN" altLang="en-US"/>
+            </a:p>
+          </p:txBody>
+        </p:sp>
+        <p:sp>
+          <p:nvSpPr>
+            <p:cNvPr id="16" name="PA-任意多边形 54">
+              <a:extLst>
+                <a:ext uri="{FF2B5EF4-FFF2-40B4-BE49-F238E27FC236}">
+                  <a16:creationId xmlns:a16="http://schemas.microsoft.com/office/drawing/2014/main" id="{520E1641-9D92-4E52-BD4D-997D9883766A}"/>
+                </a:ext>
+              </a:extLst>
+            </p:cNvPr>
+            <p:cNvSpPr>
+              <a:spLocks noEditPoints="1"/>
+            </p:cNvSpPr>
+            <p:nvPr>
+              <p:custDataLst>
+                <p:tags r:id="rId4"/>
+              </p:custDataLst>
+            </p:nvPr>
+          </p:nvSpPr>
+          <p:spPr bwMode="auto">
+            <a:xfrm>
+              <a:off x="1579526" y="786758"/>
+              <a:ext cx="487348" cy="1042486"/>
+            </a:xfrm>
+            <a:custGeom>
+              <a:avLst/>
+              <a:gdLst>
+                <a:gd name="T0" fmla="*/ 0 w 706"/>
+                <a:gd name="T1" fmla="*/ 709 h 1508"/>
+                <a:gd name="T2" fmla="*/ 0 w 706"/>
+                <a:gd name="T3" fmla="*/ 346 h 1508"/>
+                <a:gd name="T4" fmla="*/ 301 w 706"/>
+                <a:gd name="T5" fmla="*/ 346 h 1508"/>
+                <a:gd name="T6" fmla="*/ 363 w 706"/>
+                <a:gd name="T7" fmla="*/ 709 h 1508"/>
+                <a:gd name="T8" fmla="*/ 0 w 706"/>
+                <a:gd name="T9" fmla="*/ 709 h 1508"/>
+                <a:gd name="T10" fmla="*/ 363 w 706"/>
+                <a:gd name="T11" fmla="*/ 808 h 1508"/>
+                <a:gd name="T12" fmla="*/ 301 w 706"/>
+                <a:gd name="T13" fmla="*/ 1164 h 1508"/>
+                <a:gd name="T14" fmla="*/ 0 w 706"/>
+                <a:gd name="T15" fmla="*/ 1164 h 1508"/>
+                <a:gd name="T16" fmla="*/ 0 w 706"/>
+                <a:gd name="T17" fmla="*/ 808 h 1508"/>
+                <a:gd name="T18" fmla="*/ 363 w 706"/>
+                <a:gd name="T19" fmla="*/ 808 h 1508"/>
+                <a:gd name="T20" fmla="*/ 0 w 706"/>
+                <a:gd name="T21" fmla="*/ 247 h 1508"/>
+                <a:gd name="T22" fmla="*/ 0 w 706"/>
+                <a:gd name="T23" fmla="*/ 0 h 1508"/>
+                <a:gd name="T24" fmla="*/ 73 w 706"/>
+                <a:gd name="T25" fmla="*/ 9 h 1508"/>
+                <a:gd name="T26" fmla="*/ 263 w 706"/>
+                <a:gd name="T27" fmla="*/ 247 h 1508"/>
+                <a:gd name="T28" fmla="*/ 0 w 706"/>
+                <a:gd name="T29" fmla="*/ 247 h 1508"/>
+                <a:gd name="T30" fmla="*/ 280 w 706"/>
+                <a:gd name="T31" fmla="*/ 74 h 1508"/>
+                <a:gd name="T32" fmla="*/ 511 w 706"/>
+                <a:gd name="T33" fmla="*/ 247 h 1508"/>
+                <a:gd name="T34" fmla="*/ 372 w 706"/>
+                <a:gd name="T35" fmla="*/ 247 h 1508"/>
+                <a:gd name="T36" fmla="*/ 280 w 706"/>
+                <a:gd name="T37" fmla="*/ 74 h 1508"/>
+                <a:gd name="T38" fmla="*/ 73 w 706"/>
+                <a:gd name="T39" fmla="*/ 1500 h 1508"/>
+                <a:gd name="T40" fmla="*/ 0 w 706"/>
+                <a:gd name="T41" fmla="*/ 1508 h 1508"/>
+                <a:gd name="T42" fmla="*/ 0 w 706"/>
+                <a:gd name="T43" fmla="*/ 1263 h 1508"/>
+                <a:gd name="T44" fmla="*/ 262 w 706"/>
+                <a:gd name="T45" fmla="*/ 1263 h 1508"/>
+                <a:gd name="T46" fmla="*/ 73 w 706"/>
+                <a:gd name="T47" fmla="*/ 1500 h 1508"/>
+                <a:gd name="T48" fmla="*/ 280 w 706"/>
+                <a:gd name="T49" fmla="*/ 1434 h 1508"/>
+                <a:gd name="T50" fmla="*/ 372 w 706"/>
+                <a:gd name="T51" fmla="*/ 1263 h 1508"/>
+                <a:gd name="T52" fmla="*/ 510 w 706"/>
+                <a:gd name="T53" fmla="*/ 1263 h 1508"/>
+                <a:gd name="T54" fmla="*/ 280 w 706"/>
+                <a:gd name="T55" fmla="*/ 1434 h 1508"/>
+                <a:gd name="T56" fmla="*/ 586 w 706"/>
+                <a:gd name="T57" fmla="*/ 1164 h 1508"/>
+                <a:gd name="T58" fmla="*/ 406 w 706"/>
+                <a:gd name="T59" fmla="*/ 1164 h 1508"/>
+                <a:gd name="T60" fmla="*/ 462 w 706"/>
+                <a:gd name="T61" fmla="*/ 808 h 1508"/>
+                <a:gd name="T62" fmla="*/ 705 w 706"/>
+                <a:gd name="T63" fmla="*/ 808 h 1508"/>
+                <a:gd name="T64" fmla="*/ 586 w 706"/>
+                <a:gd name="T65" fmla="*/ 1164 h 1508"/>
+                <a:gd name="T66" fmla="*/ 462 w 706"/>
+                <a:gd name="T67" fmla="*/ 709 h 1508"/>
+                <a:gd name="T68" fmla="*/ 407 w 706"/>
+                <a:gd name="T69" fmla="*/ 346 h 1508"/>
+                <a:gd name="T70" fmla="*/ 588 w 706"/>
+                <a:gd name="T71" fmla="*/ 346 h 1508"/>
+                <a:gd name="T72" fmla="*/ 706 w 706"/>
+                <a:gd name="T73" fmla="*/ 709 h 1508"/>
+                <a:gd name="T74" fmla="*/ 462 w 706"/>
+                <a:gd name="T75" fmla="*/ 709 h 1508"/>
+              </a:gdLst>
+              <a:ahLst/>
+              <a:cxnLst>
+                <a:cxn ang="0">
+                  <a:pos x="T0" y="T1"/>
+                </a:cxn>
+                <a:cxn ang="0">
+                  <a:pos x="T2" y="T3"/>
+                </a:cxn>
+                <a:cxn ang="0">
+                  <a:pos x="T4" y="T5"/>
+                </a:cxn>
+                <a:cxn ang="0">
+                  <a:pos x="T6" y="T7"/>
+                </a:cxn>
+                <a:cxn ang="0">
+                  <a:pos x="T8" y="T9"/>
+                </a:cxn>
+                <a:cxn ang="0">
+                  <a:pos x="T10" y="T11"/>
+                </a:cxn>
+                <a:cxn ang="0">
+                  <a:pos x="T12" y="T13"/>
+                </a:cxn>
+                <a:cxn ang="0">
+                  <a:pos x="T14" y="T15"/>
+                </a:cxn>
+                <a:cxn ang="0">
+                  <a:pos x="T16" y="T17"/>
+                </a:cxn>
+                <a:cxn ang="0">
+                  <a:pos x="T18" y="T19"/>
+                </a:cxn>
+                <a:cxn ang="0">
+                  <a:pos x="T20" y="T21"/>
+                </a:cxn>
+                <a:cxn ang="0">
+                  <a:pos x="T22" y="T23"/>
+                </a:cxn>
+                <a:cxn ang="0">
+                  <a:pos x="T24" y="T25"/>
+                </a:cxn>
+                <a:cxn ang="0">
+                  <a:pos x="T26" y="T27"/>
+                </a:cxn>
+                <a:cxn ang="0">
+                  <a:pos x="T28" y="T29"/>
+                </a:cxn>
+                <a:cxn ang="0">
+                  <a:pos x="T30" y="T31"/>
+                </a:cxn>
+                <a:cxn ang="0">
+                  <a:pos x="T32" y="T33"/>
+                </a:cxn>
+                <a:cxn ang="0">
+                  <a:pos x="T34" y="T35"/>
+                </a:cxn>
+                <a:cxn ang="0">
+                  <a:pos x="T36" y="T37"/>
+                </a:cxn>
+                <a:cxn ang="0">
+                  <a:pos x="T38" y="T39"/>
+                </a:cxn>
+                <a:cxn ang="0">
+                  <a:pos x="T40" y="T41"/>
+                </a:cxn>
+                <a:cxn ang="0">
+                  <a:pos x="T42" y="T43"/>
+                </a:cxn>
+                <a:cxn ang="0">
+                  <a:pos x="T44" y="T45"/>
+                </a:cxn>
+                <a:cxn ang="0">
+                  <a:pos x="T46" y="T47"/>
+                </a:cxn>
+                <a:cxn ang="0">
+                  <a:pos x="T48" y="T49"/>
+                </a:cxn>
+                <a:cxn ang="0">
+                  <a:pos x="T50" y="T51"/>
+                </a:cxn>
+                <a:cxn ang="0">
+                  <a:pos x="T52" y="T53"/>
+                </a:cxn>
+                <a:cxn ang="0">
+                  <a:pos x="T54" y="T55"/>
+                </a:cxn>
+                <a:cxn ang="0">
+                  <a:pos x="T56" y="T57"/>
+                </a:cxn>
+                <a:cxn ang="0">
+                  <a:pos x="T58" y="T59"/>
+                </a:cxn>
+                <a:cxn ang="0">
+                  <a:pos x="T60" y="T61"/>
+                </a:cxn>
+                <a:cxn ang="0">
+                  <a:pos x="T62" y="T63"/>
+                </a:cxn>
+                <a:cxn ang="0">
+                  <a:pos x="T64" y="T65"/>
+                </a:cxn>
+                <a:cxn ang="0">
+                  <a:pos x="T66" y="T67"/>
+                </a:cxn>
+                <a:cxn ang="0">
+                  <a:pos x="T68" y="T69"/>
+                </a:cxn>
+                <a:cxn ang="0">
+                  <a:pos x="T70" y="T71"/>
+                </a:cxn>
+                <a:cxn ang="0">
+                  <a:pos x="T72" y="T73"/>
+                </a:cxn>
+                <a:cxn ang="0">
+                  <a:pos x="T74" y="T75"/>
+                </a:cxn>
+              </a:cxnLst>
+              <a:rect l="0" t="0" r="r" b="b"/>
+              <a:pathLst>
+                <a:path w="706" h="1508">
+                  <a:moveTo>
+                    <a:pt x="0" y="709"/>
+                  </a:moveTo>
+                  <a:lnTo>
+                    <a:pt x="0" y="346"/>
+                  </a:lnTo>
+                  <a:lnTo>
+                    <a:pt x="301" y="346"/>
+                  </a:lnTo>
+                  <a:cubicBezTo>
+                    <a:pt x="337" y="454"/>
+                    <a:pt x="359" y="578"/>
+                    <a:pt x="363" y="709"/>
+                  </a:cubicBezTo>
+                  <a:lnTo>
+                    <a:pt x="0" y="709"/>
+                  </a:lnTo>
+                  <a:close/>
+                  <a:moveTo>
+                    <a:pt x="363" y="808"/>
+                  </a:moveTo>
+                  <a:cubicBezTo>
+                    <a:pt x="358" y="937"/>
+                    <a:pt x="336" y="1059"/>
+                    <a:pt x="301" y="1164"/>
+                  </a:cubicBezTo>
+                  <a:lnTo>
+                    <a:pt x="0" y="1164"/>
+                  </a:lnTo>
+                  <a:lnTo>
+                    <a:pt x="0" y="808"/>
+                  </a:lnTo>
+                  <a:lnTo>
+                    <a:pt x="363" y="808"/>
+                  </a:lnTo>
+                  <a:close/>
+                  <a:moveTo>
+                    <a:pt x="0" y="247"/>
+                  </a:moveTo>
+                  <a:lnTo>
+                    <a:pt x="0" y="0"/>
+                  </a:lnTo>
+                  <a:cubicBezTo>
+                    <a:pt x="25" y="2"/>
+                    <a:pt x="49" y="5"/>
+                    <a:pt x="73" y="9"/>
+                  </a:cubicBezTo>
+                  <a:cubicBezTo>
+                    <a:pt x="147" y="53"/>
+                    <a:pt x="213" y="137"/>
+                    <a:pt x="263" y="247"/>
+                  </a:cubicBezTo>
+                  <a:lnTo>
+                    <a:pt x="0" y="247"/>
+                  </a:lnTo>
+                  <a:close/>
+                  <a:moveTo>
+                    <a:pt x="280" y="74"/>
+                  </a:moveTo>
+                  <a:cubicBezTo>
+                    <a:pt x="368" y="117"/>
+                    <a:pt x="446" y="175"/>
+                    <a:pt x="511" y="247"/>
+                  </a:cubicBezTo>
+                  <a:lnTo>
+                    <a:pt x="372" y="247"/>
+                  </a:lnTo>
+                  <a:cubicBezTo>
+                    <a:pt x="346" y="183"/>
+                    <a:pt x="316" y="124"/>
+                    <a:pt x="280" y="74"/>
+                  </a:cubicBezTo>
+                  <a:close/>
+                  <a:moveTo>
+                    <a:pt x="73" y="1500"/>
+                  </a:moveTo>
+                  <a:cubicBezTo>
+                    <a:pt x="49" y="1504"/>
+                    <a:pt x="25" y="1507"/>
+                    <a:pt x="0" y="1508"/>
+                  </a:cubicBezTo>
+                  <a:lnTo>
+                    <a:pt x="0" y="1263"/>
+                  </a:lnTo>
+                  <a:lnTo>
+                    <a:pt x="262" y="1263"/>
+                  </a:lnTo>
+                  <a:cubicBezTo>
+                    <a:pt x="212" y="1372"/>
+                    <a:pt x="147" y="1456"/>
+                    <a:pt x="73" y="1500"/>
+                  </a:cubicBezTo>
+                  <a:close/>
+                  <a:moveTo>
+                    <a:pt x="280" y="1434"/>
+                  </a:moveTo>
+                  <a:cubicBezTo>
+                    <a:pt x="315" y="1385"/>
+                    <a:pt x="346" y="1327"/>
+                    <a:pt x="372" y="1263"/>
+                  </a:cubicBezTo>
+                  <a:lnTo>
+                    <a:pt x="510" y="1263"/>
+                  </a:lnTo>
+                  <a:cubicBezTo>
+                    <a:pt x="445" y="1334"/>
+                    <a:pt x="367" y="1392"/>
+                    <a:pt x="280" y="1434"/>
+                  </a:cubicBezTo>
+                  <a:close/>
+                  <a:moveTo>
+                    <a:pt x="586" y="1164"/>
+                  </a:moveTo>
+                  <a:lnTo>
+                    <a:pt x="406" y="1164"/>
+                  </a:lnTo>
+                  <a:cubicBezTo>
+                    <a:pt x="438" y="1057"/>
+                    <a:pt x="458" y="937"/>
+                    <a:pt x="462" y="808"/>
+                  </a:cubicBezTo>
+                  <a:lnTo>
+                    <a:pt x="705" y="808"/>
+                  </a:lnTo>
+                  <a:cubicBezTo>
+                    <a:pt x="696" y="939"/>
+                    <a:pt x="654" y="1060"/>
+                    <a:pt x="586" y="1164"/>
+                  </a:cubicBezTo>
+                  <a:close/>
+                  <a:moveTo>
+                    <a:pt x="462" y="709"/>
+                  </a:moveTo>
+                  <a:cubicBezTo>
+                    <a:pt x="459" y="578"/>
+                    <a:pt x="439" y="455"/>
+                    <a:pt x="407" y="346"/>
+                  </a:cubicBezTo>
+                  <a:lnTo>
+                    <a:pt x="588" y="346"/>
+                  </a:lnTo>
+                  <a:cubicBezTo>
+                    <a:pt x="656" y="452"/>
+                    <a:pt x="698" y="576"/>
+                    <a:pt x="706" y="709"/>
+                  </a:cubicBezTo>
+                  <a:lnTo>
+                    <a:pt x="462" y="709"/>
+                  </a:lnTo>
+                  <a:close/>
+                </a:path>
+              </a:pathLst>
+            </a:custGeom>
+            <a:grpFill/>
+            <a:ln w="0">
+              <a:noFill/>
+              <a:prstDash val="solid"/>
+              <a:round/>
+              <a:headEnd/>
+              <a:tailEnd/>
+            </a:ln>
+            <a:scene3d>
+              <a:camera prst="orthographicFront"/>
+              <a:lightRig rig="threePt" dir="t"/>
+            </a:scene3d>
+            <a:sp3d prstMaterial="matte">
+              <a:bevelB h="12700"/>
+            </a:sp3d>
+            <a:extLst>
+              <a:ext uri="{91240B29-F687-4F45-9708-019B960494DF}">
+                <a14:hiddenLine xmlns:a14="http://schemas.microsoft.com/office/drawing/2010/main" w="0">
+                  <a:solidFill>
+                    <a:srgbClr val="000000"/>
+                  </a:solidFill>
+                  <a:prstDash val="solid"/>
+                  <a:round/>
+                  <a:headEnd/>
+                  <a:tailEnd/>
+                </a14:hiddenLine>
+              </a:ext>
+            </a:extLst>
+          </p:spPr>
+          <p:txBody>
+            <a:bodyPr vert="horz" wrap="square" lIns="91440" tIns="45720" rIns="91440" bIns="45720" numCol="1" anchor="t" anchorCtr="0" compatLnSpc="1">
+              <a:prstTxWarp prst="textNoShape">
+                <a:avLst/>
+              </a:prstTxWarp>
+            </a:bodyPr>
+            <a:lstStyle>
+              <a:defPPr>
+                <a:defRPr lang="zh-CN"/>
+              </a:defPPr>
+              <a:lvl1pPr marL="0" algn="l" defTabSz="914400" rtl="0" eaLnBrk="1" latinLnBrk="0" hangingPunct="1">
+                <a:defRPr sz="1800" kern="1200">
+                  <a:solidFill>
+                    <a:schemeClr val="tx1"/>
+                  </a:solidFill>
+                  <a:latin typeface="+mn-lt"/>
+                  <a:ea typeface="+mn-ea"/>
+                  <a:cs typeface="+mn-cs"/>
+                </a:defRPr>
+              </a:lvl1pPr>
+              <a:lvl2pPr marL="457200" algn="l" defTabSz="914400" rtl="0" eaLnBrk="1" latinLnBrk="0" hangingPunct="1">
+                <a:defRPr sz="1800" kern="1200">
+                  <a:solidFill>
+                    <a:schemeClr val="tx1"/>
+                  </a:solidFill>
+                  <a:latin typeface="+mn-lt"/>
+                  <a:ea typeface="+mn-ea"/>
+                  <a:cs typeface="+mn-cs"/>
+                </a:defRPr>
+              </a:lvl2pPr>
+              <a:lvl3pPr marL="914400" algn="l" defTabSz="914400" rtl="0" eaLnBrk="1" latinLnBrk="0" hangingPunct="1">
+                <a:defRPr sz="1800" kern="1200">
+                  <a:solidFill>
+                    <a:schemeClr val="tx1"/>
+                  </a:solidFill>
+                  <a:latin typeface="+mn-lt"/>
+                  <a:ea typeface="+mn-ea"/>
+                  <a:cs typeface="+mn-cs"/>
+                </a:defRPr>
+              </a:lvl3pPr>
+              <a:lvl4pPr marL="1371600" algn="l" defTabSz="914400" rtl="0" eaLnBrk="1" latinLnBrk="0" hangingPunct="1">
+                <a:defRPr sz="1800" kern="1200">
+                  <a:solidFill>
+                    <a:schemeClr val="tx1"/>
+                  </a:solidFill>
+                  <a:latin typeface="+mn-lt"/>
+                  <a:ea typeface="+mn-ea"/>
+                  <a:cs typeface="+mn-cs"/>
+                </a:defRPr>
+              </a:lvl4pPr>
+              <a:lvl5pPr marL="1828800" algn="l" defTabSz="914400" rtl="0" eaLnBrk="1" latinLnBrk="0" hangingPunct="1">
+                <a:defRPr sz="1800" kern="1200">
+                  <a:solidFill>
+                    <a:schemeClr val="tx1"/>
+                  </a:solidFill>
+                  <a:latin typeface="+mn-lt"/>
+                  <a:ea typeface="+mn-ea"/>
+                  <a:cs typeface="+mn-cs"/>
+                </a:defRPr>
+              </a:lvl5pPr>
+              <a:lvl6pPr marL="2286000" algn="l" defTabSz="914400" rtl="0" eaLnBrk="1" latinLnBrk="0" hangingPunct="1">
+                <a:defRPr sz="1800" kern="1200">
+                  <a:solidFill>
+                    <a:schemeClr val="tx1"/>
+                  </a:solidFill>
+                  <a:latin typeface="+mn-lt"/>
+                  <a:ea typeface="+mn-ea"/>
+                  <a:cs typeface="+mn-cs"/>
+                </a:defRPr>
+              </a:lvl6pPr>
+              <a:lvl7pPr marL="2743200" algn="l" defTabSz="914400" rtl="0" eaLnBrk="1" latinLnBrk="0" hangingPunct="1">
+                <a:defRPr sz="1800" kern="1200">
+                  <a:solidFill>
+                    <a:schemeClr val="tx1"/>
+                  </a:solidFill>
+                  <a:latin typeface="+mn-lt"/>
+                  <a:ea typeface="+mn-ea"/>
+                  <a:cs typeface="+mn-cs"/>
+                </a:defRPr>
+              </a:lvl7pPr>
+              <a:lvl8pPr marL="3200400" algn="l" defTabSz="914400" rtl="0" eaLnBrk="1" latinLnBrk="0" hangingPunct="1">
+                <a:defRPr sz="1800" kern="1200">
+                  <a:solidFill>
+                    <a:schemeClr val="tx1"/>
+                  </a:solidFill>
+                  <a:latin typeface="+mn-lt"/>
+                  <a:ea typeface="+mn-ea"/>
+                  <a:cs typeface="+mn-cs"/>
+                </a:defRPr>
+              </a:lvl8pPr>
+              <a:lvl9pPr marL="3657600" algn="l" defTabSz="914400" rtl="0" eaLnBrk="1" latinLnBrk="0" hangingPunct="1">
+                <a:defRPr sz="1800" kern="1200">
+                  <a:solidFill>
+                    <a:schemeClr val="tx1"/>
+                  </a:solidFill>
+                  <a:latin typeface="+mn-lt"/>
+                  <a:ea typeface="+mn-ea"/>
+                  <a:cs typeface="+mn-cs"/>
+                </a:defRPr>
+              </a:lvl9pPr>
+            </a:lstStyle>
+            <a:p>
+              <a:endParaRPr lang="zh-CN" altLang="en-US"/>
+            </a:p>
+          </p:txBody>
+        </p:sp>
+      </p:grpSp>
+      <p:pic>
+        <p:nvPicPr>
+          <p:cNvPr id="2" name="图片 1" descr="图片包含 绿色, 片, 瓷砖, 水槽&#10;&#10;描述已自动生成">
+            <a:extLst>
+              <a:ext uri="{FF2B5EF4-FFF2-40B4-BE49-F238E27FC236}">
+                <a16:creationId xmlns:a16="http://schemas.microsoft.com/office/drawing/2014/main" id="{99D91D37-8AFE-4F5F-87AC-2406BA99185E}"/>
+              </a:ext>
+            </a:extLst>
+          </p:cNvPr>
+          <p:cNvPicPr>
+            <a:picLocks noChangeAspect="1"/>
+          </p:cNvPicPr>
+          <p:nvPr/>
+        </p:nvPicPr>
+        <p:blipFill>
+          <a:blip r:embed="rId6">
+            <a:extLst>
+              <a:ext uri="{28A0092B-C50C-407E-A947-70E740481C1C}">
+                <a14:useLocalDpi xmlns:a14="http://schemas.microsoft.com/office/drawing/2010/main" val="0"/>
+              </a:ext>
+            </a:extLst>
+          </a:blip>
+          <a:stretch>
+            <a:fillRect/>
+          </a:stretch>
+        </p:blipFill>
+        <p:spPr>
+          <a:xfrm>
+            <a:off x="3370715" y="3394383"/>
+            <a:ext cx="914867" cy="914867"/>
+          </a:xfrm>
+          <a:prstGeom prst="rect">
+            <a:avLst/>
+          </a:prstGeom>
+          <a:effectLst>
+            <a:outerShdw blurRad="50800" dist="38100" dir="10800000" algn="r" rotWithShape="0">
+              <a:prstClr val="black">
+                <a:alpha val="40000"/>
+              </a:prstClr>
+            </a:outerShdw>
+          </a:effectLst>
+        </p:spPr>
+      </p:pic>
+      <p:sp>
+        <p:nvSpPr>
+          <p:cNvPr id="10" name="任意多边形: 形状 9">
+            <a:extLst>
+              <a:ext uri="{FF2B5EF4-FFF2-40B4-BE49-F238E27FC236}">
+                <a16:creationId xmlns:a16="http://schemas.microsoft.com/office/drawing/2014/main" id="{33467F1A-A055-47E3-8B9F-FA7A0EFE4371}"/>
+              </a:ext>
+            </a:extLst>
+          </p:cNvPr>
+          <p:cNvSpPr/>
+          <p:nvPr/>
+        </p:nvSpPr>
+        <p:spPr>
+          <a:xfrm>
+            <a:off x="2803433" y="1867908"/>
+            <a:ext cx="1472305" cy="1472306"/>
+          </a:xfrm>
+          <a:custGeom>
+            <a:avLst/>
+            <a:gdLst>
+              <a:gd name="connsiteX0" fmla="*/ 710079 w 1540984"/>
+              <a:gd name="connsiteY0" fmla="*/ 870634 h 1540985"/>
+              <a:gd name="connsiteX1" fmla="*/ 358021 w 1540984"/>
+              <a:gd name="connsiteY1" fmla="*/ 1088830 h 1540985"/>
+              <a:gd name="connsiteX2" fmla="*/ 365790 w 1540984"/>
+              <a:gd name="connsiteY2" fmla="*/ 1100693 h 1540985"/>
+              <a:gd name="connsiteX3" fmla="*/ 370809 w 1540984"/>
+              <a:gd name="connsiteY3" fmla="*/ 1127196 h 1540985"/>
+              <a:gd name="connsiteX4" fmla="*/ 362092 w 1540984"/>
+              <a:gd name="connsiteY4" fmla="*/ 1139985 h 1540985"/>
+              <a:gd name="connsiteX5" fmla="*/ 379682 w 1540984"/>
+              <a:gd name="connsiteY5" fmla="*/ 1161304 h 1540985"/>
+              <a:gd name="connsiteX6" fmla="*/ 770493 w 1540984"/>
+              <a:gd name="connsiteY6" fmla="*/ 1323184 h 1540985"/>
+              <a:gd name="connsiteX7" fmla="*/ 1079507 w 1540984"/>
+              <a:gd name="connsiteY7" fmla="*/ 1228793 h 1540985"/>
+              <a:gd name="connsiteX8" fmla="*/ 1156753 w 1540984"/>
+              <a:gd name="connsiteY8" fmla="*/ 1165060 h 1540985"/>
+              <a:gd name="connsiteX9" fmla="*/ 1148038 w 1540984"/>
+              <a:gd name="connsiteY9" fmla="*/ 1151184 h 1540985"/>
+              <a:gd name="connsiteX10" fmla="*/ 1154045 w 1540984"/>
+              <a:gd name="connsiteY10" fmla="*/ 1124888 h 1540985"/>
+              <a:gd name="connsiteX11" fmla="*/ 1165503 w 1540984"/>
+              <a:gd name="connsiteY11" fmla="*/ 1108747 h 1540985"/>
+              <a:gd name="connsiteX12" fmla="*/ 838610 w 1540984"/>
+              <a:gd name="connsiteY12" fmla="*/ 872687 h 1540985"/>
+              <a:gd name="connsiteX13" fmla="*/ 824848 w 1540984"/>
+              <a:gd name="connsiteY13" fmla="*/ 881965 h 1540985"/>
+              <a:gd name="connsiteX14" fmla="*/ 775867 w 1540984"/>
+              <a:gd name="connsiteY14" fmla="*/ 891854 h 1540985"/>
+              <a:gd name="connsiteX15" fmla="*/ 726886 w 1540984"/>
+              <a:gd name="connsiteY15" fmla="*/ 881965 h 1540985"/>
+              <a:gd name="connsiteX16" fmla="*/ 673063 w 1540984"/>
+              <a:gd name="connsiteY16" fmla="*/ 227626 h 1540985"/>
+              <a:gd name="connsiteX17" fmla="*/ 659106 w 1540984"/>
+              <a:gd name="connsiteY17" fmla="*/ 229033 h 1540985"/>
+              <a:gd name="connsiteX18" fmla="*/ 217802 w 1540984"/>
+              <a:gd name="connsiteY18" fmla="*/ 770494 h 1540985"/>
+              <a:gd name="connsiteX19" fmla="*/ 229032 w 1540984"/>
+              <a:gd name="connsiteY19" fmla="*/ 881880 h 1540985"/>
+              <a:gd name="connsiteX20" fmla="*/ 258848 w 1540984"/>
+              <a:gd name="connsiteY20" fmla="*/ 977934 h 1540985"/>
+              <a:gd name="connsiteX21" fmla="*/ 271486 w 1540984"/>
+              <a:gd name="connsiteY21" fmla="*/ 975541 h 1540985"/>
+              <a:gd name="connsiteX22" fmla="*/ 293775 w 1540984"/>
+              <a:gd name="connsiteY22" fmla="*/ 990732 h 1540985"/>
+              <a:gd name="connsiteX23" fmla="*/ 296771 w 1540984"/>
+              <a:gd name="connsiteY23" fmla="*/ 995308 h 1540985"/>
+              <a:gd name="connsiteX24" fmla="*/ 651889 w 1540984"/>
+              <a:gd name="connsiteY24" fmla="*/ 775215 h 1540985"/>
+              <a:gd name="connsiteX25" fmla="*/ 650032 w 1540984"/>
+              <a:gd name="connsiteY25" fmla="*/ 766018 h 1540985"/>
+              <a:gd name="connsiteX26" fmla="*/ 686888 w 1540984"/>
+              <a:gd name="connsiteY26" fmla="*/ 677040 h 1540985"/>
+              <a:gd name="connsiteX27" fmla="*/ 710803 w 1540984"/>
+              <a:gd name="connsiteY27" fmla="*/ 660916 h 1540985"/>
+              <a:gd name="connsiteX28" fmla="*/ 710803 w 1540984"/>
+              <a:gd name="connsiteY28" fmla="*/ 248204 h 1540985"/>
+              <a:gd name="connsiteX29" fmla="*/ 702231 w 1540984"/>
+              <a:gd name="connsiteY29" fmla="*/ 248204 h 1540985"/>
+              <a:gd name="connsiteX30" fmla="*/ 677311 w 1540984"/>
+              <a:gd name="connsiteY30" fmla="*/ 237882 h 1540985"/>
+              <a:gd name="connsiteX31" fmla="*/ 863048 w 1540984"/>
+              <a:gd name="connsiteY31" fmla="*/ 227134 h 1540985"/>
+              <a:gd name="connsiteX32" fmla="*/ 858596 w 1540984"/>
+              <a:gd name="connsiteY32" fmla="*/ 237883 h 1540985"/>
+              <a:gd name="connsiteX33" fmla="*/ 833675 w 1540984"/>
+              <a:gd name="connsiteY33" fmla="*/ 248205 h 1540985"/>
+              <a:gd name="connsiteX34" fmla="*/ 822564 w 1540984"/>
+              <a:gd name="connsiteY34" fmla="*/ 248205 h 1540985"/>
+              <a:gd name="connsiteX35" fmla="*/ 822563 w 1540984"/>
+              <a:gd name="connsiteY35" fmla="*/ 649611 h 1540985"/>
+              <a:gd name="connsiteX36" fmla="*/ 824848 w 1540984"/>
+              <a:gd name="connsiteY36" fmla="*/ 650072 h 1540985"/>
+              <a:gd name="connsiteX37" fmla="*/ 901702 w 1540984"/>
+              <a:gd name="connsiteY37" fmla="*/ 766019 h 1540985"/>
+              <a:gd name="connsiteX38" fmla="*/ 899169 w 1540984"/>
+              <a:gd name="connsiteY38" fmla="*/ 778564 h 1540985"/>
+              <a:gd name="connsiteX39" fmla="*/ 1230233 w 1540984"/>
+              <a:gd name="connsiteY39" fmla="*/ 1017637 h 1540985"/>
+              <a:gd name="connsiteX40" fmla="*/ 1252972 w 1540984"/>
+              <a:gd name="connsiteY40" fmla="*/ 1003356 h 1540985"/>
+              <a:gd name="connsiteX41" fmla="*/ 1268234 w 1540984"/>
+              <a:gd name="connsiteY41" fmla="*/ 1006843 h 1540985"/>
+              <a:gd name="connsiteX42" fmla="*/ 1279750 w 1540984"/>
+              <a:gd name="connsiteY42" fmla="*/ 985626 h 1540985"/>
+              <a:gd name="connsiteX43" fmla="*/ 1323183 w 1540984"/>
+              <a:gd name="connsiteY43" fmla="*/ 770494 h 1540985"/>
+              <a:gd name="connsiteX44" fmla="*/ 881879 w 1540984"/>
+              <a:gd name="connsiteY44" fmla="*/ 229032 h 1540985"/>
+              <a:gd name="connsiteX45" fmla="*/ 681593 w 1540984"/>
+              <a:gd name="connsiteY45" fmla="*/ 0 h 1540985"/>
+              <a:gd name="connsiteX46" fmla="*/ 859390 w 1540984"/>
+              <a:gd name="connsiteY46" fmla="*/ 1 h 1540985"/>
+              <a:gd name="connsiteX47" fmla="*/ 903842 w 1540984"/>
+              <a:gd name="connsiteY47" fmla="*/ 44452 h 1540985"/>
+              <a:gd name="connsiteX48" fmla="*/ 903841 w 1540984"/>
+              <a:gd name="connsiteY48" fmla="*/ 128098 h 1540985"/>
+              <a:gd name="connsiteX49" fmla="*/ 1025867 w 1540984"/>
+              <a:gd name="connsiteY49" fmla="*/ 165978 h 1540985"/>
+              <a:gd name="connsiteX50" fmla="*/ 1144127 w 1540984"/>
+              <a:gd name="connsiteY50" fmla="*/ 232023 h 1540985"/>
+              <a:gd name="connsiteX51" fmla="*/ 1205305 w 1540984"/>
+              <a:gd name="connsiteY51" fmla="*/ 173956 h 1540985"/>
+              <a:gd name="connsiteX52" fmla="*/ 1268147 w 1540984"/>
+              <a:gd name="connsiteY52" fmla="*/ 175597 h 1540985"/>
+              <a:gd name="connsiteX53" fmla="*/ 1390544 w 1540984"/>
+              <a:gd name="connsiteY53" fmla="*/ 304559 h 1540985"/>
+              <a:gd name="connsiteX54" fmla="*/ 1388905 w 1540984"/>
+              <a:gd name="connsiteY54" fmla="*/ 367401 h 1540985"/>
+              <a:gd name="connsiteX55" fmla="*/ 1326815 w 1540984"/>
+              <a:gd name="connsiteY55" fmla="*/ 426330 h 1540985"/>
+              <a:gd name="connsiteX56" fmla="*/ 1339645 w 1540984"/>
+              <a:gd name="connsiteY56" fmla="*/ 443929 h 1540985"/>
+              <a:gd name="connsiteX57" fmla="*/ 1397071 w 1540984"/>
+              <a:gd name="connsiteY57" fmla="*/ 575398 h 1540985"/>
+              <a:gd name="connsiteX58" fmla="*/ 1411300 w 1540984"/>
+              <a:gd name="connsiteY58" fmla="*/ 637143 h 1540985"/>
+              <a:gd name="connsiteX59" fmla="*/ 1496533 w 1540984"/>
+              <a:gd name="connsiteY59" fmla="*/ 637143 h 1540985"/>
+              <a:gd name="connsiteX60" fmla="*/ 1540984 w 1540984"/>
+              <a:gd name="connsiteY60" fmla="*/ 681594 h 1540985"/>
+              <a:gd name="connsiteX61" fmla="*/ 1540984 w 1540984"/>
+              <a:gd name="connsiteY61" fmla="*/ 859392 h 1540985"/>
+              <a:gd name="connsiteX62" fmla="*/ 1496533 w 1540984"/>
+              <a:gd name="connsiteY62" fmla="*/ 903843 h 1540985"/>
+              <a:gd name="connsiteX63" fmla="*/ 1411302 w 1540984"/>
+              <a:gd name="connsiteY63" fmla="*/ 903844 h 1540985"/>
+              <a:gd name="connsiteX64" fmla="*/ 1397070 w 1540984"/>
+              <a:gd name="connsiteY64" fmla="*/ 965591 h 1540985"/>
+              <a:gd name="connsiteX65" fmla="*/ 1339645 w 1540984"/>
+              <a:gd name="connsiteY65" fmla="*/ 1097060 h 1540985"/>
+              <a:gd name="connsiteX66" fmla="*/ 1306909 w 1540984"/>
+              <a:gd name="connsiteY66" fmla="*/ 1141965 h 1540985"/>
+              <a:gd name="connsiteX67" fmla="*/ 1367028 w 1540984"/>
+              <a:gd name="connsiteY67" fmla="*/ 1205307 h 1540985"/>
+              <a:gd name="connsiteX68" fmla="*/ 1365387 w 1540984"/>
+              <a:gd name="connsiteY68" fmla="*/ 1268149 h 1540985"/>
+              <a:gd name="connsiteX69" fmla="*/ 1236426 w 1540984"/>
+              <a:gd name="connsiteY69" fmla="*/ 1390547 h 1540985"/>
+              <a:gd name="connsiteX70" fmla="*/ 1173585 w 1540984"/>
+              <a:gd name="connsiteY70" fmla="*/ 1388906 h 1540985"/>
+              <a:gd name="connsiteX71" fmla="*/ 1113791 w 1540984"/>
+              <a:gd name="connsiteY71" fmla="*/ 1325907 h 1540985"/>
+              <a:gd name="connsiteX72" fmla="*/ 1025867 w 1540984"/>
+              <a:gd name="connsiteY72" fmla="*/ 1375011 h 1540985"/>
+              <a:gd name="connsiteX73" fmla="*/ 903842 w 1540984"/>
+              <a:gd name="connsiteY73" fmla="*/ 1412889 h 1540985"/>
+              <a:gd name="connsiteX74" fmla="*/ 903841 w 1540984"/>
+              <a:gd name="connsiteY74" fmla="*/ 1496534 h 1540985"/>
+              <a:gd name="connsiteX75" fmla="*/ 859391 w 1540984"/>
+              <a:gd name="connsiteY75" fmla="*/ 1540985 h 1540985"/>
+              <a:gd name="connsiteX76" fmla="*/ 681593 w 1540984"/>
+              <a:gd name="connsiteY76" fmla="*/ 1540985 h 1540985"/>
+              <a:gd name="connsiteX77" fmla="*/ 637141 w 1540984"/>
+              <a:gd name="connsiteY77" fmla="*/ 1496534 h 1540985"/>
+              <a:gd name="connsiteX78" fmla="*/ 637142 w 1540984"/>
+              <a:gd name="connsiteY78" fmla="*/ 1412889 h 1540985"/>
+              <a:gd name="connsiteX79" fmla="*/ 515119 w 1540984"/>
+              <a:gd name="connsiteY79" fmla="*/ 1375011 h 1540985"/>
+              <a:gd name="connsiteX80" fmla="*/ 396857 w 1540984"/>
+              <a:gd name="connsiteY80" fmla="*/ 1308965 h 1540985"/>
+              <a:gd name="connsiteX81" fmla="*/ 335679 w 1540984"/>
+              <a:gd name="connsiteY81" fmla="*/ 1367029 h 1540985"/>
+              <a:gd name="connsiteX82" fmla="*/ 272837 w 1540984"/>
+              <a:gd name="connsiteY82" fmla="*/ 1365387 h 1540985"/>
+              <a:gd name="connsiteX83" fmla="*/ 150438 w 1540984"/>
+              <a:gd name="connsiteY83" fmla="*/ 1236428 h 1540985"/>
+              <a:gd name="connsiteX84" fmla="*/ 152078 w 1540984"/>
+              <a:gd name="connsiteY84" fmla="*/ 1173586 h 1540985"/>
+              <a:gd name="connsiteX85" fmla="*/ 214169 w 1540984"/>
+              <a:gd name="connsiteY85" fmla="*/ 1114656 h 1540985"/>
+              <a:gd name="connsiteX86" fmla="*/ 201341 w 1540984"/>
+              <a:gd name="connsiteY86" fmla="*/ 1097060 h 1540985"/>
+              <a:gd name="connsiteX87" fmla="*/ 143914 w 1540984"/>
+              <a:gd name="connsiteY87" fmla="*/ 965591 h 1540985"/>
+              <a:gd name="connsiteX88" fmla="*/ 129684 w 1540984"/>
+              <a:gd name="connsiteY88" fmla="*/ 903843 h 1540985"/>
+              <a:gd name="connsiteX89" fmla="*/ 44451 w 1540984"/>
+              <a:gd name="connsiteY89" fmla="*/ 903843 h 1540985"/>
+              <a:gd name="connsiteX90" fmla="*/ 0 w 1540984"/>
+              <a:gd name="connsiteY90" fmla="*/ 859392 h 1540985"/>
+              <a:gd name="connsiteX91" fmla="*/ 0 w 1540984"/>
+              <a:gd name="connsiteY91" fmla="*/ 681595 h 1540985"/>
+              <a:gd name="connsiteX92" fmla="*/ 44451 w 1540984"/>
+              <a:gd name="connsiteY92" fmla="*/ 637143 h 1540985"/>
+              <a:gd name="connsiteX93" fmla="*/ 129685 w 1540984"/>
+              <a:gd name="connsiteY93" fmla="*/ 637143 h 1540985"/>
+              <a:gd name="connsiteX94" fmla="*/ 143915 w 1540984"/>
+              <a:gd name="connsiteY94" fmla="*/ 575398 h 1540985"/>
+              <a:gd name="connsiteX95" fmla="*/ 201340 w 1540984"/>
+              <a:gd name="connsiteY95" fmla="*/ 443929 h 1540985"/>
+              <a:gd name="connsiteX96" fmla="*/ 234076 w 1540984"/>
+              <a:gd name="connsiteY96" fmla="*/ 399023 h 1540985"/>
+              <a:gd name="connsiteX97" fmla="*/ 173955 w 1540984"/>
+              <a:gd name="connsiteY97" fmla="*/ 335680 h 1540985"/>
+              <a:gd name="connsiteX98" fmla="*/ 175597 w 1540984"/>
+              <a:gd name="connsiteY98" fmla="*/ 272837 h 1540985"/>
+              <a:gd name="connsiteX99" fmla="*/ 304558 w 1540984"/>
+              <a:gd name="connsiteY99" fmla="*/ 150439 h 1540985"/>
+              <a:gd name="connsiteX100" fmla="*/ 367399 w 1540984"/>
+              <a:gd name="connsiteY100" fmla="*/ 152081 h 1540985"/>
+              <a:gd name="connsiteX101" fmla="*/ 427194 w 1540984"/>
+              <a:gd name="connsiteY101" fmla="*/ 215081 h 1540985"/>
+              <a:gd name="connsiteX102" fmla="*/ 515119 w 1540984"/>
+              <a:gd name="connsiteY102" fmla="*/ 165977 h 1540985"/>
+              <a:gd name="connsiteX103" fmla="*/ 637141 w 1540984"/>
+              <a:gd name="connsiteY103" fmla="*/ 128099 h 1540985"/>
+              <a:gd name="connsiteX104" fmla="*/ 637141 w 1540984"/>
+              <a:gd name="connsiteY104" fmla="*/ 44452 h 1540985"/>
+              <a:gd name="connsiteX105" fmla="*/ 681593 w 1540984"/>
+              <a:gd name="connsiteY105" fmla="*/ 0 h 1540985"/>
+            </a:gdLst>
+            <a:ahLst/>
+            <a:cxnLst>
+              <a:cxn ang="0">
+                <a:pos x="connsiteX0" y="connsiteY0"/>
+              </a:cxn>
+              <a:cxn ang="0">
+                <a:pos x="connsiteX1" y="connsiteY1"/>
+              </a:cxn>
+              <a:cxn ang="0">
+                <a:pos x="connsiteX2" y="connsiteY2"/>
+              </a:cxn>
+              <a:cxn ang="0">
+                <a:pos x="connsiteX3" y="connsiteY3"/>
+              </a:cxn>
+              <a:cxn ang="0">
+                <a:pos x="connsiteX4" y="connsiteY4"/>
+              </a:cxn>
+              <a:cxn ang="0">
+                <a:pos x="connsiteX5" y="connsiteY5"/>
+              </a:cxn>
+              <a:cxn ang="0">
+                <a:pos x="connsiteX6" y="connsiteY6"/>
+              </a:cxn>
+              <a:cxn ang="0">
+                <a:pos x="connsiteX7" y="connsiteY7"/>
+              </a:cxn>
+              <a:cxn ang="0">
+                <a:pos x="connsiteX8" y="connsiteY8"/>
+              </a:cxn>
+              <a:cxn ang="0">
+                <a:pos x="connsiteX9" y="connsiteY9"/>
+              </a:cxn>
+              <a:cxn ang="0">
+                <a:pos x="connsiteX10" y="connsiteY10"/>
+              </a:cxn>
+              <a:cxn ang="0">
+                <a:pos x="connsiteX11" y="connsiteY11"/>
+              </a:cxn>
+              <a:cxn ang="0">
+                <a:pos x="connsiteX12" y="connsiteY12"/>
+              </a:cxn>
+              <a:cxn ang="0">
+                <a:pos x="connsiteX13" y="connsiteY13"/>
+              </a:cxn>
+              <a:cxn ang="0">
+                <a:pos x="connsiteX14" y="connsiteY14"/>
+              </a:cxn>
+              <a:cxn ang="0">
+                <a:pos x="connsiteX15" y="connsiteY15"/>
+              </a:cxn>
+              <a:cxn ang="0">
+                <a:pos x="connsiteX16" y="connsiteY16"/>
+              </a:cxn>
+              <a:cxn ang="0">
+                <a:pos x="connsiteX17" y="connsiteY17"/>
+              </a:cxn>
+              <a:cxn ang="0">
+                <a:pos x="connsiteX18" y="connsiteY18"/>
+              </a:cxn>
+              <a:cxn ang="0">
+                <a:pos x="connsiteX19" y="connsiteY19"/>
+              </a:cxn>
+              <a:cxn ang="0">
+                <a:pos x="connsiteX20" y="connsiteY20"/>
+              </a:cxn>
+              <a:cxn ang="0">
+                <a:pos x="connsiteX21" y="connsiteY21"/>
+              </a:cxn>
+              <a:cxn ang="0">
+                <a:pos x="connsiteX22" y="connsiteY22"/>
+              </a:cxn>
+              <a:cxn ang="0">
+                <a:pos x="connsiteX23" y="connsiteY23"/>
+              </a:cxn>
+              <a:cxn ang="0">
+                <a:pos x="connsiteX24" y="connsiteY24"/>
+              </a:cxn>
+              <a:cxn ang="0">
+                <a:pos x="connsiteX25" y="connsiteY25"/>
+              </a:cxn>
+              <a:cxn ang="0">
+                <a:pos x="connsiteX26" y="connsiteY26"/>
+              </a:cxn>
+              <a:cxn ang="0">
+                <a:pos x="connsiteX27" y="connsiteY27"/>
+              </a:cxn>
+              <a:cxn ang="0">
+                <a:pos x="connsiteX28" y="connsiteY28"/>
+              </a:cxn>
+              <a:cxn ang="0">
+                <a:pos x="connsiteX29" y="connsiteY29"/>
+              </a:cxn>
+              <a:cxn ang="0">
+                <a:pos x="connsiteX30" y="connsiteY30"/>
+              </a:cxn>
+              <a:cxn ang="0">
+                <a:pos x="connsiteX31" y="connsiteY31"/>
+              </a:cxn>
+              <a:cxn ang="0">
+                <a:pos x="connsiteX32" y="connsiteY32"/>
+              </a:cxn>
+              <a:cxn ang="0">
+                <a:pos x="connsiteX33" y="connsiteY33"/>
+              </a:cxn>
+              <a:cxn ang="0">
+                <a:pos x="connsiteX34" y="connsiteY34"/>
+              </a:cxn>
+              <a:cxn ang="0">
+                <a:pos x="connsiteX35" y="connsiteY35"/>
+              </a:cxn>
+              <a:cxn ang="0">
+                <a:pos x="connsiteX36" y="connsiteY36"/>
+              </a:cxn>
+              <a:cxn ang="0">
+                <a:pos x="connsiteX37" y="connsiteY37"/>
+              </a:cxn>
+              <a:cxn ang="0">
+                <a:pos x="connsiteX38" y="connsiteY38"/>
+              </a:cxn>
+              <a:cxn ang="0">
+                <a:pos x="connsiteX39" y="connsiteY39"/>
+              </a:cxn>
+              <a:cxn ang="0">
+                <a:pos x="connsiteX40" y="connsiteY40"/>
+              </a:cxn>
+              <a:cxn ang="0">
+                <a:pos x="connsiteX41" y="connsiteY41"/>
+              </a:cxn>
+              <a:cxn ang="0">
+                <a:pos x="connsiteX42" y="connsiteY42"/>
+              </a:cxn>
+              <a:cxn ang="0">
+                <a:pos x="connsiteX43" y="connsiteY43"/>
+              </a:cxn>
+              <a:cxn ang="0">
+                <a:pos x="connsiteX44" y="connsiteY44"/>
+              </a:cxn>
+              <a:cxn ang="0">
+                <a:pos x="connsiteX45" y="connsiteY45"/>
+              </a:cxn>
+              <a:cxn ang="0">
+                <a:pos x="connsiteX46" y="connsiteY46"/>
+              </a:cxn>
+              <a:cxn ang="0">
+                <a:pos x="connsiteX47" y="connsiteY47"/>
+              </a:cxn>
+              <a:cxn ang="0">
+                <a:pos x="connsiteX48" y="connsiteY48"/>
+              </a:cxn>
+              <a:cxn ang="0">
+                <a:pos x="connsiteX49" y="connsiteY49"/>
+              </a:cxn>
+              <a:cxn ang="0">
+                <a:pos x="connsiteX50" y="connsiteY50"/>
+              </a:cxn>
+              <a:cxn ang="0">
+                <a:pos x="connsiteX51" y="connsiteY51"/>
+              </a:cxn>
+              <a:cxn ang="0">
+                <a:pos x="connsiteX52" y="connsiteY52"/>
+              </a:cxn>
+              <a:cxn ang="0">
+                <a:pos x="connsiteX53" y="connsiteY53"/>
+              </a:cxn>
+              <a:cxn ang="0">
+                <a:pos x="connsiteX54" y="connsiteY54"/>
+              </a:cxn>
+              <a:cxn ang="0">
+                <a:pos x="connsiteX55" y="connsiteY55"/>
+              </a:cxn>
+              <a:cxn ang="0">
+                <a:pos x="connsiteX56" y="connsiteY56"/>
+              </a:cxn>
+              <a:cxn ang="0">
+                <a:pos x="connsiteX57" y="connsiteY57"/>
+              </a:cxn>
+              <a:cxn ang="0">
+                <a:pos x="connsiteX58" y="connsiteY58"/>
+              </a:cxn>
+              <a:cxn ang="0">
+                <a:pos x="connsiteX59" y="connsiteY59"/>
+              </a:cxn>
+              <a:cxn ang="0">
+                <a:pos x="connsiteX60" y="connsiteY60"/>
+              </a:cxn>
+              <a:cxn ang="0">
+                <a:pos x="connsiteX61" y="connsiteY61"/>
+              </a:cxn>
+              <a:cxn ang="0">
+                <a:pos x="connsiteX62" y="connsiteY62"/>
+              </a:cxn>
+              <a:cxn ang="0">
+                <a:pos x="connsiteX63" y="connsiteY63"/>
+              </a:cxn>
+              <a:cxn ang="0">
+                <a:pos x="connsiteX64" y="connsiteY64"/>
+              </a:cxn>
+              <a:cxn ang="0">
+                <a:pos x="connsiteX65" y="connsiteY65"/>
+              </a:cxn>
+              <a:cxn ang="0">
+                <a:pos x="connsiteX66" y="connsiteY66"/>
+              </a:cxn>
+              <a:cxn ang="0">
+                <a:pos x="connsiteX67" y="connsiteY67"/>
+              </a:cxn>
+              <a:cxn ang="0">
+                <a:pos x="connsiteX68" y="connsiteY68"/>
+              </a:cxn>
+              <a:cxn ang="0">
+                <a:pos x="connsiteX69" y="connsiteY69"/>
+              </a:cxn>
+              <a:cxn ang="0">
+                <a:pos x="connsiteX70" y="connsiteY70"/>
+              </a:cxn>
+              <a:cxn ang="0">
+                <a:pos x="connsiteX71" y="connsiteY71"/>
+              </a:cxn>
+              <a:cxn ang="0">
+                <a:pos x="connsiteX72" y="connsiteY72"/>
+              </a:cxn>
+              <a:cxn ang="0">
+                <a:pos x="connsiteX73" y="connsiteY73"/>
+              </a:cxn>
+              <a:cxn ang="0">
+                <a:pos x="connsiteX74" y="connsiteY74"/>
+              </a:cxn>
+              <a:cxn ang="0">
+                <a:pos x="connsiteX75" y="connsiteY75"/>
+              </a:cxn>
+              <a:cxn ang="0">
+                <a:pos x="connsiteX76" y="connsiteY76"/>
+              </a:cxn>
+              <a:cxn ang="0">
+                <a:pos x="connsiteX77" y="connsiteY77"/>
+              </a:cxn>
+              <a:cxn ang="0">
+                <a:pos x="connsiteX78" y="connsiteY78"/>
+              </a:cxn>
+              <a:cxn ang="0">
+                <a:pos x="connsiteX79" y="connsiteY79"/>
+              </a:cxn>
+              <a:cxn ang="0">
+                <a:pos x="connsiteX80" y="connsiteY80"/>
+              </a:cxn>
+              <a:cxn ang="0">
+                <a:pos x="connsiteX81" y="connsiteY81"/>
+              </a:cxn>
+              <a:cxn ang="0">
+                <a:pos x="connsiteX82" y="connsiteY82"/>
+              </a:cxn>
+              <a:cxn ang="0">
+                <a:pos x="connsiteX83" y="connsiteY83"/>
+              </a:cxn>
+              <a:cxn ang="0">
+                <a:pos x="connsiteX84" y="connsiteY84"/>
+              </a:cxn>
+              <a:cxn ang="0">
+                <a:pos x="connsiteX85" y="connsiteY85"/>
+              </a:cxn>
+              <a:cxn ang="0">
+                <a:pos x="connsiteX86" y="connsiteY86"/>
+              </a:cxn>
+              <a:cxn ang="0">
+                <a:pos x="connsiteX87" y="connsiteY87"/>
+              </a:cxn>
+              <a:cxn ang="0">
+                <a:pos x="connsiteX88" y="connsiteY88"/>
+              </a:cxn>
+              <a:cxn ang="0">
+                <a:pos x="connsiteX89" y="connsiteY89"/>
+              </a:cxn>
+              <a:cxn ang="0">
+                <a:pos x="connsiteX90" y="connsiteY90"/>
+              </a:cxn>
+              <a:cxn ang="0">
+                <a:pos x="connsiteX91" y="connsiteY91"/>
+              </a:cxn>
+              <a:cxn ang="0">
+                <a:pos x="connsiteX92" y="connsiteY92"/>
+              </a:cxn>
+              <a:cxn ang="0">
+                <a:pos x="connsiteX93" y="connsiteY93"/>
+              </a:cxn>
+              <a:cxn ang="0">
+                <a:pos x="connsiteX94" y="connsiteY94"/>
+              </a:cxn>
+              <a:cxn ang="0">
+                <a:pos x="connsiteX95" y="connsiteY95"/>
+              </a:cxn>
+              <a:cxn ang="0">
+                <a:pos x="connsiteX96" y="connsiteY96"/>
+              </a:cxn>
+              <a:cxn ang="0">
+                <a:pos x="connsiteX97" y="connsiteY97"/>
+              </a:cxn>
+              <a:cxn ang="0">
+                <a:pos x="connsiteX98" y="connsiteY98"/>
+              </a:cxn>
+              <a:cxn ang="0">
+                <a:pos x="connsiteX99" y="connsiteY99"/>
+              </a:cxn>
+              <a:cxn ang="0">
+                <a:pos x="connsiteX100" y="connsiteY100"/>
+              </a:cxn>
+              <a:cxn ang="0">
+                <a:pos x="connsiteX101" y="connsiteY101"/>
+              </a:cxn>
+              <a:cxn ang="0">
+                <a:pos x="connsiteX102" y="connsiteY102"/>
+              </a:cxn>
+              <a:cxn ang="0">
+                <a:pos x="connsiteX103" y="connsiteY103"/>
+              </a:cxn>
+              <a:cxn ang="0">
+                <a:pos x="connsiteX104" y="connsiteY104"/>
+              </a:cxn>
+              <a:cxn ang="0">
+                <a:pos x="connsiteX105" y="connsiteY105"/>
+              </a:cxn>
+            </a:cxnLst>
+            <a:rect l="l" t="t" r="r" b="b"/>
+            <a:pathLst>
+              <a:path w="1540984" h="1540985">
+                <a:moveTo>
+                  <a:pt x="710079" y="870634"/>
+                </a:moveTo>
+                <a:lnTo>
+                  <a:pt x="358021" y="1088830"/>
+                </a:lnTo>
+                <a:lnTo>
+                  <a:pt x="365790" y="1100693"/>
+                </a:lnTo>
+                <a:cubicBezTo>
+                  <a:pt x="371122" y="1108834"/>
+                  <a:pt x="372650" y="1118366"/>
+                  <a:pt x="370809" y="1127196"/>
+                </a:cubicBezTo>
+                <a:lnTo>
+                  <a:pt x="362092" y="1139985"/>
+                </a:lnTo>
+                <a:lnTo>
+                  <a:pt x="379682" y="1161304"/>
+                </a:lnTo>
+                <a:cubicBezTo>
+                  <a:pt x="479699" y="1261322"/>
+                  <a:pt x="617871" y="1323184"/>
+                  <a:pt x="770493" y="1323184"/>
+                </a:cubicBezTo>
+                <a:cubicBezTo>
+                  <a:pt x="884959" y="1323184"/>
+                  <a:pt x="991297" y="1288387"/>
+                  <a:pt x="1079507" y="1228793"/>
+                </a:cubicBezTo>
+                <a:lnTo>
+                  <a:pt x="1156753" y="1165060"/>
+                </a:lnTo>
+                <a:lnTo>
+                  <a:pt x="1148038" y="1151184"/>
+                </a:lnTo>
+                <a:cubicBezTo>
+                  <a:pt x="1146529" y="1142291"/>
+                  <a:pt x="1148412" y="1132823"/>
+                  <a:pt x="1154045" y="1124888"/>
+                </a:cubicBezTo>
+                <a:lnTo>
+                  <a:pt x="1165503" y="1108747"/>
+                </a:lnTo>
+                <a:lnTo>
+                  <a:pt x="838610" y="872687"/>
+                </a:lnTo>
+                <a:lnTo>
+                  <a:pt x="824848" y="881965"/>
+                </a:lnTo>
+                <a:cubicBezTo>
+                  <a:pt x="809793" y="888333"/>
+                  <a:pt x="793241" y="891854"/>
+                  <a:pt x="775867" y="891854"/>
+                </a:cubicBezTo>
+                <a:cubicBezTo>
+                  <a:pt x="758492" y="891854"/>
+                  <a:pt x="741940" y="888333"/>
+                  <a:pt x="726886" y="881965"/>
+                </a:cubicBezTo>
+                <a:close/>
+                <a:moveTo>
+                  <a:pt x="673063" y="227626"/>
+                </a:moveTo>
+                <a:lnTo>
+                  <a:pt x="659106" y="229033"/>
+                </a:lnTo>
+                <a:cubicBezTo>
+                  <a:pt x="407255" y="280569"/>
+                  <a:pt x="217802" y="503407"/>
+                  <a:pt x="217802" y="770494"/>
+                </a:cubicBezTo>
+                <a:cubicBezTo>
+                  <a:pt x="217803" y="808649"/>
+                  <a:pt x="221669" y="845902"/>
+                  <a:pt x="229032" y="881880"/>
+                </a:cubicBezTo>
+                <a:lnTo>
+                  <a:pt x="258848" y="977934"/>
+                </a:lnTo>
+                <a:lnTo>
+                  <a:pt x="271486" y="975541"/>
+                </a:lnTo>
+                <a:cubicBezTo>
+                  <a:pt x="280315" y="977382"/>
+                  <a:pt x="288443" y="982591"/>
+                  <a:pt x="293775" y="990732"/>
+                </a:cubicBezTo>
+                <a:lnTo>
+                  <a:pt x="296771" y="995308"/>
+                </a:lnTo>
+                <a:lnTo>
+                  <a:pt x="651889" y="775215"/>
+                </a:lnTo>
+                <a:lnTo>
+                  <a:pt x="650032" y="766018"/>
+                </a:lnTo>
+                <a:cubicBezTo>
+                  <a:pt x="650032" y="731270"/>
+                  <a:pt x="664116" y="699812"/>
+                  <a:pt x="686888" y="677040"/>
+                </a:cubicBezTo>
+                <a:lnTo>
+                  <a:pt x="710803" y="660916"/>
+                </a:lnTo>
+                <a:lnTo>
+                  <a:pt x="710803" y="248204"/>
+                </a:lnTo>
+                <a:lnTo>
+                  <a:pt x="702231" y="248204"/>
+                </a:lnTo>
+                <a:cubicBezTo>
+                  <a:pt x="692499" y="248204"/>
+                  <a:pt x="683688" y="244260"/>
+                  <a:pt x="677311" y="237882"/>
+                </a:cubicBezTo>
+                <a:close/>
+                <a:moveTo>
+                  <a:pt x="863048" y="227134"/>
+                </a:moveTo>
+                <a:lnTo>
+                  <a:pt x="858596" y="237883"/>
+                </a:lnTo>
+                <a:cubicBezTo>
+                  <a:pt x="852218" y="244261"/>
+                  <a:pt x="843407" y="248205"/>
+                  <a:pt x="833675" y="248205"/>
+                </a:cubicBezTo>
+                <a:lnTo>
+                  <a:pt x="822564" y="248205"/>
+                </a:lnTo>
+                <a:lnTo>
+                  <a:pt x="822563" y="649611"/>
+                </a:lnTo>
+                <a:lnTo>
+                  <a:pt x="824848" y="650072"/>
+                </a:lnTo>
+                <a:cubicBezTo>
+                  <a:pt x="870012" y="669175"/>
+                  <a:pt x="901702" y="713896"/>
+                  <a:pt x="901702" y="766019"/>
+                </a:cubicBezTo>
+                <a:lnTo>
+                  <a:pt x="899169" y="778564"/>
+                </a:lnTo>
+                <a:lnTo>
+                  <a:pt x="1230233" y="1017637"/>
+                </a:lnTo>
+                <a:lnTo>
+                  <a:pt x="1252972" y="1003356"/>
+                </a:lnTo>
+                <a:lnTo>
+                  <a:pt x="1268234" y="1006843"/>
+                </a:lnTo>
+                <a:lnTo>
+                  <a:pt x="1279750" y="985626"/>
+                </a:lnTo>
+                <a:cubicBezTo>
+                  <a:pt x="1307717" y="919503"/>
+                  <a:pt x="1323183" y="846804"/>
+                  <a:pt x="1323183" y="770494"/>
+                </a:cubicBezTo>
+                <a:cubicBezTo>
+                  <a:pt x="1323182" y="503408"/>
+                  <a:pt x="1133731" y="280569"/>
+                  <a:pt x="881879" y="229032"/>
+                </a:cubicBezTo>
+                <a:close/>
+                <a:moveTo>
+                  <a:pt x="681593" y="0"/>
+                </a:moveTo>
+                <a:lnTo>
+                  <a:pt x="859390" y="1"/>
+                </a:lnTo>
+                <a:cubicBezTo>
+                  <a:pt x="883941" y="0"/>
+                  <a:pt x="903842" y="19901"/>
+                  <a:pt x="903842" y="44452"/>
+                </a:cubicBezTo>
+                <a:lnTo>
+                  <a:pt x="903841" y="128098"/>
+                </a:lnTo>
+                <a:lnTo>
+                  <a:pt x="1025867" y="165978"/>
+                </a:lnTo>
+                <a:lnTo>
+                  <a:pt x="1144127" y="232023"/>
+                </a:lnTo>
+                <a:lnTo>
+                  <a:pt x="1205305" y="173956"/>
+                </a:lnTo>
+                <a:cubicBezTo>
+                  <a:pt x="1223112" y="157056"/>
+                  <a:pt x="1251247" y="157790"/>
+                  <a:pt x="1268147" y="175597"/>
+                </a:cubicBezTo>
+                <a:lnTo>
+                  <a:pt x="1390544" y="304559"/>
+                </a:lnTo>
+                <a:cubicBezTo>
+                  <a:pt x="1407446" y="322365"/>
+                  <a:pt x="1406711" y="350500"/>
+                  <a:pt x="1388905" y="367401"/>
+                </a:cubicBezTo>
+                <a:lnTo>
+                  <a:pt x="1326815" y="426330"/>
+                </a:lnTo>
+                <a:lnTo>
+                  <a:pt x="1339645" y="443929"/>
+                </a:lnTo>
+                <a:cubicBezTo>
+                  <a:pt x="1363344" y="485143"/>
+                  <a:pt x="1382694" y="529175"/>
+                  <a:pt x="1397071" y="575398"/>
+                </a:cubicBezTo>
+                <a:lnTo>
+                  <a:pt x="1411300" y="637143"/>
+                </a:lnTo>
+                <a:lnTo>
+                  <a:pt x="1496533" y="637143"/>
+                </a:lnTo>
+                <a:cubicBezTo>
+                  <a:pt x="1521082" y="637143"/>
+                  <a:pt x="1540984" y="657044"/>
+                  <a:pt x="1540984" y="681594"/>
+                </a:cubicBezTo>
+                <a:lnTo>
+                  <a:pt x="1540984" y="859392"/>
+                </a:lnTo>
+                <a:cubicBezTo>
+                  <a:pt x="1540984" y="883942"/>
+                  <a:pt x="1521083" y="903843"/>
+                  <a:pt x="1496533" y="903843"/>
+                </a:cubicBezTo>
+                <a:lnTo>
+                  <a:pt x="1411302" y="903844"/>
+                </a:lnTo>
+                <a:lnTo>
+                  <a:pt x="1397070" y="965591"/>
+                </a:lnTo>
+                <a:cubicBezTo>
+                  <a:pt x="1382694" y="1011814"/>
+                  <a:pt x="1363343" y="1055846"/>
+                  <a:pt x="1339645" y="1097060"/>
+                </a:cubicBezTo>
+                <a:lnTo>
+                  <a:pt x="1306909" y="1141965"/>
+                </a:lnTo>
+                <a:lnTo>
+                  <a:pt x="1367028" y="1205307"/>
+                </a:lnTo>
+                <a:cubicBezTo>
+                  <a:pt x="1383927" y="1223113"/>
+                  <a:pt x="1383194" y="1251248"/>
+                  <a:pt x="1365387" y="1268149"/>
+                </a:cubicBezTo>
+                <a:lnTo>
+                  <a:pt x="1236426" y="1390547"/>
+                </a:lnTo>
+                <a:cubicBezTo>
+                  <a:pt x="1218620" y="1407447"/>
+                  <a:pt x="1190485" y="1406712"/>
+                  <a:pt x="1173585" y="1388906"/>
+                </a:cubicBezTo>
+                <a:lnTo>
+                  <a:pt x="1113791" y="1325907"/>
+                </a:lnTo>
+                <a:lnTo>
+                  <a:pt x="1025867" y="1375011"/>
+                </a:lnTo>
+                <a:lnTo>
+                  <a:pt x="903842" y="1412889"/>
+                </a:lnTo>
+                <a:lnTo>
+                  <a:pt x="903841" y="1496534"/>
+                </a:lnTo>
+                <a:cubicBezTo>
+                  <a:pt x="903842" y="1521084"/>
+                  <a:pt x="883941" y="1540985"/>
+                  <a:pt x="859391" y="1540985"/>
+                </a:cubicBezTo>
+                <a:lnTo>
+                  <a:pt x="681593" y="1540985"/>
+                </a:lnTo>
+                <a:cubicBezTo>
+                  <a:pt x="657043" y="1540985"/>
+                  <a:pt x="637142" y="1521084"/>
+                  <a:pt x="637141" y="1496534"/>
+                </a:cubicBezTo>
+                <a:lnTo>
+                  <a:pt x="637142" y="1412889"/>
+                </a:lnTo>
+                <a:lnTo>
+                  <a:pt x="515119" y="1375011"/>
+                </a:lnTo>
+                <a:lnTo>
+                  <a:pt x="396857" y="1308965"/>
+                </a:lnTo>
+                <a:lnTo>
+                  <a:pt x="335679" y="1367029"/>
+                </a:lnTo>
+                <a:cubicBezTo>
+                  <a:pt x="317872" y="1383930"/>
+                  <a:pt x="289736" y="1383195"/>
+                  <a:pt x="272837" y="1365387"/>
+                </a:cubicBezTo>
+                <a:lnTo>
+                  <a:pt x="150438" y="1236428"/>
+                </a:lnTo>
+                <a:cubicBezTo>
+                  <a:pt x="133537" y="1218621"/>
+                  <a:pt x="134273" y="1190486"/>
+                  <a:pt x="152078" y="1173586"/>
+                </a:cubicBezTo>
+                <a:lnTo>
+                  <a:pt x="214169" y="1114656"/>
+                </a:lnTo>
+                <a:lnTo>
+                  <a:pt x="201341" y="1097060"/>
+                </a:lnTo>
+                <a:cubicBezTo>
+                  <a:pt x="177642" y="1055846"/>
+                  <a:pt x="158291" y="1011814"/>
+                  <a:pt x="143914" y="965591"/>
+                </a:cubicBezTo>
+                <a:lnTo>
+                  <a:pt x="129684" y="903843"/>
+                </a:lnTo>
+                <a:lnTo>
+                  <a:pt x="44451" y="903843"/>
+                </a:lnTo>
+                <a:cubicBezTo>
+                  <a:pt x="19901" y="903843"/>
+                  <a:pt x="0" y="883942"/>
+                  <a:pt x="0" y="859392"/>
+                </a:cubicBezTo>
+                <a:lnTo>
+                  <a:pt x="0" y="681595"/>
+                </a:lnTo>
+                <a:cubicBezTo>
+                  <a:pt x="-1" y="657044"/>
+                  <a:pt x="19900" y="637143"/>
+                  <a:pt x="44451" y="637143"/>
+                </a:cubicBezTo>
+                <a:lnTo>
+                  <a:pt x="129685" y="637143"/>
+                </a:lnTo>
+                <a:lnTo>
+                  <a:pt x="143915" y="575398"/>
+                </a:lnTo>
+                <a:cubicBezTo>
+                  <a:pt x="158292" y="529174"/>
+                  <a:pt x="177642" y="485143"/>
+                  <a:pt x="201340" y="443929"/>
+                </a:cubicBezTo>
+                <a:lnTo>
+                  <a:pt x="234076" y="399023"/>
+                </a:lnTo>
+                <a:lnTo>
+                  <a:pt x="173955" y="335680"/>
+                </a:lnTo>
+                <a:cubicBezTo>
+                  <a:pt x="157055" y="317873"/>
+                  <a:pt x="157790" y="289738"/>
+                  <a:pt x="175597" y="272837"/>
+                </a:cubicBezTo>
+                <a:lnTo>
+                  <a:pt x="304558" y="150439"/>
+                </a:lnTo>
+                <a:cubicBezTo>
+                  <a:pt x="322363" y="133539"/>
+                  <a:pt x="350499" y="134274"/>
+                  <a:pt x="367399" y="152081"/>
+                </a:cubicBezTo>
+                <a:lnTo>
+                  <a:pt x="427194" y="215081"/>
+                </a:lnTo>
+                <a:lnTo>
+                  <a:pt x="515119" y="165977"/>
+                </a:lnTo>
+                <a:lnTo>
+                  <a:pt x="637141" y="128099"/>
+                </a:lnTo>
+                <a:lnTo>
+                  <a:pt x="637141" y="44452"/>
+                </a:lnTo>
+                <a:cubicBezTo>
+                  <a:pt x="637142" y="19902"/>
+                  <a:pt x="657043" y="1"/>
+                  <a:pt x="681593" y="0"/>
+                </a:cubicBezTo>
+                <a:close/>
+              </a:path>
+            </a:pathLst>
+          </a:custGeom>
+          <a:gradFill flip="none" rotWithShape="1">
+            <a:gsLst>
+              <a:gs pos="0">
+                <a:srgbClr val="0099FF">
+                  <a:shade val="30000"/>
+                  <a:satMod val="115000"/>
+                </a:srgbClr>
+              </a:gs>
+              <a:gs pos="50000">
+                <a:srgbClr val="0099FF">
+                  <a:shade val="67500"/>
+                  <a:satMod val="115000"/>
+                </a:srgbClr>
+              </a:gs>
+              <a:gs pos="100000">
+                <a:srgbClr val="0099FF">
+                  <a:shade val="100000"/>
+                  <a:satMod val="115000"/>
+                </a:srgbClr>
+              </a:gs>
+            </a:gsLst>
+            <a:lin ang="2700000" scaled="1"/>
+            <a:tileRect/>
+          </a:gradFill>
+          <a:ln>
+            <a:noFill/>
+          </a:ln>
+          <a:effectLst>
+            <a:outerShdw blurRad="50800" dist="38100" algn="l" rotWithShape="0">
+              <a:prstClr val="black">
+                <a:alpha val="40000"/>
+              </a:prstClr>
+            </a:outerShdw>
+          </a:effectLst>
+        </p:spPr>
+        <p:style>
+          <a:lnRef idx="2">
+            <a:schemeClr val="accent1">
+              <a:shade val="50000"/>
+            </a:schemeClr>
+          </a:lnRef>
+          <a:fillRef idx="1">
+            <a:schemeClr val="accent1"/>
+          </a:fillRef>
+          <a:effectRef idx="0">
+            <a:schemeClr val="accent1"/>
+          </a:effectRef>
+          <a:fontRef idx="minor">
+            <a:schemeClr val="lt1"/>
+          </a:fontRef>
+        </p:style>
+        <p:txBody>
+          <a:bodyPr rtlCol="0" anchor="ctr"/>
+          <a:lstStyle/>
+          <a:p>
+            <a:pPr algn="ctr"/>
+            <a:endParaRPr lang="zh-CN" altLang="en-US"/>
+          </a:p>
+        </p:txBody>
+      </p:sp>
+      <p:grpSp>
+        <p:nvGrpSpPr>
+          <p:cNvPr id="6" name="组合 5">
+            <a:extLst>
+              <a:ext uri="{FF2B5EF4-FFF2-40B4-BE49-F238E27FC236}">
+                <a16:creationId xmlns:a16="http://schemas.microsoft.com/office/drawing/2014/main" id="{888EADD7-3901-45A3-9788-4AD0114D9CEC}"/>
+              </a:ext>
+            </a:extLst>
+          </p:cNvPr>
+          <p:cNvGrpSpPr/>
+          <p:nvPr/>
+        </p:nvGrpSpPr>
+        <p:grpSpPr>
+          <a:xfrm rot="16200000">
+            <a:off x="3361196" y="3405679"/>
+            <a:ext cx="914867" cy="914218"/>
+            <a:chOff x="5676962" y="3009900"/>
+            <a:chExt cx="839686" cy="839090"/>
+          </a:xfrm>
+          <a:effectLst>
+            <a:outerShdw blurRad="50800" dist="38100" dir="18900000" algn="bl" rotWithShape="0">
+              <a:prstClr val="black">
+                <a:alpha val="40000"/>
+              </a:prstClr>
+            </a:outerShdw>
+          </a:effectLst>
+        </p:grpSpPr>
+        <p:sp>
+          <p:nvSpPr>
+            <p:cNvPr id="7" name="图形 6" descr="扳手">
+              <a:extLst>
+                <a:ext uri="{FF2B5EF4-FFF2-40B4-BE49-F238E27FC236}">
+                  <a16:creationId xmlns:a16="http://schemas.microsoft.com/office/drawing/2014/main" id="{FDD315A9-0299-4DC8-997D-17C0088C25FC}"/>
+                </a:ext>
+              </a:extLst>
+            </p:cNvPr>
+            <p:cNvSpPr/>
+            <p:nvPr/>
+          </p:nvSpPr>
+          <p:spPr>
+            <a:xfrm rot="5400000">
+              <a:off x="5678118" y="3010460"/>
+              <a:ext cx="837374" cy="839686"/>
+            </a:xfrm>
+            <a:custGeom>
+              <a:avLst/>
+              <a:gdLst>
+                <a:gd name="connsiteX0" fmla="*/ 743490 w 837374"/>
+                <a:gd name="connsiteY0" fmla="*/ 180766 h 839686"/>
+                <a:gd name="connsiteX1" fmla="*/ 675862 w 837374"/>
+                <a:gd name="connsiteY1" fmla="*/ 162668 h 839686"/>
+                <a:gd name="connsiteX2" fmla="*/ 657765 w 837374"/>
+                <a:gd name="connsiteY2" fmla="*/ 95041 h 839686"/>
+                <a:gd name="connsiteX3" fmla="*/ 743490 w 837374"/>
+                <a:gd name="connsiteY3" fmla="*/ 9316 h 839686"/>
+                <a:gd name="connsiteX4" fmla="*/ 593947 w 837374"/>
+                <a:gd name="connsiteY4" fmla="*/ 37891 h 839686"/>
+                <a:gd name="connsiteX5" fmla="*/ 552037 w 837374"/>
+                <a:gd name="connsiteY5" fmla="*/ 183623 h 839686"/>
+                <a:gd name="connsiteX6" fmla="*/ 182467 w 837374"/>
+                <a:gd name="connsiteY6" fmla="*/ 553194 h 839686"/>
+                <a:gd name="connsiteX7" fmla="*/ 37687 w 837374"/>
+                <a:gd name="connsiteY7" fmla="*/ 596056 h 839686"/>
+                <a:gd name="connsiteX8" fmla="*/ 9112 w 837374"/>
+                <a:gd name="connsiteY8" fmla="*/ 744646 h 839686"/>
+                <a:gd name="connsiteX9" fmla="*/ 94837 w 837374"/>
+                <a:gd name="connsiteY9" fmla="*/ 658921 h 839686"/>
+                <a:gd name="connsiteX10" fmla="*/ 161512 w 837374"/>
+                <a:gd name="connsiteY10" fmla="*/ 677019 h 839686"/>
+                <a:gd name="connsiteX11" fmla="*/ 179610 w 837374"/>
+                <a:gd name="connsiteY11" fmla="*/ 744646 h 839686"/>
+                <a:gd name="connsiteX12" fmla="*/ 93885 w 837374"/>
+                <a:gd name="connsiteY12" fmla="*/ 830371 h 839686"/>
+                <a:gd name="connsiteX13" fmla="*/ 243427 w 837374"/>
+                <a:gd name="connsiteY13" fmla="*/ 801796 h 839686"/>
+                <a:gd name="connsiteX14" fmla="*/ 285337 w 837374"/>
+                <a:gd name="connsiteY14" fmla="*/ 656064 h 839686"/>
+                <a:gd name="connsiteX15" fmla="*/ 654907 w 837374"/>
+                <a:gd name="connsiteY15" fmla="*/ 286493 h 839686"/>
+                <a:gd name="connsiteX16" fmla="*/ 799687 w 837374"/>
+                <a:gd name="connsiteY16" fmla="*/ 243631 h 839686"/>
+                <a:gd name="connsiteX17" fmla="*/ 828262 w 837374"/>
+                <a:gd name="connsiteY17" fmla="*/ 95041 h 839686"/>
+                <a:gd name="connsiteX18" fmla="*/ 743490 w 837374"/>
+                <a:gd name="connsiteY18" fmla="*/ 180766 h 839686"/>
+              </a:gdLst>
+              <a:ahLst/>
+              <a:cxnLst>
+                <a:cxn ang="0">
+                  <a:pos x="connsiteX0" y="connsiteY0"/>
+                </a:cxn>
+                <a:cxn ang="0">
+                  <a:pos x="connsiteX1" y="connsiteY1"/>
+                </a:cxn>
+                <a:cxn ang="0">
+                  <a:pos x="connsiteX2" y="connsiteY2"/>
+                </a:cxn>
+                <a:cxn ang="0">
+                  <a:pos x="connsiteX3" y="connsiteY3"/>
+                </a:cxn>
+                <a:cxn ang="0">
+                  <a:pos x="connsiteX4" y="connsiteY4"/>
+                </a:cxn>
+                <a:cxn ang="0">
+                  <a:pos x="connsiteX5" y="connsiteY5"/>
+                </a:cxn>
+                <a:cxn ang="0">
+                  <a:pos x="connsiteX6" y="connsiteY6"/>
+                </a:cxn>
+                <a:cxn ang="0">
+                  <a:pos x="connsiteX7" y="connsiteY7"/>
+                </a:cxn>
+                <a:cxn ang="0">
+                  <a:pos x="connsiteX8" y="connsiteY8"/>
+                </a:cxn>
+                <a:cxn ang="0">
+                  <a:pos x="connsiteX9" y="connsiteY9"/>
+                </a:cxn>
+                <a:cxn ang="0">
+                  <a:pos x="connsiteX10" y="connsiteY10"/>
+                </a:cxn>
+                <a:cxn ang="0">
+                  <a:pos x="connsiteX11" y="connsiteY11"/>
+                </a:cxn>
+                <a:cxn ang="0">
+                  <a:pos x="connsiteX12" y="connsiteY12"/>
+                </a:cxn>
+                <a:cxn ang="0">
+                  <a:pos x="connsiteX13" y="connsiteY13"/>
+                </a:cxn>
+                <a:cxn ang="0">
+                  <a:pos x="connsiteX14" y="connsiteY14"/>
+                </a:cxn>
+                <a:cxn ang="0">
+                  <a:pos x="connsiteX15" y="connsiteY15"/>
+                </a:cxn>
+                <a:cxn ang="0">
+                  <a:pos x="connsiteX16" y="connsiteY16"/>
+                </a:cxn>
+                <a:cxn ang="0">
+                  <a:pos x="connsiteX17" y="connsiteY17"/>
+                </a:cxn>
+                <a:cxn ang="0">
+                  <a:pos x="connsiteX18" y="connsiteY18"/>
+                </a:cxn>
+              </a:cxnLst>
+              <a:rect l="l" t="t" r="r" b="b"/>
+              <a:pathLst>
+                <a:path w="837374" h="839686">
+                  <a:moveTo>
+                    <a:pt x="743490" y="180766"/>
+                  </a:moveTo>
+                  <a:lnTo>
+                    <a:pt x="675862" y="162668"/>
+                  </a:lnTo>
+                  <a:lnTo>
+                    <a:pt x="657765" y="95041"/>
+                  </a:lnTo>
+                  <a:lnTo>
+                    <a:pt x="743490" y="9316"/>
+                  </a:lnTo>
+                  <a:cubicBezTo>
+                    <a:pt x="692055" y="-9734"/>
+                    <a:pt x="634905" y="743"/>
+                    <a:pt x="593947" y="37891"/>
+                  </a:cubicBezTo>
+                  <a:cubicBezTo>
+                    <a:pt x="553942" y="75038"/>
+                    <a:pt x="536797" y="131236"/>
+                    <a:pt x="552037" y="183623"/>
+                  </a:cubicBezTo>
+                  <a:lnTo>
+                    <a:pt x="182467" y="553194"/>
+                  </a:lnTo>
+                  <a:cubicBezTo>
+                    <a:pt x="130080" y="538906"/>
+                    <a:pt x="73882" y="556051"/>
+                    <a:pt x="37687" y="596056"/>
+                  </a:cubicBezTo>
+                  <a:cubicBezTo>
+                    <a:pt x="1492" y="636061"/>
+                    <a:pt x="-9938" y="693211"/>
+                    <a:pt x="9112" y="744646"/>
+                  </a:cubicBezTo>
+                  <a:lnTo>
+                    <a:pt x="94837" y="658921"/>
+                  </a:lnTo>
+                  <a:lnTo>
+                    <a:pt x="161512" y="677019"/>
+                  </a:lnTo>
+                  <a:lnTo>
+                    <a:pt x="179610" y="744646"/>
+                  </a:lnTo>
+                  <a:lnTo>
+                    <a:pt x="93885" y="830371"/>
+                  </a:lnTo>
+                  <a:cubicBezTo>
+                    <a:pt x="145320" y="849421"/>
+                    <a:pt x="202470" y="838944"/>
+                    <a:pt x="243427" y="801796"/>
+                  </a:cubicBezTo>
+                  <a:cubicBezTo>
+                    <a:pt x="283432" y="764648"/>
+                    <a:pt x="300577" y="708451"/>
+                    <a:pt x="285337" y="656064"/>
+                  </a:cubicBezTo>
+                  <a:lnTo>
+                    <a:pt x="654907" y="286493"/>
+                  </a:lnTo>
+                  <a:cubicBezTo>
+                    <a:pt x="707295" y="300781"/>
+                    <a:pt x="763492" y="283636"/>
+                    <a:pt x="799687" y="243631"/>
+                  </a:cubicBezTo>
+                  <a:cubicBezTo>
+                    <a:pt x="835882" y="203626"/>
+                    <a:pt x="847312" y="146476"/>
+                    <a:pt x="828262" y="95041"/>
+                  </a:cubicBezTo>
+                  <a:lnTo>
+                    <a:pt x="743490" y="180766"/>
+                  </a:lnTo>
+                  <a:close/>
+                </a:path>
+              </a:pathLst>
+            </a:custGeom>
+            <a:solidFill>
+              <a:schemeClr val="tx1">
+                <a:lumMod val="85000"/>
+                <a:lumOff val="15000"/>
+              </a:schemeClr>
+            </a:solidFill>
+            <a:ln w="9525" cap="flat">
+              <a:noFill/>
+              <a:prstDash val="solid"/>
+              <a:miter/>
+            </a:ln>
+            <a:scene3d>
+              <a:camera prst="orthographicFront"/>
+              <a:lightRig rig="threePt" dir="t"/>
+            </a:scene3d>
+            <a:sp3d contourW="6350"/>
+          </p:spPr>
+          <p:txBody>
+            <a:bodyPr rtlCol="0" anchor="ctr"/>
+            <a:lstStyle/>
+            <a:p>
+              <a:endParaRPr lang="zh-CN" altLang="en-US"/>
+            </a:p>
+          </p:txBody>
+        </p:sp>
+        <p:sp>
+          <p:nvSpPr>
+            <p:cNvPr id="8" name="图形 4" descr="螺丝刀">
+              <a:extLst>
+                <a:ext uri="{FF2B5EF4-FFF2-40B4-BE49-F238E27FC236}">
+                  <a16:creationId xmlns:a16="http://schemas.microsoft.com/office/drawing/2014/main" id="{E66AE3BC-826E-49FA-ABC3-FCDD323C5AD2}"/>
+                </a:ext>
+              </a:extLst>
+            </p:cNvPr>
+            <p:cNvSpPr/>
+            <p:nvPr/>
+          </p:nvSpPr>
+          <p:spPr>
+            <a:xfrm>
+              <a:off x="5676962" y="3009900"/>
+              <a:ext cx="838137" cy="839090"/>
+            </a:xfrm>
+            <a:custGeom>
+              <a:avLst/>
+              <a:gdLst>
+                <a:gd name="connsiteX0" fmla="*/ 801943 w 838137"/>
+                <a:gd name="connsiteY0" fmla="*/ 0 h 839090"/>
+                <a:gd name="connsiteX1" fmla="*/ 711455 w 838137"/>
+                <a:gd name="connsiteY1" fmla="*/ 72390 h 839090"/>
+                <a:gd name="connsiteX2" fmla="*/ 684786 w 838137"/>
+                <a:gd name="connsiteY2" fmla="*/ 122873 h 839090"/>
+                <a:gd name="connsiteX3" fmla="*/ 685738 w 838137"/>
+                <a:gd name="connsiteY3" fmla="*/ 123825 h 839090"/>
+                <a:gd name="connsiteX4" fmla="*/ 361888 w 838137"/>
+                <a:gd name="connsiteY4" fmla="*/ 447675 h 839090"/>
+                <a:gd name="connsiteX5" fmla="*/ 322836 w 838137"/>
+                <a:gd name="connsiteY5" fmla="*/ 407670 h 839090"/>
+                <a:gd name="connsiteX6" fmla="*/ 295213 w 838137"/>
+                <a:gd name="connsiteY6" fmla="*/ 435293 h 839090"/>
+                <a:gd name="connsiteX7" fmla="*/ 295213 w 838137"/>
+                <a:gd name="connsiteY7" fmla="*/ 471488 h 839090"/>
+                <a:gd name="connsiteX8" fmla="*/ 259018 w 838137"/>
+                <a:gd name="connsiteY8" fmla="*/ 471488 h 839090"/>
+                <a:gd name="connsiteX9" fmla="*/ 13273 w 838137"/>
+                <a:gd name="connsiteY9" fmla="*/ 716280 h 839090"/>
+                <a:gd name="connsiteX10" fmla="*/ 14225 w 838137"/>
+                <a:gd name="connsiteY10" fmla="*/ 717233 h 839090"/>
+                <a:gd name="connsiteX11" fmla="*/ 22798 w 838137"/>
+                <a:gd name="connsiteY11" fmla="*/ 816293 h 839090"/>
+                <a:gd name="connsiteX12" fmla="*/ 121858 w 838137"/>
+                <a:gd name="connsiteY12" fmla="*/ 824865 h 839090"/>
+                <a:gd name="connsiteX13" fmla="*/ 122810 w 838137"/>
+                <a:gd name="connsiteY13" fmla="*/ 825818 h 839090"/>
+                <a:gd name="connsiteX14" fmla="*/ 132335 w 838137"/>
+                <a:gd name="connsiteY14" fmla="*/ 816293 h 839090"/>
+                <a:gd name="connsiteX15" fmla="*/ 367603 w 838137"/>
+                <a:gd name="connsiteY15" fmla="*/ 581025 h 839090"/>
+                <a:gd name="connsiteX16" fmla="*/ 367603 w 838137"/>
+                <a:gd name="connsiteY16" fmla="*/ 544830 h 839090"/>
+                <a:gd name="connsiteX17" fmla="*/ 403798 w 838137"/>
+                <a:gd name="connsiteY17" fmla="*/ 544830 h 839090"/>
+                <a:gd name="connsiteX18" fmla="*/ 430468 w 838137"/>
+                <a:gd name="connsiteY18" fmla="*/ 518160 h 839090"/>
+                <a:gd name="connsiteX19" fmla="*/ 390463 w 838137"/>
+                <a:gd name="connsiteY19" fmla="*/ 477203 h 839090"/>
+                <a:gd name="connsiteX20" fmla="*/ 714313 w 838137"/>
+                <a:gd name="connsiteY20" fmla="*/ 153353 h 839090"/>
+                <a:gd name="connsiteX21" fmla="*/ 715265 w 838137"/>
+                <a:gd name="connsiteY21" fmla="*/ 154305 h 839090"/>
+                <a:gd name="connsiteX22" fmla="*/ 765748 w 838137"/>
+                <a:gd name="connsiteY22" fmla="*/ 127635 h 839090"/>
+                <a:gd name="connsiteX23" fmla="*/ 838138 w 838137"/>
+                <a:gd name="connsiteY23" fmla="*/ 36195 h 839090"/>
+                <a:gd name="connsiteX24" fmla="*/ 801943 w 838137"/>
+                <a:gd name="connsiteY24" fmla="*/ 0 h 839090"/>
+              </a:gdLst>
+              <a:ahLst/>
+              <a:cxnLst>
+                <a:cxn ang="0">
+                  <a:pos x="connsiteX0" y="connsiteY0"/>
+                </a:cxn>
+                <a:cxn ang="0">
+                  <a:pos x="connsiteX1" y="connsiteY1"/>
+                </a:cxn>
+                <a:cxn ang="0">
+                  <a:pos x="connsiteX2" y="connsiteY2"/>
+                </a:cxn>
+                <a:cxn ang="0">
+                  <a:pos x="connsiteX3" y="connsiteY3"/>
+                </a:cxn>
+                <a:cxn ang="0">
+                  <a:pos x="connsiteX4" y="connsiteY4"/>
+                </a:cxn>
+                <a:cxn ang="0">
+                  <a:pos x="connsiteX5" y="connsiteY5"/>
+                </a:cxn>
+                <a:cxn ang="0">
+                  <a:pos x="connsiteX6" y="connsiteY6"/>
+                </a:cxn>
+                <a:cxn ang="0">
+                  <a:pos x="connsiteX7" y="connsiteY7"/>
+                </a:cxn>
+                <a:cxn ang="0">
+                  <a:pos x="connsiteX8" y="connsiteY8"/>
+                </a:cxn>
+                <a:cxn ang="0">
+                  <a:pos x="connsiteX9" y="connsiteY9"/>
+                </a:cxn>
+                <a:cxn ang="0">
+                  <a:pos x="connsiteX10" y="connsiteY10"/>
+                </a:cxn>
+                <a:cxn ang="0">
+                  <a:pos x="connsiteX11" y="connsiteY11"/>
+                </a:cxn>
+                <a:cxn ang="0">
+                  <a:pos x="connsiteX12" y="connsiteY12"/>
+                </a:cxn>
+                <a:cxn ang="0">
+                  <a:pos x="connsiteX13" y="connsiteY13"/>
+                </a:cxn>
+                <a:cxn ang="0">
+                  <a:pos x="connsiteX14" y="connsiteY14"/>
+                </a:cxn>
+                <a:cxn ang="0">
+                  <a:pos x="connsiteX15" y="connsiteY15"/>
+                </a:cxn>
+                <a:cxn ang="0">
+                  <a:pos x="connsiteX16" y="connsiteY16"/>
+                </a:cxn>
+                <a:cxn ang="0">
+                  <a:pos x="connsiteX17" y="connsiteY17"/>
+                </a:cxn>
+                <a:cxn ang="0">
+                  <a:pos x="connsiteX18" y="connsiteY18"/>
+                </a:cxn>
+                <a:cxn ang="0">
+                  <a:pos x="connsiteX19" y="connsiteY19"/>
+                </a:cxn>
+                <a:cxn ang="0">
+                  <a:pos x="connsiteX20" y="connsiteY20"/>
+                </a:cxn>
+                <a:cxn ang="0">
+                  <a:pos x="connsiteX21" y="connsiteY21"/>
+                </a:cxn>
+                <a:cxn ang="0">
+                  <a:pos x="connsiteX22" y="connsiteY22"/>
+                </a:cxn>
+                <a:cxn ang="0">
+                  <a:pos x="connsiteX23" y="connsiteY23"/>
+                </a:cxn>
+                <a:cxn ang="0">
+                  <a:pos x="connsiteX24" y="connsiteY24"/>
+                </a:cxn>
+              </a:cxnLst>
+              <a:rect l="l" t="t" r="r" b="b"/>
+              <a:pathLst>
+                <a:path w="838137" h="839090">
+                  <a:moveTo>
+                    <a:pt x="801943" y="0"/>
+                  </a:moveTo>
+                  <a:lnTo>
+                    <a:pt x="711455" y="72390"/>
+                  </a:lnTo>
+                  <a:lnTo>
+                    <a:pt x="684786" y="122873"/>
+                  </a:lnTo>
+                  <a:lnTo>
+                    <a:pt x="685738" y="123825"/>
+                  </a:lnTo>
+                  <a:lnTo>
+                    <a:pt x="361888" y="447675"/>
+                  </a:lnTo>
+                  <a:lnTo>
+                    <a:pt x="322836" y="407670"/>
+                  </a:lnTo>
+                  <a:lnTo>
+                    <a:pt x="295213" y="435293"/>
+                  </a:lnTo>
+                  <a:cubicBezTo>
+                    <a:pt x="305690" y="445770"/>
+                    <a:pt x="305690" y="461963"/>
+                    <a:pt x="295213" y="471488"/>
+                  </a:cubicBezTo>
+                  <a:cubicBezTo>
+                    <a:pt x="284736" y="481965"/>
+                    <a:pt x="268543" y="481965"/>
+                    <a:pt x="259018" y="471488"/>
+                  </a:cubicBezTo>
+                  <a:lnTo>
+                    <a:pt x="13273" y="716280"/>
+                  </a:lnTo>
+                  <a:lnTo>
+                    <a:pt x="14225" y="717233"/>
+                  </a:lnTo>
+                  <a:cubicBezTo>
+                    <a:pt x="-7682" y="747713"/>
+                    <a:pt x="-3872" y="789623"/>
+                    <a:pt x="22798" y="816293"/>
+                  </a:cubicBezTo>
+                  <a:cubicBezTo>
+                    <a:pt x="49468" y="842963"/>
+                    <a:pt x="91378" y="846773"/>
+                    <a:pt x="121858" y="824865"/>
+                  </a:cubicBezTo>
+                  <a:lnTo>
+                    <a:pt x="122810" y="825818"/>
+                  </a:lnTo>
+                  <a:lnTo>
+                    <a:pt x="132335" y="816293"/>
+                  </a:lnTo>
+                  <a:lnTo>
+                    <a:pt x="367603" y="581025"/>
+                  </a:lnTo>
+                  <a:cubicBezTo>
+                    <a:pt x="357125" y="570548"/>
+                    <a:pt x="357125" y="554355"/>
+                    <a:pt x="367603" y="544830"/>
+                  </a:cubicBezTo>
+                  <a:cubicBezTo>
+                    <a:pt x="378081" y="534353"/>
+                    <a:pt x="394273" y="534353"/>
+                    <a:pt x="403798" y="544830"/>
+                  </a:cubicBezTo>
+                  <a:lnTo>
+                    <a:pt x="430468" y="518160"/>
+                  </a:lnTo>
+                  <a:lnTo>
+                    <a:pt x="390463" y="477203"/>
+                  </a:lnTo>
+                  <a:lnTo>
+                    <a:pt x="714313" y="153353"/>
+                  </a:lnTo>
+                  <a:lnTo>
+                    <a:pt x="715265" y="154305"/>
+                  </a:lnTo>
+                  <a:lnTo>
+                    <a:pt x="765748" y="127635"/>
+                  </a:lnTo>
+                  <a:lnTo>
+                    <a:pt x="838138" y="36195"/>
+                  </a:lnTo>
+                  <a:lnTo>
+                    <a:pt x="801943" y="0"/>
+                  </a:lnTo>
+                  <a:close/>
+                </a:path>
+              </a:pathLst>
+            </a:custGeom>
+            <a:solidFill>
+              <a:srgbClr val="000000"/>
+            </a:solidFill>
+            <a:ln w="9525" cap="flat">
+              <a:noFill/>
+              <a:prstDash val="solid"/>
+              <a:miter/>
+            </a:ln>
+            <a:scene3d>
+              <a:camera prst="orthographicFront"/>
+              <a:lightRig rig="threePt" dir="t"/>
+            </a:scene3d>
+            <a:sp3d contourW="6350"/>
+          </p:spPr>
+          <p:txBody>
+            <a:bodyPr rtlCol="0" anchor="ctr"/>
+            <a:lstStyle/>
+            <a:p>
+              <a:endParaRPr lang="zh-CN" altLang="en-US" dirty="0"/>
+            </a:p>
+          </p:txBody>
+        </p:sp>
+      </p:grpSp>
+      <p:grpSp>
+        <p:nvGrpSpPr>
+          <p:cNvPr id="14" name="组合 13">
+            <a:extLst>
+              <a:ext uri="{FF2B5EF4-FFF2-40B4-BE49-F238E27FC236}">
+                <a16:creationId xmlns:a16="http://schemas.microsoft.com/office/drawing/2014/main" id="{433B10A7-D487-47F8-AF97-A1FB1D98CC95}"/>
+              </a:ext>
+            </a:extLst>
+          </p:cNvPr>
+          <p:cNvGrpSpPr/>
+          <p:nvPr/>
+        </p:nvGrpSpPr>
+        <p:grpSpPr>
+          <a:xfrm rot="1137068">
+            <a:off x="1901204" y="2872989"/>
+            <a:ext cx="1405073" cy="1405074"/>
+            <a:chOff x="3060635" y="964320"/>
+            <a:chExt cx="1540984" cy="1540985"/>
+          </a:xfrm>
+          <a:gradFill flip="none" rotWithShape="1">
+            <a:gsLst>
+              <a:gs pos="0">
+                <a:srgbClr val="0099FF">
+                  <a:shade val="30000"/>
+                  <a:satMod val="115000"/>
+                </a:srgbClr>
+              </a:gs>
+              <a:gs pos="50000">
+                <a:srgbClr val="0099FF">
+                  <a:shade val="67500"/>
+                  <a:satMod val="115000"/>
+                </a:srgbClr>
+              </a:gs>
+              <a:gs pos="100000">
+                <a:srgbClr val="0099FF">
+                  <a:shade val="100000"/>
+                  <a:satMod val="115000"/>
+                </a:srgbClr>
+              </a:gs>
+            </a:gsLst>
+            <a:lin ang="2700000" scaled="1"/>
+            <a:tileRect/>
+          </a:gradFill>
+          <a:effectLst>
+            <a:outerShdw blurRad="50800" dist="38100" algn="l" rotWithShape="0">
+              <a:prstClr val="black">
+                <a:alpha val="40000"/>
+              </a:prstClr>
+            </a:outerShdw>
+          </a:effectLst>
+        </p:grpSpPr>
+        <p:sp>
+          <p:nvSpPr>
+            <p:cNvPr id="12" name="任意多边形: 形状 11">
+              <a:extLst>
+                <a:ext uri="{FF2B5EF4-FFF2-40B4-BE49-F238E27FC236}">
+                  <a16:creationId xmlns:a16="http://schemas.microsoft.com/office/drawing/2014/main" id="{3BDBC9C1-0D84-4BE7-B243-863D3A321045}"/>
+                </a:ext>
+              </a:extLst>
+            </p:cNvPr>
+            <p:cNvSpPr/>
+            <p:nvPr/>
+          </p:nvSpPr>
+          <p:spPr>
+            <a:xfrm>
+              <a:off x="3060635" y="964320"/>
+              <a:ext cx="1540984" cy="1540985"/>
+            </a:xfrm>
+            <a:custGeom>
+              <a:avLst/>
+              <a:gdLst>
+                <a:gd name="connsiteX0" fmla="*/ 710079 w 1540984"/>
+                <a:gd name="connsiteY0" fmla="*/ 870634 h 1540985"/>
+                <a:gd name="connsiteX1" fmla="*/ 358021 w 1540984"/>
+                <a:gd name="connsiteY1" fmla="*/ 1088830 h 1540985"/>
+                <a:gd name="connsiteX2" fmla="*/ 365790 w 1540984"/>
+                <a:gd name="connsiteY2" fmla="*/ 1100693 h 1540985"/>
+                <a:gd name="connsiteX3" fmla="*/ 370809 w 1540984"/>
+                <a:gd name="connsiteY3" fmla="*/ 1127196 h 1540985"/>
+                <a:gd name="connsiteX4" fmla="*/ 362092 w 1540984"/>
+                <a:gd name="connsiteY4" fmla="*/ 1139985 h 1540985"/>
+                <a:gd name="connsiteX5" fmla="*/ 379682 w 1540984"/>
+                <a:gd name="connsiteY5" fmla="*/ 1161304 h 1540985"/>
+                <a:gd name="connsiteX6" fmla="*/ 770493 w 1540984"/>
+                <a:gd name="connsiteY6" fmla="*/ 1323184 h 1540985"/>
+                <a:gd name="connsiteX7" fmla="*/ 1079507 w 1540984"/>
+                <a:gd name="connsiteY7" fmla="*/ 1228793 h 1540985"/>
+                <a:gd name="connsiteX8" fmla="*/ 1156753 w 1540984"/>
+                <a:gd name="connsiteY8" fmla="*/ 1165060 h 1540985"/>
+                <a:gd name="connsiteX9" fmla="*/ 1148038 w 1540984"/>
+                <a:gd name="connsiteY9" fmla="*/ 1151184 h 1540985"/>
+                <a:gd name="connsiteX10" fmla="*/ 1154045 w 1540984"/>
+                <a:gd name="connsiteY10" fmla="*/ 1124888 h 1540985"/>
+                <a:gd name="connsiteX11" fmla="*/ 1165503 w 1540984"/>
+                <a:gd name="connsiteY11" fmla="*/ 1108747 h 1540985"/>
+                <a:gd name="connsiteX12" fmla="*/ 838610 w 1540984"/>
+                <a:gd name="connsiteY12" fmla="*/ 872687 h 1540985"/>
+                <a:gd name="connsiteX13" fmla="*/ 824848 w 1540984"/>
+                <a:gd name="connsiteY13" fmla="*/ 881965 h 1540985"/>
+                <a:gd name="connsiteX14" fmla="*/ 775867 w 1540984"/>
+                <a:gd name="connsiteY14" fmla="*/ 891854 h 1540985"/>
+                <a:gd name="connsiteX15" fmla="*/ 726886 w 1540984"/>
+                <a:gd name="connsiteY15" fmla="*/ 881965 h 1540985"/>
+                <a:gd name="connsiteX16" fmla="*/ 673063 w 1540984"/>
+                <a:gd name="connsiteY16" fmla="*/ 227626 h 1540985"/>
+                <a:gd name="connsiteX17" fmla="*/ 659106 w 1540984"/>
+                <a:gd name="connsiteY17" fmla="*/ 229033 h 1540985"/>
+                <a:gd name="connsiteX18" fmla="*/ 217802 w 1540984"/>
+                <a:gd name="connsiteY18" fmla="*/ 770494 h 1540985"/>
+                <a:gd name="connsiteX19" fmla="*/ 229032 w 1540984"/>
+                <a:gd name="connsiteY19" fmla="*/ 881880 h 1540985"/>
+                <a:gd name="connsiteX20" fmla="*/ 258848 w 1540984"/>
+                <a:gd name="connsiteY20" fmla="*/ 977934 h 1540985"/>
+                <a:gd name="connsiteX21" fmla="*/ 271486 w 1540984"/>
+                <a:gd name="connsiteY21" fmla="*/ 975541 h 1540985"/>
+                <a:gd name="connsiteX22" fmla="*/ 293775 w 1540984"/>
+                <a:gd name="connsiteY22" fmla="*/ 990732 h 1540985"/>
+                <a:gd name="connsiteX23" fmla="*/ 296771 w 1540984"/>
+                <a:gd name="connsiteY23" fmla="*/ 995308 h 1540985"/>
+                <a:gd name="connsiteX24" fmla="*/ 651889 w 1540984"/>
+                <a:gd name="connsiteY24" fmla="*/ 775215 h 1540985"/>
+                <a:gd name="connsiteX25" fmla="*/ 650032 w 1540984"/>
+                <a:gd name="connsiteY25" fmla="*/ 766018 h 1540985"/>
+                <a:gd name="connsiteX26" fmla="*/ 686888 w 1540984"/>
+                <a:gd name="connsiteY26" fmla="*/ 677040 h 1540985"/>
+                <a:gd name="connsiteX27" fmla="*/ 710803 w 1540984"/>
+                <a:gd name="connsiteY27" fmla="*/ 660916 h 1540985"/>
+                <a:gd name="connsiteX28" fmla="*/ 710803 w 1540984"/>
+                <a:gd name="connsiteY28" fmla="*/ 248204 h 1540985"/>
+                <a:gd name="connsiteX29" fmla="*/ 702231 w 1540984"/>
+                <a:gd name="connsiteY29" fmla="*/ 248204 h 1540985"/>
+                <a:gd name="connsiteX30" fmla="*/ 677311 w 1540984"/>
+                <a:gd name="connsiteY30" fmla="*/ 237882 h 1540985"/>
+                <a:gd name="connsiteX31" fmla="*/ 863048 w 1540984"/>
+                <a:gd name="connsiteY31" fmla="*/ 227134 h 1540985"/>
+                <a:gd name="connsiteX32" fmla="*/ 858596 w 1540984"/>
+                <a:gd name="connsiteY32" fmla="*/ 237883 h 1540985"/>
+                <a:gd name="connsiteX33" fmla="*/ 833675 w 1540984"/>
+                <a:gd name="connsiteY33" fmla="*/ 248205 h 1540985"/>
+                <a:gd name="connsiteX34" fmla="*/ 822564 w 1540984"/>
+                <a:gd name="connsiteY34" fmla="*/ 248205 h 1540985"/>
+                <a:gd name="connsiteX35" fmla="*/ 822563 w 1540984"/>
+                <a:gd name="connsiteY35" fmla="*/ 649611 h 1540985"/>
+                <a:gd name="connsiteX36" fmla="*/ 824848 w 1540984"/>
+                <a:gd name="connsiteY36" fmla="*/ 650072 h 1540985"/>
+                <a:gd name="connsiteX37" fmla="*/ 901702 w 1540984"/>
+                <a:gd name="connsiteY37" fmla="*/ 766019 h 1540985"/>
+                <a:gd name="connsiteX38" fmla="*/ 899169 w 1540984"/>
+                <a:gd name="connsiteY38" fmla="*/ 778564 h 1540985"/>
+                <a:gd name="connsiteX39" fmla="*/ 1230233 w 1540984"/>
+                <a:gd name="connsiteY39" fmla="*/ 1017637 h 1540985"/>
+                <a:gd name="connsiteX40" fmla="*/ 1252972 w 1540984"/>
+                <a:gd name="connsiteY40" fmla="*/ 1003356 h 1540985"/>
+                <a:gd name="connsiteX41" fmla="*/ 1268234 w 1540984"/>
+                <a:gd name="connsiteY41" fmla="*/ 1006843 h 1540985"/>
+                <a:gd name="connsiteX42" fmla="*/ 1279750 w 1540984"/>
+                <a:gd name="connsiteY42" fmla="*/ 985626 h 1540985"/>
+                <a:gd name="connsiteX43" fmla="*/ 1323183 w 1540984"/>
+                <a:gd name="connsiteY43" fmla="*/ 770494 h 1540985"/>
+                <a:gd name="connsiteX44" fmla="*/ 881879 w 1540984"/>
+                <a:gd name="connsiteY44" fmla="*/ 229032 h 1540985"/>
+                <a:gd name="connsiteX45" fmla="*/ 681593 w 1540984"/>
+                <a:gd name="connsiteY45" fmla="*/ 0 h 1540985"/>
+                <a:gd name="connsiteX46" fmla="*/ 859390 w 1540984"/>
+                <a:gd name="connsiteY46" fmla="*/ 1 h 1540985"/>
+                <a:gd name="connsiteX47" fmla="*/ 903842 w 1540984"/>
+                <a:gd name="connsiteY47" fmla="*/ 44452 h 1540985"/>
+                <a:gd name="connsiteX48" fmla="*/ 903841 w 1540984"/>
+                <a:gd name="connsiteY48" fmla="*/ 128098 h 1540985"/>
+                <a:gd name="connsiteX49" fmla="*/ 1025867 w 1540984"/>
+                <a:gd name="connsiteY49" fmla="*/ 165978 h 1540985"/>
+                <a:gd name="connsiteX50" fmla="*/ 1144127 w 1540984"/>
+                <a:gd name="connsiteY50" fmla="*/ 232023 h 1540985"/>
+                <a:gd name="connsiteX51" fmla="*/ 1205305 w 1540984"/>
+                <a:gd name="connsiteY51" fmla="*/ 173956 h 1540985"/>
+                <a:gd name="connsiteX52" fmla="*/ 1268147 w 1540984"/>
+                <a:gd name="connsiteY52" fmla="*/ 175597 h 1540985"/>
+                <a:gd name="connsiteX53" fmla="*/ 1390544 w 1540984"/>
+                <a:gd name="connsiteY53" fmla="*/ 304559 h 1540985"/>
+                <a:gd name="connsiteX54" fmla="*/ 1388905 w 1540984"/>
+                <a:gd name="connsiteY54" fmla="*/ 367401 h 1540985"/>
+                <a:gd name="connsiteX55" fmla="*/ 1326815 w 1540984"/>
+                <a:gd name="connsiteY55" fmla="*/ 426330 h 1540985"/>
+                <a:gd name="connsiteX56" fmla="*/ 1339645 w 1540984"/>
+                <a:gd name="connsiteY56" fmla="*/ 443929 h 1540985"/>
+                <a:gd name="connsiteX57" fmla="*/ 1397071 w 1540984"/>
+                <a:gd name="connsiteY57" fmla="*/ 575398 h 1540985"/>
+                <a:gd name="connsiteX58" fmla="*/ 1411300 w 1540984"/>
+                <a:gd name="connsiteY58" fmla="*/ 637143 h 1540985"/>
+                <a:gd name="connsiteX59" fmla="*/ 1496533 w 1540984"/>
+                <a:gd name="connsiteY59" fmla="*/ 637143 h 1540985"/>
+                <a:gd name="connsiteX60" fmla="*/ 1540984 w 1540984"/>
+                <a:gd name="connsiteY60" fmla="*/ 681594 h 1540985"/>
+                <a:gd name="connsiteX61" fmla="*/ 1540984 w 1540984"/>
+                <a:gd name="connsiteY61" fmla="*/ 859392 h 1540985"/>
+                <a:gd name="connsiteX62" fmla="*/ 1496533 w 1540984"/>
+                <a:gd name="connsiteY62" fmla="*/ 903843 h 1540985"/>
+                <a:gd name="connsiteX63" fmla="*/ 1411302 w 1540984"/>
+                <a:gd name="connsiteY63" fmla="*/ 903844 h 1540985"/>
+                <a:gd name="connsiteX64" fmla="*/ 1397070 w 1540984"/>
+                <a:gd name="connsiteY64" fmla="*/ 965591 h 1540985"/>
+                <a:gd name="connsiteX65" fmla="*/ 1339645 w 1540984"/>
+                <a:gd name="connsiteY65" fmla="*/ 1097060 h 1540985"/>
+                <a:gd name="connsiteX66" fmla="*/ 1306909 w 1540984"/>
+                <a:gd name="connsiteY66" fmla="*/ 1141965 h 1540985"/>
+                <a:gd name="connsiteX67" fmla="*/ 1367028 w 1540984"/>
+                <a:gd name="connsiteY67" fmla="*/ 1205307 h 1540985"/>
+                <a:gd name="connsiteX68" fmla="*/ 1365387 w 1540984"/>
+                <a:gd name="connsiteY68" fmla="*/ 1268149 h 1540985"/>
+                <a:gd name="connsiteX69" fmla="*/ 1236426 w 1540984"/>
+                <a:gd name="connsiteY69" fmla="*/ 1390547 h 1540985"/>
+                <a:gd name="connsiteX70" fmla="*/ 1173585 w 1540984"/>
+                <a:gd name="connsiteY70" fmla="*/ 1388906 h 1540985"/>
+                <a:gd name="connsiteX71" fmla="*/ 1113791 w 1540984"/>
+                <a:gd name="connsiteY71" fmla="*/ 1325907 h 1540985"/>
+                <a:gd name="connsiteX72" fmla="*/ 1025867 w 1540984"/>
+                <a:gd name="connsiteY72" fmla="*/ 1375011 h 1540985"/>
+                <a:gd name="connsiteX73" fmla="*/ 903842 w 1540984"/>
+                <a:gd name="connsiteY73" fmla="*/ 1412889 h 1540985"/>
+                <a:gd name="connsiteX74" fmla="*/ 903841 w 1540984"/>
+                <a:gd name="connsiteY74" fmla="*/ 1496534 h 1540985"/>
+                <a:gd name="connsiteX75" fmla="*/ 859391 w 1540984"/>
+                <a:gd name="connsiteY75" fmla="*/ 1540985 h 1540985"/>
+                <a:gd name="connsiteX76" fmla="*/ 681593 w 1540984"/>
+                <a:gd name="connsiteY76" fmla="*/ 1540985 h 1540985"/>
+                <a:gd name="connsiteX77" fmla="*/ 637141 w 1540984"/>
+                <a:gd name="connsiteY77" fmla="*/ 1496534 h 1540985"/>
+                <a:gd name="connsiteX78" fmla="*/ 637142 w 1540984"/>
+                <a:gd name="connsiteY78" fmla="*/ 1412889 h 1540985"/>
+                <a:gd name="connsiteX79" fmla="*/ 515119 w 1540984"/>
+                <a:gd name="connsiteY79" fmla="*/ 1375011 h 1540985"/>
+                <a:gd name="connsiteX80" fmla="*/ 396857 w 1540984"/>
+                <a:gd name="connsiteY80" fmla="*/ 1308965 h 1540985"/>
+                <a:gd name="connsiteX81" fmla="*/ 335679 w 1540984"/>
+                <a:gd name="connsiteY81" fmla="*/ 1367029 h 1540985"/>
+                <a:gd name="connsiteX82" fmla="*/ 272837 w 1540984"/>
+                <a:gd name="connsiteY82" fmla="*/ 1365387 h 1540985"/>
+                <a:gd name="connsiteX83" fmla="*/ 150438 w 1540984"/>
+                <a:gd name="connsiteY83" fmla="*/ 1236428 h 1540985"/>
+                <a:gd name="connsiteX84" fmla="*/ 152078 w 1540984"/>
+                <a:gd name="connsiteY84" fmla="*/ 1173586 h 1540985"/>
+                <a:gd name="connsiteX85" fmla="*/ 214169 w 1540984"/>
+                <a:gd name="connsiteY85" fmla="*/ 1114656 h 1540985"/>
+                <a:gd name="connsiteX86" fmla="*/ 201341 w 1540984"/>
+                <a:gd name="connsiteY86" fmla="*/ 1097060 h 1540985"/>
+                <a:gd name="connsiteX87" fmla="*/ 143914 w 1540984"/>
+                <a:gd name="connsiteY87" fmla="*/ 965591 h 1540985"/>
+                <a:gd name="connsiteX88" fmla="*/ 129684 w 1540984"/>
+                <a:gd name="connsiteY88" fmla="*/ 903843 h 1540985"/>
+                <a:gd name="connsiteX89" fmla="*/ 44451 w 1540984"/>
+                <a:gd name="connsiteY89" fmla="*/ 903843 h 1540985"/>
+                <a:gd name="connsiteX90" fmla="*/ 0 w 1540984"/>
+                <a:gd name="connsiteY90" fmla="*/ 859392 h 1540985"/>
+                <a:gd name="connsiteX91" fmla="*/ 0 w 1540984"/>
+                <a:gd name="connsiteY91" fmla="*/ 681595 h 1540985"/>
+                <a:gd name="connsiteX92" fmla="*/ 44451 w 1540984"/>
+                <a:gd name="connsiteY92" fmla="*/ 637143 h 1540985"/>
+                <a:gd name="connsiteX93" fmla="*/ 129685 w 1540984"/>
+                <a:gd name="connsiteY93" fmla="*/ 637143 h 1540985"/>
+                <a:gd name="connsiteX94" fmla="*/ 143915 w 1540984"/>
+                <a:gd name="connsiteY94" fmla="*/ 575398 h 1540985"/>
+                <a:gd name="connsiteX95" fmla="*/ 201340 w 1540984"/>
+                <a:gd name="connsiteY95" fmla="*/ 443929 h 1540985"/>
+                <a:gd name="connsiteX96" fmla="*/ 234076 w 1540984"/>
+                <a:gd name="connsiteY96" fmla="*/ 399023 h 1540985"/>
+                <a:gd name="connsiteX97" fmla="*/ 173955 w 1540984"/>
+                <a:gd name="connsiteY97" fmla="*/ 335680 h 1540985"/>
+                <a:gd name="connsiteX98" fmla="*/ 175597 w 1540984"/>
+                <a:gd name="connsiteY98" fmla="*/ 272837 h 1540985"/>
+                <a:gd name="connsiteX99" fmla="*/ 304558 w 1540984"/>
+                <a:gd name="connsiteY99" fmla="*/ 150439 h 1540985"/>
+                <a:gd name="connsiteX100" fmla="*/ 367399 w 1540984"/>
+                <a:gd name="connsiteY100" fmla="*/ 152081 h 1540985"/>
+                <a:gd name="connsiteX101" fmla="*/ 427194 w 1540984"/>
+                <a:gd name="connsiteY101" fmla="*/ 215081 h 1540985"/>
+                <a:gd name="connsiteX102" fmla="*/ 515119 w 1540984"/>
+                <a:gd name="connsiteY102" fmla="*/ 165977 h 1540985"/>
+                <a:gd name="connsiteX103" fmla="*/ 637141 w 1540984"/>
+                <a:gd name="connsiteY103" fmla="*/ 128099 h 1540985"/>
+                <a:gd name="connsiteX104" fmla="*/ 637141 w 1540984"/>
+                <a:gd name="connsiteY104" fmla="*/ 44452 h 1540985"/>
+                <a:gd name="connsiteX105" fmla="*/ 681593 w 1540984"/>
+                <a:gd name="connsiteY105" fmla="*/ 0 h 1540985"/>
+              </a:gdLst>
+              <a:ahLst/>
+              <a:cxnLst>
+                <a:cxn ang="0">
+                  <a:pos x="connsiteX0" y="connsiteY0"/>
+                </a:cxn>
+                <a:cxn ang="0">
+                  <a:pos x="connsiteX1" y="connsiteY1"/>
+                </a:cxn>
+                <a:cxn ang="0">
+                  <a:pos x="connsiteX2" y="connsiteY2"/>
+                </a:cxn>
+                <a:cxn ang="0">
+                  <a:pos x="connsiteX3" y="connsiteY3"/>
+                </a:cxn>
+                <a:cxn ang="0">
+                  <a:pos x="connsiteX4" y="connsiteY4"/>
+                </a:cxn>
+                <a:cxn ang="0">
+                  <a:pos x="connsiteX5" y="connsiteY5"/>
+                </a:cxn>
+                <a:cxn ang="0">
+                  <a:pos x="connsiteX6" y="connsiteY6"/>
+                </a:cxn>
+                <a:cxn ang="0">
+                  <a:pos x="connsiteX7" y="connsiteY7"/>
+                </a:cxn>
+                <a:cxn ang="0">
+                  <a:pos x="connsiteX8" y="connsiteY8"/>
+                </a:cxn>
+                <a:cxn ang="0">
+                  <a:pos x="connsiteX9" y="connsiteY9"/>
+                </a:cxn>
+                <a:cxn ang="0">
+                  <a:pos x="connsiteX10" y="connsiteY10"/>
+                </a:cxn>
+                <a:cxn ang="0">
+                  <a:pos x="connsiteX11" y="connsiteY11"/>
+                </a:cxn>
+                <a:cxn ang="0">
+                  <a:pos x="connsiteX12" y="connsiteY12"/>
+                </a:cxn>
+                <a:cxn ang="0">
+                  <a:pos x="connsiteX13" y="connsiteY13"/>
+                </a:cxn>
+                <a:cxn ang="0">
+                  <a:pos x="connsiteX14" y="connsiteY14"/>
+                </a:cxn>
+                <a:cxn ang="0">
+                  <a:pos x="connsiteX15" y="connsiteY15"/>
+                </a:cxn>
+                <a:cxn ang="0">
+                  <a:pos x="connsiteX16" y="connsiteY16"/>
+                </a:cxn>
+                <a:cxn ang="0">
+                  <a:pos x="connsiteX17" y="connsiteY17"/>
+                </a:cxn>
+                <a:cxn ang="0">
+                  <a:pos x="connsiteX18" y="connsiteY18"/>
+                </a:cxn>
+                <a:cxn ang="0">
+                  <a:pos x="connsiteX19" y="connsiteY19"/>
+                </a:cxn>
+                <a:cxn ang="0">
+                  <a:pos x="connsiteX20" y="connsiteY20"/>
+                </a:cxn>
+                <a:cxn ang="0">
+                  <a:pos x="connsiteX21" y="connsiteY21"/>
+                </a:cxn>
+                <a:cxn ang="0">
+                  <a:pos x="connsiteX22" y="connsiteY22"/>
+                </a:cxn>
+                <a:cxn ang="0">
+                  <a:pos x="connsiteX23" y="connsiteY23"/>
+                </a:cxn>
+                <a:cxn ang="0">
+                  <a:pos x="connsiteX24" y="connsiteY24"/>
+                </a:cxn>
+                <a:cxn ang="0">
+                  <a:pos x="connsiteX25" y="connsiteY25"/>
+                </a:cxn>
+                <a:cxn ang="0">
+                  <a:pos x="connsiteX26" y="connsiteY26"/>
+                </a:cxn>
+                <a:cxn ang="0">
+                  <a:pos x="connsiteX27" y="connsiteY27"/>
+                </a:cxn>
+                <a:cxn ang="0">
+                  <a:pos x="connsiteX28" y="connsiteY28"/>
+                </a:cxn>
+                <a:cxn ang="0">
+                  <a:pos x="connsiteX29" y="connsiteY29"/>
+                </a:cxn>
+                <a:cxn ang="0">
+                  <a:pos x="connsiteX30" y="connsiteY30"/>
+                </a:cxn>
+                <a:cxn ang="0">
+                  <a:pos x="connsiteX31" y="connsiteY31"/>
+                </a:cxn>
+                <a:cxn ang="0">
+                  <a:pos x="connsiteX32" y="connsiteY32"/>
+                </a:cxn>
+                <a:cxn ang="0">
+                  <a:pos x="connsiteX33" y="connsiteY33"/>
+                </a:cxn>
+                <a:cxn ang="0">
+                  <a:pos x="connsiteX34" y="connsiteY34"/>
+                </a:cxn>
+                <a:cxn ang="0">
+                  <a:pos x="connsiteX35" y="connsiteY35"/>
+                </a:cxn>
+                <a:cxn ang="0">
+                  <a:pos x="connsiteX36" y="connsiteY36"/>
+                </a:cxn>
+                <a:cxn ang="0">
+                  <a:pos x="connsiteX37" y="connsiteY37"/>
+                </a:cxn>
+                <a:cxn ang="0">
+                  <a:pos x="connsiteX38" y="connsiteY38"/>
+                </a:cxn>
+                <a:cxn ang="0">
+                  <a:pos x="connsiteX39" y="connsiteY39"/>
+                </a:cxn>
+                <a:cxn ang="0">
+                  <a:pos x="connsiteX40" y="connsiteY40"/>
+                </a:cxn>
+                <a:cxn ang="0">
+                  <a:pos x="connsiteX41" y="connsiteY41"/>
+                </a:cxn>
+                <a:cxn ang="0">
+                  <a:pos x="connsiteX42" y="connsiteY42"/>
+                </a:cxn>
+                <a:cxn ang="0">
+                  <a:pos x="connsiteX43" y="connsiteY43"/>
+                </a:cxn>
+                <a:cxn ang="0">
+                  <a:pos x="connsiteX44" y="connsiteY44"/>
+                </a:cxn>
+                <a:cxn ang="0">
+                  <a:pos x="connsiteX45" y="connsiteY45"/>
+                </a:cxn>
+                <a:cxn ang="0">
+                  <a:pos x="connsiteX46" y="connsiteY46"/>
+                </a:cxn>
+                <a:cxn ang="0">
+                  <a:pos x="connsiteX47" y="connsiteY47"/>
+                </a:cxn>
+                <a:cxn ang="0">
+                  <a:pos x="connsiteX48" y="connsiteY48"/>
+                </a:cxn>
+                <a:cxn ang="0">
+                  <a:pos x="connsiteX49" y="connsiteY49"/>
+                </a:cxn>
+                <a:cxn ang="0">
+                  <a:pos x="connsiteX50" y="connsiteY50"/>
+                </a:cxn>
+                <a:cxn ang="0">
+                  <a:pos x="connsiteX51" y="connsiteY51"/>
+                </a:cxn>
+                <a:cxn ang="0">
+                  <a:pos x="connsiteX52" y="connsiteY52"/>
+                </a:cxn>
+                <a:cxn ang="0">
+                  <a:pos x="connsiteX53" y="connsiteY53"/>
+                </a:cxn>
+                <a:cxn ang="0">
+                  <a:pos x="connsiteX54" y="connsiteY54"/>
+                </a:cxn>
+                <a:cxn ang="0">
+                  <a:pos x="connsiteX55" y="connsiteY55"/>
+                </a:cxn>
+                <a:cxn ang="0">
+                  <a:pos x="connsiteX56" y="connsiteY56"/>
+                </a:cxn>
+                <a:cxn ang="0">
+                  <a:pos x="connsiteX57" y="connsiteY57"/>
+                </a:cxn>
+                <a:cxn ang="0">
+                  <a:pos x="connsiteX58" y="connsiteY58"/>
+                </a:cxn>
+                <a:cxn ang="0">
+                  <a:pos x="connsiteX59" y="connsiteY59"/>
+                </a:cxn>
+                <a:cxn ang="0">
+                  <a:pos x="connsiteX60" y="connsiteY60"/>
+                </a:cxn>
+                <a:cxn ang="0">
+                  <a:pos x="connsiteX61" y="connsiteY61"/>
+                </a:cxn>
+                <a:cxn ang="0">
+                  <a:pos x="connsiteX62" y="connsiteY62"/>
+                </a:cxn>
+                <a:cxn ang="0">
+                  <a:pos x="connsiteX63" y="connsiteY63"/>
+                </a:cxn>
+                <a:cxn ang="0">
+                  <a:pos x="connsiteX64" y="connsiteY64"/>
+                </a:cxn>
+                <a:cxn ang="0">
+                  <a:pos x="connsiteX65" y="connsiteY65"/>
+                </a:cxn>
+                <a:cxn ang="0">
+                  <a:pos x="connsiteX66" y="connsiteY66"/>
+                </a:cxn>
+                <a:cxn ang="0">
+                  <a:pos x="connsiteX67" y="connsiteY67"/>
+                </a:cxn>
+                <a:cxn ang="0">
+                  <a:pos x="connsiteX68" y="connsiteY68"/>
+                </a:cxn>
+                <a:cxn ang="0">
+                  <a:pos x="connsiteX69" y="connsiteY69"/>
+                </a:cxn>
+                <a:cxn ang="0">
+                  <a:pos x="connsiteX70" y="connsiteY70"/>
+                </a:cxn>
+                <a:cxn ang="0">
+                  <a:pos x="connsiteX71" y="connsiteY71"/>
+                </a:cxn>
+                <a:cxn ang="0">
+                  <a:pos x="connsiteX72" y="connsiteY72"/>
+                </a:cxn>
+                <a:cxn ang="0">
+                  <a:pos x="connsiteX73" y="connsiteY73"/>
+                </a:cxn>
+                <a:cxn ang="0">
+                  <a:pos x="connsiteX74" y="connsiteY74"/>
+                </a:cxn>
+                <a:cxn ang="0">
+                  <a:pos x="connsiteX75" y="connsiteY75"/>
+                </a:cxn>
+                <a:cxn ang="0">
+                  <a:pos x="connsiteX76" y="connsiteY76"/>
+                </a:cxn>
+                <a:cxn ang="0">
+                  <a:pos x="connsiteX77" y="connsiteY77"/>
+                </a:cxn>
+                <a:cxn ang="0">
+                  <a:pos x="connsiteX78" y="connsiteY78"/>
+                </a:cxn>
+                <a:cxn ang="0">
+                  <a:pos x="connsiteX79" y="connsiteY79"/>
+                </a:cxn>
+                <a:cxn ang="0">
+                  <a:pos x="connsiteX80" y="connsiteY80"/>
+                </a:cxn>
+                <a:cxn ang="0">
+                  <a:pos x="connsiteX81" y="connsiteY81"/>
+                </a:cxn>
+                <a:cxn ang="0">
+                  <a:pos x="connsiteX82" y="connsiteY82"/>
+                </a:cxn>
+                <a:cxn ang="0">
+                  <a:pos x="connsiteX83" y="connsiteY83"/>
+                </a:cxn>
+                <a:cxn ang="0">
+                  <a:pos x="connsiteX84" y="connsiteY84"/>
+                </a:cxn>
+                <a:cxn ang="0">
+                  <a:pos x="connsiteX85" y="connsiteY85"/>
+                </a:cxn>
+                <a:cxn ang="0">
+                  <a:pos x="connsiteX86" y="connsiteY86"/>
+                </a:cxn>
+                <a:cxn ang="0">
+                  <a:pos x="connsiteX87" y="connsiteY87"/>
+                </a:cxn>
+                <a:cxn ang="0">
+                  <a:pos x="connsiteX88" y="connsiteY88"/>
+                </a:cxn>
+                <a:cxn ang="0">
+                  <a:pos x="connsiteX89" y="connsiteY89"/>
+                </a:cxn>
+                <a:cxn ang="0">
+                  <a:pos x="connsiteX90" y="connsiteY90"/>
+                </a:cxn>
+                <a:cxn ang="0">
+                  <a:pos x="connsiteX91" y="connsiteY91"/>
+                </a:cxn>
+                <a:cxn ang="0">
+                  <a:pos x="connsiteX92" y="connsiteY92"/>
+                </a:cxn>
+                <a:cxn ang="0">
+                  <a:pos x="connsiteX93" y="connsiteY93"/>
+                </a:cxn>
+                <a:cxn ang="0">
+                  <a:pos x="connsiteX94" y="connsiteY94"/>
+                </a:cxn>
+                <a:cxn ang="0">
+                  <a:pos x="connsiteX95" y="connsiteY95"/>
+                </a:cxn>
+                <a:cxn ang="0">
+                  <a:pos x="connsiteX96" y="connsiteY96"/>
+                </a:cxn>
+                <a:cxn ang="0">
+                  <a:pos x="connsiteX97" y="connsiteY97"/>
+                </a:cxn>
+                <a:cxn ang="0">
+                  <a:pos x="connsiteX98" y="connsiteY98"/>
+                </a:cxn>
+                <a:cxn ang="0">
+                  <a:pos x="connsiteX99" y="connsiteY99"/>
+                </a:cxn>
+                <a:cxn ang="0">
+                  <a:pos x="connsiteX100" y="connsiteY100"/>
+                </a:cxn>
+                <a:cxn ang="0">
+                  <a:pos x="connsiteX101" y="connsiteY101"/>
+                </a:cxn>
+                <a:cxn ang="0">
+                  <a:pos x="connsiteX102" y="connsiteY102"/>
+                </a:cxn>
+                <a:cxn ang="0">
+                  <a:pos x="connsiteX103" y="connsiteY103"/>
+                </a:cxn>
+                <a:cxn ang="0">
+                  <a:pos x="connsiteX104" y="connsiteY104"/>
+                </a:cxn>
+                <a:cxn ang="0">
+                  <a:pos x="connsiteX105" y="connsiteY105"/>
+                </a:cxn>
+              </a:cxnLst>
+              <a:rect l="l" t="t" r="r" b="b"/>
+              <a:pathLst>
+                <a:path w="1540984" h="1540985">
+                  <a:moveTo>
+                    <a:pt x="710079" y="870634"/>
+                  </a:moveTo>
+                  <a:lnTo>
+                    <a:pt x="358021" y="1088830"/>
+                  </a:lnTo>
+                  <a:lnTo>
+                    <a:pt x="365790" y="1100693"/>
+                  </a:lnTo>
+                  <a:cubicBezTo>
+                    <a:pt x="371122" y="1108834"/>
+                    <a:pt x="372650" y="1118366"/>
+                    <a:pt x="370809" y="1127196"/>
+                  </a:cubicBezTo>
+                  <a:lnTo>
+                    <a:pt x="362092" y="1139985"/>
+                  </a:lnTo>
+                  <a:lnTo>
+                    <a:pt x="379682" y="1161304"/>
+                  </a:lnTo>
+                  <a:cubicBezTo>
+                    <a:pt x="479699" y="1261322"/>
+                    <a:pt x="617871" y="1323184"/>
+                    <a:pt x="770493" y="1323184"/>
+                  </a:cubicBezTo>
+                  <a:cubicBezTo>
+                    <a:pt x="884959" y="1323184"/>
+                    <a:pt x="991297" y="1288387"/>
+                    <a:pt x="1079507" y="1228793"/>
+                  </a:cubicBezTo>
+                  <a:lnTo>
+                    <a:pt x="1156753" y="1165060"/>
+                  </a:lnTo>
+                  <a:lnTo>
+                    <a:pt x="1148038" y="1151184"/>
+                  </a:lnTo>
+                  <a:cubicBezTo>
+                    <a:pt x="1146529" y="1142291"/>
+                    <a:pt x="1148412" y="1132823"/>
+                    <a:pt x="1154045" y="1124888"/>
+                  </a:cubicBezTo>
+                  <a:lnTo>
+                    <a:pt x="1165503" y="1108747"/>
+                  </a:lnTo>
+                  <a:lnTo>
+                    <a:pt x="838610" y="872687"/>
+                  </a:lnTo>
+                  <a:lnTo>
+                    <a:pt x="824848" y="881965"/>
+                  </a:lnTo>
+                  <a:cubicBezTo>
+                    <a:pt x="809793" y="888333"/>
+                    <a:pt x="793241" y="891854"/>
+                    <a:pt x="775867" y="891854"/>
+                  </a:cubicBezTo>
+                  <a:cubicBezTo>
+                    <a:pt x="758492" y="891854"/>
+                    <a:pt x="741940" y="888333"/>
+                    <a:pt x="726886" y="881965"/>
+                  </a:cubicBezTo>
+                  <a:close/>
+                  <a:moveTo>
+                    <a:pt x="673063" y="227626"/>
+                  </a:moveTo>
+                  <a:lnTo>
+                    <a:pt x="659106" y="229033"/>
+                  </a:lnTo>
+                  <a:cubicBezTo>
+                    <a:pt x="407255" y="280569"/>
+                    <a:pt x="217802" y="503407"/>
+                    <a:pt x="217802" y="770494"/>
+                  </a:cubicBezTo>
+                  <a:cubicBezTo>
+                    <a:pt x="217803" y="808649"/>
+                    <a:pt x="221669" y="845902"/>
+                    <a:pt x="229032" y="881880"/>
+                  </a:cubicBezTo>
+                  <a:lnTo>
+                    <a:pt x="258848" y="977934"/>
+                  </a:lnTo>
+                  <a:lnTo>
+                    <a:pt x="271486" y="975541"/>
+                  </a:lnTo>
+                  <a:cubicBezTo>
+                    <a:pt x="280315" y="977382"/>
+                    <a:pt x="288443" y="982591"/>
+                    <a:pt x="293775" y="990732"/>
+                  </a:cubicBezTo>
+                  <a:lnTo>
+                    <a:pt x="296771" y="995308"/>
+                  </a:lnTo>
+                  <a:lnTo>
+                    <a:pt x="651889" y="775215"/>
+                  </a:lnTo>
+                  <a:lnTo>
+                    <a:pt x="650032" y="766018"/>
+                  </a:lnTo>
+                  <a:cubicBezTo>
+                    <a:pt x="650032" y="731270"/>
+                    <a:pt x="664116" y="699812"/>
+                    <a:pt x="686888" y="677040"/>
+                  </a:cubicBezTo>
+                  <a:lnTo>
+                    <a:pt x="710803" y="660916"/>
+                  </a:lnTo>
+                  <a:lnTo>
+                    <a:pt x="710803" y="248204"/>
+                  </a:lnTo>
+                  <a:lnTo>
+                    <a:pt x="702231" y="248204"/>
+                  </a:lnTo>
+                  <a:cubicBezTo>
+                    <a:pt x="692499" y="248204"/>
+                    <a:pt x="683688" y="244260"/>
+                    <a:pt x="677311" y="237882"/>
+                  </a:cubicBezTo>
+                  <a:close/>
+                  <a:moveTo>
+                    <a:pt x="863048" y="227134"/>
+                  </a:moveTo>
+                  <a:lnTo>
+                    <a:pt x="858596" y="237883"/>
+                  </a:lnTo>
+                  <a:cubicBezTo>
+                    <a:pt x="852218" y="244261"/>
+                    <a:pt x="843407" y="248205"/>
+                    <a:pt x="833675" y="248205"/>
+                  </a:cubicBezTo>
+                  <a:lnTo>
+                    <a:pt x="822564" y="248205"/>
+                  </a:lnTo>
+                  <a:lnTo>
+                    <a:pt x="822563" y="649611"/>
+                  </a:lnTo>
+                  <a:lnTo>
+                    <a:pt x="824848" y="650072"/>
+                  </a:lnTo>
+                  <a:cubicBezTo>
+                    <a:pt x="870012" y="669175"/>
+                    <a:pt x="901702" y="713896"/>
+                    <a:pt x="901702" y="766019"/>
+                  </a:cubicBezTo>
+                  <a:lnTo>
+                    <a:pt x="899169" y="778564"/>
+                  </a:lnTo>
+                  <a:lnTo>
+                    <a:pt x="1230233" y="1017637"/>
+                  </a:lnTo>
+                  <a:lnTo>
+                    <a:pt x="1252972" y="1003356"/>
+                  </a:lnTo>
+                  <a:lnTo>
+                    <a:pt x="1268234" y="1006843"/>
+                  </a:lnTo>
+                  <a:lnTo>
+                    <a:pt x="1279750" y="985626"/>
+                  </a:lnTo>
+                  <a:cubicBezTo>
+                    <a:pt x="1307717" y="919503"/>
+                    <a:pt x="1323183" y="846804"/>
+                    <a:pt x="1323183" y="770494"/>
+                  </a:cubicBezTo>
+                  <a:cubicBezTo>
+                    <a:pt x="1323182" y="503408"/>
+                    <a:pt x="1133731" y="280569"/>
+                    <a:pt x="881879" y="229032"/>
+                  </a:cubicBezTo>
+                  <a:close/>
+                  <a:moveTo>
+                    <a:pt x="681593" y="0"/>
+                  </a:moveTo>
+                  <a:lnTo>
+                    <a:pt x="859390" y="1"/>
+                  </a:lnTo>
+                  <a:cubicBezTo>
+                    <a:pt x="883941" y="0"/>
+                    <a:pt x="903842" y="19901"/>
+                    <a:pt x="903842" y="44452"/>
+                  </a:cubicBezTo>
+                  <a:lnTo>
+                    <a:pt x="903841" y="128098"/>
+                  </a:lnTo>
+                  <a:lnTo>
+                    <a:pt x="1025867" y="165978"/>
+                  </a:lnTo>
+                  <a:lnTo>
+                    <a:pt x="1144127" y="232023"/>
+                  </a:lnTo>
+                  <a:lnTo>
+                    <a:pt x="1205305" y="173956"/>
+                  </a:lnTo>
+                  <a:cubicBezTo>
+                    <a:pt x="1223112" y="157056"/>
+                    <a:pt x="1251247" y="157790"/>
+                    <a:pt x="1268147" y="175597"/>
+                  </a:cubicBezTo>
+                  <a:lnTo>
+                    <a:pt x="1390544" y="304559"/>
+                  </a:lnTo>
+                  <a:cubicBezTo>
+                    <a:pt x="1407446" y="322365"/>
+                    <a:pt x="1406711" y="350500"/>
+                    <a:pt x="1388905" y="367401"/>
+                  </a:cubicBezTo>
+                  <a:lnTo>
+                    <a:pt x="1326815" y="426330"/>
+                  </a:lnTo>
+                  <a:lnTo>
+                    <a:pt x="1339645" y="443929"/>
+                  </a:lnTo>
+                  <a:cubicBezTo>
+                    <a:pt x="1363344" y="485143"/>
+                    <a:pt x="1382694" y="529175"/>
+                    <a:pt x="1397071" y="575398"/>
+                  </a:cubicBezTo>
+                  <a:lnTo>
+                    <a:pt x="1411300" y="637143"/>
+                  </a:lnTo>
+                  <a:lnTo>
+                    <a:pt x="1496533" y="637143"/>
+                  </a:lnTo>
+                  <a:cubicBezTo>
+                    <a:pt x="1521082" y="637143"/>
+                    <a:pt x="1540984" y="657044"/>
+                    <a:pt x="1540984" y="681594"/>
+                  </a:cubicBezTo>
+                  <a:lnTo>
+                    <a:pt x="1540984" y="859392"/>
+                  </a:lnTo>
+                  <a:cubicBezTo>
+                    <a:pt x="1540984" y="883942"/>
+                    <a:pt x="1521083" y="903843"/>
+                    <a:pt x="1496533" y="903843"/>
+                  </a:cubicBezTo>
+                  <a:lnTo>
+                    <a:pt x="1411302" y="903844"/>
+                  </a:lnTo>
+                  <a:lnTo>
+                    <a:pt x="1397070" y="965591"/>
+                  </a:lnTo>
+                  <a:cubicBezTo>
+                    <a:pt x="1382694" y="1011814"/>
+                    <a:pt x="1363343" y="1055846"/>
+                    <a:pt x="1339645" y="1097060"/>
+                  </a:cubicBezTo>
+                  <a:lnTo>
+                    <a:pt x="1306909" y="1141965"/>
+                  </a:lnTo>
+                  <a:lnTo>
+                    <a:pt x="1367028" y="1205307"/>
+                  </a:lnTo>
+                  <a:cubicBezTo>
+                    <a:pt x="1383927" y="1223113"/>
+                    <a:pt x="1383194" y="1251248"/>
+                    <a:pt x="1365387" y="1268149"/>
+                  </a:cubicBezTo>
+                  <a:lnTo>
+                    <a:pt x="1236426" y="1390547"/>
+                  </a:lnTo>
+                  <a:cubicBezTo>
+                    <a:pt x="1218620" y="1407447"/>
+                    <a:pt x="1190485" y="1406712"/>
+                    <a:pt x="1173585" y="1388906"/>
+                  </a:cubicBezTo>
+                  <a:lnTo>
+                    <a:pt x="1113791" y="1325907"/>
+                  </a:lnTo>
+                  <a:lnTo>
+                    <a:pt x="1025867" y="1375011"/>
+                  </a:lnTo>
+                  <a:lnTo>
+                    <a:pt x="903842" y="1412889"/>
+                  </a:lnTo>
+                  <a:lnTo>
+                    <a:pt x="903841" y="1496534"/>
+                  </a:lnTo>
+                  <a:cubicBezTo>
+                    <a:pt x="903842" y="1521084"/>
+                    <a:pt x="883941" y="1540985"/>
+                    <a:pt x="859391" y="1540985"/>
+                  </a:cubicBezTo>
+                  <a:lnTo>
+                    <a:pt x="681593" y="1540985"/>
+                  </a:lnTo>
+                  <a:cubicBezTo>
+                    <a:pt x="657043" y="1540985"/>
+                    <a:pt x="637142" y="1521084"/>
+                    <a:pt x="637141" y="1496534"/>
+                  </a:cubicBezTo>
+                  <a:lnTo>
+                    <a:pt x="637142" y="1412889"/>
+                  </a:lnTo>
+                  <a:lnTo>
+                    <a:pt x="515119" y="1375011"/>
+                  </a:lnTo>
+                  <a:lnTo>
+                    <a:pt x="396857" y="1308965"/>
+                  </a:lnTo>
+                  <a:lnTo>
+                    <a:pt x="335679" y="1367029"/>
+                  </a:lnTo>
+                  <a:cubicBezTo>
+                    <a:pt x="317872" y="1383930"/>
+                    <a:pt x="289736" y="1383195"/>
+                    <a:pt x="272837" y="1365387"/>
+                  </a:cubicBezTo>
+                  <a:lnTo>
+                    <a:pt x="150438" y="1236428"/>
+                  </a:lnTo>
+                  <a:cubicBezTo>
+                    <a:pt x="133537" y="1218621"/>
+                    <a:pt x="134273" y="1190486"/>
+                    <a:pt x="152078" y="1173586"/>
+                  </a:cubicBezTo>
+                  <a:lnTo>
+                    <a:pt x="214169" y="1114656"/>
+                  </a:lnTo>
+                  <a:lnTo>
+                    <a:pt x="201341" y="1097060"/>
+                  </a:lnTo>
+                  <a:cubicBezTo>
+                    <a:pt x="177642" y="1055846"/>
+                    <a:pt x="158291" y="1011814"/>
+                    <a:pt x="143914" y="965591"/>
+                  </a:cubicBezTo>
+                  <a:lnTo>
+                    <a:pt x="129684" y="903843"/>
+                  </a:lnTo>
+                  <a:lnTo>
+                    <a:pt x="44451" y="903843"/>
+                  </a:lnTo>
+                  <a:cubicBezTo>
+                    <a:pt x="19901" y="903843"/>
+                    <a:pt x="0" y="883942"/>
+                    <a:pt x="0" y="859392"/>
+                  </a:cubicBezTo>
+                  <a:lnTo>
+                    <a:pt x="0" y="681595"/>
+                  </a:lnTo>
+                  <a:cubicBezTo>
+                    <a:pt x="-1" y="657044"/>
+                    <a:pt x="19900" y="637143"/>
+                    <a:pt x="44451" y="637143"/>
+                  </a:cubicBezTo>
+                  <a:lnTo>
+                    <a:pt x="129685" y="637143"/>
+                  </a:lnTo>
+                  <a:lnTo>
+                    <a:pt x="143915" y="575398"/>
+                  </a:lnTo>
+                  <a:cubicBezTo>
+                    <a:pt x="158292" y="529174"/>
+                    <a:pt x="177642" y="485143"/>
+                    <a:pt x="201340" y="443929"/>
+                  </a:cubicBezTo>
+                  <a:lnTo>
+                    <a:pt x="234076" y="399023"/>
+                  </a:lnTo>
+                  <a:lnTo>
+                    <a:pt x="173955" y="335680"/>
+                  </a:lnTo>
+                  <a:cubicBezTo>
+                    <a:pt x="157055" y="317873"/>
+                    <a:pt x="157790" y="289738"/>
+                    <a:pt x="175597" y="272837"/>
+                  </a:cubicBezTo>
+                  <a:lnTo>
+                    <a:pt x="304558" y="150439"/>
+                  </a:lnTo>
+                  <a:cubicBezTo>
+                    <a:pt x="322363" y="133539"/>
+                    <a:pt x="350499" y="134274"/>
+                    <a:pt x="367399" y="152081"/>
+                  </a:cubicBezTo>
+                  <a:lnTo>
+                    <a:pt x="427194" y="215081"/>
+                  </a:lnTo>
+                  <a:lnTo>
+                    <a:pt x="515119" y="165977"/>
+                  </a:lnTo>
+                  <a:lnTo>
+                    <a:pt x="637141" y="128099"/>
+                  </a:lnTo>
+                  <a:lnTo>
+                    <a:pt x="637141" y="44452"/>
+                  </a:lnTo>
+                  <a:cubicBezTo>
+                    <a:pt x="637142" y="19902"/>
+                    <a:pt x="657043" y="1"/>
+                    <a:pt x="681593" y="0"/>
+                  </a:cubicBezTo>
+                  <a:close/>
+                </a:path>
+              </a:pathLst>
+            </a:custGeom>
+            <a:grpFill/>
+            <a:ln>
+              <a:noFill/>
+            </a:ln>
+          </p:spPr>
+          <p:style>
+            <a:lnRef idx="2">
+              <a:schemeClr val="accent1">
+                <a:shade val="50000"/>
+              </a:schemeClr>
+            </a:lnRef>
+            <a:fillRef idx="1">
+              <a:schemeClr val="accent1"/>
+            </a:fillRef>
+            <a:effectRef idx="0">
+              <a:schemeClr val="accent1"/>
+            </a:effectRef>
+            <a:fontRef idx="minor">
+              <a:schemeClr val="lt1"/>
+            </a:fontRef>
+          </p:style>
+          <p:txBody>
+            <a:bodyPr rtlCol="0" anchor="ctr"/>
+            <a:lstStyle/>
+            <a:p>
+              <a:pPr algn="ctr"/>
+              <a:endParaRPr lang="zh-CN" altLang="en-US"/>
+            </a:p>
+          </p:txBody>
+        </p:sp>
+        <p:sp>
+          <p:nvSpPr>
+            <p:cNvPr id="13" name="任意多边形: 形状 12">
+              <a:extLst>
+                <a:ext uri="{FF2B5EF4-FFF2-40B4-BE49-F238E27FC236}">
+                  <a16:creationId xmlns:a16="http://schemas.microsoft.com/office/drawing/2014/main" id="{A04A9CE8-1469-45FE-9D7D-C999E13D7827}"/>
+                </a:ext>
+              </a:extLst>
+            </p:cNvPr>
+            <p:cNvSpPr/>
+            <p:nvPr/>
+          </p:nvSpPr>
+          <p:spPr>
+            <a:xfrm rot="17532601">
+              <a:off x="3340231" y="1243916"/>
+              <a:ext cx="981793" cy="981794"/>
+            </a:xfrm>
+            <a:custGeom>
+              <a:avLst/>
+              <a:gdLst>
+                <a:gd name="connsiteX0" fmla="*/ 770492 w 1540984"/>
+                <a:gd name="connsiteY0" fmla="*/ 212962 h 1540985"/>
+                <a:gd name="connsiteX1" fmla="*/ 215502 w 1540984"/>
+                <a:gd name="connsiteY1" fmla="*/ 770492 h 1540985"/>
+                <a:gd name="connsiteX2" fmla="*/ 770492 w 1540984"/>
+                <a:gd name="connsiteY2" fmla="*/ 1328022 h 1540985"/>
+                <a:gd name="connsiteX3" fmla="*/ 1325482 w 1540984"/>
+                <a:gd name="connsiteY3" fmla="*/ 770492 h 1540985"/>
+                <a:gd name="connsiteX4" fmla="*/ 770492 w 1540984"/>
+                <a:gd name="connsiteY4" fmla="*/ 212962 h 1540985"/>
+                <a:gd name="connsiteX5" fmla="*/ 681593 w 1540984"/>
+                <a:gd name="connsiteY5" fmla="*/ 0 h 1540985"/>
+                <a:gd name="connsiteX6" fmla="*/ 859390 w 1540984"/>
+                <a:gd name="connsiteY6" fmla="*/ 1 h 1540985"/>
+                <a:gd name="connsiteX7" fmla="*/ 903842 w 1540984"/>
+                <a:gd name="connsiteY7" fmla="*/ 44452 h 1540985"/>
+                <a:gd name="connsiteX8" fmla="*/ 903841 w 1540984"/>
+                <a:gd name="connsiteY8" fmla="*/ 128098 h 1540985"/>
+                <a:gd name="connsiteX9" fmla="*/ 1025867 w 1540984"/>
+                <a:gd name="connsiteY9" fmla="*/ 165978 h 1540985"/>
+                <a:gd name="connsiteX10" fmla="*/ 1144127 w 1540984"/>
+                <a:gd name="connsiteY10" fmla="*/ 232023 h 1540985"/>
+                <a:gd name="connsiteX11" fmla="*/ 1205305 w 1540984"/>
+                <a:gd name="connsiteY11" fmla="*/ 173956 h 1540985"/>
+                <a:gd name="connsiteX12" fmla="*/ 1268147 w 1540984"/>
+                <a:gd name="connsiteY12" fmla="*/ 175597 h 1540985"/>
+                <a:gd name="connsiteX13" fmla="*/ 1390544 w 1540984"/>
+                <a:gd name="connsiteY13" fmla="*/ 304559 h 1540985"/>
+                <a:gd name="connsiteX14" fmla="*/ 1388905 w 1540984"/>
+                <a:gd name="connsiteY14" fmla="*/ 367401 h 1540985"/>
+                <a:gd name="connsiteX15" fmla="*/ 1326815 w 1540984"/>
+                <a:gd name="connsiteY15" fmla="*/ 426330 h 1540985"/>
+                <a:gd name="connsiteX16" fmla="*/ 1339645 w 1540984"/>
+                <a:gd name="connsiteY16" fmla="*/ 443929 h 1540985"/>
+                <a:gd name="connsiteX17" fmla="*/ 1397071 w 1540984"/>
+                <a:gd name="connsiteY17" fmla="*/ 575398 h 1540985"/>
+                <a:gd name="connsiteX18" fmla="*/ 1411300 w 1540984"/>
+                <a:gd name="connsiteY18" fmla="*/ 637143 h 1540985"/>
+                <a:gd name="connsiteX19" fmla="*/ 1496533 w 1540984"/>
+                <a:gd name="connsiteY19" fmla="*/ 637143 h 1540985"/>
+                <a:gd name="connsiteX20" fmla="*/ 1540984 w 1540984"/>
+                <a:gd name="connsiteY20" fmla="*/ 681594 h 1540985"/>
+                <a:gd name="connsiteX21" fmla="*/ 1540984 w 1540984"/>
+                <a:gd name="connsiteY21" fmla="*/ 859392 h 1540985"/>
+                <a:gd name="connsiteX22" fmla="*/ 1496533 w 1540984"/>
+                <a:gd name="connsiteY22" fmla="*/ 903843 h 1540985"/>
+                <a:gd name="connsiteX23" fmla="*/ 1411302 w 1540984"/>
+                <a:gd name="connsiteY23" fmla="*/ 903844 h 1540985"/>
+                <a:gd name="connsiteX24" fmla="*/ 1397070 w 1540984"/>
+                <a:gd name="connsiteY24" fmla="*/ 965591 h 1540985"/>
+                <a:gd name="connsiteX25" fmla="*/ 1339645 w 1540984"/>
+                <a:gd name="connsiteY25" fmla="*/ 1097060 h 1540985"/>
+                <a:gd name="connsiteX26" fmla="*/ 1306909 w 1540984"/>
+                <a:gd name="connsiteY26" fmla="*/ 1141965 h 1540985"/>
+                <a:gd name="connsiteX27" fmla="*/ 1367028 w 1540984"/>
+                <a:gd name="connsiteY27" fmla="*/ 1205307 h 1540985"/>
+                <a:gd name="connsiteX28" fmla="*/ 1365387 w 1540984"/>
+                <a:gd name="connsiteY28" fmla="*/ 1268149 h 1540985"/>
+                <a:gd name="connsiteX29" fmla="*/ 1236426 w 1540984"/>
+                <a:gd name="connsiteY29" fmla="*/ 1390547 h 1540985"/>
+                <a:gd name="connsiteX30" fmla="*/ 1173585 w 1540984"/>
+                <a:gd name="connsiteY30" fmla="*/ 1388906 h 1540985"/>
+                <a:gd name="connsiteX31" fmla="*/ 1113791 w 1540984"/>
+                <a:gd name="connsiteY31" fmla="*/ 1325907 h 1540985"/>
+                <a:gd name="connsiteX32" fmla="*/ 1025867 w 1540984"/>
+                <a:gd name="connsiteY32" fmla="*/ 1375011 h 1540985"/>
+                <a:gd name="connsiteX33" fmla="*/ 903842 w 1540984"/>
+                <a:gd name="connsiteY33" fmla="*/ 1412889 h 1540985"/>
+                <a:gd name="connsiteX34" fmla="*/ 903841 w 1540984"/>
+                <a:gd name="connsiteY34" fmla="*/ 1496534 h 1540985"/>
+                <a:gd name="connsiteX35" fmla="*/ 859391 w 1540984"/>
+                <a:gd name="connsiteY35" fmla="*/ 1540985 h 1540985"/>
+                <a:gd name="connsiteX36" fmla="*/ 681593 w 1540984"/>
+                <a:gd name="connsiteY36" fmla="*/ 1540985 h 1540985"/>
+                <a:gd name="connsiteX37" fmla="*/ 637141 w 1540984"/>
+                <a:gd name="connsiteY37" fmla="*/ 1496534 h 1540985"/>
+                <a:gd name="connsiteX38" fmla="*/ 637142 w 1540984"/>
+                <a:gd name="connsiteY38" fmla="*/ 1412889 h 1540985"/>
+                <a:gd name="connsiteX39" fmla="*/ 515119 w 1540984"/>
+                <a:gd name="connsiteY39" fmla="*/ 1375011 h 1540985"/>
+                <a:gd name="connsiteX40" fmla="*/ 396857 w 1540984"/>
+                <a:gd name="connsiteY40" fmla="*/ 1308965 h 1540985"/>
+                <a:gd name="connsiteX41" fmla="*/ 335679 w 1540984"/>
+                <a:gd name="connsiteY41" fmla="*/ 1367029 h 1540985"/>
+                <a:gd name="connsiteX42" fmla="*/ 272837 w 1540984"/>
+                <a:gd name="connsiteY42" fmla="*/ 1365387 h 1540985"/>
+                <a:gd name="connsiteX43" fmla="*/ 150438 w 1540984"/>
+                <a:gd name="connsiteY43" fmla="*/ 1236428 h 1540985"/>
+                <a:gd name="connsiteX44" fmla="*/ 152078 w 1540984"/>
+                <a:gd name="connsiteY44" fmla="*/ 1173586 h 1540985"/>
+                <a:gd name="connsiteX45" fmla="*/ 214169 w 1540984"/>
+                <a:gd name="connsiteY45" fmla="*/ 1114656 h 1540985"/>
+                <a:gd name="connsiteX46" fmla="*/ 201341 w 1540984"/>
+                <a:gd name="connsiteY46" fmla="*/ 1097060 h 1540985"/>
+                <a:gd name="connsiteX47" fmla="*/ 143914 w 1540984"/>
+                <a:gd name="connsiteY47" fmla="*/ 965591 h 1540985"/>
+                <a:gd name="connsiteX48" fmla="*/ 129684 w 1540984"/>
+                <a:gd name="connsiteY48" fmla="*/ 903843 h 1540985"/>
+                <a:gd name="connsiteX49" fmla="*/ 44451 w 1540984"/>
+                <a:gd name="connsiteY49" fmla="*/ 903843 h 1540985"/>
+                <a:gd name="connsiteX50" fmla="*/ 0 w 1540984"/>
+                <a:gd name="connsiteY50" fmla="*/ 859392 h 1540985"/>
+                <a:gd name="connsiteX51" fmla="*/ 0 w 1540984"/>
+                <a:gd name="connsiteY51" fmla="*/ 681595 h 1540985"/>
+                <a:gd name="connsiteX52" fmla="*/ 44451 w 1540984"/>
+                <a:gd name="connsiteY52" fmla="*/ 637143 h 1540985"/>
+                <a:gd name="connsiteX53" fmla="*/ 129685 w 1540984"/>
+                <a:gd name="connsiteY53" fmla="*/ 637143 h 1540985"/>
+                <a:gd name="connsiteX54" fmla="*/ 143915 w 1540984"/>
+                <a:gd name="connsiteY54" fmla="*/ 575398 h 1540985"/>
+                <a:gd name="connsiteX55" fmla="*/ 201340 w 1540984"/>
+                <a:gd name="connsiteY55" fmla="*/ 443929 h 1540985"/>
+                <a:gd name="connsiteX56" fmla="*/ 234076 w 1540984"/>
+                <a:gd name="connsiteY56" fmla="*/ 399023 h 1540985"/>
+                <a:gd name="connsiteX57" fmla="*/ 173955 w 1540984"/>
+                <a:gd name="connsiteY57" fmla="*/ 335680 h 1540985"/>
+                <a:gd name="connsiteX58" fmla="*/ 175597 w 1540984"/>
+                <a:gd name="connsiteY58" fmla="*/ 272837 h 1540985"/>
+                <a:gd name="connsiteX59" fmla="*/ 304558 w 1540984"/>
+                <a:gd name="connsiteY59" fmla="*/ 150439 h 1540985"/>
+                <a:gd name="connsiteX60" fmla="*/ 367399 w 1540984"/>
+                <a:gd name="connsiteY60" fmla="*/ 152081 h 1540985"/>
+                <a:gd name="connsiteX61" fmla="*/ 427194 w 1540984"/>
+                <a:gd name="connsiteY61" fmla="*/ 215081 h 1540985"/>
+                <a:gd name="connsiteX62" fmla="*/ 515119 w 1540984"/>
+                <a:gd name="connsiteY62" fmla="*/ 165977 h 1540985"/>
+                <a:gd name="connsiteX63" fmla="*/ 637141 w 1540984"/>
+                <a:gd name="connsiteY63" fmla="*/ 128099 h 1540985"/>
+                <a:gd name="connsiteX64" fmla="*/ 637141 w 1540984"/>
+                <a:gd name="connsiteY64" fmla="*/ 44452 h 1540985"/>
+                <a:gd name="connsiteX65" fmla="*/ 681593 w 1540984"/>
+                <a:gd name="connsiteY65" fmla="*/ 0 h 1540985"/>
+              </a:gdLst>
+              <a:ahLst/>
+              <a:cxnLst>
+                <a:cxn ang="0">
+                  <a:pos x="connsiteX0" y="connsiteY0"/>
+                </a:cxn>
+                <a:cxn ang="0">
+                  <a:pos x="connsiteX1" y="connsiteY1"/>
+                </a:cxn>
+                <a:cxn ang="0">
+                  <a:pos x="connsiteX2" y="connsiteY2"/>
+                </a:cxn>
+                <a:cxn ang="0">
+                  <a:pos x="connsiteX3" y="connsiteY3"/>
+                </a:cxn>
+                <a:cxn ang="0">
+                  <a:pos x="connsiteX4" y="connsiteY4"/>
+                </a:cxn>
+                <a:cxn ang="0">
+                  <a:pos x="connsiteX5" y="connsiteY5"/>
+                </a:cxn>
+                <a:cxn ang="0">
+                  <a:pos x="connsiteX6" y="connsiteY6"/>
+                </a:cxn>
+                <a:cxn ang="0">
+                  <a:pos x="connsiteX7" y="connsiteY7"/>
+                </a:cxn>
+                <a:cxn ang="0">
+                  <a:pos x="connsiteX8" y="connsiteY8"/>
+                </a:cxn>
+                <a:cxn ang="0">
+                  <a:pos x="connsiteX9" y="connsiteY9"/>
+                </a:cxn>
+                <a:cxn ang="0">
+                  <a:pos x="connsiteX10" y="connsiteY10"/>
+                </a:cxn>
+                <a:cxn ang="0">
+                  <a:pos x="connsiteX11" y="connsiteY11"/>
+                </a:cxn>
+                <a:cxn ang="0">
+                  <a:pos x="connsiteX12" y="connsiteY12"/>
+                </a:cxn>
+                <a:cxn ang="0">
+                  <a:pos x="connsiteX13" y="connsiteY13"/>
+                </a:cxn>
+                <a:cxn ang="0">
+                  <a:pos x="connsiteX14" y="connsiteY14"/>
+                </a:cxn>
+                <a:cxn ang="0">
+                  <a:pos x="connsiteX15" y="connsiteY15"/>
+                </a:cxn>
+                <a:cxn ang="0">
+                  <a:pos x="connsiteX16" y="connsiteY16"/>
+                </a:cxn>
+                <a:cxn ang="0">
+                  <a:pos x="connsiteX17" y="connsiteY17"/>
+                </a:cxn>
+                <a:cxn ang="0">
+                  <a:pos x="connsiteX18" y="connsiteY18"/>
+                </a:cxn>
+                <a:cxn ang="0">
+                  <a:pos x="connsiteX19" y="connsiteY19"/>
+                </a:cxn>
+                <a:cxn ang="0">
+                  <a:pos x="connsiteX20" y="connsiteY20"/>
+                </a:cxn>
+                <a:cxn ang="0">
+                  <a:pos x="connsiteX21" y="connsiteY21"/>
+                </a:cxn>
+                <a:cxn ang="0">
+                  <a:pos x="connsiteX22" y="connsiteY22"/>
+                </a:cxn>
+                <a:cxn ang="0">
+                  <a:pos x="connsiteX23" y="connsiteY23"/>
+                </a:cxn>
+                <a:cxn ang="0">
+                  <a:pos x="connsiteX24" y="connsiteY24"/>
+                </a:cxn>
+                <a:cxn ang="0">
+                  <a:pos x="connsiteX25" y="connsiteY25"/>
+                </a:cxn>
+                <a:cxn ang="0">
+                  <a:pos x="connsiteX26" y="connsiteY26"/>
+                </a:cxn>
+                <a:cxn ang="0">
+                  <a:pos x="connsiteX27" y="connsiteY27"/>
+                </a:cxn>
+                <a:cxn ang="0">
+                  <a:pos x="connsiteX28" y="connsiteY28"/>
+                </a:cxn>
+                <a:cxn ang="0">
+                  <a:pos x="connsiteX29" y="connsiteY29"/>
+                </a:cxn>
+                <a:cxn ang="0">
+                  <a:pos x="connsiteX30" y="connsiteY30"/>
+                </a:cxn>
+                <a:cxn ang="0">
+                  <a:pos x="connsiteX31" y="connsiteY31"/>
+                </a:cxn>
+                <a:cxn ang="0">
+                  <a:pos x="connsiteX32" y="connsiteY32"/>
+                </a:cxn>
+                <a:cxn ang="0">
+                  <a:pos x="connsiteX33" y="connsiteY33"/>
+                </a:cxn>
+                <a:cxn ang="0">
+                  <a:pos x="connsiteX34" y="connsiteY34"/>
+                </a:cxn>
+                <a:cxn ang="0">
+                  <a:pos x="connsiteX35" y="connsiteY35"/>
+                </a:cxn>
+                <a:cxn ang="0">
+                  <a:pos x="connsiteX36" y="connsiteY36"/>
+                </a:cxn>
+                <a:cxn ang="0">
+                  <a:pos x="connsiteX37" y="connsiteY37"/>
+                </a:cxn>
+                <a:cxn ang="0">
+                  <a:pos x="connsiteX38" y="connsiteY38"/>
+                </a:cxn>
+                <a:cxn ang="0">
+                  <a:pos x="connsiteX39" y="connsiteY39"/>
+                </a:cxn>
+                <a:cxn ang="0">
+                  <a:pos x="connsiteX40" y="connsiteY40"/>
+                </a:cxn>
+                <a:cxn ang="0">
+                  <a:pos x="connsiteX41" y="connsiteY41"/>
+                </a:cxn>
+                <a:cxn ang="0">
+                  <a:pos x="connsiteX42" y="connsiteY42"/>
+                </a:cxn>
+                <a:cxn ang="0">
+                  <a:pos x="connsiteX43" y="connsiteY43"/>
+                </a:cxn>
+                <a:cxn ang="0">
+                  <a:pos x="connsiteX44" y="connsiteY44"/>
+                </a:cxn>
+                <a:cxn ang="0">
+                  <a:pos x="connsiteX45" y="connsiteY45"/>
+                </a:cxn>
+                <a:cxn ang="0">
+                  <a:pos x="connsiteX46" y="connsiteY46"/>
+                </a:cxn>
+                <a:cxn ang="0">
+                  <a:pos x="connsiteX47" y="connsiteY47"/>
+                </a:cxn>
+                <a:cxn ang="0">
+                  <a:pos x="connsiteX48" y="connsiteY48"/>
+                </a:cxn>
+                <a:cxn ang="0">
+                  <a:pos x="connsiteX49" y="connsiteY49"/>
+                </a:cxn>
+                <a:cxn ang="0">
+                  <a:pos x="connsiteX50" y="connsiteY50"/>
+                </a:cxn>
+                <a:cxn ang="0">
+                  <a:pos x="connsiteX51" y="connsiteY51"/>
+                </a:cxn>
+                <a:cxn ang="0">
+                  <a:pos x="connsiteX52" y="connsiteY52"/>
+                </a:cxn>
+                <a:cxn ang="0">
+                  <a:pos x="connsiteX53" y="connsiteY53"/>
+                </a:cxn>
+                <a:cxn ang="0">
+                  <a:pos x="connsiteX54" y="connsiteY54"/>
+                </a:cxn>
+                <a:cxn ang="0">
+                  <a:pos x="connsiteX55" y="connsiteY55"/>
+                </a:cxn>
+                <a:cxn ang="0">
+                  <a:pos x="connsiteX56" y="connsiteY56"/>
+                </a:cxn>
+                <a:cxn ang="0">
+                  <a:pos x="connsiteX57" y="connsiteY57"/>
+                </a:cxn>
+                <a:cxn ang="0">
+                  <a:pos x="connsiteX58" y="connsiteY58"/>
+                </a:cxn>
+                <a:cxn ang="0">
+                  <a:pos x="connsiteX59" y="connsiteY59"/>
+                </a:cxn>
+                <a:cxn ang="0">
+                  <a:pos x="connsiteX60" y="connsiteY60"/>
+                </a:cxn>
+                <a:cxn ang="0">
+                  <a:pos x="connsiteX61" y="connsiteY61"/>
+                </a:cxn>
+                <a:cxn ang="0">
+                  <a:pos x="connsiteX62" y="connsiteY62"/>
+                </a:cxn>
+                <a:cxn ang="0">
+                  <a:pos x="connsiteX63" y="connsiteY63"/>
+                </a:cxn>
+                <a:cxn ang="0">
+                  <a:pos x="connsiteX64" y="connsiteY64"/>
+                </a:cxn>
+                <a:cxn ang="0">
+                  <a:pos x="connsiteX65" y="connsiteY65"/>
+                </a:cxn>
+              </a:cxnLst>
+              <a:rect l="l" t="t" r="r" b="b"/>
+              <a:pathLst>
+                <a:path w="1540984" h="1540985">
+                  <a:moveTo>
+                    <a:pt x="770492" y="212962"/>
+                  </a:moveTo>
+                  <a:cubicBezTo>
+                    <a:pt x="463979" y="212962"/>
+                    <a:pt x="215502" y="462577"/>
+                    <a:pt x="215502" y="770492"/>
+                  </a:cubicBezTo>
+                  <a:cubicBezTo>
+                    <a:pt x="215502" y="1078407"/>
+                    <a:pt x="463979" y="1328022"/>
+                    <a:pt x="770492" y="1328022"/>
+                  </a:cubicBezTo>
+                  <a:cubicBezTo>
+                    <a:pt x="1077005" y="1328022"/>
+                    <a:pt x="1325482" y="1078407"/>
+                    <a:pt x="1325482" y="770492"/>
+                  </a:cubicBezTo>
+                  <a:cubicBezTo>
+                    <a:pt x="1325482" y="462577"/>
+                    <a:pt x="1077005" y="212962"/>
+                    <a:pt x="770492" y="212962"/>
+                  </a:cubicBezTo>
+                  <a:close/>
+                  <a:moveTo>
+                    <a:pt x="681593" y="0"/>
+                  </a:moveTo>
+                  <a:lnTo>
+                    <a:pt x="859390" y="1"/>
+                  </a:lnTo>
+                  <a:cubicBezTo>
+                    <a:pt x="883941" y="0"/>
+                    <a:pt x="903842" y="19901"/>
+                    <a:pt x="903842" y="44452"/>
+                  </a:cubicBezTo>
+                  <a:lnTo>
+                    <a:pt x="903841" y="128098"/>
+                  </a:lnTo>
+                  <a:lnTo>
+                    <a:pt x="1025867" y="165978"/>
+                  </a:lnTo>
+                  <a:lnTo>
+                    <a:pt x="1144127" y="232023"/>
+                  </a:lnTo>
+                  <a:lnTo>
+                    <a:pt x="1205305" y="173956"/>
+                  </a:lnTo>
+                  <a:cubicBezTo>
+                    <a:pt x="1223112" y="157056"/>
+                    <a:pt x="1251247" y="157790"/>
+                    <a:pt x="1268147" y="175597"/>
+                  </a:cubicBezTo>
+                  <a:lnTo>
+                    <a:pt x="1390544" y="304559"/>
+                  </a:lnTo>
+                  <a:cubicBezTo>
+                    <a:pt x="1407446" y="322365"/>
+                    <a:pt x="1406711" y="350500"/>
+                    <a:pt x="1388905" y="367401"/>
+                  </a:cubicBezTo>
+                  <a:lnTo>
+                    <a:pt x="1326815" y="426330"/>
+                  </a:lnTo>
+                  <a:lnTo>
+                    <a:pt x="1339645" y="443929"/>
+                  </a:lnTo>
+                  <a:cubicBezTo>
+                    <a:pt x="1363344" y="485143"/>
+                    <a:pt x="1382694" y="529175"/>
+                    <a:pt x="1397071" y="575398"/>
+                  </a:cubicBezTo>
+                  <a:lnTo>
+                    <a:pt x="1411300" y="637143"/>
+                  </a:lnTo>
+                  <a:lnTo>
+                    <a:pt x="1496533" y="637143"/>
+                  </a:lnTo>
+                  <a:cubicBezTo>
+                    <a:pt x="1521082" y="637143"/>
+                    <a:pt x="1540984" y="657044"/>
+                    <a:pt x="1540984" y="681594"/>
+                  </a:cubicBezTo>
+                  <a:lnTo>
+                    <a:pt x="1540984" y="859392"/>
+                  </a:lnTo>
+                  <a:cubicBezTo>
+                    <a:pt x="1540984" y="883942"/>
+                    <a:pt x="1521083" y="903843"/>
+                    <a:pt x="1496533" y="903843"/>
+                  </a:cubicBezTo>
+                  <a:lnTo>
+                    <a:pt x="1411302" y="903844"/>
+                  </a:lnTo>
+                  <a:lnTo>
+                    <a:pt x="1397070" y="965591"/>
+                  </a:lnTo>
+                  <a:cubicBezTo>
+                    <a:pt x="1382694" y="1011814"/>
+                    <a:pt x="1363343" y="1055846"/>
+                    <a:pt x="1339645" y="1097060"/>
+                  </a:cubicBezTo>
+                  <a:lnTo>
+                    <a:pt x="1306909" y="1141965"/>
+                  </a:lnTo>
+                  <a:lnTo>
+                    <a:pt x="1367028" y="1205307"/>
+                  </a:lnTo>
+                  <a:cubicBezTo>
+                    <a:pt x="1383927" y="1223113"/>
+                    <a:pt x="1383194" y="1251248"/>
+                    <a:pt x="1365387" y="1268149"/>
+                  </a:cubicBezTo>
+                  <a:lnTo>
+                    <a:pt x="1236426" y="1390547"/>
+                  </a:lnTo>
+                  <a:cubicBezTo>
+                    <a:pt x="1218620" y="1407447"/>
+                    <a:pt x="1190485" y="1406712"/>
+                    <a:pt x="1173585" y="1388906"/>
+                  </a:cubicBezTo>
+                  <a:lnTo>
+                    <a:pt x="1113791" y="1325907"/>
+                  </a:lnTo>
+                  <a:lnTo>
+                    <a:pt x="1025867" y="1375011"/>
+                  </a:lnTo>
+                  <a:lnTo>
+                    <a:pt x="903842" y="1412889"/>
+                  </a:lnTo>
+                  <a:lnTo>
+                    <a:pt x="903841" y="1496534"/>
+                  </a:lnTo>
+                  <a:cubicBezTo>
+                    <a:pt x="903842" y="1521084"/>
+                    <a:pt x="883941" y="1540985"/>
+                    <a:pt x="859391" y="1540985"/>
+                  </a:cubicBezTo>
+                  <a:lnTo>
+                    <a:pt x="681593" y="1540985"/>
+                  </a:lnTo>
+                  <a:cubicBezTo>
+                    <a:pt x="657043" y="1540985"/>
+                    <a:pt x="637142" y="1521084"/>
+                    <a:pt x="637141" y="1496534"/>
+                  </a:cubicBezTo>
+                  <a:lnTo>
+                    <a:pt x="637142" y="1412889"/>
+                  </a:lnTo>
+                  <a:lnTo>
+                    <a:pt x="515119" y="1375011"/>
+                  </a:lnTo>
+                  <a:lnTo>
+                    <a:pt x="396857" y="1308965"/>
+                  </a:lnTo>
+                  <a:lnTo>
+                    <a:pt x="335679" y="1367029"/>
+                  </a:lnTo>
+                  <a:cubicBezTo>
+                    <a:pt x="317872" y="1383930"/>
+                    <a:pt x="289736" y="1383195"/>
+                    <a:pt x="272837" y="1365387"/>
+                  </a:cubicBezTo>
+                  <a:lnTo>
+                    <a:pt x="150438" y="1236428"/>
+                  </a:lnTo>
+                  <a:cubicBezTo>
+                    <a:pt x="133537" y="1218621"/>
+                    <a:pt x="134273" y="1190486"/>
+                    <a:pt x="152078" y="1173586"/>
+                  </a:cubicBezTo>
+                  <a:lnTo>
+                    <a:pt x="214169" y="1114656"/>
+                  </a:lnTo>
+                  <a:lnTo>
+                    <a:pt x="201341" y="1097060"/>
+                  </a:lnTo>
+                  <a:cubicBezTo>
+                    <a:pt x="177642" y="1055846"/>
+                    <a:pt x="158291" y="1011814"/>
+                    <a:pt x="143914" y="965591"/>
+                  </a:cubicBezTo>
+                  <a:lnTo>
+                    <a:pt x="129684" y="903843"/>
+                  </a:lnTo>
+                  <a:lnTo>
+                    <a:pt x="44451" y="903843"/>
+                  </a:lnTo>
+                  <a:cubicBezTo>
+                    <a:pt x="19901" y="903843"/>
+                    <a:pt x="0" y="883942"/>
+                    <a:pt x="0" y="859392"/>
+                  </a:cubicBezTo>
+                  <a:lnTo>
+                    <a:pt x="0" y="681595"/>
+                  </a:lnTo>
+                  <a:cubicBezTo>
+                    <a:pt x="-1" y="657044"/>
+                    <a:pt x="19900" y="637143"/>
+                    <a:pt x="44451" y="637143"/>
+                  </a:cubicBezTo>
+                  <a:lnTo>
+                    <a:pt x="129685" y="637143"/>
+                  </a:lnTo>
+                  <a:lnTo>
+                    <a:pt x="143915" y="575398"/>
+                  </a:lnTo>
+                  <a:cubicBezTo>
+                    <a:pt x="158292" y="529174"/>
+                    <a:pt x="177642" y="485143"/>
+                    <a:pt x="201340" y="443929"/>
+                  </a:cubicBezTo>
+                  <a:lnTo>
+                    <a:pt x="234076" y="399023"/>
+                  </a:lnTo>
+                  <a:lnTo>
+                    <a:pt x="173955" y="335680"/>
+                  </a:lnTo>
+                  <a:cubicBezTo>
+                    <a:pt x="157055" y="317873"/>
+                    <a:pt x="157790" y="289738"/>
+                    <a:pt x="175597" y="272837"/>
+                  </a:cubicBezTo>
+                  <a:lnTo>
+                    <a:pt x="304558" y="150439"/>
+                  </a:lnTo>
+                  <a:cubicBezTo>
+                    <a:pt x="322363" y="133539"/>
+                    <a:pt x="350499" y="134274"/>
+                    <a:pt x="367399" y="152081"/>
+                  </a:cubicBezTo>
+                  <a:lnTo>
+                    <a:pt x="427194" y="215081"/>
+                  </a:lnTo>
+                  <a:lnTo>
+                    <a:pt x="515119" y="165977"/>
+                  </a:lnTo>
+                  <a:lnTo>
+                    <a:pt x="637141" y="128099"/>
+                  </a:lnTo>
+                  <a:lnTo>
+                    <a:pt x="637141" y="44452"/>
+                  </a:lnTo>
+                  <a:cubicBezTo>
+                    <a:pt x="637142" y="19902"/>
+                    <a:pt x="657043" y="1"/>
+                    <a:pt x="681593" y="0"/>
+                  </a:cubicBezTo>
+                  <a:close/>
+                </a:path>
+              </a:pathLst>
+            </a:custGeom>
+            <a:grpFill/>
+            <a:ln>
+              <a:noFill/>
+            </a:ln>
+          </p:spPr>
+          <p:style>
+            <a:lnRef idx="2">
+              <a:schemeClr val="accent1">
+                <a:shade val="50000"/>
+              </a:schemeClr>
+            </a:lnRef>
+            <a:fillRef idx="1">
+              <a:schemeClr val="accent1"/>
+            </a:fillRef>
+            <a:effectRef idx="0">
+              <a:schemeClr val="accent1"/>
+            </a:effectRef>
+            <a:fontRef idx="minor">
+              <a:schemeClr val="lt1"/>
+            </a:fontRef>
+          </p:style>
+          <p:txBody>
+            <a:bodyPr rtlCol="0" anchor="ctr"/>
+            <a:lstStyle/>
+            <a:p>
+              <a:pPr algn="ctr"/>
+              <a:endParaRPr lang="zh-CN" altLang="en-US"/>
+            </a:p>
+          </p:txBody>
+        </p:sp>
+      </p:grpSp>
+      <p:grpSp>
+        <p:nvGrpSpPr>
+          <p:cNvPr id="18" name="组合 17">
+            <a:extLst>
+              <a:ext uri="{FF2B5EF4-FFF2-40B4-BE49-F238E27FC236}">
+                <a16:creationId xmlns:a16="http://schemas.microsoft.com/office/drawing/2014/main" id="{D3BDBDEA-8CFD-4D17-A4EE-B2DC0A932226}"/>
+              </a:ext>
+            </a:extLst>
+          </p:cNvPr>
+          <p:cNvGrpSpPr/>
+          <p:nvPr/>
+        </p:nvGrpSpPr>
+        <p:grpSpPr>
+          <a:xfrm>
+            <a:off x="9426298" y="1802767"/>
+            <a:ext cx="2499892" cy="2495511"/>
+            <a:chOff x="1022557" y="786758"/>
+            <a:chExt cx="1044317" cy="1042486"/>
+          </a:xfrm>
+          <a:solidFill>
+            <a:srgbClr val="92D050"/>
+          </a:solidFill>
+          <a:effectLst>
+            <a:outerShdw blurRad="50800" dist="38100" dir="13500000" algn="br" rotWithShape="0">
+              <a:prstClr val="black">
+                <a:alpha val="40000"/>
+              </a:prstClr>
+            </a:outerShdw>
+          </a:effectLst>
+        </p:grpSpPr>
+        <p:sp>
+          <p:nvSpPr>
+            <p:cNvPr id="19" name="PA-任意多边形 52">
+              <a:extLst>
+                <a:ext uri="{FF2B5EF4-FFF2-40B4-BE49-F238E27FC236}">
+                  <a16:creationId xmlns:a16="http://schemas.microsoft.com/office/drawing/2014/main" id="{9B964430-73C5-4646-B7D4-DA090AE88603}"/>
+                </a:ext>
+              </a:extLst>
+            </p:cNvPr>
+            <p:cNvSpPr>
+              <a:spLocks noEditPoints="1"/>
+            </p:cNvSpPr>
+            <p:nvPr>
+              <p:custDataLst>
+                <p:tags r:id="rId1"/>
+              </p:custDataLst>
+            </p:nvPr>
+          </p:nvSpPr>
+          <p:spPr bwMode="auto">
+            <a:xfrm>
+              <a:off x="1022557" y="786758"/>
+              <a:ext cx="489180" cy="1042486"/>
+            </a:xfrm>
+            <a:custGeom>
+              <a:avLst/>
+              <a:gdLst>
+                <a:gd name="T0" fmla="*/ 302 w 705"/>
+                <a:gd name="T1" fmla="*/ 346 h 1508"/>
+                <a:gd name="T2" fmla="*/ 247 w 705"/>
+                <a:gd name="T3" fmla="*/ 709 h 1508"/>
+                <a:gd name="T4" fmla="*/ 0 w 705"/>
+                <a:gd name="T5" fmla="*/ 709 h 1508"/>
+                <a:gd name="T6" fmla="*/ 118 w 705"/>
+                <a:gd name="T7" fmla="*/ 346 h 1508"/>
+                <a:gd name="T8" fmla="*/ 302 w 705"/>
+                <a:gd name="T9" fmla="*/ 346 h 1508"/>
+                <a:gd name="T10" fmla="*/ 194 w 705"/>
+                <a:gd name="T11" fmla="*/ 247 h 1508"/>
+                <a:gd name="T12" fmla="*/ 430 w 705"/>
+                <a:gd name="T13" fmla="*/ 72 h 1508"/>
+                <a:gd name="T14" fmla="*/ 337 w 705"/>
+                <a:gd name="T15" fmla="*/ 247 h 1508"/>
+                <a:gd name="T16" fmla="*/ 194 w 705"/>
+                <a:gd name="T17" fmla="*/ 247 h 1508"/>
+                <a:gd name="T18" fmla="*/ 0 w 705"/>
+                <a:gd name="T19" fmla="*/ 808 h 1508"/>
+                <a:gd name="T20" fmla="*/ 247 w 705"/>
+                <a:gd name="T21" fmla="*/ 808 h 1508"/>
+                <a:gd name="T22" fmla="*/ 303 w 705"/>
+                <a:gd name="T23" fmla="*/ 1164 h 1508"/>
+                <a:gd name="T24" fmla="*/ 119 w 705"/>
+                <a:gd name="T25" fmla="*/ 1164 h 1508"/>
+                <a:gd name="T26" fmla="*/ 0 w 705"/>
+                <a:gd name="T27" fmla="*/ 808 h 1508"/>
+                <a:gd name="T28" fmla="*/ 196 w 705"/>
+                <a:gd name="T29" fmla="*/ 1263 h 1508"/>
+                <a:gd name="T30" fmla="*/ 337 w 705"/>
+                <a:gd name="T31" fmla="*/ 1263 h 1508"/>
+                <a:gd name="T32" fmla="*/ 430 w 705"/>
+                <a:gd name="T33" fmla="*/ 1437 h 1508"/>
+                <a:gd name="T34" fmla="*/ 196 w 705"/>
+                <a:gd name="T35" fmla="*/ 1263 h 1508"/>
+                <a:gd name="T36" fmla="*/ 705 w 705"/>
+                <a:gd name="T37" fmla="*/ 1508 h 1508"/>
+                <a:gd name="T38" fmla="*/ 638 w 705"/>
+                <a:gd name="T39" fmla="*/ 1501 h 1508"/>
+                <a:gd name="T40" fmla="*/ 447 w 705"/>
+                <a:gd name="T41" fmla="*/ 1263 h 1508"/>
+                <a:gd name="T42" fmla="*/ 705 w 705"/>
+                <a:gd name="T43" fmla="*/ 1263 h 1508"/>
+                <a:gd name="T44" fmla="*/ 705 w 705"/>
+                <a:gd name="T45" fmla="*/ 1508 h 1508"/>
+                <a:gd name="T46" fmla="*/ 705 w 705"/>
+                <a:gd name="T47" fmla="*/ 1164 h 1508"/>
+                <a:gd name="T48" fmla="*/ 408 w 705"/>
+                <a:gd name="T49" fmla="*/ 1164 h 1508"/>
+                <a:gd name="T50" fmla="*/ 346 w 705"/>
+                <a:gd name="T51" fmla="*/ 808 h 1508"/>
+                <a:gd name="T52" fmla="*/ 705 w 705"/>
+                <a:gd name="T53" fmla="*/ 808 h 1508"/>
+                <a:gd name="T54" fmla="*/ 705 w 705"/>
+                <a:gd name="T55" fmla="*/ 1164 h 1508"/>
+                <a:gd name="T56" fmla="*/ 705 w 705"/>
+                <a:gd name="T57" fmla="*/ 709 h 1508"/>
+                <a:gd name="T58" fmla="*/ 346 w 705"/>
+                <a:gd name="T59" fmla="*/ 709 h 1508"/>
+                <a:gd name="T60" fmla="*/ 408 w 705"/>
+                <a:gd name="T61" fmla="*/ 346 h 1508"/>
+                <a:gd name="T62" fmla="*/ 705 w 705"/>
+                <a:gd name="T63" fmla="*/ 346 h 1508"/>
+                <a:gd name="T64" fmla="*/ 705 w 705"/>
+                <a:gd name="T65" fmla="*/ 709 h 1508"/>
+                <a:gd name="T66" fmla="*/ 705 w 705"/>
+                <a:gd name="T67" fmla="*/ 247 h 1508"/>
+                <a:gd name="T68" fmla="*/ 446 w 705"/>
+                <a:gd name="T69" fmla="*/ 247 h 1508"/>
+                <a:gd name="T70" fmla="*/ 638 w 705"/>
+                <a:gd name="T71" fmla="*/ 8 h 1508"/>
+                <a:gd name="T72" fmla="*/ 705 w 705"/>
+                <a:gd name="T73" fmla="*/ 0 h 1508"/>
+                <a:gd name="T74" fmla="*/ 705 w 705"/>
+                <a:gd name="T75" fmla="*/ 247 h 1508"/>
+              </a:gdLst>
+              <a:ahLst/>
+              <a:cxnLst>
+                <a:cxn ang="0">
+                  <a:pos x="T0" y="T1"/>
+                </a:cxn>
+                <a:cxn ang="0">
+                  <a:pos x="T2" y="T3"/>
+                </a:cxn>
+                <a:cxn ang="0">
+                  <a:pos x="T4" y="T5"/>
+                </a:cxn>
+                <a:cxn ang="0">
+                  <a:pos x="T6" y="T7"/>
+                </a:cxn>
+                <a:cxn ang="0">
+                  <a:pos x="T8" y="T9"/>
+                </a:cxn>
+                <a:cxn ang="0">
+                  <a:pos x="T10" y="T11"/>
+                </a:cxn>
+                <a:cxn ang="0">
+                  <a:pos x="T12" y="T13"/>
+                </a:cxn>
+                <a:cxn ang="0">
+                  <a:pos x="T14" y="T15"/>
+                </a:cxn>
+                <a:cxn ang="0">
+                  <a:pos x="T16" y="T17"/>
+                </a:cxn>
+                <a:cxn ang="0">
+                  <a:pos x="T18" y="T19"/>
+                </a:cxn>
+                <a:cxn ang="0">
+                  <a:pos x="T20" y="T21"/>
+                </a:cxn>
+                <a:cxn ang="0">
+                  <a:pos x="T22" y="T23"/>
+                </a:cxn>
+                <a:cxn ang="0">
+                  <a:pos x="T24" y="T25"/>
+                </a:cxn>
+                <a:cxn ang="0">
+                  <a:pos x="T26" y="T27"/>
+                </a:cxn>
+                <a:cxn ang="0">
+                  <a:pos x="T28" y="T29"/>
+                </a:cxn>
+                <a:cxn ang="0">
+                  <a:pos x="T30" y="T31"/>
+                </a:cxn>
+                <a:cxn ang="0">
+                  <a:pos x="T32" y="T33"/>
+                </a:cxn>
+                <a:cxn ang="0">
+                  <a:pos x="T34" y="T35"/>
+                </a:cxn>
+                <a:cxn ang="0">
+                  <a:pos x="T36" y="T37"/>
+                </a:cxn>
+                <a:cxn ang="0">
+                  <a:pos x="T38" y="T39"/>
+                </a:cxn>
+                <a:cxn ang="0">
+                  <a:pos x="T40" y="T41"/>
+                </a:cxn>
+                <a:cxn ang="0">
+                  <a:pos x="T42" y="T43"/>
+                </a:cxn>
+                <a:cxn ang="0">
+                  <a:pos x="T44" y="T45"/>
+                </a:cxn>
+                <a:cxn ang="0">
+                  <a:pos x="T46" y="T47"/>
+                </a:cxn>
+                <a:cxn ang="0">
+                  <a:pos x="T48" y="T49"/>
+                </a:cxn>
+                <a:cxn ang="0">
+                  <a:pos x="T50" y="T51"/>
+                </a:cxn>
+                <a:cxn ang="0">
+                  <a:pos x="T52" y="T53"/>
+                </a:cxn>
+                <a:cxn ang="0">
+                  <a:pos x="T54" y="T55"/>
+                </a:cxn>
+                <a:cxn ang="0">
+                  <a:pos x="T56" y="T57"/>
+                </a:cxn>
+                <a:cxn ang="0">
+                  <a:pos x="T58" y="T59"/>
+                </a:cxn>
+                <a:cxn ang="0">
+                  <a:pos x="T60" y="T61"/>
+                </a:cxn>
+                <a:cxn ang="0">
+                  <a:pos x="T62" y="T63"/>
+                </a:cxn>
+                <a:cxn ang="0">
+                  <a:pos x="T64" y="T65"/>
+                </a:cxn>
+                <a:cxn ang="0">
+                  <a:pos x="T66" y="T67"/>
+                </a:cxn>
+                <a:cxn ang="0">
+                  <a:pos x="T68" y="T69"/>
+                </a:cxn>
+                <a:cxn ang="0">
+                  <a:pos x="T70" y="T71"/>
+                </a:cxn>
+                <a:cxn ang="0">
+                  <a:pos x="T72" y="T73"/>
+                </a:cxn>
+                <a:cxn ang="0">
+                  <a:pos x="T74" y="T75"/>
+                </a:cxn>
+              </a:cxnLst>
+              <a:rect l="0" t="0" r="r" b="b"/>
+              <a:pathLst>
+                <a:path w="705" h="1508">
+                  <a:moveTo>
+                    <a:pt x="302" y="346"/>
+                  </a:moveTo>
+                  <a:cubicBezTo>
+                    <a:pt x="270" y="455"/>
+                    <a:pt x="251" y="578"/>
+                    <a:pt x="247" y="709"/>
+                  </a:cubicBezTo>
+                  <a:lnTo>
+                    <a:pt x="0" y="709"/>
+                  </a:lnTo>
+                  <a:cubicBezTo>
+                    <a:pt x="8" y="576"/>
+                    <a:pt x="50" y="452"/>
+                    <a:pt x="118" y="346"/>
+                  </a:cubicBezTo>
+                  <a:lnTo>
+                    <a:pt x="302" y="346"/>
+                  </a:lnTo>
+                  <a:close/>
+                  <a:moveTo>
+                    <a:pt x="194" y="247"/>
+                  </a:moveTo>
+                  <a:cubicBezTo>
+                    <a:pt x="261" y="174"/>
+                    <a:pt x="341" y="114"/>
+                    <a:pt x="430" y="72"/>
+                  </a:cubicBezTo>
+                  <a:cubicBezTo>
+                    <a:pt x="394" y="122"/>
+                    <a:pt x="363" y="182"/>
+                    <a:pt x="337" y="247"/>
+                  </a:cubicBezTo>
+                  <a:lnTo>
+                    <a:pt x="194" y="247"/>
+                  </a:lnTo>
+                  <a:close/>
+                  <a:moveTo>
+                    <a:pt x="0" y="808"/>
+                  </a:moveTo>
+                  <a:lnTo>
+                    <a:pt x="247" y="808"/>
+                  </a:lnTo>
+                  <a:cubicBezTo>
+                    <a:pt x="251" y="937"/>
+                    <a:pt x="271" y="1057"/>
+                    <a:pt x="303" y="1164"/>
+                  </a:cubicBezTo>
+                  <a:lnTo>
+                    <a:pt x="119" y="1164"/>
+                  </a:lnTo>
+                  <a:cubicBezTo>
+                    <a:pt x="52" y="1060"/>
+                    <a:pt x="9" y="939"/>
+                    <a:pt x="0" y="808"/>
+                  </a:cubicBezTo>
+                  <a:close/>
+                  <a:moveTo>
+                    <a:pt x="196" y="1263"/>
+                  </a:moveTo>
+                  <a:lnTo>
+                    <a:pt x="337" y="1263"/>
+                  </a:lnTo>
+                  <a:cubicBezTo>
+                    <a:pt x="364" y="1328"/>
+                    <a:pt x="395" y="1387"/>
+                    <a:pt x="430" y="1437"/>
+                  </a:cubicBezTo>
+                  <a:cubicBezTo>
+                    <a:pt x="341" y="1394"/>
+                    <a:pt x="262" y="1335"/>
+                    <a:pt x="196" y="1263"/>
+                  </a:cubicBezTo>
+                  <a:close/>
+                  <a:moveTo>
+                    <a:pt x="705" y="1508"/>
+                  </a:moveTo>
+                  <a:cubicBezTo>
+                    <a:pt x="682" y="1507"/>
+                    <a:pt x="660" y="1504"/>
+                    <a:pt x="638" y="1501"/>
+                  </a:cubicBezTo>
+                  <a:cubicBezTo>
+                    <a:pt x="563" y="1457"/>
+                    <a:pt x="498" y="1373"/>
+                    <a:pt x="447" y="1263"/>
+                  </a:cubicBezTo>
+                  <a:lnTo>
+                    <a:pt x="705" y="1263"/>
+                  </a:lnTo>
+                  <a:lnTo>
+                    <a:pt x="705" y="1508"/>
+                  </a:lnTo>
+                  <a:close/>
+                  <a:moveTo>
+                    <a:pt x="705" y="1164"/>
+                  </a:moveTo>
+                  <a:lnTo>
+                    <a:pt x="408" y="1164"/>
+                  </a:lnTo>
+                  <a:cubicBezTo>
+                    <a:pt x="373" y="1059"/>
+                    <a:pt x="351" y="937"/>
+                    <a:pt x="346" y="808"/>
+                  </a:cubicBezTo>
+                  <a:lnTo>
+                    <a:pt x="705" y="808"/>
+                  </a:lnTo>
+                  <a:lnTo>
+                    <a:pt x="705" y="1164"/>
+                  </a:lnTo>
+                  <a:close/>
+                  <a:moveTo>
+                    <a:pt x="705" y="709"/>
+                  </a:moveTo>
+                  <a:lnTo>
+                    <a:pt x="346" y="709"/>
+                  </a:lnTo>
+                  <a:cubicBezTo>
+                    <a:pt x="350" y="578"/>
+                    <a:pt x="372" y="454"/>
+                    <a:pt x="408" y="346"/>
+                  </a:cubicBezTo>
+                  <a:lnTo>
+                    <a:pt x="705" y="346"/>
+                  </a:lnTo>
+                  <a:lnTo>
+                    <a:pt x="705" y="709"/>
+                  </a:lnTo>
+                  <a:close/>
+                  <a:moveTo>
+                    <a:pt x="705" y="247"/>
+                  </a:moveTo>
+                  <a:lnTo>
+                    <a:pt x="446" y="247"/>
+                  </a:lnTo>
+                  <a:cubicBezTo>
+                    <a:pt x="497" y="137"/>
+                    <a:pt x="563" y="52"/>
+                    <a:pt x="638" y="8"/>
+                  </a:cubicBezTo>
+                  <a:cubicBezTo>
+                    <a:pt x="660" y="4"/>
+                    <a:pt x="683" y="2"/>
+                    <a:pt x="705" y="0"/>
+                  </a:cubicBezTo>
+                  <a:lnTo>
+                    <a:pt x="705" y="247"/>
+                  </a:lnTo>
+                  <a:close/>
+                </a:path>
+              </a:pathLst>
+            </a:custGeom>
+            <a:grpFill/>
+            <a:ln w="0">
+              <a:noFill/>
+              <a:prstDash val="solid"/>
+              <a:round/>
+              <a:headEnd/>
+              <a:tailEnd/>
+            </a:ln>
+            <a:scene3d>
+              <a:camera prst="orthographicFront"/>
+              <a:lightRig rig="threePt" dir="t"/>
+            </a:scene3d>
+            <a:sp3d prstMaterial="matte">
+              <a:bevelB h="12700"/>
+            </a:sp3d>
+            <a:extLst>
+              <a:ext uri="{91240B29-F687-4F45-9708-019B960494DF}">
+                <a14:hiddenLine xmlns:a14="http://schemas.microsoft.com/office/drawing/2010/main" w="0">
+                  <a:solidFill>
+                    <a:srgbClr val="000000"/>
+                  </a:solidFill>
+                  <a:prstDash val="solid"/>
+                  <a:round/>
+                  <a:headEnd/>
+                  <a:tailEnd/>
+                </a14:hiddenLine>
+              </a:ext>
+            </a:extLst>
+          </p:spPr>
+          <p:txBody>
+            <a:bodyPr vert="horz" wrap="square" lIns="91440" tIns="45720" rIns="91440" bIns="45720" numCol="1" anchor="t" anchorCtr="0" compatLnSpc="1">
+              <a:prstTxWarp prst="textNoShape">
+                <a:avLst/>
+              </a:prstTxWarp>
+            </a:bodyPr>
+            <a:lstStyle>
+              <a:defPPr>
+                <a:defRPr lang="zh-CN"/>
+              </a:defPPr>
+              <a:lvl1pPr marL="0" algn="l" defTabSz="914400" rtl="0" eaLnBrk="1" latinLnBrk="0" hangingPunct="1">
+                <a:defRPr sz="1800" kern="1200">
+                  <a:solidFill>
+                    <a:schemeClr val="tx1"/>
+                  </a:solidFill>
+                  <a:latin typeface="+mn-lt"/>
+                  <a:ea typeface="+mn-ea"/>
+                  <a:cs typeface="+mn-cs"/>
+                </a:defRPr>
+              </a:lvl1pPr>
+              <a:lvl2pPr marL="457200" algn="l" defTabSz="914400" rtl="0" eaLnBrk="1" latinLnBrk="0" hangingPunct="1">
+                <a:defRPr sz="1800" kern="1200">
+                  <a:solidFill>
+                    <a:schemeClr val="tx1"/>
+                  </a:solidFill>
+                  <a:latin typeface="+mn-lt"/>
+                  <a:ea typeface="+mn-ea"/>
+                  <a:cs typeface="+mn-cs"/>
+                </a:defRPr>
+              </a:lvl2pPr>
+              <a:lvl3pPr marL="914400" algn="l" defTabSz="914400" rtl="0" eaLnBrk="1" latinLnBrk="0" hangingPunct="1">
+                <a:defRPr sz="1800" kern="1200">
+                  <a:solidFill>
+                    <a:schemeClr val="tx1"/>
+                  </a:solidFill>
+                  <a:latin typeface="+mn-lt"/>
+                  <a:ea typeface="+mn-ea"/>
+                  <a:cs typeface="+mn-cs"/>
+                </a:defRPr>
+              </a:lvl3pPr>
+              <a:lvl4pPr marL="1371600" algn="l" defTabSz="914400" rtl="0" eaLnBrk="1" latinLnBrk="0" hangingPunct="1">
+                <a:defRPr sz="1800" kern="1200">
+                  <a:solidFill>
+                    <a:schemeClr val="tx1"/>
+                  </a:solidFill>
+                  <a:latin typeface="+mn-lt"/>
+                  <a:ea typeface="+mn-ea"/>
+                  <a:cs typeface="+mn-cs"/>
+                </a:defRPr>
+              </a:lvl4pPr>
+              <a:lvl5pPr marL="1828800" algn="l" defTabSz="914400" rtl="0" eaLnBrk="1" latinLnBrk="0" hangingPunct="1">
+                <a:defRPr sz="1800" kern="1200">
+                  <a:solidFill>
+                    <a:schemeClr val="tx1"/>
+                  </a:solidFill>
+                  <a:latin typeface="+mn-lt"/>
+                  <a:ea typeface="+mn-ea"/>
+                  <a:cs typeface="+mn-cs"/>
+                </a:defRPr>
+              </a:lvl5pPr>
+              <a:lvl6pPr marL="2286000" algn="l" defTabSz="914400" rtl="0" eaLnBrk="1" latinLnBrk="0" hangingPunct="1">
+                <a:defRPr sz="1800" kern="1200">
+                  <a:solidFill>
+                    <a:schemeClr val="tx1"/>
+                  </a:solidFill>
+                  <a:latin typeface="+mn-lt"/>
+                  <a:ea typeface="+mn-ea"/>
+                  <a:cs typeface="+mn-cs"/>
+                </a:defRPr>
+              </a:lvl6pPr>
+              <a:lvl7pPr marL="2743200" algn="l" defTabSz="914400" rtl="0" eaLnBrk="1" latinLnBrk="0" hangingPunct="1">
+                <a:defRPr sz="1800" kern="1200">
+                  <a:solidFill>
+                    <a:schemeClr val="tx1"/>
+                  </a:solidFill>
+                  <a:latin typeface="+mn-lt"/>
+                  <a:ea typeface="+mn-ea"/>
+                  <a:cs typeface="+mn-cs"/>
+                </a:defRPr>
+              </a:lvl7pPr>
+              <a:lvl8pPr marL="3200400" algn="l" defTabSz="914400" rtl="0" eaLnBrk="1" latinLnBrk="0" hangingPunct="1">
+                <a:defRPr sz="1800" kern="1200">
+                  <a:solidFill>
+                    <a:schemeClr val="tx1"/>
+                  </a:solidFill>
+                  <a:latin typeface="+mn-lt"/>
+                  <a:ea typeface="+mn-ea"/>
+                  <a:cs typeface="+mn-cs"/>
+                </a:defRPr>
+              </a:lvl8pPr>
+              <a:lvl9pPr marL="3657600" algn="l" defTabSz="914400" rtl="0" eaLnBrk="1" latinLnBrk="0" hangingPunct="1">
+                <a:defRPr sz="1800" kern="1200">
+                  <a:solidFill>
+                    <a:schemeClr val="tx1"/>
+                  </a:solidFill>
+                  <a:latin typeface="+mn-lt"/>
+                  <a:ea typeface="+mn-ea"/>
+                  <a:cs typeface="+mn-cs"/>
+                </a:defRPr>
+              </a:lvl9pPr>
+            </a:lstStyle>
+            <a:p>
+              <a:endParaRPr lang="zh-CN" altLang="en-US"/>
+            </a:p>
+          </p:txBody>
+        </p:sp>
+        <p:sp>
+          <p:nvSpPr>
+            <p:cNvPr id="20" name="PA-任意多边形 54">
+              <a:extLst>
+                <a:ext uri="{FF2B5EF4-FFF2-40B4-BE49-F238E27FC236}">
+                  <a16:creationId xmlns:a16="http://schemas.microsoft.com/office/drawing/2014/main" id="{0353D656-5F71-4F0E-A398-2EAE1B87F2E1}"/>
+                </a:ext>
+              </a:extLst>
+            </p:cNvPr>
+            <p:cNvSpPr>
+              <a:spLocks noEditPoints="1"/>
+            </p:cNvSpPr>
+            <p:nvPr>
+              <p:custDataLst>
+                <p:tags r:id="rId2"/>
+              </p:custDataLst>
+            </p:nvPr>
+          </p:nvSpPr>
+          <p:spPr bwMode="auto">
+            <a:xfrm>
+              <a:off x="1579526" y="786758"/>
+              <a:ext cx="487348" cy="1042486"/>
+            </a:xfrm>
+            <a:custGeom>
+              <a:avLst/>
+              <a:gdLst>
+                <a:gd name="T0" fmla="*/ 0 w 706"/>
+                <a:gd name="T1" fmla="*/ 709 h 1508"/>
+                <a:gd name="T2" fmla="*/ 0 w 706"/>
+                <a:gd name="T3" fmla="*/ 346 h 1508"/>
+                <a:gd name="T4" fmla="*/ 301 w 706"/>
+                <a:gd name="T5" fmla="*/ 346 h 1508"/>
+                <a:gd name="T6" fmla="*/ 363 w 706"/>
+                <a:gd name="T7" fmla="*/ 709 h 1508"/>
+                <a:gd name="T8" fmla="*/ 0 w 706"/>
+                <a:gd name="T9" fmla="*/ 709 h 1508"/>
+                <a:gd name="T10" fmla="*/ 363 w 706"/>
+                <a:gd name="T11" fmla="*/ 808 h 1508"/>
+                <a:gd name="T12" fmla="*/ 301 w 706"/>
+                <a:gd name="T13" fmla="*/ 1164 h 1508"/>
+                <a:gd name="T14" fmla="*/ 0 w 706"/>
+                <a:gd name="T15" fmla="*/ 1164 h 1508"/>
+                <a:gd name="T16" fmla="*/ 0 w 706"/>
+                <a:gd name="T17" fmla="*/ 808 h 1508"/>
+                <a:gd name="T18" fmla="*/ 363 w 706"/>
+                <a:gd name="T19" fmla="*/ 808 h 1508"/>
+                <a:gd name="T20" fmla="*/ 0 w 706"/>
+                <a:gd name="T21" fmla="*/ 247 h 1508"/>
+                <a:gd name="T22" fmla="*/ 0 w 706"/>
+                <a:gd name="T23" fmla="*/ 0 h 1508"/>
+                <a:gd name="T24" fmla="*/ 73 w 706"/>
+                <a:gd name="T25" fmla="*/ 9 h 1508"/>
+                <a:gd name="T26" fmla="*/ 263 w 706"/>
+                <a:gd name="T27" fmla="*/ 247 h 1508"/>
+                <a:gd name="T28" fmla="*/ 0 w 706"/>
+                <a:gd name="T29" fmla="*/ 247 h 1508"/>
+                <a:gd name="T30" fmla="*/ 280 w 706"/>
+                <a:gd name="T31" fmla="*/ 74 h 1508"/>
+                <a:gd name="T32" fmla="*/ 511 w 706"/>
+                <a:gd name="T33" fmla="*/ 247 h 1508"/>
+                <a:gd name="T34" fmla="*/ 372 w 706"/>
+                <a:gd name="T35" fmla="*/ 247 h 1508"/>
+                <a:gd name="T36" fmla="*/ 280 w 706"/>
+                <a:gd name="T37" fmla="*/ 74 h 1508"/>
+                <a:gd name="T38" fmla="*/ 73 w 706"/>
+                <a:gd name="T39" fmla="*/ 1500 h 1508"/>
+                <a:gd name="T40" fmla="*/ 0 w 706"/>
+                <a:gd name="T41" fmla="*/ 1508 h 1508"/>
+                <a:gd name="T42" fmla="*/ 0 w 706"/>
+                <a:gd name="T43" fmla="*/ 1263 h 1508"/>
+                <a:gd name="T44" fmla="*/ 262 w 706"/>
+                <a:gd name="T45" fmla="*/ 1263 h 1508"/>
+                <a:gd name="T46" fmla="*/ 73 w 706"/>
+                <a:gd name="T47" fmla="*/ 1500 h 1508"/>
+                <a:gd name="T48" fmla="*/ 280 w 706"/>
+                <a:gd name="T49" fmla="*/ 1434 h 1508"/>
+                <a:gd name="T50" fmla="*/ 372 w 706"/>
+                <a:gd name="T51" fmla="*/ 1263 h 1508"/>
+                <a:gd name="T52" fmla="*/ 510 w 706"/>
+                <a:gd name="T53" fmla="*/ 1263 h 1508"/>
+                <a:gd name="T54" fmla="*/ 280 w 706"/>
+                <a:gd name="T55" fmla="*/ 1434 h 1508"/>
+                <a:gd name="T56" fmla="*/ 586 w 706"/>
+                <a:gd name="T57" fmla="*/ 1164 h 1508"/>
+                <a:gd name="T58" fmla="*/ 406 w 706"/>
+                <a:gd name="T59" fmla="*/ 1164 h 1508"/>
+                <a:gd name="T60" fmla="*/ 462 w 706"/>
+                <a:gd name="T61" fmla="*/ 808 h 1508"/>
+                <a:gd name="T62" fmla="*/ 705 w 706"/>
+                <a:gd name="T63" fmla="*/ 808 h 1508"/>
+                <a:gd name="T64" fmla="*/ 586 w 706"/>
+                <a:gd name="T65" fmla="*/ 1164 h 1508"/>
+                <a:gd name="T66" fmla="*/ 462 w 706"/>
+                <a:gd name="T67" fmla="*/ 709 h 1508"/>
+                <a:gd name="T68" fmla="*/ 407 w 706"/>
+                <a:gd name="T69" fmla="*/ 346 h 1508"/>
+                <a:gd name="T70" fmla="*/ 588 w 706"/>
+                <a:gd name="T71" fmla="*/ 346 h 1508"/>
+                <a:gd name="T72" fmla="*/ 706 w 706"/>
+                <a:gd name="T73" fmla="*/ 709 h 1508"/>
+                <a:gd name="T74" fmla="*/ 462 w 706"/>
+                <a:gd name="T75" fmla="*/ 709 h 1508"/>
+              </a:gdLst>
+              <a:ahLst/>
+              <a:cxnLst>
+                <a:cxn ang="0">
+                  <a:pos x="T0" y="T1"/>
+                </a:cxn>
+                <a:cxn ang="0">
+                  <a:pos x="T2" y="T3"/>
+                </a:cxn>
+                <a:cxn ang="0">
+                  <a:pos x="T4" y="T5"/>
+                </a:cxn>
+                <a:cxn ang="0">
+                  <a:pos x="T6" y="T7"/>
+                </a:cxn>
+                <a:cxn ang="0">
+                  <a:pos x="T8" y="T9"/>
+                </a:cxn>
+                <a:cxn ang="0">
+                  <a:pos x="T10" y="T11"/>
+                </a:cxn>
+                <a:cxn ang="0">
+                  <a:pos x="T12" y="T13"/>
+                </a:cxn>
+                <a:cxn ang="0">
+                  <a:pos x="T14" y="T15"/>
+                </a:cxn>
+                <a:cxn ang="0">
+                  <a:pos x="T16" y="T17"/>
+                </a:cxn>
+                <a:cxn ang="0">
+                  <a:pos x="T18" y="T19"/>
+                </a:cxn>
+                <a:cxn ang="0">
+                  <a:pos x="T20" y="T21"/>
+                </a:cxn>
+                <a:cxn ang="0">
+                  <a:pos x="T22" y="T23"/>
+                </a:cxn>
+                <a:cxn ang="0">
+                  <a:pos x="T24" y="T25"/>
+                </a:cxn>
+                <a:cxn ang="0">
+                  <a:pos x="T26" y="T27"/>
+                </a:cxn>
+                <a:cxn ang="0">
+                  <a:pos x="T28" y="T29"/>
+                </a:cxn>
+                <a:cxn ang="0">
+                  <a:pos x="T30" y="T31"/>
+                </a:cxn>
+                <a:cxn ang="0">
+                  <a:pos x="T32" y="T33"/>
+                </a:cxn>
+                <a:cxn ang="0">
+                  <a:pos x="T34" y="T35"/>
+                </a:cxn>
+                <a:cxn ang="0">
+                  <a:pos x="T36" y="T37"/>
+                </a:cxn>
+                <a:cxn ang="0">
+                  <a:pos x="T38" y="T39"/>
+                </a:cxn>
+                <a:cxn ang="0">
+                  <a:pos x="T40" y="T41"/>
+                </a:cxn>
+                <a:cxn ang="0">
+                  <a:pos x="T42" y="T43"/>
+                </a:cxn>
+                <a:cxn ang="0">
+                  <a:pos x="T44" y="T45"/>
+                </a:cxn>
+                <a:cxn ang="0">
+                  <a:pos x="T46" y="T47"/>
+                </a:cxn>
+                <a:cxn ang="0">
+                  <a:pos x="T48" y="T49"/>
+                </a:cxn>
+                <a:cxn ang="0">
+                  <a:pos x="T50" y="T51"/>
+                </a:cxn>
+                <a:cxn ang="0">
+                  <a:pos x="T52" y="T53"/>
+                </a:cxn>
+                <a:cxn ang="0">
+                  <a:pos x="T54" y="T55"/>
+                </a:cxn>
+                <a:cxn ang="0">
+                  <a:pos x="T56" y="T57"/>
+                </a:cxn>
+                <a:cxn ang="0">
+                  <a:pos x="T58" y="T59"/>
+                </a:cxn>
+                <a:cxn ang="0">
+                  <a:pos x="T60" y="T61"/>
+                </a:cxn>
+                <a:cxn ang="0">
+                  <a:pos x="T62" y="T63"/>
+                </a:cxn>
+                <a:cxn ang="0">
+                  <a:pos x="T64" y="T65"/>
+                </a:cxn>
+                <a:cxn ang="0">
+                  <a:pos x="T66" y="T67"/>
+                </a:cxn>
+                <a:cxn ang="0">
+                  <a:pos x="T68" y="T69"/>
+                </a:cxn>
+                <a:cxn ang="0">
+                  <a:pos x="T70" y="T71"/>
+                </a:cxn>
+                <a:cxn ang="0">
+                  <a:pos x="T72" y="T73"/>
+                </a:cxn>
+                <a:cxn ang="0">
+                  <a:pos x="T74" y="T75"/>
+                </a:cxn>
+              </a:cxnLst>
+              <a:rect l="0" t="0" r="r" b="b"/>
+              <a:pathLst>
+                <a:path w="706" h="1508">
+                  <a:moveTo>
+                    <a:pt x="0" y="709"/>
+                  </a:moveTo>
+                  <a:lnTo>
+                    <a:pt x="0" y="346"/>
+                  </a:lnTo>
+                  <a:lnTo>
+                    <a:pt x="301" y="346"/>
+                  </a:lnTo>
+                  <a:cubicBezTo>
+                    <a:pt x="337" y="454"/>
+                    <a:pt x="359" y="578"/>
+                    <a:pt x="363" y="709"/>
+                  </a:cubicBezTo>
+                  <a:lnTo>
+                    <a:pt x="0" y="709"/>
+                  </a:lnTo>
+                  <a:close/>
+                  <a:moveTo>
+                    <a:pt x="363" y="808"/>
+                  </a:moveTo>
+                  <a:cubicBezTo>
+                    <a:pt x="358" y="937"/>
+                    <a:pt x="336" y="1059"/>
+                    <a:pt x="301" y="1164"/>
+                  </a:cubicBezTo>
+                  <a:lnTo>
+                    <a:pt x="0" y="1164"/>
+                  </a:lnTo>
+                  <a:lnTo>
+                    <a:pt x="0" y="808"/>
+                  </a:lnTo>
+                  <a:lnTo>
+                    <a:pt x="363" y="808"/>
+                  </a:lnTo>
+                  <a:close/>
+                  <a:moveTo>
+                    <a:pt x="0" y="247"/>
+                  </a:moveTo>
+                  <a:lnTo>
+                    <a:pt x="0" y="0"/>
+                  </a:lnTo>
+                  <a:cubicBezTo>
+                    <a:pt x="25" y="2"/>
+                    <a:pt x="49" y="5"/>
+                    <a:pt x="73" y="9"/>
+                  </a:cubicBezTo>
+                  <a:cubicBezTo>
+                    <a:pt x="147" y="53"/>
+                    <a:pt x="213" y="137"/>
+                    <a:pt x="263" y="247"/>
+                  </a:cubicBezTo>
+                  <a:lnTo>
+                    <a:pt x="0" y="247"/>
+                  </a:lnTo>
+                  <a:close/>
+                  <a:moveTo>
+                    <a:pt x="280" y="74"/>
+                  </a:moveTo>
+                  <a:cubicBezTo>
+                    <a:pt x="368" y="117"/>
+                    <a:pt x="446" y="175"/>
+                    <a:pt x="511" y="247"/>
+                  </a:cubicBezTo>
+                  <a:lnTo>
+                    <a:pt x="372" y="247"/>
+                  </a:lnTo>
+                  <a:cubicBezTo>
+                    <a:pt x="346" y="183"/>
+                    <a:pt x="316" y="124"/>
+                    <a:pt x="280" y="74"/>
+                  </a:cubicBezTo>
+                  <a:close/>
+                  <a:moveTo>
+                    <a:pt x="73" y="1500"/>
+                  </a:moveTo>
+                  <a:cubicBezTo>
+                    <a:pt x="49" y="1504"/>
+                    <a:pt x="25" y="1507"/>
+                    <a:pt x="0" y="1508"/>
+                  </a:cubicBezTo>
+                  <a:lnTo>
+                    <a:pt x="0" y="1263"/>
+                  </a:lnTo>
+                  <a:lnTo>
+                    <a:pt x="262" y="1263"/>
+                  </a:lnTo>
+                  <a:cubicBezTo>
+                    <a:pt x="212" y="1372"/>
+                    <a:pt x="147" y="1456"/>
+                    <a:pt x="73" y="1500"/>
+                  </a:cubicBezTo>
+                  <a:close/>
+                  <a:moveTo>
+                    <a:pt x="280" y="1434"/>
+                  </a:moveTo>
+                  <a:cubicBezTo>
+                    <a:pt x="315" y="1385"/>
+                    <a:pt x="346" y="1327"/>
+                    <a:pt x="372" y="1263"/>
+                  </a:cubicBezTo>
+                  <a:lnTo>
+                    <a:pt x="510" y="1263"/>
+                  </a:lnTo>
+                  <a:cubicBezTo>
+                    <a:pt x="445" y="1334"/>
+                    <a:pt x="367" y="1392"/>
+                    <a:pt x="280" y="1434"/>
+                  </a:cubicBezTo>
+                  <a:close/>
+                  <a:moveTo>
+                    <a:pt x="586" y="1164"/>
+                  </a:moveTo>
+                  <a:lnTo>
+                    <a:pt x="406" y="1164"/>
+                  </a:lnTo>
+                  <a:cubicBezTo>
+                    <a:pt x="438" y="1057"/>
+                    <a:pt x="458" y="937"/>
+                    <a:pt x="462" y="808"/>
+                  </a:cubicBezTo>
+                  <a:lnTo>
+                    <a:pt x="705" y="808"/>
+                  </a:lnTo>
+                  <a:cubicBezTo>
+                    <a:pt x="696" y="939"/>
+                    <a:pt x="654" y="1060"/>
+                    <a:pt x="586" y="1164"/>
+                  </a:cubicBezTo>
+                  <a:close/>
+                  <a:moveTo>
+                    <a:pt x="462" y="709"/>
+                  </a:moveTo>
+                  <a:cubicBezTo>
+                    <a:pt x="459" y="578"/>
+                    <a:pt x="439" y="455"/>
+                    <a:pt x="407" y="346"/>
+                  </a:cubicBezTo>
+                  <a:lnTo>
+                    <a:pt x="588" y="346"/>
+                  </a:lnTo>
+                  <a:cubicBezTo>
+                    <a:pt x="656" y="452"/>
+                    <a:pt x="698" y="576"/>
+                    <a:pt x="706" y="709"/>
+                  </a:cubicBezTo>
+                  <a:lnTo>
+                    <a:pt x="462" y="709"/>
+                  </a:lnTo>
+                  <a:close/>
+                </a:path>
+              </a:pathLst>
+            </a:custGeom>
+            <a:grpFill/>
+            <a:ln w="0">
+              <a:noFill/>
+              <a:prstDash val="solid"/>
+              <a:round/>
+              <a:headEnd/>
+              <a:tailEnd/>
+            </a:ln>
+            <a:scene3d>
+              <a:camera prst="orthographicFront"/>
+              <a:lightRig rig="threePt" dir="t"/>
+            </a:scene3d>
+            <a:sp3d prstMaterial="matte">
+              <a:bevelB h="12700"/>
+            </a:sp3d>
+            <a:extLst>
+              <a:ext uri="{91240B29-F687-4F45-9708-019B960494DF}">
+                <a14:hiddenLine xmlns:a14="http://schemas.microsoft.com/office/drawing/2010/main" w="0">
+                  <a:solidFill>
+                    <a:srgbClr val="000000"/>
+                  </a:solidFill>
+                  <a:prstDash val="solid"/>
+                  <a:round/>
+                  <a:headEnd/>
+                  <a:tailEnd/>
+                </a14:hiddenLine>
+              </a:ext>
+            </a:extLst>
+          </p:spPr>
+          <p:txBody>
+            <a:bodyPr vert="horz" wrap="square" lIns="91440" tIns="45720" rIns="91440" bIns="45720" numCol="1" anchor="t" anchorCtr="0" compatLnSpc="1">
+              <a:prstTxWarp prst="textNoShape">
+                <a:avLst/>
+              </a:prstTxWarp>
+            </a:bodyPr>
+            <a:lstStyle>
+              <a:defPPr>
+                <a:defRPr lang="zh-CN"/>
+              </a:defPPr>
+              <a:lvl1pPr marL="0" algn="l" defTabSz="914400" rtl="0" eaLnBrk="1" latinLnBrk="0" hangingPunct="1">
+                <a:defRPr sz="1800" kern="1200">
+                  <a:solidFill>
+                    <a:schemeClr val="tx1"/>
+                  </a:solidFill>
+                  <a:latin typeface="+mn-lt"/>
+                  <a:ea typeface="+mn-ea"/>
+                  <a:cs typeface="+mn-cs"/>
+                </a:defRPr>
+              </a:lvl1pPr>
+              <a:lvl2pPr marL="457200" algn="l" defTabSz="914400" rtl="0" eaLnBrk="1" latinLnBrk="0" hangingPunct="1">
+                <a:defRPr sz="1800" kern="1200">
+                  <a:solidFill>
+                    <a:schemeClr val="tx1"/>
+                  </a:solidFill>
+                  <a:latin typeface="+mn-lt"/>
+                  <a:ea typeface="+mn-ea"/>
+                  <a:cs typeface="+mn-cs"/>
+                </a:defRPr>
+              </a:lvl2pPr>
+              <a:lvl3pPr marL="914400" algn="l" defTabSz="914400" rtl="0" eaLnBrk="1" latinLnBrk="0" hangingPunct="1">
+                <a:defRPr sz="1800" kern="1200">
+                  <a:solidFill>
+                    <a:schemeClr val="tx1"/>
+                  </a:solidFill>
+                  <a:latin typeface="+mn-lt"/>
+                  <a:ea typeface="+mn-ea"/>
+                  <a:cs typeface="+mn-cs"/>
+                </a:defRPr>
+              </a:lvl3pPr>
+              <a:lvl4pPr marL="1371600" algn="l" defTabSz="914400" rtl="0" eaLnBrk="1" latinLnBrk="0" hangingPunct="1">
+                <a:defRPr sz="1800" kern="1200">
+                  <a:solidFill>
+                    <a:schemeClr val="tx1"/>
+                  </a:solidFill>
+                  <a:latin typeface="+mn-lt"/>
+                  <a:ea typeface="+mn-ea"/>
+                  <a:cs typeface="+mn-cs"/>
+                </a:defRPr>
+              </a:lvl4pPr>
+              <a:lvl5pPr marL="1828800" algn="l" defTabSz="914400" rtl="0" eaLnBrk="1" latinLnBrk="0" hangingPunct="1">
+                <a:defRPr sz="1800" kern="1200">
+                  <a:solidFill>
+                    <a:schemeClr val="tx1"/>
+                  </a:solidFill>
+                  <a:latin typeface="+mn-lt"/>
+                  <a:ea typeface="+mn-ea"/>
+                  <a:cs typeface="+mn-cs"/>
+                </a:defRPr>
+              </a:lvl5pPr>
+              <a:lvl6pPr marL="2286000" algn="l" defTabSz="914400" rtl="0" eaLnBrk="1" latinLnBrk="0" hangingPunct="1">
+                <a:defRPr sz="1800" kern="1200">
+                  <a:solidFill>
+                    <a:schemeClr val="tx1"/>
+                  </a:solidFill>
+                  <a:latin typeface="+mn-lt"/>
+                  <a:ea typeface="+mn-ea"/>
+                  <a:cs typeface="+mn-cs"/>
+                </a:defRPr>
+              </a:lvl6pPr>
+              <a:lvl7pPr marL="2743200" algn="l" defTabSz="914400" rtl="0" eaLnBrk="1" latinLnBrk="0" hangingPunct="1">
+                <a:defRPr sz="1800" kern="1200">
+                  <a:solidFill>
+                    <a:schemeClr val="tx1"/>
+                  </a:solidFill>
+                  <a:latin typeface="+mn-lt"/>
+                  <a:ea typeface="+mn-ea"/>
+                  <a:cs typeface="+mn-cs"/>
+                </a:defRPr>
+              </a:lvl7pPr>
+              <a:lvl8pPr marL="3200400" algn="l" defTabSz="914400" rtl="0" eaLnBrk="1" latinLnBrk="0" hangingPunct="1">
+                <a:defRPr sz="1800" kern="1200">
+                  <a:solidFill>
+                    <a:schemeClr val="tx1"/>
+                  </a:solidFill>
+                  <a:latin typeface="+mn-lt"/>
+                  <a:ea typeface="+mn-ea"/>
+                  <a:cs typeface="+mn-cs"/>
+                </a:defRPr>
+              </a:lvl8pPr>
+              <a:lvl9pPr marL="3657600" algn="l" defTabSz="914400" rtl="0" eaLnBrk="1" latinLnBrk="0" hangingPunct="1">
+                <a:defRPr sz="1800" kern="1200">
+                  <a:solidFill>
+                    <a:schemeClr val="tx1"/>
+                  </a:solidFill>
+                  <a:latin typeface="+mn-lt"/>
+                  <a:ea typeface="+mn-ea"/>
+                  <a:cs typeface="+mn-cs"/>
+                </a:defRPr>
+              </a:lvl9pPr>
+            </a:lstStyle>
+            <a:p>
+              <a:endParaRPr lang="zh-CN" altLang="en-US"/>
+            </a:p>
+          </p:txBody>
+        </p:sp>
+      </p:grpSp>
+      <p:sp>
+        <p:nvSpPr>
+          <p:cNvPr id="22" name="任意多边形: 形状 21">
+            <a:extLst>
+              <a:ext uri="{FF2B5EF4-FFF2-40B4-BE49-F238E27FC236}">
+                <a16:creationId xmlns:a16="http://schemas.microsoft.com/office/drawing/2014/main" id="{7F78AE83-2D19-4FDC-A0E1-CAF1C06E2F40}"/>
+              </a:ext>
+            </a:extLst>
+          </p:cNvPr>
+          <p:cNvSpPr/>
+          <p:nvPr/>
+        </p:nvSpPr>
+        <p:spPr>
+          <a:xfrm>
+            <a:off x="10318166" y="1802767"/>
+            <a:ext cx="1472305" cy="1472306"/>
+          </a:xfrm>
+          <a:custGeom>
+            <a:avLst/>
+            <a:gdLst>
+              <a:gd name="connsiteX0" fmla="*/ 710079 w 1540984"/>
+              <a:gd name="connsiteY0" fmla="*/ 870634 h 1540985"/>
+              <a:gd name="connsiteX1" fmla="*/ 358021 w 1540984"/>
+              <a:gd name="connsiteY1" fmla="*/ 1088830 h 1540985"/>
+              <a:gd name="connsiteX2" fmla="*/ 365790 w 1540984"/>
+              <a:gd name="connsiteY2" fmla="*/ 1100693 h 1540985"/>
+              <a:gd name="connsiteX3" fmla="*/ 370809 w 1540984"/>
+              <a:gd name="connsiteY3" fmla="*/ 1127196 h 1540985"/>
+              <a:gd name="connsiteX4" fmla="*/ 362092 w 1540984"/>
+              <a:gd name="connsiteY4" fmla="*/ 1139985 h 1540985"/>
+              <a:gd name="connsiteX5" fmla="*/ 379682 w 1540984"/>
+              <a:gd name="connsiteY5" fmla="*/ 1161304 h 1540985"/>
+              <a:gd name="connsiteX6" fmla="*/ 770493 w 1540984"/>
+              <a:gd name="connsiteY6" fmla="*/ 1323184 h 1540985"/>
+              <a:gd name="connsiteX7" fmla="*/ 1079507 w 1540984"/>
+              <a:gd name="connsiteY7" fmla="*/ 1228793 h 1540985"/>
+              <a:gd name="connsiteX8" fmla="*/ 1156753 w 1540984"/>
+              <a:gd name="connsiteY8" fmla="*/ 1165060 h 1540985"/>
+              <a:gd name="connsiteX9" fmla="*/ 1148038 w 1540984"/>
+              <a:gd name="connsiteY9" fmla="*/ 1151184 h 1540985"/>
+              <a:gd name="connsiteX10" fmla="*/ 1154045 w 1540984"/>
+              <a:gd name="connsiteY10" fmla="*/ 1124888 h 1540985"/>
+              <a:gd name="connsiteX11" fmla="*/ 1165503 w 1540984"/>
+              <a:gd name="connsiteY11" fmla="*/ 1108747 h 1540985"/>
+              <a:gd name="connsiteX12" fmla="*/ 838610 w 1540984"/>
+              <a:gd name="connsiteY12" fmla="*/ 872687 h 1540985"/>
+              <a:gd name="connsiteX13" fmla="*/ 824848 w 1540984"/>
+              <a:gd name="connsiteY13" fmla="*/ 881965 h 1540985"/>
+              <a:gd name="connsiteX14" fmla="*/ 775867 w 1540984"/>
+              <a:gd name="connsiteY14" fmla="*/ 891854 h 1540985"/>
+              <a:gd name="connsiteX15" fmla="*/ 726886 w 1540984"/>
+              <a:gd name="connsiteY15" fmla="*/ 881965 h 1540985"/>
+              <a:gd name="connsiteX16" fmla="*/ 673063 w 1540984"/>
+              <a:gd name="connsiteY16" fmla="*/ 227626 h 1540985"/>
+              <a:gd name="connsiteX17" fmla="*/ 659106 w 1540984"/>
+              <a:gd name="connsiteY17" fmla="*/ 229033 h 1540985"/>
+              <a:gd name="connsiteX18" fmla="*/ 217802 w 1540984"/>
+              <a:gd name="connsiteY18" fmla="*/ 770494 h 1540985"/>
+              <a:gd name="connsiteX19" fmla="*/ 229032 w 1540984"/>
+              <a:gd name="connsiteY19" fmla="*/ 881880 h 1540985"/>
+              <a:gd name="connsiteX20" fmla="*/ 258848 w 1540984"/>
+              <a:gd name="connsiteY20" fmla="*/ 977934 h 1540985"/>
+              <a:gd name="connsiteX21" fmla="*/ 271486 w 1540984"/>
+              <a:gd name="connsiteY21" fmla="*/ 975541 h 1540985"/>
+              <a:gd name="connsiteX22" fmla="*/ 293775 w 1540984"/>
+              <a:gd name="connsiteY22" fmla="*/ 990732 h 1540985"/>
+              <a:gd name="connsiteX23" fmla="*/ 296771 w 1540984"/>
+              <a:gd name="connsiteY23" fmla="*/ 995308 h 1540985"/>
+              <a:gd name="connsiteX24" fmla="*/ 651889 w 1540984"/>
+              <a:gd name="connsiteY24" fmla="*/ 775215 h 1540985"/>
+              <a:gd name="connsiteX25" fmla="*/ 650032 w 1540984"/>
+              <a:gd name="connsiteY25" fmla="*/ 766018 h 1540985"/>
+              <a:gd name="connsiteX26" fmla="*/ 686888 w 1540984"/>
+              <a:gd name="connsiteY26" fmla="*/ 677040 h 1540985"/>
+              <a:gd name="connsiteX27" fmla="*/ 710803 w 1540984"/>
+              <a:gd name="connsiteY27" fmla="*/ 660916 h 1540985"/>
+              <a:gd name="connsiteX28" fmla="*/ 710803 w 1540984"/>
+              <a:gd name="connsiteY28" fmla="*/ 248204 h 1540985"/>
+              <a:gd name="connsiteX29" fmla="*/ 702231 w 1540984"/>
+              <a:gd name="connsiteY29" fmla="*/ 248204 h 1540985"/>
+              <a:gd name="connsiteX30" fmla="*/ 677311 w 1540984"/>
+              <a:gd name="connsiteY30" fmla="*/ 237882 h 1540985"/>
+              <a:gd name="connsiteX31" fmla="*/ 863048 w 1540984"/>
+              <a:gd name="connsiteY31" fmla="*/ 227134 h 1540985"/>
+              <a:gd name="connsiteX32" fmla="*/ 858596 w 1540984"/>
+              <a:gd name="connsiteY32" fmla="*/ 237883 h 1540985"/>
+              <a:gd name="connsiteX33" fmla="*/ 833675 w 1540984"/>
+              <a:gd name="connsiteY33" fmla="*/ 248205 h 1540985"/>
+              <a:gd name="connsiteX34" fmla="*/ 822564 w 1540984"/>
+              <a:gd name="connsiteY34" fmla="*/ 248205 h 1540985"/>
+              <a:gd name="connsiteX35" fmla="*/ 822563 w 1540984"/>
+              <a:gd name="connsiteY35" fmla="*/ 649611 h 1540985"/>
+              <a:gd name="connsiteX36" fmla="*/ 824848 w 1540984"/>
+              <a:gd name="connsiteY36" fmla="*/ 650072 h 1540985"/>
+              <a:gd name="connsiteX37" fmla="*/ 901702 w 1540984"/>
+              <a:gd name="connsiteY37" fmla="*/ 766019 h 1540985"/>
+              <a:gd name="connsiteX38" fmla="*/ 899169 w 1540984"/>
+              <a:gd name="connsiteY38" fmla="*/ 778564 h 1540985"/>
+              <a:gd name="connsiteX39" fmla="*/ 1230233 w 1540984"/>
+              <a:gd name="connsiteY39" fmla="*/ 1017637 h 1540985"/>
+              <a:gd name="connsiteX40" fmla="*/ 1252972 w 1540984"/>
+              <a:gd name="connsiteY40" fmla="*/ 1003356 h 1540985"/>
+              <a:gd name="connsiteX41" fmla="*/ 1268234 w 1540984"/>
+              <a:gd name="connsiteY41" fmla="*/ 1006843 h 1540985"/>
+              <a:gd name="connsiteX42" fmla="*/ 1279750 w 1540984"/>
+              <a:gd name="connsiteY42" fmla="*/ 985626 h 1540985"/>
+              <a:gd name="connsiteX43" fmla="*/ 1323183 w 1540984"/>
+              <a:gd name="connsiteY43" fmla="*/ 770494 h 1540985"/>
+              <a:gd name="connsiteX44" fmla="*/ 881879 w 1540984"/>
+              <a:gd name="connsiteY44" fmla="*/ 229032 h 1540985"/>
+              <a:gd name="connsiteX45" fmla="*/ 681593 w 1540984"/>
+              <a:gd name="connsiteY45" fmla="*/ 0 h 1540985"/>
+              <a:gd name="connsiteX46" fmla="*/ 859390 w 1540984"/>
+              <a:gd name="connsiteY46" fmla="*/ 1 h 1540985"/>
+              <a:gd name="connsiteX47" fmla="*/ 903842 w 1540984"/>
+              <a:gd name="connsiteY47" fmla="*/ 44452 h 1540985"/>
+              <a:gd name="connsiteX48" fmla="*/ 903841 w 1540984"/>
+              <a:gd name="connsiteY48" fmla="*/ 128098 h 1540985"/>
+              <a:gd name="connsiteX49" fmla="*/ 1025867 w 1540984"/>
+              <a:gd name="connsiteY49" fmla="*/ 165978 h 1540985"/>
+              <a:gd name="connsiteX50" fmla="*/ 1144127 w 1540984"/>
+              <a:gd name="connsiteY50" fmla="*/ 232023 h 1540985"/>
+              <a:gd name="connsiteX51" fmla="*/ 1205305 w 1540984"/>
+              <a:gd name="connsiteY51" fmla="*/ 173956 h 1540985"/>
+              <a:gd name="connsiteX52" fmla="*/ 1268147 w 1540984"/>
+              <a:gd name="connsiteY52" fmla="*/ 175597 h 1540985"/>
+              <a:gd name="connsiteX53" fmla="*/ 1390544 w 1540984"/>
+              <a:gd name="connsiteY53" fmla="*/ 304559 h 1540985"/>
+              <a:gd name="connsiteX54" fmla="*/ 1388905 w 1540984"/>
+              <a:gd name="connsiteY54" fmla="*/ 367401 h 1540985"/>
+              <a:gd name="connsiteX55" fmla="*/ 1326815 w 1540984"/>
+              <a:gd name="connsiteY55" fmla="*/ 426330 h 1540985"/>
+              <a:gd name="connsiteX56" fmla="*/ 1339645 w 1540984"/>
+              <a:gd name="connsiteY56" fmla="*/ 443929 h 1540985"/>
+              <a:gd name="connsiteX57" fmla="*/ 1397071 w 1540984"/>
+              <a:gd name="connsiteY57" fmla="*/ 575398 h 1540985"/>
+              <a:gd name="connsiteX58" fmla="*/ 1411300 w 1540984"/>
+              <a:gd name="connsiteY58" fmla="*/ 637143 h 1540985"/>
+              <a:gd name="connsiteX59" fmla="*/ 1496533 w 1540984"/>
+              <a:gd name="connsiteY59" fmla="*/ 637143 h 1540985"/>
+              <a:gd name="connsiteX60" fmla="*/ 1540984 w 1540984"/>
+              <a:gd name="connsiteY60" fmla="*/ 681594 h 1540985"/>
+              <a:gd name="connsiteX61" fmla="*/ 1540984 w 1540984"/>
+              <a:gd name="connsiteY61" fmla="*/ 859392 h 1540985"/>
+              <a:gd name="connsiteX62" fmla="*/ 1496533 w 1540984"/>
+              <a:gd name="connsiteY62" fmla="*/ 903843 h 1540985"/>
+              <a:gd name="connsiteX63" fmla="*/ 1411302 w 1540984"/>
+              <a:gd name="connsiteY63" fmla="*/ 903844 h 1540985"/>
+              <a:gd name="connsiteX64" fmla="*/ 1397070 w 1540984"/>
+              <a:gd name="connsiteY64" fmla="*/ 965591 h 1540985"/>
+              <a:gd name="connsiteX65" fmla="*/ 1339645 w 1540984"/>
+              <a:gd name="connsiteY65" fmla="*/ 1097060 h 1540985"/>
+              <a:gd name="connsiteX66" fmla="*/ 1306909 w 1540984"/>
+              <a:gd name="connsiteY66" fmla="*/ 1141965 h 1540985"/>
+              <a:gd name="connsiteX67" fmla="*/ 1367028 w 1540984"/>
+              <a:gd name="connsiteY67" fmla="*/ 1205307 h 1540985"/>
+              <a:gd name="connsiteX68" fmla="*/ 1365387 w 1540984"/>
+              <a:gd name="connsiteY68" fmla="*/ 1268149 h 1540985"/>
+              <a:gd name="connsiteX69" fmla="*/ 1236426 w 1540984"/>
+              <a:gd name="connsiteY69" fmla="*/ 1390547 h 1540985"/>
+              <a:gd name="connsiteX70" fmla="*/ 1173585 w 1540984"/>
+              <a:gd name="connsiteY70" fmla="*/ 1388906 h 1540985"/>
+              <a:gd name="connsiteX71" fmla="*/ 1113791 w 1540984"/>
+              <a:gd name="connsiteY71" fmla="*/ 1325907 h 1540985"/>
+              <a:gd name="connsiteX72" fmla="*/ 1025867 w 1540984"/>
+              <a:gd name="connsiteY72" fmla="*/ 1375011 h 1540985"/>
+              <a:gd name="connsiteX73" fmla="*/ 903842 w 1540984"/>
+              <a:gd name="connsiteY73" fmla="*/ 1412889 h 1540985"/>
+              <a:gd name="connsiteX74" fmla="*/ 903841 w 1540984"/>
+              <a:gd name="connsiteY74" fmla="*/ 1496534 h 1540985"/>
+              <a:gd name="connsiteX75" fmla="*/ 859391 w 1540984"/>
+              <a:gd name="connsiteY75" fmla="*/ 1540985 h 1540985"/>
+              <a:gd name="connsiteX76" fmla="*/ 681593 w 1540984"/>
+              <a:gd name="connsiteY76" fmla="*/ 1540985 h 1540985"/>
+              <a:gd name="connsiteX77" fmla="*/ 637141 w 1540984"/>
+              <a:gd name="connsiteY77" fmla="*/ 1496534 h 1540985"/>
+              <a:gd name="connsiteX78" fmla="*/ 637142 w 1540984"/>
+              <a:gd name="connsiteY78" fmla="*/ 1412889 h 1540985"/>
+              <a:gd name="connsiteX79" fmla="*/ 515119 w 1540984"/>
+              <a:gd name="connsiteY79" fmla="*/ 1375011 h 1540985"/>
+              <a:gd name="connsiteX80" fmla="*/ 396857 w 1540984"/>
+              <a:gd name="connsiteY80" fmla="*/ 1308965 h 1540985"/>
+              <a:gd name="connsiteX81" fmla="*/ 335679 w 1540984"/>
+              <a:gd name="connsiteY81" fmla="*/ 1367029 h 1540985"/>
+              <a:gd name="connsiteX82" fmla="*/ 272837 w 1540984"/>
+              <a:gd name="connsiteY82" fmla="*/ 1365387 h 1540985"/>
+              <a:gd name="connsiteX83" fmla="*/ 150438 w 1540984"/>
+              <a:gd name="connsiteY83" fmla="*/ 1236428 h 1540985"/>
+              <a:gd name="connsiteX84" fmla="*/ 152078 w 1540984"/>
+              <a:gd name="connsiteY84" fmla="*/ 1173586 h 1540985"/>
+              <a:gd name="connsiteX85" fmla="*/ 214169 w 1540984"/>
+              <a:gd name="connsiteY85" fmla="*/ 1114656 h 1540985"/>
+              <a:gd name="connsiteX86" fmla="*/ 201341 w 1540984"/>
+              <a:gd name="connsiteY86" fmla="*/ 1097060 h 1540985"/>
+              <a:gd name="connsiteX87" fmla="*/ 143914 w 1540984"/>
+              <a:gd name="connsiteY87" fmla="*/ 965591 h 1540985"/>
+              <a:gd name="connsiteX88" fmla="*/ 129684 w 1540984"/>
+              <a:gd name="connsiteY88" fmla="*/ 903843 h 1540985"/>
+              <a:gd name="connsiteX89" fmla="*/ 44451 w 1540984"/>
+              <a:gd name="connsiteY89" fmla="*/ 903843 h 1540985"/>
+              <a:gd name="connsiteX90" fmla="*/ 0 w 1540984"/>
+              <a:gd name="connsiteY90" fmla="*/ 859392 h 1540985"/>
+              <a:gd name="connsiteX91" fmla="*/ 0 w 1540984"/>
+              <a:gd name="connsiteY91" fmla="*/ 681595 h 1540985"/>
+              <a:gd name="connsiteX92" fmla="*/ 44451 w 1540984"/>
+              <a:gd name="connsiteY92" fmla="*/ 637143 h 1540985"/>
+              <a:gd name="connsiteX93" fmla="*/ 129685 w 1540984"/>
+              <a:gd name="connsiteY93" fmla="*/ 637143 h 1540985"/>
+              <a:gd name="connsiteX94" fmla="*/ 143915 w 1540984"/>
+              <a:gd name="connsiteY94" fmla="*/ 575398 h 1540985"/>
+              <a:gd name="connsiteX95" fmla="*/ 201340 w 1540984"/>
+              <a:gd name="connsiteY95" fmla="*/ 443929 h 1540985"/>
+              <a:gd name="connsiteX96" fmla="*/ 234076 w 1540984"/>
+              <a:gd name="connsiteY96" fmla="*/ 399023 h 1540985"/>
+              <a:gd name="connsiteX97" fmla="*/ 173955 w 1540984"/>
+              <a:gd name="connsiteY97" fmla="*/ 335680 h 1540985"/>
+              <a:gd name="connsiteX98" fmla="*/ 175597 w 1540984"/>
+              <a:gd name="connsiteY98" fmla="*/ 272837 h 1540985"/>
+              <a:gd name="connsiteX99" fmla="*/ 304558 w 1540984"/>
+              <a:gd name="connsiteY99" fmla="*/ 150439 h 1540985"/>
+              <a:gd name="connsiteX100" fmla="*/ 367399 w 1540984"/>
+              <a:gd name="connsiteY100" fmla="*/ 152081 h 1540985"/>
+              <a:gd name="connsiteX101" fmla="*/ 427194 w 1540984"/>
+              <a:gd name="connsiteY101" fmla="*/ 215081 h 1540985"/>
+              <a:gd name="connsiteX102" fmla="*/ 515119 w 1540984"/>
+              <a:gd name="connsiteY102" fmla="*/ 165977 h 1540985"/>
+              <a:gd name="connsiteX103" fmla="*/ 637141 w 1540984"/>
+              <a:gd name="connsiteY103" fmla="*/ 128099 h 1540985"/>
+              <a:gd name="connsiteX104" fmla="*/ 637141 w 1540984"/>
+              <a:gd name="connsiteY104" fmla="*/ 44452 h 1540985"/>
+              <a:gd name="connsiteX105" fmla="*/ 681593 w 1540984"/>
+              <a:gd name="connsiteY105" fmla="*/ 0 h 1540985"/>
+            </a:gdLst>
+            <a:ahLst/>
+            <a:cxnLst>
+              <a:cxn ang="0">
+                <a:pos x="connsiteX0" y="connsiteY0"/>
+              </a:cxn>
+              <a:cxn ang="0">
+                <a:pos x="connsiteX1" y="connsiteY1"/>
+              </a:cxn>
+              <a:cxn ang="0">
+                <a:pos x="connsiteX2" y="connsiteY2"/>
+              </a:cxn>
+              <a:cxn ang="0">
+                <a:pos x="connsiteX3" y="connsiteY3"/>
+              </a:cxn>
+              <a:cxn ang="0">
+                <a:pos x="connsiteX4" y="connsiteY4"/>
+              </a:cxn>
+              <a:cxn ang="0">
+                <a:pos x="connsiteX5" y="connsiteY5"/>
+              </a:cxn>
+              <a:cxn ang="0">
+                <a:pos x="connsiteX6" y="connsiteY6"/>
+              </a:cxn>
+              <a:cxn ang="0">
+                <a:pos x="connsiteX7" y="connsiteY7"/>
+              </a:cxn>
+              <a:cxn ang="0">
+                <a:pos x="connsiteX8" y="connsiteY8"/>
+              </a:cxn>
+              <a:cxn ang="0">
+                <a:pos x="connsiteX9" y="connsiteY9"/>
+              </a:cxn>
+              <a:cxn ang="0">
+                <a:pos x="connsiteX10" y="connsiteY10"/>
+              </a:cxn>
+              <a:cxn ang="0">
+                <a:pos x="connsiteX11" y="connsiteY11"/>
+              </a:cxn>
+              <a:cxn ang="0">
+                <a:pos x="connsiteX12" y="connsiteY12"/>
+              </a:cxn>
+              <a:cxn ang="0">
+                <a:pos x="connsiteX13" y="connsiteY13"/>
+              </a:cxn>
+              <a:cxn ang="0">
+                <a:pos x="connsiteX14" y="connsiteY14"/>
+              </a:cxn>
+              <a:cxn ang="0">
+                <a:pos x="connsiteX15" y="connsiteY15"/>
+              </a:cxn>
+              <a:cxn ang="0">
+                <a:pos x="connsiteX16" y="connsiteY16"/>
+              </a:cxn>
+              <a:cxn ang="0">
+                <a:pos x="connsiteX17" y="connsiteY17"/>
+              </a:cxn>
+              <a:cxn ang="0">
+                <a:pos x="connsiteX18" y="connsiteY18"/>
+              </a:cxn>
+              <a:cxn ang="0">
+                <a:pos x="connsiteX19" y="connsiteY19"/>
+              </a:cxn>
+              <a:cxn ang="0">
+                <a:pos x="connsiteX20" y="connsiteY20"/>
+              </a:cxn>
+              <a:cxn ang="0">
+                <a:pos x="connsiteX21" y="connsiteY21"/>
+              </a:cxn>
+              <a:cxn ang="0">
+                <a:pos x="connsiteX22" y="connsiteY22"/>
+              </a:cxn>
+              <a:cxn ang="0">
+                <a:pos x="connsiteX23" y="connsiteY23"/>
+              </a:cxn>
+              <a:cxn ang="0">
+                <a:pos x="connsiteX24" y="connsiteY24"/>
+              </a:cxn>
+              <a:cxn ang="0">
+                <a:pos x="connsiteX25" y="connsiteY25"/>
+              </a:cxn>
+              <a:cxn ang="0">
+                <a:pos x="connsiteX26" y="connsiteY26"/>
+              </a:cxn>
+              <a:cxn ang="0">
+                <a:pos x="connsiteX27" y="connsiteY27"/>
+              </a:cxn>
+              <a:cxn ang="0">
+                <a:pos x="connsiteX28" y="connsiteY28"/>
+              </a:cxn>
+              <a:cxn ang="0">
+                <a:pos x="connsiteX29" y="connsiteY29"/>
+              </a:cxn>
+              <a:cxn ang="0">
+                <a:pos x="connsiteX30" y="connsiteY30"/>
+              </a:cxn>
+              <a:cxn ang="0">
+                <a:pos x="connsiteX31" y="connsiteY31"/>
+              </a:cxn>
+              <a:cxn ang="0">
+                <a:pos x="connsiteX32" y="connsiteY32"/>
+              </a:cxn>
+              <a:cxn ang="0">
+                <a:pos x="connsiteX33" y="connsiteY33"/>
+              </a:cxn>
+              <a:cxn ang="0">
+                <a:pos x="connsiteX34" y="connsiteY34"/>
+              </a:cxn>
+              <a:cxn ang="0">
+                <a:pos x="connsiteX35" y="connsiteY35"/>
+              </a:cxn>
+              <a:cxn ang="0">
+                <a:pos x="connsiteX36" y="connsiteY36"/>
+              </a:cxn>
+              <a:cxn ang="0">
+                <a:pos x="connsiteX37" y="connsiteY37"/>
+              </a:cxn>
+              <a:cxn ang="0">
+                <a:pos x="connsiteX38" y="connsiteY38"/>
+              </a:cxn>
+              <a:cxn ang="0">
+                <a:pos x="connsiteX39" y="connsiteY39"/>
+              </a:cxn>
+              <a:cxn ang="0">
+                <a:pos x="connsiteX40" y="connsiteY40"/>
+              </a:cxn>
+              <a:cxn ang="0">
+                <a:pos x="connsiteX41" y="connsiteY41"/>
+              </a:cxn>
+              <a:cxn ang="0">
+                <a:pos x="connsiteX42" y="connsiteY42"/>
+              </a:cxn>
+              <a:cxn ang="0">
+                <a:pos x="connsiteX43" y="connsiteY43"/>
+              </a:cxn>
+              <a:cxn ang="0">
+                <a:pos x="connsiteX44" y="connsiteY44"/>
+              </a:cxn>
+              <a:cxn ang="0">
+                <a:pos x="connsiteX45" y="connsiteY45"/>
+              </a:cxn>
+              <a:cxn ang="0">
+                <a:pos x="connsiteX46" y="connsiteY46"/>
+              </a:cxn>
+              <a:cxn ang="0">
+                <a:pos x="connsiteX47" y="connsiteY47"/>
+              </a:cxn>
+              <a:cxn ang="0">
+                <a:pos x="connsiteX48" y="connsiteY48"/>
+              </a:cxn>
+              <a:cxn ang="0">
+                <a:pos x="connsiteX49" y="connsiteY49"/>
+              </a:cxn>
+              <a:cxn ang="0">
+                <a:pos x="connsiteX50" y="connsiteY50"/>
+              </a:cxn>
+              <a:cxn ang="0">
+                <a:pos x="connsiteX51" y="connsiteY51"/>
+              </a:cxn>
+              <a:cxn ang="0">
+                <a:pos x="connsiteX52" y="connsiteY52"/>
+              </a:cxn>
+              <a:cxn ang="0">
+                <a:pos x="connsiteX53" y="connsiteY53"/>
+              </a:cxn>
+              <a:cxn ang="0">
+                <a:pos x="connsiteX54" y="connsiteY54"/>
+              </a:cxn>
+              <a:cxn ang="0">
+                <a:pos x="connsiteX55" y="connsiteY55"/>
+              </a:cxn>
+              <a:cxn ang="0">
+                <a:pos x="connsiteX56" y="connsiteY56"/>
+              </a:cxn>
+              <a:cxn ang="0">
+                <a:pos x="connsiteX57" y="connsiteY57"/>
+              </a:cxn>
+              <a:cxn ang="0">
+                <a:pos x="connsiteX58" y="connsiteY58"/>
+              </a:cxn>
+              <a:cxn ang="0">
+                <a:pos x="connsiteX59" y="connsiteY59"/>
+              </a:cxn>
+              <a:cxn ang="0">
+                <a:pos x="connsiteX60" y="connsiteY60"/>
+              </a:cxn>
+              <a:cxn ang="0">
+                <a:pos x="connsiteX61" y="connsiteY61"/>
+              </a:cxn>
+              <a:cxn ang="0">
+                <a:pos x="connsiteX62" y="connsiteY62"/>
+              </a:cxn>
+              <a:cxn ang="0">
+                <a:pos x="connsiteX63" y="connsiteY63"/>
+              </a:cxn>
+              <a:cxn ang="0">
+                <a:pos x="connsiteX64" y="connsiteY64"/>
+              </a:cxn>
+              <a:cxn ang="0">
+                <a:pos x="connsiteX65" y="connsiteY65"/>
+              </a:cxn>
+              <a:cxn ang="0">
+                <a:pos x="connsiteX66" y="connsiteY66"/>
+              </a:cxn>
+              <a:cxn ang="0">
+                <a:pos x="connsiteX67" y="connsiteY67"/>
+              </a:cxn>
+              <a:cxn ang="0">
+                <a:pos x="connsiteX68" y="connsiteY68"/>
+              </a:cxn>
+              <a:cxn ang="0">
+                <a:pos x="connsiteX69" y="connsiteY69"/>
+              </a:cxn>
+              <a:cxn ang="0">
+                <a:pos x="connsiteX70" y="connsiteY70"/>
+              </a:cxn>
+              <a:cxn ang="0">
+                <a:pos x="connsiteX71" y="connsiteY71"/>
+              </a:cxn>
+              <a:cxn ang="0">
+                <a:pos x="connsiteX72" y="connsiteY72"/>
+              </a:cxn>
+              <a:cxn ang="0">
+                <a:pos x="connsiteX73" y="connsiteY73"/>
+              </a:cxn>
+              <a:cxn ang="0">
+                <a:pos x="connsiteX74" y="connsiteY74"/>
+              </a:cxn>
+              <a:cxn ang="0">
+                <a:pos x="connsiteX75" y="connsiteY75"/>
+              </a:cxn>
+              <a:cxn ang="0">
+                <a:pos x="connsiteX76" y="connsiteY76"/>
+              </a:cxn>
+              <a:cxn ang="0">
+                <a:pos x="connsiteX77" y="connsiteY77"/>
+              </a:cxn>
+              <a:cxn ang="0">
+                <a:pos x="connsiteX78" y="connsiteY78"/>
+              </a:cxn>
+              <a:cxn ang="0">
+                <a:pos x="connsiteX79" y="connsiteY79"/>
+              </a:cxn>
+              <a:cxn ang="0">
+                <a:pos x="connsiteX80" y="connsiteY80"/>
+              </a:cxn>
+              <a:cxn ang="0">
+                <a:pos x="connsiteX81" y="connsiteY81"/>
+              </a:cxn>
+              <a:cxn ang="0">
+                <a:pos x="connsiteX82" y="connsiteY82"/>
+              </a:cxn>
+              <a:cxn ang="0">
+                <a:pos x="connsiteX83" y="connsiteY83"/>
+              </a:cxn>
+              <a:cxn ang="0">
+                <a:pos x="connsiteX84" y="connsiteY84"/>
+              </a:cxn>
+              <a:cxn ang="0">
+                <a:pos x="connsiteX85" y="connsiteY85"/>
+              </a:cxn>
+              <a:cxn ang="0">
+                <a:pos x="connsiteX86" y="connsiteY86"/>
+              </a:cxn>
+              <a:cxn ang="0">
+                <a:pos x="connsiteX87" y="connsiteY87"/>
+              </a:cxn>
+              <a:cxn ang="0">
+                <a:pos x="connsiteX88" y="connsiteY88"/>
+              </a:cxn>
+              <a:cxn ang="0">
+                <a:pos x="connsiteX89" y="connsiteY89"/>
+              </a:cxn>
+              <a:cxn ang="0">
+                <a:pos x="connsiteX90" y="connsiteY90"/>
+              </a:cxn>
+              <a:cxn ang="0">
+                <a:pos x="connsiteX91" y="connsiteY91"/>
+              </a:cxn>
+              <a:cxn ang="0">
+                <a:pos x="connsiteX92" y="connsiteY92"/>
+              </a:cxn>
+              <a:cxn ang="0">
+                <a:pos x="connsiteX93" y="connsiteY93"/>
+              </a:cxn>
+              <a:cxn ang="0">
+                <a:pos x="connsiteX94" y="connsiteY94"/>
+              </a:cxn>
+              <a:cxn ang="0">
+                <a:pos x="connsiteX95" y="connsiteY95"/>
+              </a:cxn>
+              <a:cxn ang="0">
+                <a:pos x="connsiteX96" y="connsiteY96"/>
+              </a:cxn>
+              <a:cxn ang="0">
+                <a:pos x="connsiteX97" y="connsiteY97"/>
+              </a:cxn>
+              <a:cxn ang="0">
+                <a:pos x="connsiteX98" y="connsiteY98"/>
+              </a:cxn>
+              <a:cxn ang="0">
+                <a:pos x="connsiteX99" y="connsiteY99"/>
+              </a:cxn>
+              <a:cxn ang="0">
+                <a:pos x="connsiteX100" y="connsiteY100"/>
+              </a:cxn>
+              <a:cxn ang="0">
+                <a:pos x="connsiteX101" y="connsiteY101"/>
+              </a:cxn>
+              <a:cxn ang="0">
+                <a:pos x="connsiteX102" y="connsiteY102"/>
+              </a:cxn>
+              <a:cxn ang="0">
+                <a:pos x="connsiteX103" y="connsiteY103"/>
+              </a:cxn>
+              <a:cxn ang="0">
+                <a:pos x="connsiteX104" y="connsiteY104"/>
+              </a:cxn>
+              <a:cxn ang="0">
+                <a:pos x="connsiteX105" y="connsiteY105"/>
+              </a:cxn>
+            </a:cxnLst>
+            <a:rect l="l" t="t" r="r" b="b"/>
+            <a:pathLst>
+              <a:path w="1540984" h="1540985">
+                <a:moveTo>
+                  <a:pt x="710079" y="870634"/>
+                </a:moveTo>
+                <a:lnTo>
+                  <a:pt x="358021" y="1088830"/>
+                </a:lnTo>
+                <a:lnTo>
+                  <a:pt x="365790" y="1100693"/>
+                </a:lnTo>
+                <a:cubicBezTo>
+                  <a:pt x="371122" y="1108834"/>
+                  <a:pt x="372650" y="1118366"/>
+                  <a:pt x="370809" y="1127196"/>
+                </a:cubicBezTo>
+                <a:lnTo>
+                  <a:pt x="362092" y="1139985"/>
+                </a:lnTo>
+                <a:lnTo>
+                  <a:pt x="379682" y="1161304"/>
+                </a:lnTo>
+                <a:cubicBezTo>
+                  <a:pt x="479699" y="1261322"/>
+                  <a:pt x="617871" y="1323184"/>
+                  <a:pt x="770493" y="1323184"/>
+                </a:cubicBezTo>
+                <a:cubicBezTo>
+                  <a:pt x="884959" y="1323184"/>
+                  <a:pt x="991297" y="1288387"/>
+                  <a:pt x="1079507" y="1228793"/>
+                </a:cubicBezTo>
+                <a:lnTo>
+                  <a:pt x="1156753" y="1165060"/>
+                </a:lnTo>
+                <a:lnTo>
+                  <a:pt x="1148038" y="1151184"/>
+                </a:lnTo>
+                <a:cubicBezTo>
+                  <a:pt x="1146529" y="1142291"/>
+                  <a:pt x="1148412" y="1132823"/>
+                  <a:pt x="1154045" y="1124888"/>
+                </a:cubicBezTo>
+                <a:lnTo>
+                  <a:pt x="1165503" y="1108747"/>
+                </a:lnTo>
+                <a:lnTo>
+                  <a:pt x="838610" y="872687"/>
+                </a:lnTo>
+                <a:lnTo>
+                  <a:pt x="824848" y="881965"/>
+                </a:lnTo>
+                <a:cubicBezTo>
+                  <a:pt x="809793" y="888333"/>
+                  <a:pt x="793241" y="891854"/>
+                  <a:pt x="775867" y="891854"/>
+                </a:cubicBezTo>
+                <a:cubicBezTo>
+                  <a:pt x="758492" y="891854"/>
+                  <a:pt x="741940" y="888333"/>
+                  <a:pt x="726886" y="881965"/>
+                </a:cubicBezTo>
+                <a:close/>
+                <a:moveTo>
+                  <a:pt x="673063" y="227626"/>
+                </a:moveTo>
+                <a:lnTo>
+                  <a:pt x="659106" y="229033"/>
+                </a:lnTo>
+                <a:cubicBezTo>
+                  <a:pt x="407255" y="280569"/>
+                  <a:pt x="217802" y="503407"/>
+                  <a:pt x="217802" y="770494"/>
+                </a:cubicBezTo>
+                <a:cubicBezTo>
+                  <a:pt x="217803" y="808649"/>
+                  <a:pt x="221669" y="845902"/>
+                  <a:pt x="229032" y="881880"/>
+                </a:cubicBezTo>
+                <a:lnTo>
+                  <a:pt x="258848" y="977934"/>
+                </a:lnTo>
+                <a:lnTo>
+                  <a:pt x="271486" y="975541"/>
+                </a:lnTo>
+                <a:cubicBezTo>
+                  <a:pt x="280315" y="977382"/>
+                  <a:pt x="288443" y="982591"/>
+                  <a:pt x="293775" y="990732"/>
+                </a:cubicBezTo>
+                <a:lnTo>
+                  <a:pt x="296771" y="995308"/>
+                </a:lnTo>
+                <a:lnTo>
+                  <a:pt x="651889" y="775215"/>
+                </a:lnTo>
+                <a:lnTo>
+                  <a:pt x="650032" y="766018"/>
+                </a:lnTo>
+                <a:cubicBezTo>
+                  <a:pt x="650032" y="731270"/>
+                  <a:pt x="664116" y="699812"/>
+                  <a:pt x="686888" y="677040"/>
+                </a:cubicBezTo>
+                <a:lnTo>
+                  <a:pt x="710803" y="660916"/>
+                </a:lnTo>
+                <a:lnTo>
+                  <a:pt x="710803" y="248204"/>
+                </a:lnTo>
+                <a:lnTo>
+                  <a:pt x="702231" y="248204"/>
+                </a:lnTo>
+                <a:cubicBezTo>
+                  <a:pt x="692499" y="248204"/>
+                  <a:pt x="683688" y="244260"/>
+                  <a:pt x="677311" y="237882"/>
+                </a:cubicBezTo>
+                <a:close/>
+                <a:moveTo>
+                  <a:pt x="863048" y="227134"/>
+                </a:moveTo>
+                <a:lnTo>
+                  <a:pt x="858596" y="237883"/>
+                </a:lnTo>
+                <a:cubicBezTo>
+                  <a:pt x="852218" y="244261"/>
+                  <a:pt x="843407" y="248205"/>
+                  <a:pt x="833675" y="248205"/>
+                </a:cubicBezTo>
+                <a:lnTo>
+                  <a:pt x="822564" y="248205"/>
+                </a:lnTo>
+                <a:lnTo>
+                  <a:pt x="822563" y="649611"/>
+                </a:lnTo>
+                <a:lnTo>
+                  <a:pt x="824848" y="650072"/>
+                </a:lnTo>
+                <a:cubicBezTo>
+                  <a:pt x="870012" y="669175"/>
+                  <a:pt x="901702" y="713896"/>
+                  <a:pt x="901702" y="766019"/>
+                </a:cubicBezTo>
+                <a:lnTo>
+                  <a:pt x="899169" y="778564"/>
+                </a:lnTo>
+                <a:lnTo>
+                  <a:pt x="1230233" y="1017637"/>
+                </a:lnTo>
+                <a:lnTo>
+                  <a:pt x="1252972" y="1003356"/>
+                </a:lnTo>
+                <a:lnTo>
+                  <a:pt x="1268234" y="1006843"/>
+                </a:lnTo>
+                <a:lnTo>
+                  <a:pt x="1279750" y="985626"/>
+                </a:lnTo>
+                <a:cubicBezTo>
+                  <a:pt x="1307717" y="919503"/>
+                  <a:pt x="1323183" y="846804"/>
+                  <a:pt x="1323183" y="770494"/>
+                </a:cubicBezTo>
+                <a:cubicBezTo>
+                  <a:pt x="1323182" y="503408"/>
+                  <a:pt x="1133731" y="280569"/>
+                  <a:pt x="881879" y="229032"/>
+                </a:cubicBezTo>
+                <a:close/>
+                <a:moveTo>
+                  <a:pt x="681593" y="0"/>
+                </a:moveTo>
+                <a:lnTo>
+                  <a:pt x="859390" y="1"/>
+                </a:lnTo>
+                <a:cubicBezTo>
+                  <a:pt x="883941" y="0"/>
+                  <a:pt x="903842" y="19901"/>
+                  <a:pt x="903842" y="44452"/>
+                </a:cubicBezTo>
+                <a:lnTo>
+                  <a:pt x="903841" y="128098"/>
+                </a:lnTo>
+                <a:lnTo>
+                  <a:pt x="1025867" y="165978"/>
+                </a:lnTo>
+                <a:lnTo>
+                  <a:pt x="1144127" y="232023"/>
+                </a:lnTo>
+                <a:lnTo>
+                  <a:pt x="1205305" y="173956"/>
+                </a:lnTo>
+                <a:cubicBezTo>
+                  <a:pt x="1223112" y="157056"/>
+                  <a:pt x="1251247" y="157790"/>
+                  <a:pt x="1268147" y="175597"/>
+                </a:cubicBezTo>
+                <a:lnTo>
+                  <a:pt x="1390544" y="304559"/>
+                </a:lnTo>
+                <a:cubicBezTo>
+                  <a:pt x="1407446" y="322365"/>
+                  <a:pt x="1406711" y="350500"/>
+                  <a:pt x="1388905" y="367401"/>
+                </a:cubicBezTo>
+                <a:lnTo>
+                  <a:pt x="1326815" y="426330"/>
+                </a:lnTo>
+                <a:lnTo>
+                  <a:pt x="1339645" y="443929"/>
+                </a:lnTo>
+                <a:cubicBezTo>
+                  <a:pt x="1363344" y="485143"/>
+                  <a:pt x="1382694" y="529175"/>
+                  <a:pt x="1397071" y="575398"/>
+                </a:cubicBezTo>
+                <a:lnTo>
+                  <a:pt x="1411300" y="637143"/>
+                </a:lnTo>
+                <a:lnTo>
+                  <a:pt x="1496533" y="637143"/>
+                </a:lnTo>
+                <a:cubicBezTo>
+                  <a:pt x="1521082" y="637143"/>
+                  <a:pt x="1540984" y="657044"/>
+                  <a:pt x="1540984" y="681594"/>
+                </a:cubicBezTo>
+                <a:lnTo>
+                  <a:pt x="1540984" y="859392"/>
+                </a:lnTo>
+                <a:cubicBezTo>
+                  <a:pt x="1540984" y="883942"/>
+                  <a:pt x="1521083" y="903843"/>
+                  <a:pt x="1496533" y="903843"/>
+                </a:cubicBezTo>
+                <a:lnTo>
+                  <a:pt x="1411302" y="903844"/>
+                </a:lnTo>
+                <a:lnTo>
+                  <a:pt x="1397070" y="965591"/>
+                </a:lnTo>
+                <a:cubicBezTo>
+                  <a:pt x="1382694" y="1011814"/>
+                  <a:pt x="1363343" y="1055846"/>
+                  <a:pt x="1339645" y="1097060"/>
+                </a:cubicBezTo>
+                <a:lnTo>
+                  <a:pt x="1306909" y="1141965"/>
+                </a:lnTo>
+                <a:lnTo>
+                  <a:pt x="1367028" y="1205307"/>
+                </a:lnTo>
+                <a:cubicBezTo>
+                  <a:pt x="1383927" y="1223113"/>
+                  <a:pt x="1383194" y="1251248"/>
+                  <a:pt x="1365387" y="1268149"/>
+                </a:cubicBezTo>
+                <a:lnTo>
+                  <a:pt x="1236426" y="1390547"/>
+                </a:lnTo>
+                <a:cubicBezTo>
+                  <a:pt x="1218620" y="1407447"/>
+                  <a:pt x="1190485" y="1406712"/>
+                  <a:pt x="1173585" y="1388906"/>
+                </a:cubicBezTo>
+                <a:lnTo>
+                  <a:pt x="1113791" y="1325907"/>
+                </a:lnTo>
+                <a:lnTo>
+                  <a:pt x="1025867" y="1375011"/>
+                </a:lnTo>
+                <a:lnTo>
+                  <a:pt x="903842" y="1412889"/>
+                </a:lnTo>
+                <a:lnTo>
+                  <a:pt x="903841" y="1496534"/>
+                </a:lnTo>
+                <a:cubicBezTo>
+                  <a:pt x="903842" y="1521084"/>
+                  <a:pt x="883941" y="1540985"/>
+                  <a:pt x="859391" y="1540985"/>
+                </a:cubicBezTo>
+                <a:lnTo>
+                  <a:pt x="681593" y="1540985"/>
+                </a:lnTo>
+                <a:cubicBezTo>
+                  <a:pt x="657043" y="1540985"/>
+                  <a:pt x="637142" y="1521084"/>
+                  <a:pt x="637141" y="1496534"/>
+                </a:cubicBezTo>
+                <a:lnTo>
+                  <a:pt x="637142" y="1412889"/>
+                </a:lnTo>
+                <a:lnTo>
+                  <a:pt x="515119" y="1375011"/>
+                </a:lnTo>
+                <a:lnTo>
+                  <a:pt x="396857" y="1308965"/>
+                </a:lnTo>
+                <a:lnTo>
+                  <a:pt x="335679" y="1367029"/>
+                </a:lnTo>
+                <a:cubicBezTo>
+                  <a:pt x="317872" y="1383930"/>
+                  <a:pt x="289736" y="1383195"/>
+                  <a:pt x="272837" y="1365387"/>
+                </a:cubicBezTo>
+                <a:lnTo>
+                  <a:pt x="150438" y="1236428"/>
+                </a:lnTo>
+                <a:cubicBezTo>
+                  <a:pt x="133537" y="1218621"/>
+                  <a:pt x="134273" y="1190486"/>
+                  <a:pt x="152078" y="1173586"/>
+                </a:cubicBezTo>
+                <a:lnTo>
+                  <a:pt x="214169" y="1114656"/>
+                </a:lnTo>
+                <a:lnTo>
+                  <a:pt x="201341" y="1097060"/>
+                </a:lnTo>
+                <a:cubicBezTo>
+                  <a:pt x="177642" y="1055846"/>
+                  <a:pt x="158291" y="1011814"/>
+                  <a:pt x="143914" y="965591"/>
+                </a:cubicBezTo>
+                <a:lnTo>
+                  <a:pt x="129684" y="903843"/>
+                </a:lnTo>
+                <a:lnTo>
+                  <a:pt x="44451" y="903843"/>
+                </a:lnTo>
+                <a:cubicBezTo>
+                  <a:pt x="19901" y="903843"/>
+                  <a:pt x="0" y="883942"/>
+                  <a:pt x="0" y="859392"/>
+                </a:cubicBezTo>
+                <a:lnTo>
+                  <a:pt x="0" y="681595"/>
+                </a:lnTo>
+                <a:cubicBezTo>
+                  <a:pt x="-1" y="657044"/>
+                  <a:pt x="19900" y="637143"/>
+                  <a:pt x="44451" y="637143"/>
+                </a:cubicBezTo>
+                <a:lnTo>
+                  <a:pt x="129685" y="637143"/>
+                </a:lnTo>
+                <a:lnTo>
+                  <a:pt x="143915" y="575398"/>
+                </a:lnTo>
+                <a:cubicBezTo>
+                  <a:pt x="158292" y="529174"/>
+                  <a:pt x="177642" y="485143"/>
+                  <a:pt x="201340" y="443929"/>
+                </a:cubicBezTo>
+                <a:lnTo>
+                  <a:pt x="234076" y="399023"/>
+                </a:lnTo>
+                <a:lnTo>
+                  <a:pt x="173955" y="335680"/>
+                </a:lnTo>
+                <a:cubicBezTo>
+                  <a:pt x="157055" y="317873"/>
+                  <a:pt x="157790" y="289738"/>
+                  <a:pt x="175597" y="272837"/>
+                </a:cubicBezTo>
+                <a:lnTo>
+                  <a:pt x="304558" y="150439"/>
+                </a:lnTo>
+                <a:cubicBezTo>
+                  <a:pt x="322363" y="133539"/>
+                  <a:pt x="350499" y="134274"/>
+                  <a:pt x="367399" y="152081"/>
+                </a:cubicBezTo>
+                <a:lnTo>
+                  <a:pt x="427194" y="215081"/>
+                </a:lnTo>
+                <a:lnTo>
+                  <a:pt x="515119" y="165977"/>
+                </a:lnTo>
+                <a:lnTo>
+                  <a:pt x="637141" y="128099"/>
+                </a:lnTo>
+                <a:lnTo>
+                  <a:pt x="637141" y="44452"/>
+                </a:lnTo>
+                <a:cubicBezTo>
+                  <a:pt x="637142" y="19902"/>
+                  <a:pt x="657043" y="1"/>
+                  <a:pt x="681593" y="0"/>
+                </a:cubicBezTo>
+                <a:close/>
+              </a:path>
+            </a:pathLst>
+          </a:custGeom>
+          <a:gradFill flip="none" rotWithShape="1">
+            <a:gsLst>
+              <a:gs pos="0">
+                <a:srgbClr val="0099FF">
+                  <a:shade val="30000"/>
+                  <a:satMod val="115000"/>
+                </a:srgbClr>
+              </a:gs>
+              <a:gs pos="50000">
+                <a:srgbClr val="0099FF">
+                  <a:shade val="67500"/>
+                  <a:satMod val="115000"/>
+                </a:srgbClr>
+              </a:gs>
+              <a:gs pos="100000">
+                <a:srgbClr val="0099FF">
+                  <a:shade val="100000"/>
+                  <a:satMod val="115000"/>
+                </a:srgbClr>
+              </a:gs>
+            </a:gsLst>
+            <a:lin ang="2700000" scaled="1"/>
+            <a:tileRect/>
+          </a:gradFill>
+          <a:ln>
+            <a:noFill/>
+          </a:ln>
+          <a:effectLst>
+            <a:outerShdw blurRad="50800" dist="38100" algn="l" rotWithShape="0">
+              <a:prstClr val="black">
+                <a:alpha val="40000"/>
+              </a:prstClr>
+            </a:outerShdw>
+          </a:effectLst>
+        </p:spPr>
+        <p:style>
+          <a:lnRef idx="2">
+            <a:schemeClr val="accent1">
+              <a:shade val="50000"/>
+            </a:schemeClr>
+          </a:lnRef>
+          <a:fillRef idx="1">
+            <a:schemeClr val="accent1"/>
+          </a:fillRef>
+          <a:effectRef idx="0">
+            <a:schemeClr val="accent1"/>
+          </a:effectRef>
+          <a:fontRef idx="minor">
+            <a:schemeClr val="lt1"/>
+          </a:fontRef>
+        </p:style>
+        <p:txBody>
+          <a:bodyPr rtlCol="0" anchor="ctr"/>
+          <a:lstStyle/>
+          <a:p>
+            <a:pPr algn="ctr"/>
+            <a:endParaRPr lang="zh-CN" altLang="en-US"/>
+          </a:p>
+        </p:txBody>
+      </p:sp>
+      <p:grpSp>
+        <p:nvGrpSpPr>
+          <p:cNvPr id="23" name="组合 22">
+            <a:extLst>
+              <a:ext uri="{FF2B5EF4-FFF2-40B4-BE49-F238E27FC236}">
+                <a16:creationId xmlns:a16="http://schemas.microsoft.com/office/drawing/2014/main" id="{E6A611FE-D2F2-4921-9CC1-FFDAD923B9AE}"/>
+              </a:ext>
+            </a:extLst>
+          </p:cNvPr>
+          <p:cNvGrpSpPr/>
+          <p:nvPr/>
+        </p:nvGrpSpPr>
+        <p:grpSpPr>
+          <a:xfrm rot="16200000">
+            <a:off x="10875929" y="3340538"/>
+            <a:ext cx="914867" cy="914218"/>
+            <a:chOff x="5676962" y="3009900"/>
+            <a:chExt cx="839686" cy="839090"/>
+          </a:xfrm>
+          <a:effectLst>
+            <a:outerShdw blurRad="50800" dist="38100" dir="18900000" algn="bl" rotWithShape="0">
+              <a:prstClr val="black">
+                <a:alpha val="40000"/>
+              </a:prstClr>
+            </a:outerShdw>
+          </a:effectLst>
+        </p:grpSpPr>
+        <p:sp>
+          <p:nvSpPr>
+            <p:cNvPr id="24" name="图形 6" descr="扳手">
+              <a:extLst>
+                <a:ext uri="{FF2B5EF4-FFF2-40B4-BE49-F238E27FC236}">
+                  <a16:creationId xmlns:a16="http://schemas.microsoft.com/office/drawing/2014/main" id="{F65A15FA-7198-4647-ABC7-78084C6B5900}"/>
+                </a:ext>
+              </a:extLst>
+            </p:cNvPr>
+            <p:cNvSpPr/>
+            <p:nvPr/>
+          </p:nvSpPr>
+          <p:spPr>
+            <a:xfrm rot="5400000">
+              <a:off x="5678118" y="3010460"/>
+              <a:ext cx="837374" cy="839686"/>
+            </a:xfrm>
+            <a:custGeom>
+              <a:avLst/>
+              <a:gdLst>
+                <a:gd name="connsiteX0" fmla="*/ 743490 w 837374"/>
+                <a:gd name="connsiteY0" fmla="*/ 180766 h 839686"/>
+                <a:gd name="connsiteX1" fmla="*/ 675862 w 837374"/>
+                <a:gd name="connsiteY1" fmla="*/ 162668 h 839686"/>
+                <a:gd name="connsiteX2" fmla="*/ 657765 w 837374"/>
+                <a:gd name="connsiteY2" fmla="*/ 95041 h 839686"/>
+                <a:gd name="connsiteX3" fmla="*/ 743490 w 837374"/>
+                <a:gd name="connsiteY3" fmla="*/ 9316 h 839686"/>
+                <a:gd name="connsiteX4" fmla="*/ 593947 w 837374"/>
+                <a:gd name="connsiteY4" fmla="*/ 37891 h 839686"/>
+                <a:gd name="connsiteX5" fmla="*/ 552037 w 837374"/>
+                <a:gd name="connsiteY5" fmla="*/ 183623 h 839686"/>
+                <a:gd name="connsiteX6" fmla="*/ 182467 w 837374"/>
+                <a:gd name="connsiteY6" fmla="*/ 553194 h 839686"/>
+                <a:gd name="connsiteX7" fmla="*/ 37687 w 837374"/>
+                <a:gd name="connsiteY7" fmla="*/ 596056 h 839686"/>
+                <a:gd name="connsiteX8" fmla="*/ 9112 w 837374"/>
+                <a:gd name="connsiteY8" fmla="*/ 744646 h 839686"/>
+                <a:gd name="connsiteX9" fmla="*/ 94837 w 837374"/>
+                <a:gd name="connsiteY9" fmla="*/ 658921 h 839686"/>
+                <a:gd name="connsiteX10" fmla="*/ 161512 w 837374"/>
+                <a:gd name="connsiteY10" fmla="*/ 677019 h 839686"/>
+                <a:gd name="connsiteX11" fmla="*/ 179610 w 837374"/>
+                <a:gd name="connsiteY11" fmla="*/ 744646 h 839686"/>
+                <a:gd name="connsiteX12" fmla="*/ 93885 w 837374"/>
+                <a:gd name="connsiteY12" fmla="*/ 830371 h 839686"/>
+                <a:gd name="connsiteX13" fmla="*/ 243427 w 837374"/>
+                <a:gd name="connsiteY13" fmla="*/ 801796 h 839686"/>
+                <a:gd name="connsiteX14" fmla="*/ 285337 w 837374"/>
+                <a:gd name="connsiteY14" fmla="*/ 656064 h 839686"/>
+                <a:gd name="connsiteX15" fmla="*/ 654907 w 837374"/>
+                <a:gd name="connsiteY15" fmla="*/ 286493 h 839686"/>
+                <a:gd name="connsiteX16" fmla="*/ 799687 w 837374"/>
+                <a:gd name="connsiteY16" fmla="*/ 243631 h 839686"/>
+                <a:gd name="connsiteX17" fmla="*/ 828262 w 837374"/>
+                <a:gd name="connsiteY17" fmla="*/ 95041 h 839686"/>
+                <a:gd name="connsiteX18" fmla="*/ 743490 w 837374"/>
+                <a:gd name="connsiteY18" fmla="*/ 180766 h 839686"/>
+              </a:gdLst>
+              <a:ahLst/>
+              <a:cxnLst>
+                <a:cxn ang="0">
+                  <a:pos x="connsiteX0" y="connsiteY0"/>
+                </a:cxn>
+                <a:cxn ang="0">
+                  <a:pos x="connsiteX1" y="connsiteY1"/>
+                </a:cxn>
+                <a:cxn ang="0">
+                  <a:pos x="connsiteX2" y="connsiteY2"/>
+                </a:cxn>
+                <a:cxn ang="0">
+                  <a:pos x="connsiteX3" y="connsiteY3"/>
+                </a:cxn>
+                <a:cxn ang="0">
+                  <a:pos x="connsiteX4" y="connsiteY4"/>
+                </a:cxn>
+                <a:cxn ang="0">
+                  <a:pos x="connsiteX5" y="connsiteY5"/>
+                </a:cxn>
+                <a:cxn ang="0">
+                  <a:pos x="connsiteX6" y="connsiteY6"/>
+                </a:cxn>
+                <a:cxn ang="0">
+                  <a:pos x="connsiteX7" y="connsiteY7"/>
+                </a:cxn>
+                <a:cxn ang="0">
+                  <a:pos x="connsiteX8" y="connsiteY8"/>
+                </a:cxn>
+                <a:cxn ang="0">
+                  <a:pos x="connsiteX9" y="connsiteY9"/>
+                </a:cxn>
+                <a:cxn ang="0">
+                  <a:pos x="connsiteX10" y="connsiteY10"/>
+                </a:cxn>
+                <a:cxn ang="0">
+                  <a:pos x="connsiteX11" y="connsiteY11"/>
+                </a:cxn>
+                <a:cxn ang="0">
+                  <a:pos x="connsiteX12" y="connsiteY12"/>
+                </a:cxn>
+                <a:cxn ang="0">
+                  <a:pos x="connsiteX13" y="connsiteY13"/>
+                </a:cxn>
+                <a:cxn ang="0">
+                  <a:pos x="connsiteX14" y="connsiteY14"/>
+                </a:cxn>
+                <a:cxn ang="0">
+                  <a:pos x="connsiteX15" y="connsiteY15"/>
+                </a:cxn>
+                <a:cxn ang="0">
+                  <a:pos x="connsiteX16" y="connsiteY16"/>
+                </a:cxn>
+                <a:cxn ang="0">
+                  <a:pos x="connsiteX17" y="connsiteY17"/>
+                </a:cxn>
+                <a:cxn ang="0">
+                  <a:pos x="connsiteX18" y="connsiteY18"/>
+                </a:cxn>
+              </a:cxnLst>
+              <a:rect l="l" t="t" r="r" b="b"/>
+              <a:pathLst>
+                <a:path w="837374" h="839686">
+                  <a:moveTo>
+                    <a:pt x="743490" y="180766"/>
+                  </a:moveTo>
+                  <a:lnTo>
+                    <a:pt x="675862" y="162668"/>
+                  </a:lnTo>
+                  <a:lnTo>
+                    <a:pt x="657765" y="95041"/>
+                  </a:lnTo>
+                  <a:lnTo>
+                    <a:pt x="743490" y="9316"/>
+                  </a:lnTo>
+                  <a:cubicBezTo>
+                    <a:pt x="692055" y="-9734"/>
+                    <a:pt x="634905" y="743"/>
+                    <a:pt x="593947" y="37891"/>
+                  </a:cubicBezTo>
+                  <a:cubicBezTo>
+                    <a:pt x="553942" y="75038"/>
+                    <a:pt x="536797" y="131236"/>
+                    <a:pt x="552037" y="183623"/>
+                  </a:cubicBezTo>
+                  <a:lnTo>
+                    <a:pt x="182467" y="553194"/>
+                  </a:lnTo>
+                  <a:cubicBezTo>
+                    <a:pt x="130080" y="538906"/>
+                    <a:pt x="73882" y="556051"/>
+                    <a:pt x="37687" y="596056"/>
+                  </a:cubicBezTo>
+                  <a:cubicBezTo>
+                    <a:pt x="1492" y="636061"/>
+                    <a:pt x="-9938" y="693211"/>
+                    <a:pt x="9112" y="744646"/>
+                  </a:cubicBezTo>
+                  <a:lnTo>
+                    <a:pt x="94837" y="658921"/>
+                  </a:lnTo>
+                  <a:lnTo>
+                    <a:pt x="161512" y="677019"/>
+                  </a:lnTo>
+                  <a:lnTo>
+                    <a:pt x="179610" y="744646"/>
+                  </a:lnTo>
+                  <a:lnTo>
+                    <a:pt x="93885" y="830371"/>
+                  </a:lnTo>
+                  <a:cubicBezTo>
+                    <a:pt x="145320" y="849421"/>
+                    <a:pt x="202470" y="838944"/>
+                    <a:pt x="243427" y="801796"/>
+                  </a:cubicBezTo>
+                  <a:cubicBezTo>
+                    <a:pt x="283432" y="764648"/>
+                    <a:pt x="300577" y="708451"/>
+                    <a:pt x="285337" y="656064"/>
+                  </a:cubicBezTo>
+                  <a:lnTo>
+                    <a:pt x="654907" y="286493"/>
+                  </a:lnTo>
+                  <a:cubicBezTo>
+                    <a:pt x="707295" y="300781"/>
+                    <a:pt x="763492" y="283636"/>
+                    <a:pt x="799687" y="243631"/>
+                  </a:cubicBezTo>
+                  <a:cubicBezTo>
+                    <a:pt x="835882" y="203626"/>
+                    <a:pt x="847312" y="146476"/>
+                    <a:pt x="828262" y="95041"/>
+                  </a:cubicBezTo>
+                  <a:lnTo>
+                    <a:pt x="743490" y="180766"/>
+                  </a:lnTo>
+                  <a:close/>
+                </a:path>
+              </a:pathLst>
+            </a:custGeom>
+            <a:solidFill>
+              <a:schemeClr val="tx1">
+                <a:lumMod val="85000"/>
+                <a:lumOff val="15000"/>
+              </a:schemeClr>
+            </a:solidFill>
+            <a:ln w="9525" cap="flat">
+              <a:noFill/>
+              <a:prstDash val="solid"/>
+              <a:miter/>
+            </a:ln>
+            <a:scene3d>
+              <a:camera prst="orthographicFront"/>
+              <a:lightRig rig="threePt" dir="t"/>
+            </a:scene3d>
+            <a:sp3d contourW="6350"/>
+          </p:spPr>
+          <p:txBody>
+            <a:bodyPr rtlCol="0" anchor="ctr"/>
+            <a:lstStyle/>
+            <a:p>
+              <a:endParaRPr lang="zh-CN" altLang="en-US"/>
+            </a:p>
+          </p:txBody>
+        </p:sp>
+        <p:sp>
+          <p:nvSpPr>
+            <p:cNvPr id="25" name="图形 4" descr="螺丝刀">
+              <a:extLst>
+                <a:ext uri="{FF2B5EF4-FFF2-40B4-BE49-F238E27FC236}">
+                  <a16:creationId xmlns:a16="http://schemas.microsoft.com/office/drawing/2014/main" id="{B4F9C5B7-6767-4440-A4FB-C84F6A0D2594}"/>
+                </a:ext>
+              </a:extLst>
+            </p:cNvPr>
+            <p:cNvSpPr/>
+            <p:nvPr/>
+          </p:nvSpPr>
+          <p:spPr>
+            <a:xfrm>
+              <a:off x="5676962" y="3009900"/>
+              <a:ext cx="838137" cy="839090"/>
+            </a:xfrm>
+            <a:custGeom>
+              <a:avLst/>
+              <a:gdLst>
+                <a:gd name="connsiteX0" fmla="*/ 801943 w 838137"/>
+                <a:gd name="connsiteY0" fmla="*/ 0 h 839090"/>
+                <a:gd name="connsiteX1" fmla="*/ 711455 w 838137"/>
+                <a:gd name="connsiteY1" fmla="*/ 72390 h 839090"/>
+                <a:gd name="connsiteX2" fmla="*/ 684786 w 838137"/>
+                <a:gd name="connsiteY2" fmla="*/ 122873 h 839090"/>
+                <a:gd name="connsiteX3" fmla="*/ 685738 w 838137"/>
+                <a:gd name="connsiteY3" fmla="*/ 123825 h 839090"/>
+                <a:gd name="connsiteX4" fmla="*/ 361888 w 838137"/>
+                <a:gd name="connsiteY4" fmla="*/ 447675 h 839090"/>
+                <a:gd name="connsiteX5" fmla="*/ 322836 w 838137"/>
+                <a:gd name="connsiteY5" fmla="*/ 407670 h 839090"/>
+                <a:gd name="connsiteX6" fmla="*/ 295213 w 838137"/>
+                <a:gd name="connsiteY6" fmla="*/ 435293 h 839090"/>
+                <a:gd name="connsiteX7" fmla="*/ 295213 w 838137"/>
+                <a:gd name="connsiteY7" fmla="*/ 471488 h 839090"/>
+                <a:gd name="connsiteX8" fmla="*/ 259018 w 838137"/>
+                <a:gd name="connsiteY8" fmla="*/ 471488 h 839090"/>
+                <a:gd name="connsiteX9" fmla="*/ 13273 w 838137"/>
+                <a:gd name="connsiteY9" fmla="*/ 716280 h 839090"/>
+                <a:gd name="connsiteX10" fmla="*/ 14225 w 838137"/>
+                <a:gd name="connsiteY10" fmla="*/ 717233 h 839090"/>
+                <a:gd name="connsiteX11" fmla="*/ 22798 w 838137"/>
+                <a:gd name="connsiteY11" fmla="*/ 816293 h 839090"/>
+                <a:gd name="connsiteX12" fmla="*/ 121858 w 838137"/>
+                <a:gd name="connsiteY12" fmla="*/ 824865 h 839090"/>
+                <a:gd name="connsiteX13" fmla="*/ 122810 w 838137"/>
+                <a:gd name="connsiteY13" fmla="*/ 825818 h 839090"/>
+                <a:gd name="connsiteX14" fmla="*/ 132335 w 838137"/>
+                <a:gd name="connsiteY14" fmla="*/ 816293 h 839090"/>
+                <a:gd name="connsiteX15" fmla="*/ 367603 w 838137"/>
+                <a:gd name="connsiteY15" fmla="*/ 581025 h 839090"/>
+                <a:gd name="connsiteX16" fmla="*/ 367603 w 838137"/>
+                <a:gd name="connsiteY16" fmla="*/ 544830 h 839090"/>
+                <a:gd name="connsiteX17" fmla="*/ 403798 w 838137"/>
+                <a:gd name="connsiteY17" fmla="*/ 544830 h 839090"/>
+                <a:gd name="connsiteX18" fmla="*/ 430468 w 838137"/>
+                <a:gd name="connsiteY18" fmla="*/ 518160 h 839090"/>
+                <a:gd name="connsiteX19" fmla="*/ 390463 w 838137"/>
+                <a:gd name="connsiteY19" fmla="*/ 477203 h 839090"/>
+                <a:gd name="connsiteX20" fmla="*/ 714313 w 838137"/>
+                <a:gd name="connsiteY20" fmla="*/ 153353 h 839090"/>
+                <a:gd name="connsiteX21" fmla="*/ 715265 w 838137"/>
+                <a:gd name="connsiteY21" fmla="*/ 154305 h 839090"/>
+                <a:gd name="connsiteX22" fmla="*/ 765748 w 838137"/>
+                <a:gd name="connsiteY22" fmla="*/ 127635 h 839090"/>
+                <a:gd name="connsiteX23" fmla="*/ 838138 w 838137"/>
+                <a:gd name="connsiteY23" fmla="*/ 36195 h 839090"/>
+                <a:gd name="connsiteX24" fmla="*/ 801943 w 838137"/>
+                <a:gd name="connsiteY24" fmla="*/ 0 h 839090"/>
+              </a:gdLst>
+              <a:ahLst/>
+              <a:cxnLst>
+                <a:cxn ang="0">
+                  <a:pos x="connsiteX0" y="connsiteY0"/>
+                </a:cxn>
+                <a:cxn ang="0">
+                  <a:pos x="connsiteX1" y="connsiteY1"/>
+                </a:cxn>
+                <a:cxn ang="0">
+                  <a:pos x="connsiteX2" y="connsiteY2"/>
+                </a:cxn>
+                <a:cxn ang="0">
+                  <a:pos x="connsiteX3" y="connsiteY3"/>
+                </a:cxn>
+                <a:cxn ang="0">
+                  <a:pos x="connsiteX4" y="connsiteY4"/>
+                </a:cxn>
+                <a:cxn ang="0">
+                  <a:pos x="connsiteX5" y="connsiteY5"/>
+                </a:cxn>
+                <a:cxn ang="0">
+                  <a:pos x="connsiteX6" y="connsiteY6"/>
+                </a:cxn>
+                <a:cxn ang="0">
+                  <a:pos x="connsiteX7" y="connsiteY7"/>
+                </a:cxn>
+                <a:cxn ang="0">
+                  <a:pos x="connsiteX8" y="connsiteY8"/>
+                </a:cxn>
+                <a:cxn ang="0">
+                  <a:pos x="connsiteX9" y="connsiteY9"/>
+                </a:cxn>
+                <a:cxn ang="0">
+                  <a:pos x="connsiteX10" y="connsiteY10"/>
+                </a:cxn>
+                <a:cxn ang="0">
+                  <a:pos x="connsiteX11" y="connsiteY11"/>
+                </a:cxn>
+                <a:cxn ang="0">
+                  <a:pos x="connsiteX12" y="connsiteY12"/>
+                </a:cxn>
+                <a:cxn ang="0">
+                  <a:pos x="connsiteX13" y="connsiteY13"/>
+                </a:cxn>
+                <a:cxn ang="0">
+                  <a:pos x="connsiteX14" y="connsiteY14"/>
+                </a:cxn>
+                <a:cxn ang="0">
+                  <a:pos x="connsiteX15" y="connsiteY15"/>
+                </a:cxn>
+                <a:cxn ang="0">
+                  <a:pos x="connsiteX16" y="connsiteY16"/>
+                </a:cxn>
+                <a:cxn ang="0">
+                  <a:pos x="connsiteX17" y="connsiteY17"/>
+                </a:cxn>
+                <a:cxn ang="0">
+                  <a:pos x="connsiteX18" y="connsiteY18"/>
+                </a:cxn>
+                <a:cxn ang="0">
+                  <a:pos x="connsiteX19" y="connsiteY19"/>
+                </a:cxn>
+                <a:cxn ang="0">
+                  <a:pos x="connsiteX20" y="connsiteY20"/>
+                </a:cxn>
+                <a:cxn ang="0">
+                  <a:pos x="connsiteX21" y="connsiteY21"/>
+                </a:cxn>
+                <a:cxn ang="0">
+                  <a:pos x="connsiteX22" y="connsiteY22"/>
+                </a:cxn>
+                <a:cxn ang="0">
+                  <a:pos x="connsiteX23" y="connsiteY23"/>
+                </a:cxn>
+                <a:cxn ang="0">
+                  <a:pos x="connsiteX24" y="connsiteY24"/>
+                </a:cxn>
+              </a:cxnLst>
+              <a:rect l="l" t="t" r="r" b="b"/>
+              <a:pathLst>
+                <a:path w="838137" h="839090">
+                  <a:moveTo>
+                    <a:pt x="801943" y="0"/>
+                  </a:moveTo>
+                  <a:lnTo>
+                    <a:pt x="711455" y="72390"/>
+                  </a:lnTo>
+                  <a:lnTo>
+                    <a:pt x="684786" y="122873"/>
+                  </a:lnTo>
+                  <a:lnTo>
+                    <a:pt x="685738" y="123825"/>
+                  </a:lnTo>
+                  <a:lnTo>
+                    <a:pt x="361888" y="447675"/>
+                  </a:lnTo>
+                  <a:lnTo>
+                    <a:pt x="322836" y="407670"/>
+                  </a:lnTo>
+                  <a:lnTo>
+                    <a:pt x="295213" y="435293"/>
+                  </a:lnTo>
+                  <a:cubicBezTo>
+                    <a:pt x="305690" y="445770"/>
+                    <a:pt x="305690" y="461963"/>
+                    <a:pt x="295213" y="471488"/>
+                  </a:cubicBezTo>
+                  <a:cubicBezTo>
+                    <a:pt x="284736" y="481965"/>
+                    <a:pt x="268543" y="481965"/>
+                    <a:pt x="259018" y="471488"/>
+                  </a:cubicBezTo>
+                  <a:lnTo>
+                    <a:pt x="13273" y="716280"/>
+                  </a:lnTo>
+                  <a:lnTo>
+                    <a:pt x="14225" y="717233"/>
+                  </a:lnTo>
+                  <a:cubicBezTo>
+                    <a:pt x="-7682" y="747713"/>
+                    <a:pt x="-3872" y="789623"/>
+                    <a:pt x="22798" y="816293"/>
+                  </a:cubicBezTo>
+                  <a:cubicBezTo>
+                    <a:pt x="49468" y="842963"/>
+                    <a:pt x="91378" y="846773"/>
+                    <a:pt x="121858" y="824865"/>
+                  </a:cubicBezTo>
+                  <a:lnTo>
+                    <a:pt x="122810" y="825818"/>
+                  </a:lnTo>
+                  <a:lnTo>
+                    <a:pt x="132335" y="816293"/>
+                  </a:lnTo>
+                  <a:lnTo>
+                    <a:pt x="367603" y="581025"/>
+                  </a:lnTo>
+                  <a:cubicBezTo>
+                    <a:pt x="357125" y="570548"/>
+                    <a:pt x="357125" y="554355"/>
+                    <a:pt x="367603" y="544830"/>
+                  </a:cubicBezTo>
+                  <a:cubicBezTo>
+                    <a:pt x="378081" y="534353"/>
+                    <a:pt x="394273" y="534353"/>
+                    <a:pt x="403798" y="544830"/>
+                  </a:cubicBezTo>
+                  <a:lnTo>
+                    <a:pt x="430468" y="518160"/>
+                  </a:lnTo>
+                  <a:lnTo>
+                    <a:pt x="390463" y="477203"/>
+                  </a:lnTo>
+                  <a:lnTo>
+                    <a:pt x="714313" y="153353"/>
+                  </a:lnTo>
+                  <a:lnTo>
+                    <a:pt x="715265" y="154305"/>
+                  </a:lnTo>
+                  <a:lnTo>
+                    <a:pt x="765748" y="127635"/>
+                  </a:lnTo>
+                  <a:lnTo>
+                    <a:pt x="838138" y="36195"/>
+                  </a:lnTo>
+                  <a:lnTo>
+                    <a:pt x="801943" y="0"/>
+                  </a:lnTo>
+                  <a:close/>
+                </a:path>
+              </a:pathLst>
+            </a:custGeom>
+            <a:solidFill>
+              <a:srgbClr val="000000"/>
+            </a:solidFill>
+            <a:ln w="9525" cap="flat">
+              <a:noFill/>
+              <a:prstDash val="solid"/>
+              <a:miter/>
+            </a:ln>
+            <a:scene3d>
+              <a:camera prst="orthographicFront"/>
+              <a:lightRig rig="threePt" dir="t"/>
+            </a:scene3d>
+            <a:sp3d contourW="6350"/>
+          </p:spPr>
+          <p:txBody>
+            <a:bodyPr rtlCol="0" anchor="ctr"/>
+            <a:lstStyle/>
+            <a:p>
+              <a:endParaRPr lang="zh-CN" altLang="en-US" dirty="0"/>
+            </a:p>
+          </p:txBody>
+        </p:sp>
+      </p:grpSp>
+      <p:grpSp>
+        <p:nvGrpSpPr>
+          <p:cNvPr id="26" name="组合 25">
+            <a:extLst>
+              <a:ext uri="{FF2B5EF4-FFF2-40B4-BE49-F238E27FC236}">
+                <a16:creationId xmlns:a16="http://schemas.microsoft.com/office/drawing/2014/main" id="{6151B0F1-8D8D-4CE6-B62B-C6622D316158}"/>
+              </a:ext>
+            </a:extLst>
+          </p:cNvPr>
+          <p:cNvGrpSpPr/>
+          <p:nvPr/>
+        </p:nvGrpSpPr>
+        <p:grpSpPr>
+          <a:xfrm rot="1137068">
+            <a:off x="9415937" y="2807848"/>
+            <a:ext cx="1405073" cy="1405074"/>
+            <a:chOff x="3060635" y="964320"/>
+            <a:chExt cx="1540984" cy="1540985"/>
+          </a:xfrm>
+          <a:gradFill flip="none" rotWithShape="1">
+            <a:gsLst>
+              <a:gs pos="0">
+                <a:srgbClr val="0099FF">
+                  <a:shade val="30000"/>
+                  <a:satMod val="115000"/>
+                </a:srgbClr>
+              </a:gs>
+              <a:gs pos="50000">
+                <a:srgbClr val="0099FF">
+                  <a:shade val="67500"/>
+                  <a:satMod val="115000"/>
+                </a:srgbClr>
+              </a:gs>
+              <a:gs pos="100000">
+                <a:srgbClr val="0099FF">
+                  <a:shade val="100000"/>
+                  <a:satMod val="115000"/>
+                </a:srgbClr>
+              </a:gs>
+            </a:gsLst>
+            <a:lin ang="2700000" scaled="1"/>
+            <a:tileRect/>
+          </a:gradFill>
+          <a:effectLst>
+            <a:outerShdw blurRad="50800" dist="38100" algn="l" rotWithShape="0">
+              <a:prstClr val="black">
+                <a:alpha val="40000"/>
+              </a:prstClr>
+            </a:outerShdw>
+          </a:effectLst>
+        </p:grpSpPr>
+        <p:sp>
+          <p:nvSpPr>
+            <p:cNvPr id="27" name="任意多边形: 形状 26">
+              <a:extLst>
+                <a:ext uri="{FF2B5EF4-FFF2-40B4-BE49-F238E27FC236}">
+                  <a16:creationId xmlns:a16="http://schemas.microsoft.com/office/drawing/2014/main" id="{680B4D46-D812-427C-93C2-D7E4C20A6472}"/>
+                </a:ext>
+              </a:extLst>
+            </p:cNvPr>
+            <p:cNvSpPr/>
+            <p:nvPr/>
+          </p:nvSpPr>
+          <p:spPr>
+            <a:xfrm>
+              <a:off x="3060635" y="964320"/>
+              <a:ext cx="1540984" cy="1540985"/>
+            </a:xfrm>
+            <a:custGeom>
+              <a:avLst/>
+              <a:gdLst>
+                <a:gd name="connsiteX0" fmla="*/ 710079 w 1540984"/>
+                <a:gd name="connsiteY0" fmla="*/ 870634 h 1540985"/>
+                <a:gd name="connsiteX1" fmla="*/ 358021 w 1540984"/>
+                <a:gd name="connsiteY1" fmla="*/ 1088830 h 1540985"/>
+                <a:gd name="connsiteX2" fmla="*/ 365790 w 1540984"/>
+                <a:gd name="connsiteY2" fmla="*/ 1100693 h 1540985"/>
+                <a:gd name="connsiteX3" fmla="*/ 370809 w 1540984"/>
+                <a:gd name="connsiteY3" fmla="*/ 1127196 h 1540985"/>
+                <a:gd name="connsiteX4" fmla="*/ 362092 w 1540984"/>
+                <a:gd name="connsiteY4" fmla="*/ 1139985 h 1540985"/>
+                <a:gd name="connsiteX5" fmla="*/ 379682 w 1540984"/>
+                <a:gd name="connsiteY5" fmla="*/ 1161304 h 1540985"/>
+                <a:gd name="connsiteX6" fmla="*/ 770493 w 1540984"/>
+                <a:gd name="connsiteY6" fmla="*/ 1323184 h 1540985"/>
+                <a:gd name="connsiteX7" fmla="*/ 1079507 w 1540984"/>
+                <a:gd name="connsiteY7" fmla="*/ 1228793 h 1540985"/>
+                <a:gd name="connsiteX8" fmla="*/ 1156753 w 1540984"/>
+                <a:gd name="connsiteY8" fmla="*/ 1165060 h 1540985"/>
+                <a:gd name="connsiteX9" fmla="*/ 1148038 w 1540984"/>
+                <a:gd name="connsiteY9" fmla="*/ 1151184 h 1540985"/>
+                <a:gd name="connsiteX10" fmla="*/ 1154045 w 1540984"/>
+                <a:gd name="connsiteY10" fmla="*/ 1124888 h 1540985"/>
+                <a:gd name="connsiteX11" fmla="*/ 1165503 w 1540984"/>
+                <a:gd name="connsiteY11" fmla="*/ 1108747 h 1540985"/>
+                <a:gd name="connsiteX12" fmla="*/ 838610 w 1540984"/>
+                <a:gd name="connsiteY12" fmla="*/ 872687 h 1540985"/>
+                <a:gd name="connsiteX13" fmla="*/ 824848 w 1540984"/>
+                <a:gd name="connsiteY13" fmla="*/ 881965 h 1540985"/>
+                <a:gd name="connsiteX14" fmla="*/ 775867 w 1540984"/>
+                <a:gd name="connsiteY14" fmla="*/ 891854 h 1540985"/>
+                <a:gd name="connsiteX15" fmla="*/ 726886 w 1540984"/>
+                <a:gd name="connsiteY15" fmla="*/ 881965 h 1540985"/>
+                <a:gd name="connsiteX16" fmla="*/ 673063 w 1540984"/>
+                <a:gd name="connsiteY16" fmla="*/ 227626 h 1540985"/>
+                <a:gd name="connsiteX17" fmla="*/ 659106 w 1540984"/>
+                <a:gd name="connsiteY17" fmla="*/ 229033 h 1540985"/>
+                <a:gd name="connsiteX18" fmla="*/ 217802 w 1540984"/>
+                <a:gd name="connsiteY18" fmla="*/ 770494 h 1540985"/>
+                <a:gd name="connsiteX19" fmla="*/ 229032 w 1540984"/>
+                <a:gd name="connsiteY19" fmla="*/ 881880 h 1540985"/>
+                <a:gd name="connsiteX20" fmla="*/ 258848 w 1540984"/>
+                <a:gd name="connsiteY20" fmla="*/ 977934 h 1540985"/>
+                <a:gd name="connsiteX21" fmla="*/ 271486 w 1540984"/>
+                <a:gd name="connsiteY21" fmla="*/ 975541 h 1540985"/>
+                <a:gd name="connsiteX22" fmla="*/ 293775 w 1540984"/>
+                <a:gd name="connsiteY22" fmla="*/ 990732 h 1540985"/>
+                <a:gd name="connsiteX23" fmla="*/ 296771 w 1540984"/>
+                <a:gd name="connsiteY23" fmla="*/ 995308 h 1540985"/>
+                <a:gd name="connsiteX24" fmla="*/ 651889 w 1540984"/>
+                <a:gd name="connsiteY24" fmla="*/ 775215 h 1540985"/>
+                <a:gd name="connsiteX25" fmla="*/ 650032 w 1540984"/>
+                <a:gd name="connsiteY25" fmla="*/ 766018 h 1540985"/>
+                <a:gd name="connsiteX26" fmla="*/ 686888 w 1540984"/>
+                <a:gd name="connsiteY26" fmla="*/ 677040 h 1540985"/>
+                <a:gd name="connsiteX27" fmla="*/ 710803 w 1540984"/>
+                <a:gd name="connsiteY27" fmla="*/ 660916 h 1540985"/>
+                <a:gd name="connsiteX28" fmla="*/ 710803 w 1540984"/>
+                <a:gd name="connsiteY28" fmla="*/ 248204 h 1540985"/>
+                <a:gd name="connsiteX29" fmla="*/ 702231 w 1540984"/>
+                <a:gd name="connsiteY29" fmla="*/ 248204 h 1540985"/>
+                <a:gd name="connsiteX30" fmla="*/ 677311 w 1540984"/>
+                <a:gd name="connsiteY30" fmla="*/ 237882 h 1540985"/>
+                <a:gd name="connsiteX31" fmla="*/ 863048 w 1540984"/>
+                <a:gd name="connsiteY31" fmla="*/ 227134 h 1540985"/>
+                <a:gd name="connsiteX32" fmla="*/ 858596 w 1540984"/>
+                <a:gd name="connsiteY32" fmla="*/ 237883 h 1540985"/>
+                <a:gd name="connsiteX33" fmla="*/ 833675 w 1540984"/>
+                <a:gd name="connsiteY33" fmla="*/ 248205 h 1540985"/>
+                <a:gd name="connsiteX34" fmla="*/ 822564 w 1540984"/>
+                <a:gd name="connsiteY34" fmla="*/ 248205 h 1540985"/>
+                <a:gd name="connsiteX35" fmla="*/ 822563 w 1540984"/>
+                <a:gd name="connsiteY35" fmla="*/ 649611 h 1540985"/>
+                <a:gd name="connsiteX36" fmla="*/ 824848 w 1540984"/>
+                <a:gd name="connsiteY36" fmla="*/ 650072 h 1540985"/>
+                <a:gd name="connsiteX37" fmla="*/ 901702 w 1540984"/>
+                <a:gd name="connsiteY37" fmla="*/ 766019 h 1540985"/>
+                <a:gd name="connsiteX38" fmla="*/ 899169 w 1540984"/>
+                <a:gd name="connsiteY38" fmla="*/ 778564 h 1540985"/>
+                <a:gd name="connsiteX39" fmla="*/ 1230233 w 1540984"/>
+                <a:gd name="connsiteY39" fmla="*/ 1017637 h 1540985"/>
+                <a:gd name="connsiteX40" fmla="*/ 1252972 w 1540984"/>
+                <a:gd name="connsiteY40" fmla="*/ 1003356 h 1540985"/>
+                <a:gd name="connsiteX41" fmla="*/ 1268234 w 1540984"/>
+                <a:gd name="connsiteY41" fmla="*/ 1006843 h 1540985"/>
+                <a:gd name="connsiteX42" fmla="*/ 1279750 w 1540984"/>
+                <a:gd name="connsiteY42" fmla="*/ 985626 h 1540985"/>
+                <a:gd name="connsiteX43" fmla="*/ 1323183 w 1540984"/>
+                <a:gd name="connsiteY43" fmla="*/ 770494 h 1540985"/>
+                <a:gd name="connsiteX44" fmla="*/ 881879 w 1540984"/>
+                <a:gd name="connsiteY44" fmla="*/ 229032 h 1540985"/>
+                <a:gd name="connsiteX45" fmla="*/ 681593 w 1540984"/>
+                <a:gd name="connsiteY45" fmla="*/ 0 h 1540985"/>
+                <a:gd name="connsiteX46" fmla="*/ 859390 w 1540984"/>
+                <a:gd name="connsiteY46" fmla="*/ 1 h 1540985"/>
+                <a:gd name="connsiteX47" fmla="*/ 903842 w 1540984"/>
+                <a:gd name="connsiteY47" fmla="*/ 44452 h 1540985"/>
+                <a:gd name="connsiteX48" fmla="*/ 903841 w 1540984"/>
+                <a:gd name="connsiteY48" fmla="*/ 128098 h 1540985"/>
+                <a:gd name="connsiteX49" fmla="*/ 1025867 w 1540984"/>
+                <a:gd name="connsiteY49" fmla="*/ 165978 h 1540985"/>
+                <a:gd name="connsiteX50" fmla="*/ 1144127 w 1540984"/>
+                <a:gd name="connsiteY50" fmla="*/ 232023 h 1540985"/>
+                <a:gd name="connsiteX51" fmla="*/ 1205305 w 1540984"/>
+                <a:gd name="connsiteY51" fmla="*/ 173956 h 1540985"/>
+                <a:gd name="connsiteX52" fmla="*/ 1268147 w 1540984"/>
+                <a:gd name="connsiteY52" fmla="*/ 175597 h 1540985"/>
+                <a:gd name="connsiteX53" fmla="*/ 1390544 w 1540984"/>
+                <a:gd name="connsiteY53" fmla="*/ 304559 h 1540985"/>
+                <a:gd name="connsiteX54" fmla="*/ 1388905 w 1540984"/>
+                <a:gd name="connsiteY54" fmla="*/ 367401 h 1540985"/>
+                <a:gd name="connsiteX55" fmla="*/ 1326815 w 1540984"/>
+                <a:gd name="connsiteY55" fmla="*/ 426330 h 1540985"/>
+                <a:gd name="connsiteX56" fmla="*/ 1339645 w 1540984"/>
+                <a:gd name="connsiteY56" fmla="*/ 443929 h 1540985"/>
+                <a:gd name="connsiteX57" fmla="*/ 1397071 w 1540984"/>
+                <a:gd name="connsiteY57" fmla="*/ 575398 h 1540985"/>
+                <a:gd name="connsiteX58" fmla="*/ 1411300 w 1540984"/>
+                <a:gd name="connsiteY58" fmla="*/ 637143 h 1540985"/>
+                <a:gd name="connsiteX59" fmla="*/ 1496533 w 1540984"/>
+                <a:gd name="connsiteY59" fmla="*/ 637143 h 1540985"/>
+                <a:gd name="connsiteX60" fmla="*/ 1540984 w 1540984"/>
+                <a:gd name="connsiteY60" fmla="*/ 681594 h 1540985"/>
+                <a:gd name="connsiteX61" fmla="*/ 1540984 w 1540984"/>
+                <a:gd name="connsiteY61" fmla="*/ 859392 h 1540985"/>
+                <a:gd name="connsiteX62" fmla="*/ 1496533 w 1540984"/>
+                <a:gd name="connsiteY62" fmla="*/ 903843 h 1540985"/>
+                <a:gd name="connsiteX63" fmla="*/ 1411302 w 1540984"/>
+                <a:gd name="connsiteY63" fmla="*/ 903844 h 1540985"/>
+                <a:gd name="connsiteX64" fmla="*/ 1397070 w 1540984"/>
+                <a:gd name="connsiteY64" fmla="*/ 965591 h 1540985"/>
+                <a:gd name="connsiteX65" fmla="*/ 1339645 w 1540984"/>
+                <a:gd name="connsiteY65" fmla="*/ 1097060 h 1540985"/>
+                <a:gd name="connsiteX66" fmla="*/ 1306909 w 1540984"/>
+                <a:gd name="connsiteY66" fmla="*/ 1141965 h 1540985"/>
+                <a:gd name="connsiteX67" fmla="*/ 1367028 w 1540984"/>
+                <a:gd name="connsiteY67" fmla="*/ 1205307 h 1540985"/>
+                <a:gd name="connsiteX68" fmla="*/ 1365387 w 1540984"/>
+                <a:gd name="connsiteY68" fmla="*/ 1268149 h 1540985"/>
+                <a:gd name="connsiteX69" fmla="*/ 1236426 w 1540984"/>
+                <a:gd name="connsiteY69" fmla="*/ 1390547 h 1540985"/>
+                <a:gd name="connsiteX70" fmla="*/ 1173585 w 1540984"/>
+                <a:gd name="connsiteY70" fmla="*/ 1388906 h 1540985"/>
+                <a:gd name="connsiteX71" fmla="*/ 1113791 w 1540984"/>
+                <a:gd name="connsiteY71" fmla="*/ 1325907 h 1540985"/>
+                <a:gd name="connsiteX72" fmla="*/ 1025867 w 1540984"/>
+                <a:gd name="connsiteY72" fmla="*/ 1375011 h 1540985"/>
+                <a:gd name="connsiteX73" fmla="*/ 903842 w 1540984"/>
+                <a:gd name="connsiteY73" fmla="*/ 1412889 h 1540985"/>
+                <a:gd name="connsiteX74" fmla="*/ 903841 w 1540984"/>
+                <a:gd name="connsiteY74" fmla="*/ 1496534 h 1540985"/>
+                <a:gd name="connsiteX75" fmla="*/ 859391 w 1540984"/>
+                <a:gd name="connsiteY75" fmla="*/ 1540985 h 1540985"/>
+                <a:gd name="connsiteX76" fmla="*/ 681593 w 1540984"/>
+                <a:gd name="connsiteY76" fmla="*/ 1540985 h 1540985"/>
+                <a:gd name="connsiteX77" fmla="*/ 637141 w 1540984"/>
+                <a:gd name="connsiteY77" fmla="*/ 1496534 h 1540985"/>
+                <a:gd name="connsiteX78" fmla="*/ 637142 w 1540984"/>
+                <a:gd name="connsiteY78" fmla="*/ 1412889 h 1540985"/>
+                <a:gd name="connsiteX79" fmla="*/ 515119 w 1540984"/>
+                <a:gd name="connsiteY79" fmla="*/ 1375011 h 1540985"/>
+                <a:gd name="connsiteX80" fmla="*/ 396857 w 1540984"/>
+                <a:gd name="connsiteY80" fmla="*/ 1308965 h 1540985"/>
+                <a:gd name="connsiteX81" fmla="*/ 335679 w 1540984"/>
+                <a:gd name="connsiteY81" fmla="*/ 1367029 h 1540985"/>
+                <a:gd name="connsiteX82" fmla="*/ 272837 w 1540984"/>
+                <a:gd name="connsiteY82" fmla="*/ 1365387 h 1540985"/>
+                <a:gd name="connsiteX83" fmla="*/ 150438 w 1540984"/>
+                <a:gd name="connsiteY83" fmla="*/ 1236428 h 1540985"/>
+                <a:gd name="connsiteX84" fmla="*/ 152078 w 1540984"/>
+                <a:gd name="connsiteY84" fmla="*/ 1173586 h 1540985"/>
+                <a:gd name="connsiteX85" fmla="*/ 214169 w 1540984"/>
+                <a:gd name="connsiteY85" fmla="*/ 1114656 h 1540985"/>
+                <a:gd name="connsiteX86" fmla="*/ 201341 w 1540984"/>
+                <a:gd name="connsiteY86" fmla="*/ 1097060 h 1540985"/>
+                <a:gd name="connsiteX87" fmla="*/ 143914 w 1540984"/>
+                <a:gd name="connsiteY87" fmla="*/ 965591 h 1540985"/>
+                <a:gd name="connsiteX88" fmla="*/ 129684 w 1540984"/>
+                <a:gd name="connsiteY88" fmla="*/ 903843 h 1540985"/>
+                <a:gd name="connsiteX89" fmla="*/ 44451 w 1540984"/>
+                <a:gd name="connsiteY89" fmla="*/ 903843 h 1540985"/>
+                <a:gd name="connsiteX90" fmla="*/ 0 w 1540984"/>
+                <a:gd name="connsiteY90" fmla="*/ 859392 h 1540985"/>
+                <a:gd name="connsiteX91" fmla="*/ 0 w 1540984"/>
+                <a:gd name="connsiteY91" fmla="*/ 681595 h 1540985"/>
+                <a:gd name="connsiteX92" fmla="*/ 44451 w 1540984"/>
+                <a:gd name="connsiteY92" fmla="*/ 637143 h 1540985"/>
+                <a:gd name="connsiteX93" fmla="*/ 129685 w 1540984"/>
+                <a:gd name="connsiteY93" fmla="*/ 637143 h 1540985"/>
+                <a:gd name="connsiteX94" fmla="*/ 143915 w 1540984"/>
+                <a:gd name="connsiteY94" fmla="*/ 575398 h 1540985"/>
+                <a:gd name="connsiteX95" fmla="*/ 201340 w 1540984"/>
+                <a:gd name="connsiteY95" fmla="*/ 443929 h 1540985"/>
+                <a:gd name="connsiteX96" fmla="*/ 234076 w 1540984"/>
+                <a:gd name="connsiteY96" fmla="*/ 399023 h 1540985"/>
+                <a:gd name="connsiteX97" fmla="*/ 173955 w 1540984"/>
+                <a:gd name="connsiteY97" fmla="*/ 335680 h 1540985"/>
+                <a:gd name="connsiteX98" fmla="*/ 175597 w 1540984"/>
+                <a:gd name="connsiteY98" fmla="*/ 272837 h 1540985"/>
+                <a:gd name="connsiteX99" fmla="*/ 304558 w 1540984"/>
+                <a:gd name="connsiteY99" fmla="*/ 150439 h 1540985"/>
+                <a:gd name="connsiteX100" fmla="*/ 367399 w 1540984"/>
+                <a:gd name="connsiteY100" fmla="*/ 152081 h 1540985"/>
+                <a:gd name="connsiteX101" fmla="*/ 427194 w 1540984"/>
+                <a:gd name="connsiteY101" fmla="*/ 215081 h 1540985"/>
+                <a:gd name="connsiteX102" fmla="*/ 515119 w 1540984"/>
+                <a:gd name="connsiteY102" fmla="*/ 165977 h 1540985"/>
+                <a:gd name="connsiteX103" fmla="*/ 637141 w 1540984"/>
+                <a:gd name="connsiteY103" fmla="*/ 128099 h 1540985"/>
+                <a:gd name="connsiteX104" fmla="*/ 637141 w 1540984"/>
+                <a:gd name="connsiteY104" fmla="*/ 44452 h 1540985"/>
+                <a:gd name="connsiteX105" fmla="*/ 681593 w 1540984"/>
+                <a:gd name="connsiteY105" fmla="*/ 0 h 1540985"/>
+              </a:gdLst>
+              <a:ahLst/>
+              <a:cxnLst>
+                <a:cxn ang="0">
+                  <a:pos x="connsiteX0" y="connsiteY0"/>
+                </a:cxn>
+                <a:cxn ang="0">
+                  <a:pos x="connsiteX1" y="connsiteY1"/>
+                </a:cxn>
+                <a:cxn ang="0">
+                  <a:pos x="connsiteX2" y="connsiteY2"/>
+                </a:cxn>
+                <a:cxn ang="0">
+                  <a:pos x="connsiteX3" y="connsiteY3"/>
+                </a:cxn>
+                <a:cxn ang="0">
+                  <a:pos x="connsiteX4" y="connsiteY4"/>
+                </a:cxn>
+                <a:cxn ang="0">
+                  <a:pos x="connsiteX5" y="connsiteY5"/>
+                </a:cxn>
+                <a:cxn ang="0">
+                  <a:pos x="connsiteX6" y="connsiteY6"/>
+                </a:cxn>
+                <a:cxn ang="0">
+                  <a:pos x="connsiteX7" y="connsiteY7"/>
+                </a:cxn>
+                <a:cxn ang="0">
+                  <a:pos x="connsiteX8" y="connsiteY8"/>
+                </a:cxn>
+                <a:cxn ang="0">
+                  <a:pos x="connsiteX9" y="connsiteY9"/>
+                </a:cxn>
+                <a:cxn ang="0">
+                  <a:pos x="connsiteX10" y="connsiteY10"/>
+                </a:cxn>
+                <a:cxn ang="0">
+                  <a:pos x="connsiteX11" y="connsiteY11"/>
+                </a:cxn>
+                <a:cxn ang="0">
+                  <a:pos x="connsiteX12" y="connsiteY12"/>
+                </a:cxn>
+                <a:cxn ang="0">
+                  <a:pos x="connsiteX13" y="connsiteY13"/>
+                </a:cxn>
+                <a:cxn ang="0">
+                  <a:pos x="connsiteX14" y="connsiteY14"/>
+                </a:cxn>
+                <a:cxn ang="0">
+                  <a:pos x="connsiteX15" y="connsiteY15"/>
+                </a:cxn>
+                <a:cxn ang="0">
+                  <a:pos x="connsiteX16" y="connsiteY16"/>
+                </a:cxn>
+                <a:cxn ang="0">
+                  <a:pos x="connsiteX17" y="connsiteY17"/>
+                </a:cxn>
+                <a:cxn ang="0">
+                  <a:pos x="connsiteX18" y="connsiteY18"/>
+                </a:cxn>
+                <a:cxn ang="0">
+                  <a:pos x="connsiteX19" y="connsiteY19"/>
+                </a:cxn>
+                <a:cxn ang="0">
+                  <a:pos x="connsiteX20" y="connsiteY20"/>
+                </a:cxn>
+                <a:cxn ang="0">
+                  <a:pos x="connsiteX21" y="connsiteY21"/>
+                </a:cxn>
+                <a:cxn ang="0">
+                  <a:pos x="connsiteX22" y="connsiteY22"/>
+                </a:cxn>
+                <a:cxn ang="0">
+                  <a:pos x="connsiteX23" y="connsiteY23"/>
+                </a:cxn>
+                <a:cxn ang="0">
+                  <a:pos x="connsiteX24" y="connsiteY24"/>
+                </a:cxn>
+                <a:cxn ang="0">
+                  <a:pos x="connsiteX25" y="connsiteY25"/>
+                </a:cxn>
+                <a:cxn ang="0">
+                  <a:pos x="connsiteX26" y="connsiteY26"/>
+                </a:cxn>
+                <a:cxn ang="0">
+                  <a:pos x="connsiteX27" y="connsiteY27"/>
+                </a:cxn>
+                <a:cxn ang="0">
+                  <a:pos x="connsiteX28" y="connsiteY28"/>
+                </a:cxn>
+                <a:cxn ang="0">
+                  <a:pos x="connsiteX29" y="connsiteY29"/>
+                </a:cxn>
+                <a:cxn ang="0">
+                  <a:pos x="connsiteX30" y="connsiteY30"/>
+                </a:cxn>
+                <a:cxn ang="0">
+                  <a:pos x="connsiteX31" y="connsiteY31"/>
+                </a:cxn>
+                <a:cxn ang="0">
+                  <a:pos x="connsiteX32" y="connsiteY32"/>
+                </a:cxn>
+                <a:cxn ang="0">
+                  <a:pos x="connsiteX33" y="connsiteY33"/>
+                </a:cxn>
+                <a:cxn ang="0">
+                  <a:pos x="connsiteX34" y="connsiteY34"/>
+                </a:cxn>
+                <a:cxn ang="0">
+                  <a:pos x="connsiteX35" y="connsiteY35"/>
+                </a:cxn>
+                <a:cxn ang="0">
+                  <a:pos x="connsiteX36" y="connsiteY36"/>
+                </a:cxn>
+                <a:cxn ang="0">
+                  <a:pos x="connsiteX37" y="connsiteY37"/>
+                </a:cxn>
+                <a:cxn ang="0">
+                  <a:pos x="connsiteX38" y="connsiteY38"/>
+                </a:cxn>
+                <a:cxn ang="0">
+                  <a:pos x="connsiteX39" y="connsiteY39"/>
+                </a:cxn>
+                <a:cxn ang="0">
+                  <a:pos x="connsiteX40" y="connsiteY40"/>
+                </a:cxn>
+                <a:cxn ang="0">
+                  <a:pos x="connsiteX41" y="connsiteY41"/>
+                </a:cxn>
+                <a:cxn ang="0">
+                  <a:pos x="connsiteX42" y="connsiteY42"/>
+                </a:cxn>
+                <a:cxn ang="0">
+                  <a:pos x="connsiteX43" y="connsiteY43"/>
+                </a:cxn>
+                <a:cxn ang="0">
+                  <a:pos x="connsiteX44" y="connsiteY44"/>
+                </a:cxn>
+                <a:cxn ang="0">
+                  <a:pos x="connsiteX45" y="connsiteY45"/>
+                </a:cxn>
+                <a:cxn ang="0">
+                  <a:pos x="connsiteX46" y="connsiteY46"/>
+                </a:cxn>
+                <a:cxn ang="0">
+                  <a:pos x="connsiteX47" y="connsiteY47"/>
+                </a:cxn>
+                <a:cxn ang="0">
+                  <a:pos x="connsiteX48" y="connsiteY48"/>
+                </a:cxn>
+                <a:cxn ang="0">
+                  <a:pos x="connsiteX49" y="connsiteY49"/>
+                </a:cxn>
+                <a:cxn ang="0">
+                  <a:pos x="connsiteX50" y="connsiteY50"/>
+                </a:cxn>
+                <a:cxn ang="0">
+                  <a:pos x="connsiteX51" y="connsiteY51"/>
+                </a:cxn>
+                <a:cxn ang="0">
+                  <a:pos x="connsiteX52" y="connsiteY52"/>
+                </a:cxn>
+                <a:cxn ang="0">
+                  <a:pos x="connsiteX53" y="connsiteY53"/>
+                </a:cxn>
+                <a:cxn ang="0">
+                  <a:pos x="connsiteX54" y="connsiteY54"/>
+                </a:cxn>
+                <a:cxn ang="0">
+                  <a:pos x="connsiteX55" y="connsiteY55"/>
+                </a:cxn>
+                <a:cxn ang="0">
+                  <a:pos x="connsiteX56" y="connsiteY56"/>
+                </a:cxn>
+                <a:cxn ang="0">
+                  <a:pos x="connsiteX57" y="connsiteY57"/>
+                </a:cxn>
+                <a:cxn ang="0">
+                  <a:pos x="connsiteX58" y="connsiteY58"/>
+                </a:cxn>
+                <a:cxn ang="0">
+                  <a:pos x="connsiteX59" y="connsiteY59"/>
+                </a:cxn>
+                <a:cxn ang="0">
+                  <a:pos x="connsiteX60" y="connsiteY60"/>
+                </a:cxn>
+                <a:cxn ang="0">
+                  <a:pos x="connsiteX61" y="connsiteY61"/>
+                </a:cxn>
+                <a:cxn ang="0">
+                  <a:pos x="connsiteX62" y="connsiteY62"/>
+                </a:cxn>
+                <a:cxn ang="0">
+                  <a:pos x="connsiteX63" y="connsiteY63"/>
+                </a:cxn>
+                <a:cxn ang="0">
+                  <a:pos x="connsiteX64" y="connsiteY64"/>
+                </a:cxn>
+                <a:cxn ang="0">
+                  <a:pos x="connsiteX65" y="connsiteY65"/>
+                </a:cxn>
+                <a:cxn ang="0">
+                  <a:pos x="connsiteX66" y="connsiteY66"/>
+                </a:cxn>
+                <a:cxn ang="0">
+                  <a:pos x="connsiteX67" y="connsiteY67"/>
+                </a:cxn>
+                <a:cxn ang="0">
+                  <a:pos x="connsiteX68" y="connsiteY68"/>
+                </a:cxn>
+                <a:cxn ang="0">
+                  <a:pos x="connsiteX69" y="connsiteY69"/>
+                </a:cxn>
+                <a:cxn ang="0">
+                  <a:pos x="connsiteX70" y="connsiteY70"/>
+                </a:cxn>
+                <a:cxn ang="0">
+                  <a:pos x="connsiteX71" y="connsiteY71"/>
+                </a:cxn>
+                <a:cxn ang="0">
+                  <a:pos x="connsiteX72" y="connsiteY72"/>
+                </a:cxn>
+                <a:cxn ang="0">
+                  <a:pos x="connsiteX73" y="connsiteY73"/>
+                </a:cxn>
+                <a:cxn ang="0">
+                  <a:pos x="connsiteX74" y="connsiteY74"/>
+                </a:cxn>
+                <a:cxn ang="0">
+                  <a:pos x="connsiteX75" y="connsiteY75"/>
+                </a:cxn>
+                <a:cxn ang="0">
+                  <a:pos x="connsiteX76" y="connsiteY76"/>
+                </a:cxn>
+                <a:cxn ang="0">
+                  <a:pos x="connsiteX77" y="connsiteY77"/>
+                </a:cxn>
+                <a:cxn ang="0">
+                  <a:pos x="connsiteX78" y="connsiteY78"/>
+                </a:cxn>
+                <a:cxn ang="0">
+                  <a:pos x="connsiteX79" y="connsiteY79"/>
+                </a:cxn>
+                <a:cxn ang="0">
+                  <a:pos x="connsiteX80" y="connsiteY80"/>
+                </a:cxn>
+                <a:cxn ang="0">
+                  <a:pos x="connsiteX81" y="connsiteY81"/>
+                </a:cxn>
+                <a:cxn ang="0">
+                  <a:pos x="connsiteX82" y="connsiteY82"/>
+                </a:cxn>
+                <a:cxn ang="0">
+                  <a:pos x="connsiteX83" y="connsiteY83"/>
+                </a:cxn>
+                <a:cxn ang="0">
+                  <a:pos x="connsiteX84" y="connsiteY84"/>
+                </a:cxn>
+                <a:cxn ang="0">
+                  <a:pos x="connsiteX85" y="connsiteY85"/>
+                </a:cxn>
+                <a:cxn ang="0">
+                  <a:pos x="connsiteX86" y="connsiteY86"/>
+                </a:cxn>
+                <a:cxn ang="0">
+                  <a:pos x="connsiteX87" y="connsiteY87"/>
+                </a:cxn>
+                <a:cxn ang="0">
+                  <a:pos x="connsiteX88" y="connsiteY88"/>
+                </a:cxn>
+                <a:cxn ang="0">
+                  <a:pos x="connsiteX89" y="connsiteY89"/>
+                </a:cxn>
+                <a:cxn ang="0">
+                  <a:pos x="connsiteX90" y="connsiteY90"/>
+                </a:cxn>
+                <a:cxn ang="0">
+                  <a:pos x="connsiteX91" y="connsiteY91"/>
+                </a:cxn>
+                <a:cxn ang="0">
+                  <a:pos x="connsiteX92" y="connsiteY92"/>
+                </a:cxn>
+                <a:cxn ang="0">
+                  <a:pos x="connsiteX93" y="connsiteY93"/>
+                </a:cxn>
+                <a:cxn ang="0">
+                  <a:pos x="connsiteX94" y="connsiteY94"/>
+                </a:cxn>
+                <a:cxn ang="0">
+                  <a:pos x="connsiteX95" y="connsiteY95"/>
+                </a:cxn>
+                <a:cxn ang="0">
+                  <a:pos x="connsiteX96" y="connsiteY96"/>
+                </a:cxn>
+                <a:cxn ang="0">
+                  <a:pos x="connsiteX97" y="connsiteY97"/>
+                </a:cxn>
+                <a:cxn ang="0">
+                  <a:pos x="connsiteX98" y="connsiteY98"/>
+                </a:cxn>
+                <a:cxn ang="0">
+                  <a:pos x="connsiteX99" y="connsiteY99"/>
+                </a:cxn>
+                <a:cxn ang="0">
+                  <a:pos x="connsiteX100" y="connsiteY100"/>
+                </a:cxn>
+                <a:cxn ang="0">
+                  <a:pos x="connsiteX101" y="connsiteY101"/>
+                </a:cxn>
+                <a:cxn ang="0">
+                  <a:pos x="connsiteX102" y="connsiteY102"/>
+                </a:cxn>
+                <a:cxn ang="0">
+                  <a:pos x="connsiteX103" y="connsiteY103"/>
+                </a:cxn>
+                <a:cxn ang="0">
+                  <a:pos x="connsiteX104" y="connsiteY104"/>
+                </a:cxn>
+                <a:cxn ang="0">
+                  <a:pos x="connsiteX105" y="connsiteY105"/>
+                </a:cxn>
+              </a:cxnLst>
+              <a:rect l="l" t="t" r="r" b="b"/>
+              <a:pathLst>
+                <a:path w="1540984" h="1540985">
+                  <a:moveTo>
+                    <a:pt x="710079" y="870634"/>
+                  </a:moveTo>
+                  <a:lnTo>
+                    <a:pt x="358021" y="1088830"/>
+                  </a:lnTo>
+                  <a:lnTo>
+                    <a:pt x="365790" y="1100693"/>
+                  </a:lnTo>
+                  <a:cubicBezTo>
+                    <a:pt x="371122" y="1108834"/>
+                    <a:pt x="372650" y="1118366"/>
+                    <a:pt x="370809" y="1127196"/>
+                  </a:cubicBezTo>
+                  <a:lnTo>
+                    <a:pt x="362092" y="1139985"/>
+                  </a:lnTo>
+                  <a:lnTo>
+                    <a:pt x="379682" y="1161304"/>
+                  </a:lnTo>
+                  <a:cubicBezTo>
+                    <a:pt x="479699" y="1261322"/>
+                    <a:pt x="617871" y="1323184"/>
+                    <a:pt x="770493" y="1323184"/>
+                  </a:cubicBezTo>
+                  <a:cubicBezTo>
+                    <a:pt x="884959" y="1323184"/>
+                    <a:pt x="991297" y="1288387"/>
+                    <a:pt x="1079507" y="1228793"/>
+                  </a:cubicBezTo>
+                  <a:lnTo>
+                    <a:pt x="1156753" y="1165060"/>
+                  </a:lnTo>
+                  <a:lnTo>
+                    <a:pt x="1148038" y="1151184"/>
+                  </a:lnTo>
+                  <a:cubicBezTo>
+                    <a:pt x="1146529" y="1142291"/>
+                    <a:pt x="1148412" y="1132823"/>
+                    <a:pt x="1154045" y="1124888"/>
+                  </a:cubicBezTo>
+                  <a:lnTo>
+                    <a:pt x="1165503" y="1108747"/>
+                  </a:lnTo>
+                  <a:lnTo>
+                    <a:pt x="838610" y="872687"/>
+                  </a:lnTo>
+                  <a:lnTo>
+                    <a:pt x="824848" y="881965"/>
+                  </a:lnTo>
+                  <a:cubicBezTo>
+                    <a:pt x="809793" y="888333"/>
+                    <a:pt x="793241" y="891854"/>
+                    <a:pt x="775867" y="891854"/>
+                  </a:cubicBezTo>
+                  <a:cubicBezTo>
+                    <a:pt x="758492" y="891854"/>
+                    <a:pt x="741940" y="888333"/>
+                    <a:pt x="726886" y="881965"/>
+                  </a:cubicBezTo>
+                  <a:close/>
+                  <a:moveTo>
+                    <a:pt x="673063" y="227626"/>
+                  </a:moveTo>
+                  <a:lnTo>
+                    <a:pt x="659106" y="229033"/>
+                  </a:lnTo>
+                  <a:cubicBezTo>
+                    <a:pt x="407255" y="280569"/>
+                    <a:pt x="217802" y="503407"/>
+                    <a:pt x="217802" y="770494"/>
+                  </a:cubicBezTo>
+                  <a:cubicBezTo>
+                    <a:pt x="217803" y="808649"/>
+                    <a:pt x="221669" y="845902"/>
+                    <a:pt x="229032" y="881880"/>
+                  </a:cubicBezTo>
+                  <a:lnTo>
+                    <a:pt x="258848" y="977934"/>
+                  </a:lnTo>
+                  <a:lnTo>
+                    <a:pt x="271486" y="975541"/>
+                  </a:lnTo>
+                  <a:cubicBezTo>
+                    <a:pt x="280315" y="977382"/>
+                    <a:pt x="288443" y="982591"/>
+                    <a:pt x="293775" y="990732"/>
+                  </a:cubicBezTo>
+                  <a:lnTo>
+                    <a:pt x="296771" y="995308"/>
+                  </a:lnTo>
+                  <a:lnTo>
+                    <a:pt x="651889" y="775215"/>
+                  </a:lnTo>
+                  <a:lnTo>
+                    <a:pt x="650032" y="766018"/>
+                  </a:lnTo>
+                  <a:cubicBezTo>
+                    <a:pt x="650032" y="731270"/>
+                    <a:pt x="664116" y="699812"/>
+                    <a:pt x="686888" y="677040"/>
+                  </a:cubicBezTo>
+                  <a:lnTo>
+                    <a:pt x="710803" y="660916"/>
+                  </a:lnTo>
+                  <a:lnTo>
+                    <a:pt x="710803" y="248204"/>
+                  </a:lnTo>
+                  <a:lnTo>
+                    <a:pt x="702231" y="248204"/>
+                  </a:lnTo>
+                  <a:cubicBezTo>
+                    <a:pt x="692499" y="248204"/>
+                    <a:pt x="683688" y="244260"/>
+                    <a:pt x="677311" y="237882"/>
+                  </a:cubicBezTo>
+                  <a:close/>
+                  <a:moveTo>
+                    <a:pt x="863048" y="227134"/>
+                  </a:moveTo>
+                  <a:lnTo>
+                    <a:pt x="858596" y="237883"/>
+                  </a:lnTo>
+                  <a:cubicBezTo>
+                    <a:pt x="852218" y="244261"/>
+                    <a:pt x="843407" y="248205"/>
+                    <a:pt x="833675" y="248205"/>
+                  </a:cubicBezTo>
+                  <a:lnTo>
+                    <a:pt x="822564" y="248205"/>
+                  </a:lnTo>
+                  <a:lnTo>
+                    <a:pt x="822563" y="649611"/>
+                  </a:lnTo>
+                  <a:lnTo>
+                    <a:pt x="824848" y="650072"/>
+                  </a:lnTo>
+                  <a:cubicBezTo>
+                    <a:pt x="870012" y="669175"/>
+                    <a:pt x="901702" y="713896"/>
+                    <a:pt x="901702" y="766019"/>
+                  </a:cubicBezTo>
+                  <a:lnTo>
+                    <a:pt x="899169" y="778564"/>
+                  </a:lnTo>
+                  <a:lnTo>
+                    <a:pt x="1230233" y="1017637"/>
+                  </a:lnTo>
+                  <a:lnTo>
+                    <a:pt x="1252972" y="1003356"/>
+                  </a:lnTo>
+                  <a:lnTo>
+                    <a:pt x="1268234" y="1006843"/>
+                  </a:lnTo>
+                  <a:lnTo>
+                    <a:pt x="1279750" y="985626"/>
+                  </a:lnTo>
+                  <a:cubicBezTo>
+                    <a:pt x="1307717" y="919503"/>
+                    <a:pt x="1323183" y="846804"/>
+                    <a:pt x="1323183" y="770494"/>
+                  </a:cubicBezTo>
+                  <a:cubicBezTo>
+                    <a:pt x="1323182" y="503408"/>
+                    <a:pt x="1133731" y="280569"/>
+                    <a:pt x="881879" y="229032"/>
+                  </a:cubicBezTo>
+                  <a:close/>
+                  <a:moveTo>
+                    <a:pt x="681593" y="0"/>
+                  </a:moveTo>
+                  <a:lnTo>
+                    <a:pt x="859390" y="1"/>
+                  </a:lnTo>
+                  <a:cubicBezTo>
+                    <a:pt x="883941" y="0"/>
+                    <a:pt x="903842" y="19901"/>
+                    <a:pt x="903842" y="44452"/>
+                  </a:cubicBezTo>
+                  <a:lnTo>
+                    <a:pt x="903841" y="128098"/>
+                  </a:lnTo>
+                  <a:lnTo>
+                    <a:pt x="1025867" y="165978"/>
+                  </a:lnTo>
+                  <a:lnTo>
+                    <a:pt x="1144127" y="232023"/>
+                  </a:lnTo>
+                  <a:lnTo>
+                    <a:pt x="1205305" y="173956"/>
+                  </a:lnTo>
+                  <a:cubicBezTo>
+                    <a:pt x="1223112" y="157056"/>
+                    <a:pt x="1251247" y="157790"/>
+                    <a:pt x="1268147" y="175597"/>
+                  </a:cubicBezTo>
+                  <a:lnTo>
+                    <a:pt x="1390544" y="304559"/>
+                  </a:lnTo>
+                  <a:cubicBezTo>
+                    <a:pt x="1407446" y="322365"/>
+                    <a:pt x="1406711" y="350500"/>
+                    <a:pt x="1388905" y="367401"/>
+                  </a:cubicBezTo>
+                  <a:lnTo>
+                    <a:pt x="1326815" y="426330"/>
+                  </a:lnTo>
+                  <a:lnTo>
+                    <a:pt x="1339645" y="443929"/>
+                  </a:lnTo>
+                  <a:cubicBezTo>
+                    <a:pt x="1363344" y="485143"/>
+                    <a:pt x="1382694" y="529175"/>
+                    <a:pt x="1397071" y="575398"/>
+                  </a:cubicBezTo>
+                  <a:lnTo>
+                    <a:pt x="1411300" y="637143"/>
+                  </a:lnTo>
+                  <a:lnTo>
+                    <a:pt x="1496533" y="637143"/>
+                  </a:lnTo>
+                  <a:cubicBezTo>
+                    <a:pt x="1521082" y="637143"/>
+                    <a:pt x="1540984" y="657044"/>
+                    <a:pt x="1540984" y="681594"/>
+                  </a:cubicBezTo>
+                  <a:lnTo>
+                    <a:pt x="1540984" y="859392"/>
+                  </a:lnTo>
+                  <a:cubicBezTo>
+                    <a:pt x="1540984" y="883942"/>
+                    <a:pt x="1521083" y="903843"/>
+                    <a:pt x="1496533" y="903843"/>
+                  </a:cubicBezTo>
+                  <a:lnTo>
+                    <a:pt x="1411302" y="903844"/>
+                  </a:lnTo>
+                  <a:lnTo>
+                    <a:pt x="1397070" y="965591"/>
+                  </a:lnTo>
+                  <a:cubicBezTo>
+                    <a:pt x="1382694" y="1011814"/>
+                    <a:pt x="1363343" y="1055846"/>
+                    <a:pt x="1339645" y="1097060"/>
+                  </a:cubicBezTo>
+                  <a:lnTo>
+                    <a:pt x="1306909" y="1141965"/>
+                  </a:lnTo>
+                  <a:lnTo>
+                    <a:pt x="1367028" y="1205307"/>
+                  </a:lnTo>
+                  <a:cubicBezTo>
+                    <a:pt x="1383927" y="1223113"/>
+                    <a:pt x="1383194" y="1251248"/>
+                    <a:pt x="1365387" y="1268149"/>
+                  </a:cubicBezTo>
+                  <a:lnTo>
+                    <a:pt x="1236426" y="1390547"/>
+                  </a:lnTo>
+                  <a:cubicBezTo>
+                    <a:pt x="1218620" y="1407447"/>
+                    <a:pt x="1190485" y="1406712"/>
+                    <a:pt x="1173585" y="1388906"/>
+                  </a:cubicBezTo>
+                  <a:lnTo>
+                    <a:pt x="1113791" y="1325907"/>
+                  </a:lnTo>
+                  <a:lnTo>
+                    <a:pt x="1025867" y="1375011"/>
+                  </a:lnTo>
+                  <a:lnTo>
+                    <a:pt x="903842" y="1412889"/>
+                  </a:lnTo>
+                  <a:lnTo>
+                    <a:pt x="903841" y="1496534"/>
+                  </a:lnTo>
+                  <a:cubicBezTo>
+                    <a:pt x="903842" y="1521084"/>
+                    <a:pt x="883941" y="1540985"/>
+                    <a:pt x="859391" y="1540985"/>
+                  </a:cubicBezTo>
+                  <a:lnTo>
+                    <a:pt x="681593" y="1540985"/>
+                  </a:lnTo>
+                  <a:cubicBezTo>
+                    <a:pt x="657043" y="1540985"/>
+                    <a:pt x="637142" y="1521084"/>
+                    <a:pt x="637141" y="1496534"/>
+                  </a:cubicBezTo>
+                  <a:lnTo>
+                    <a:pt x="637142" y="1412889"/>
+                  </a:lnTo>
+                  <a:lnTo>
+                    <a:pt x="515119" y="1375011"/>
+                  </a:lnTo>
+                  <a:lnTo>
+                    <a:pt x="396857" y="1308965"/>
+                  </a:lnTo>
+                  <a:lnTo>
+                    <a:pt x="335679" y="1367029"/>
+                  </a:lnTo>
+                  <a:cubicBezTo>
+                    <a:pt x="317872" y="1383930"/>
+                    <a:pt x="289736" y="1383195"/>
+                    <a:pt x="272837" y="1365387"/>
+                  </a:cubicBezTo>
+                  <a:lnTo>
+                    <a:pt x="150438" y="1236428"/>
+                  </a:lnTo>
+                  <a:cubicBezTo>
+                    <a:pt x="133537" y="1218621"/>
+                    <a:pt x="134273" y="1190486"/>
+                    <a:pt x="152078" y="1173586"/>
+                  </a:cubicBezTo>
+                  <a:lnTo>
+                    <a:pt x="214169" y="1114656"/>
+                  </a:lnTo>
+                  <a:lnTo>
+                    <a:pt x="201341" y="1097060"/>
+                  </a:lnTo>
+                  <a:cubicBezTo>
+                    <a:pt x="177642" y="1055846"/>
+                    <a:pt x="158291" y="1011814"/>
+                    <a:pt x="143914" y="965591"/>
+                  </a:cubicBezTo>
+                  <a:lnTo>
+                    <a:pt x="129684" y="903843"/>
+                  </a:lnTo>
+                  <a:lnTo>
+                    <a:pt x="44451" y="903843"/>
+                  </a:lnTo>
+                  <a:cubicBezTo>
+                    <a:pt x="19901" y="903843"/>
+                    <a:pt x="0" y="883942"/>
+                    <a:pt x="0" y="859392"/>
+                  </a:cubicBezTo>
+                  <a:lnTo>
+                    <a:pt x="0" y="681595"/>
+                  </a:lnTo>
+                  <a:cubicBezTo>
+                    <a:pt x="-1" y="657044"/>
+                    <a:pt x="19900" y="637143"/>
+                    <a:pt x="44451" y="637143"/>
+                  </a:cubicBezTo>
+                  <a:lnTo>
+                    <a:pt x="129685" y="637143"/>
+                  </a:lnTo>
+                  <a:lnTo>
+                    <a:pt x="143915" y="575398"/>
+                  </a:lnTo>
+                  <a:cubicBezTo>
+                    <a:pt x="158292" y="529174"/>
+                    <a:pt x="177642" y="485143"/>
+                    <a:pt x="201340" y="443929"/>
+                  </a:cubicBezTo>
+                  <a:lnTo>
+                    <a:pt x="234076" y="399023"/>
+                  </a:lnTo>
+                  <a:lnTo>
+                    <a:pt x="173955" y="335680"/>
+                  </a:lnTo>
+                  <a:cubicBezTo>
+                    <a:pt x="157055" y="317873"/>
+                    <a:pt x="157790" y="289738"/>
+                    <a:pt x="175597" y="272837"/>
+                  </a:cubicBezTo>
+                  <a:lnTo>
+                    <a:pt x="304558" y="150439"/>
+                  </a:lnTo>
+                  <a:cubicBezTo>
+                    <a:pt x="322363" y="133539"/>
+                    <a:pt x="350499" y="134274"/>
+                    <a:pt x="367399" y="152081"/>
+                  </a:cubicBezTo>
+                  <a:lnTo>
+                    <a:pt x="427194" y="215081"/>
+                  </a:lnTo>
+                  <a:lnTo>
+                    <a:pt x="515119" y="165977"/>
+                  </a:lnTo>
+                  <a:lnTo>
+                    <a:pt x="637141" y="128099"/>
+                  </a:lnTo>
+                  <a:lnTo>
+                    <a:pt x="637141" y="44452"/>
+                  </a:lnTo>
+                  <a:cubicBezTo>
+                    <a:pt x="637142" y="19902"/>
+                    <a:pt x="657043" y="1"/>
+                    <a:pt x="681593" y="0"/>
+                  </a:cubicBezTo>
+                  <a:close/>
+                </a:path>
+              </a:pathLst>
+            </a:custGeom>
+            <a:grpFill/>
+            <a:ln>
+              <a:noFill/>
+            </a:ln>
+          </p:spPr>
+          <p:style>
+            <a:lnRef idx="2">
+              <a:schemeClr val="accent1">
+                <a:shade val="50000"/>
+              </a:schemeClr>
+            </a:lnRef>
+            <a:fillRef idx="1">
+              <a:schemeClr val="accent1"/>
+            </a:fillRef>
+            <a:effectRef idx="0">
+              <a:schemeClr val="accent1"/>
+            </a:effectRef>
+            <a:fontRef idx="minor">
+              <a:schemeClr val="lt1"/>
+            </a:fontRef>
+          </p:style>
+          <p:txBody>
+            <a:bodyPr rtlCol="0" anchor="ctr"/>
+            <a:lstStyle/>
+            <a:p>
+              <a:pPr algn="ctr"/>
+              <a:endParaRPr lang="zh-CN" altLang="en-US"/>
+            </a:p>
+          </p:txBody>
+        </p:sp>
+        <p:sp>
+          <p:nvSpPr>
+            <p:cNvPr id="28" name="任意多边形: 形状 27">
+              <a:extLst>
+                <a:ext uri="{FF2B5EF4-FFF2-40B4-BE49-F238E27FC236}">
+                  <a16:creationId xmlns:a16="http://schemas.microsoft.com/office/drawing/2014/main" id="{99982557-672A-409F-8F6B-8B9C2107B068}"/>
+                </a:ext>
+              </a:extLst>
+            </p:cNvPr>
+            <p:cNvSpPr/>
+            <p:nvPr/>
+          </p:nvSpPr>
+          <p:spPr>
+            <a:xfrm rot="17532601">
+              <a:off x="3340231" y="1243916"/>
+              <a:ext cx="981793" cy="981794"/>
+            </a:xfrm>
+            <a:custGeom>
+              <a:avLst/>
+              <a:gdLst>
+                <a:gd name="connsiteX0" fmla="*/ 770492 w 1540984"/>
+                <a:gd name="connsiteY0" fmla="*/ 212962 h 1540985"/>
+                <a:gd name="connsiteX1" fmla="*/ 215502 w 1540984"/>
+                <a:gd name="connsiteY1" fmla="*/ 770492 h 1540985"/>
+                <a:gd name="connsiteX2" fmla="*/ 770492 w 1540984"/>
+                <a:gd name="connsiteY2" fmla="*/ 1328022 h 1540985"/>
+                <a:gd name="connsiteX3" fmla="*/ 1325482 w 1540984"/>
+                <a:gd name="connsiteY3" fmla="*/ 770492 h 1540985"/>
+                <a:gd name="connsiteX4" fmla="*/ 770492 w 1540984"/>
+                <a:gd name="connsiteY4" fmla="*/ 212962 h 1540985"/>
+                <a:gd name="connsiteX5" fmla="*/ 681593 w 1540984"/>
+                <a:gd name="connsiteY5" fmla="*/ 0 h 1540985"/>
+                <a:gd name="connsiteX6" fmla="*/ 859390 w 1540984"/>
+                <a:gd name="connsiteY6" fmla="*/ 1 h 1540985"/>
+                <a:gd name="connsiteX7" fmla="*/ 903842 w 1540984"/>
+                <a:gd name="connsiteY7" fmla="*/ 44452 h 1540985"/>
+                <a:gd name="connsiteX8" fmla="*/ 903841 w 1540984"/>
+                <a:gd name="connsiteY8" fmla="*/ 128098 h 1540985"/>
+                <a:gd name="connsiteX9" fmla="*/ 1025867 w 1540984"/>
+                <a:gd name="connsiteY9" fmla="*/ 165978 h 1540985"/>
+                <a:gd name="connsiteX10" fmla="*/ 1144127 w 1540984"/>
+                <a:gd name="connsiteY10" fmla="*/ 232023 h 1540985"/>
+                <a:gd name="connsiteX11" fmla="*/ 1205305 w 1540984"/>
+                <a:gd name="connsiteY11" fmla="*/ 173956 h 1540985"/>
+                <a:gd name="connsiteX12" fmla="*/ 1268147 w 1540984"/>
+                <a:gd name="connsiteY12" fmla="*/ 175597 h 1540985"/>
+                <a:gd name="connsiteX13" fmla="*/ 1390544 w 1540984"/>
+                <a:gd name="connsiteY13" fmla="*/ 304559 h 1540985"/>
+                <a:gd name="connsiteX14" fmla="*/ 1388905 w 1540984"/>
+                <a:gd name="connsiteY14" fmla="*/ 367401 h 1540985"/>
+                <a:gd name="connsiteX15" fmla="*/ 1326815 w 1540984"/>
+                <a:gd name="connsiteY15" fmla="*/ 426330 h 1540985"/>
+                <a:gd name="connsiteX16" fmla="*/ 1339645 w 1540984"/>
+                <a:gd name="connsiteY16" fmla="*/ 443929 h 1540985"/>
+                <a:gd name="connsiteX17" fmla="*/ 1397071 w 1540984"/>
+                <a:gd name="connsiteY17" fmla="*/ 575398 h 1540985"/>
+                <a:gd name="connsiteX18" fmla="*/ 1411300 w 1540984"/>
+                <a:gd name="connsiteY18" fmla="*/ 637143 h 1540985"/>
+                <a:gd name="connsiteX19" fmla="*/ 1496533 w 1540984"/>
+                <a:gd name="connsiteY19" fmla="*/ 637143 h 1540985"/>
+                <a:gd name="connsiteX20" fmla="*/ 1540984 w 1540984"/>
+                <a:gd name="connsiteY20" fmla="*/ 681594 h 1540985"/>
+                <a:gd name="connsiteX21" fmla="*/ 1540984 w 1540984"/>
+                <a:gd name="connsiteY21" fmla="*/ 859392 h 1540985"/>
+                <a:gd name="connsiteX22" fmla="*/ 1496533 w 1540984"/>
+                <a:gd name="connsiteY22" fmla="*/ 903843 h 1540985"/>
+                <a:gd name="connsiteX23" fmla="*/ 1411302 w 1540984"/>
+                <a:gd name="connsiteY23" fmla="*/ 903844 h 1540985"/>
+                <a:gd name="connsiteX24" fmla="*/ 1397070 w 1540984"/>
+                <a:gd name="connsiteY24" fmla="*/ 965591 h 1540985"/>
+                <a:gd name="connsiteX25" fmla="*/ 1339645 w 1540984"/>
+                <a:gd name="connsiteY25" fmla="*/ 1097060 h 1540985"/>
+                <a:gd name="connsiteX26" fmla="*/ 1306909 w 1540984"/>
+                <a:gd name="connsiteY26" fmla="*/ 1141965 h 1540985"/>
+                <a:gd name="connsiteX27" fmla="*/ 1367028 w 1540984"/>
+                <a:gd name="connsiteY27" fmla="*/ 1205307 h 1540985"/>
+                <a:gd name="connsiteX28" fmla="*/ 1365387 w 1540984"/>
+                <a:gd name="connsiteY28" fmla="*/ 1268149 h 1540985"/>
+                <a:gd name="connsiteX29" fmla="*/ 1236426 w 1540984"/>
+                <a:gd name="connsiteY29" fmla="*/ 1390547 h 1540985"/>
+                <a:gd name="connsiteX30" fmla="*/ 1173585 w 1540984"/>
+                <a:gd name="connsiteY30" fmla="*/ 1388906 h 1540985"/>
+                <a:gd name="connsiteX31" fmla="*/ 1113791 w 1540984"/>
+                <a:gd name="connsiteY31" fmla="*/ 1325907 h 1540985"/>
+                <a:gd name="connsiteX32" fmla="*/ 1025867 w 1540984"/>
+                <a:gd name="connsiteY32" fmla="*/ 1375011 h 1540985"/>
+                <a:gd name="connsiteX33" fmla="*/ 903842 w 1540984"/>
+                <a:gd name="connsiteY33" fmla="*/ 1412889 h 1540985"/>
+                <a:gd name="connsiteX34" fmla="*/ 903841 w 1540984"/>
+                <a:gd name="connsiteY34" fmla="*/ 1496534 h 1540985"/>
+                <a:gd name="connsiteX35" fmla="*/ 859391 w 1540984"/>
+                <a:gd name="connsiteY35" fmla="*/ 1540985 h 1540985"/>
+                <a:gd name="connsiteX36" fmla="*/ 681593 w 1540984"/>
+                <a:gd name="connsiteY36" fmla="*/ 1540985 h 1540985"/>
+                <a:gd name="connsiteX37" fmla="*/ 637141 w 1540984"/>
+                <a:gd name="connsiteY37" fmla="*/ 1496534 h 1540985"/>
+                <a:gd name="connsiteX38" fmla="*/ 637142 w 1540984"/>
+                <a:gd name="connsiteY38" fmla="*/ 1412889 h 1540985"/>
+                <a:gd name="connsiteX39" fmla="*/ 515119 w 1540984"/>
+                <a:gd name="connsiteY39" fmla="*/ 1375011 h 1540985"/>
+                <a:gd name="connsiteX40" fmla="*/ 396857 w 1540984"/>
+                <a:gd name="connsiteY40" fmla="*/ 1308965 h 1540985"/>
+                <a:gd name="connsiteX41" fmla="*/ 335679 w 1540984"/>
+                <a:gd name="connsiteY41" fmla="*/ 1367029 h 1540985"/>
+                <a:gd name="connsiteX42" fmla="*/ 272837 w 1540984"/>
+                <a:gd name="connsiteY42" fmla="*/ 1365387 h 1540985"/>
+                <a:gd name="connsiteX43" fmla="*/ 150438 w 1540984"/>
+                <a:gd name="connsiteY43" fmla="*/ 1236428 h 1540985"/>
+                <a:gd name="connsiteX44" fmla="*/ 152078 w 1540984"/>
+                <a:gd name="connsiteY44" fmla="*/ 1173586 h 1540985"/>
+                <a:gd name="connsiteX45" fmla="*/ 214169 w 1540984"/>
+                <a:gd name="connsiteY45" fmla="*/ 1114656 h 1540985"/>
+                <a:gd name="connsiteX46" fmla="*/ 201341 w 1540984"/>
+                <a:gd name="connsiteY46" fmla="*/ 1097060 h 1540985"/>
+                <a:gd name="connsiteX47" fmla="*/ 143914 w 1540984"/>
+                <a:gd name="connsiteY47" fmla="*/ 965591 h 1540985"/>
+                <a:gd name="connsiteX48" fmla="*/ 129684 w 1540984"/>
+                <a:gd name="connsiteY48" fmla="*/ 903843 h 1540985"/>
+                <a:gd name="connsiteX49" fmla="*/ 44451 w 1540984"/>
+                <a:gd name="connsiteY49" fmla="*/ 903843 h 1540985"/>
+                <a:gd name="connsiteX50" fmla="*/ 0 w 1540984"/>
+                <a:gd name="connsiteY50" fmla="*/ 859392 h 1540985"/>
+                <a:gd name="connsiteX51" fmla="*/ 0 w 1540984"/>
+                <a:gd name="connsiteY51" fmla="*/ 681595 h 1540985"/>
+                <a:gd name="connsiteX52" fmla="*/ 44451 w 1540984"/>
+                <a:gd name="connsiteY52" fmla="*/ 637143 h 1540985"/>
+                <a:gd name="connsiteX53" fmla="*/ 129685 w 1540984"/>
+                <a:gd name="connsiteY53" fmla="*/ 637143 h 1540985"/>
+                <a:gd name="connsiteX54" fmla="*/ 143915 w 1540984"/>
+                <a:gd name="connsiteY54" fmla="*/ 575398 h 1540985"/>
+                <a:gd name="connsiteX55" fmla="*/ 201340 w 1540984"/>
+                <a:gd name="connsiteY55" fmla="*/ 443929 h 1540985"/>
+                <a:gd name="connsiteX56" fmla="*/ 234076 w 1540984"/>
+                <a:gd name="connsiteY56" fmla="*/ 399023 h 1540985"/>
+                <a:gd name="connsiteX57" fmla="*/ 173955 w 1540984"/>
+                <a:gd name="connsiteY57" fmla="*/ 335680 h 1540985"/>
+                <a:gd name="connsiteX58" fmla="*/ 175597 w 1540984"/>
+                <a:gd name="connsiteY58" fmla="*/ 272837 h 1540985"/>
+                <a:gd name="connsiteX59" fmla="*/ 304558 w 1540984"/>
+                <a:gd name="connsiteY59" fmla="*/ 150439 h 1540985"/>
+                <a:gd name="connsiteX60" fmla="*/ 367399 w 1540984"/>
+                <a:gd name="connsiteY60" fmla="*/ 152081 h 1540985"/>
+                <a:gd name="connsiteX61" fmla="*/ 427194 w 1540984"/>
+                <a:gd name="connsiteY61" fmla="*/ 215081 h 1540985"/>
+                <a:gd name="connsiteX62" fmla="*/ 515119 w 1540984"/>
+                <a:gd name="connsiteY62" fmla="*/ 165977 h 1540985"/>
+                <a:gd name="connsiteX63" fmla="*/ 637141 w 1540984"/>
+                <a:gd name="connsiteY63" fmla="*/ 128099 h 1540985"/>
+                <a:gd name="connsiteX64" fmla="*/ 637141 w 1540984"/>
+                <a:gd name="connsiteY64" fmla="*/ 44452 h 1540985"/>
+                <a:gd name="connsiteX65" fmla="*/ 681593 w 1540984"/>
+                <a:gd name="connsiteY65" fmla="*/ 0 h 1540985"/>
+              </a:gdLst>
+              <a:ahLst/>
+              <a:cxnLst>
+                <a:cxn ang="0">
+                  <a:pos x="connsiteX0" y="connsiteY0"/>
+                </a:cxn>
+                <a:cxn ang="0">
+                  <a:pos x="connsiteX1" y="connsiteY1"/>
+                </a:cxn>
+                <a:cxn ang="0">
+                  <a:pos x="connsiteX2" y="connsiteY2"/>
+                </a:cxn>
+                <a:cxn ang="0">
+                  <a:pos x="connsiteX3" y="connsiteY3"/>
+                </a:cxn>
+                <a:cxn ang="0">
+                  <a:pos x="connsiteX4" y="connsiteY4"/>
+                </a:cxn>
+                <a:cxn ang="0">
+                  <a:pos x="connsiteX5" y="connsiteY5"/>
+                </a:cxn>
+                <a:cxn ang="0">
+                  <a:pos x="connsiteX6" y="connsiteY6"/>
+                </a:cxn>
+                <a:cxn ang="0">
+                  <a:pos x="connsiteX7" y="connsiteY7"/>
+                </a:cxn>
+                <a:cxn ang="0">
+                  <a:pos x="connsiteX8" y="connsiteY8"/>
+                </a:cxn>
+                <a:cxn ang="0">
+                  <a:pos x="connsiteX9" y="connsiteY9"/>
+                </a:cxn>
+                <a:cxn ang="0">
+                  <a:pos x="connsiteX10" y="connsiteY10"/>
+                </a:cxn>
+                <a:cxn ang="0">
+                  <a:pos x="connsiteX11" y="connsiteY11"/>
+                </a:cxn>
+                <a:cxn ang="0">
+                  <a:pos x="connsiteX12" y="connsiteY12"/>
+                </a:cxn>
+                <a:cxn ang="0">
+                  <a:pos x="connsiteX13" y="connsiteY13"/>
+                </a:cxn>
+                <a:cxn ang="0">
+                  <a:pos x="connsiteX14" y="connsiteY14"/>
+                </a:cxn>
+                <a:cxn ang="0">
+                  <a:pos x="connsiteX15" y="connsiteY15"/>
+                </a:cxn>
+                <a:cxn ang="0">
+                  <a:pos x="connsiteX16" y="connsiteY16"/>
+                </a:cxn>
+                <a:cxn ang="0">
+                  <a:pos x="connsiteX17" y="connsiteY17"/>
+                </a:cxn>
+                <a:cxn ang="0">
+                  <a:pos x="connsiteX18" y="connsiteY18"/>
+                </a:cxn>
+                <a:cxn ang="0">
+                  <a:pos x="connsiteX19" y="connsiteY19"/>
+                </a:cxn>
+                <a:cxn ang="0">
+                  <a:pos x="connsiteX20" y="connsiteY20"/>
+                </a:cxn>
+                <a:cxn ang="0">
+                  <a:pos x="connsiteX21" y="connsiteY21"/>
+                </a:cxn>
+                <a:cxn ang="0">
+                  <a:pos x="connsiteX22" y="connsiteY22"/>
+                </a:cxn>
+                <a:cxn ang="0">
+                  <a:pos x="connsiteX23" y="connsiteY23"/>
+                </a:cxn>
+                <a:cxn ang="0">
+                  <a:pos x="connsiteX24" y="connsiteY24"/>
+                </a:cxn>
+                <a:cxn ang="0">
+                  <a:pos x="connsiteX25" y="connsiteY25"/>
+                </a:cxn>
+                <a:cxn ang="0">
+                  <a:pos x="connsiteX26" y="connsiteY26"/>
+                </a:cxn>
+                <a:cxn ang="0">
+                  <a:pos x="connsiteX27" y="connsiteY27"/>
+                </a:cxn>
+                <a:cxn ang="0">
+                  <a:pos x="connsiteX28" y="connsiteY28"/>
+                </a:cxn>
+                <a:cxn ang="0">
+                  <a:pos x="connsiteX29" y="connsiteY29"/>
+                </a:cxn>
+                <a:cxn ang="0">
+                  <a:pos x="connsiteX30" y="connsiteY30"/>
+                </a:cxn>
+                <a:cxn ang="0">
+                  <a:pos x="connsiteX31" y="connsiteY31"/>
+                </a:cxn>
+                <a:cxn ang="0">
+                  <a:pos x="connsiteX32" y="connsiteY32"/>
+                </a:cxn>
+                <a:cxn ang="0">
+                  <a:pos x="connsiteX33" y="connsiteY33"/>
+                </a:cxn>
+                <a:cxn ang="0">
+                  <a:pos x="connsiteX34" y="connsiteY34"/>
+                </a:cxn>
+                <a:cxn ang="0">
+                  <a:pos x="connsiteX35" y="connsiteY35"/>
+                </a:cxn>
+                <a:cxn ang="0">
+                  <a:pos x="connsiteX36" y="connsiteY36"/>
+                </a:cxn>
+                <a:cxn ang="0">
+                  <a:pos x="connsiteX37" y="connsiteY37"/>
+                </a:cxn>
+                <a:cxn ang="0">
+                  <a:pos x="connsiteX38" y="connsiteY38"/>
+                </a:cxn>
+                <a:cxn ang="0">
+                  <a:pos x="connsiteX39" y="connsiteY39"/>
+                </a:cxn>
+                <a:cxn ang="0">
+                  <a:pos x="connsiteX40" y="connsiteY40"/>
+                </a:cxn>
+                <a:cxn ang="0">
+                  <a:pos x="connsiteX41" y="connsiteY41"/>
+                </a:cxn>
+                <a:cxn ang="0">
+                  <a:pos x="connsiteX42" y="connsiteY42"/>
+                </a:cxn>
+                <a:cxn ang="0">
+                  <a:pos x="connsiteX43" y="connsiteY43"/>
+                </a:cxn>
+                <a:cxn ang="0">
+                  <a:pos x="connsiteX44" y="connsiteY44"/>
+                </a:cxn>
+                <a:cxn ang="0">
+                  <a:pos x="connsiteX45" y="connsiteY45"/>
+                </a:cxn>
+                <a:cxn ang="0">
+                  <a:pos x="connsiteX46" y="connsiteY46"/>
+                </a:cxn>
+                <a:cxn ang="0">
+                  <a:pos x="connsiteX47" y="connsiteY47"/>
+                </a:cxn>
+                <a:cxn ang="0">
+                  <a:pos x="connsiteX48" y="connsiteY48"/>
+                </a:cxn>
+                <a:cxn ang="0">
+                  <a:pos x="connsiteX49" y="connsiteY49"/>
+                </a:cxn>
+                <a:cxn ang="0">
+                  <a:pos x="connsiteX50" y="connsiteY50"/>
+                </a:cxn>
+                <a:cxn ang="0">
+                  <a:pos x="connsiteX51" y="connsiteY51"/>
+                </a:cxn>
+                <a:cxn ang="0">
+                  <a:pos x="connsiteX52" y="connsiteY52"/>
+                </a:cxn>
+                <a:cxn ang="0">
+                  <a:pos x="connsiteX53" y="connsiteY53"/>
+                </a:cxn>
+                <a:cxn ang="0">
+                  <a:pos x="connsiteX54" y="connsiteY54"/>
+                </a:cxn>
+                <a:cxn ang="0">
+                  <a:pos x="connsiteX55" y="connsiteY55"/>
+                </a:cxn>
+                <a:cxn ang="0">
+                  <a:pos x="connsiteX56" y="connsiteY56"/>
+                </a:cxn>
+                <a:cxn ang="0">
+                  <a:pos x="connsiteX57" y="connsiteY57"/>
+                </a:cxn>
+                <a:cxn ang="0">
+                  <a:pos x="connsiteX58" y="connsiteY58"/>
+                </a:cxn>
+                <a:cxn ang="0">
+                  <a:pos x="connsiteX59" y="connsiteY59"/>
+                </a:cxn>
+                <a:cxn ang="0">
+                  <a:pos x="connsiteX60" y="connsiteY60"/>
+                </a:cxn>
+                <a:cxn ang="0">
+                  <a:pos x="connsiteX61" y="connsiteY61"/>
+                </a:cxn>
+                <a:cxn ang="0">
+                  <a:pos x="connsiteX62" y="connsiteY62"/>
+                </a:cxn>
+                <a:cxn ang="0">
+                  <a:pos x="connsiteX63" y="connsiteY63"/>
+                </a:cxn>
+                <a:cxn ang="0">
+                  <a:pos x="connsiteX64" y="connsiteY64"/>
+                </a:cxn>
+                <a:cxn ang="0">
+                  <a:pos x="connsiteX65" y="connsiteY65"/>
+                </a:cxn>
+              </a:cxnLst>
+              <a:rect l="l" t="t" r="r" b="b"/>
+              <a:pathLst>
+                <a:path w="1540984" h="1540985">
+                  <a:moveTo>
+                    <a:pt x="770492" y="212962"/>
+                  </a:moveTo>
+                  <a:cubicBezTo>
+                    <a:pt x="463979" y="212962"/>
+                    <a:pt x="215502" y="462577"/>
+                    <a:pt x="215502" y="770492"/>
+                  </a:cubicBezTo>
+                  <a:cubicBezTo>
+                    <a:pt x="215502" y="1078407"/>
+                    <a:pt x="463979" y="1328022"/>
+                    <a:pt x="770492" y="1328022"/>
+                  </a:cubicBezTo>
+                  <a:cubicBezTo>
+                    <a:pt x="1077005" y="1328022"/>
+                    <a:pt x="1325482" y="1078407"/>
+                    <a:pt x="1325482" y="770492"/>
+                  </a:cubicBezTo>
+                  <a:cubicBezTo>
+                    <a:pt x="1325482" y="462577"/>
+                    <a:pt x="1077005" y="212962"/>
+                    <a:pt x="770492" y="212962"/>
+                  </a:cubicBezTo>
+                  <a:close/>
+                  <a:moveTo>
+                    <a:pt x="681593" y="0"/>
+                  </a:moveTo>
+                  <a:lnTo>
+                    <a:pt x="859390" y="1"/>
+                  </a:lnTo>
+                  <a:cubicBezTo>
+                    <a:pt x="883941" y="0"/>
+                    <a:pt x="903842" y="19901"/>
+                    <a:pt x="903842" y="44452"/>
+                  </a:cubicBezTo>
+                  <a:lnTo>
+                    <a:pt x="903841" y="128098"/>
+                  </a:lnTo>
+                  <a:lnTo>
+                    <a:pt x="1025867" y="165978"/>
+                  </a:lnTo>
+                  <a:lnTo>
+                    <a:pt x="1144127" y="232023"/>
+                  </a:lnTo>
+                  <a:lnTo>
+                    <a:pt x="1205305" y="173956"/>
+                  </a:lnTo>
+                  <a:cubicBezTo>
+                    <a:pt x="1223112" y="157056"/>
+                    <a:pt x="1251247" y="157790"/>
+                    <a:pt x="1268147" y="175597"/>
+                  </a:cubicBezTo>
+                  <a:lnTo>
+                    <a:pt x="1390544" y="304559"/>
+                  </a:lnTo>
+                  <a:cubicBezTo>
+                    <a:pt x="1407446" y="322365"/>
+                    <a:pt x="1406711" y="350500"/>
+                    <a:pt x="1388905" y="367401"/>
+                  </a:cubicBezTo>
+                  <a:lnTo>
+                    <a:pt x="1326815" y="426330"/>
+                  </a:lnTo>
+                  <a:lnTo>
+                    <a:pt x="1339645" y="443929"/>
+                  </a:lnTo>
+                  <a:cubicBezTo>
+                    <a:pt x="1363344" y="485143"/>
+                    <a:pt x="1382694" y="529175"/>
+                    <a:pt x="1397071" y="575398"/>
+                  </a:cubicBezTo>
+                  <a:lnTo>
+                    <a:pt x="1411300" y="637143"/>
+                  </a:lnTo>
+                  <a:lnTo>
+                    <a:pt x="1496533" y="637143"/>
+                  </a:lnTo>
+                  <a:cubicBezTo>
+                    <a:pt x="1521082" y="637143"/>
+                    <a:pt x="1540984" y="657044"/>
+                    <a:pt x="1540984" y="681594"/>
+                  </a:cubicBezTo>
+                  <a:lnTo>
+                    <a:pt x="1540984" y="859392"/>
+                  </a:lnTo>
+                  <a:cubicBezTo>
+                    <a:pt x="1540984" y="883942"/>
+                    <a:pt x="1521083" y="903843"/>
+                    <a:pt x="1496533" y="903843"/>
+                  </a:cubicBezTo>
+                  <a:lnTo>
+                    <a:pt x="1411302" y="903844"/>
+                  </a:lnTo>
+                  <a:lnTo>
+                    <a:pt x="1397070" y="965591"/>
+                  </a:lnTo>
+                  <a:cubicBezTo>
+                    <a:pt x="1382694" y="1011814"/>
+                    <a:pt x="1363343" y="1055846"/>
+                    <a:pt x="1339645" y="1097060"/>
+                  </a:cubicBezTo>
+                  <a:lnTo>
+                    <a:pt x="1306909" y="1141965"/>
+                  </a:lnTo>
+                  <a:lnTo>
+                    <a:pt x="1367028" y="1205307"/>
+                  </a:lnTo>
+                  <a:cubicBezTo>
+                    <a:pt x="1383927" y="1223113"/>
+                    <a:pt x="1383194" y="1251248"/>
+                    <a:pt x="1365387" y="1268149"/>
+                  </a:cubicBezTo>
+                  <a:lnTo>
+                    <a:pt x="1236426" y="1390547"/>
+                  </a:lnTo>
+                  <a:cubicBezTo>
+                    <a:pt x="1218620" y="1407447"/>
+                    <a:pt x="1190485" y="1406712"/>
+                    <a:pt x="1173585" y="1388906"/>
+                  </a:cubicBezTo>
+                  <a:lnTo>
+                    <a:pt x="1113791" y="1325907"/>
+                  </a:lnTo>
+                  <a:lnTo>
+                    <a:pt x="1025867" y="1375011"/>
+                  </a:lnTo>
+                  <a:lnTo>
+                    <a:pt x="903842" y="1412889"/>
+                  </a:lnTo>
+                  <a:lnTo>
+                    <a:pt x="903841" y="1496534"/>
+                  </a:lnTo>
+                  <a:cubicBezTo>
+                    <a:pt x="903842" y="1521084"/>
+                    <a:pt x="883941" y="1540985"/>
+                    <a:pt x="859391" y="1540985"/>
+                  </a:cubicBezTo>
+                  <a:lnTo>
+                    <a:pt x="681593" y="1540985"/>
+                  </a:lnTo>
+                  <a:cubicBezTo>
+                    <a:pt x="657043" y="1540985"/>
+                    <a:pt x="637142" y="1521084"/>
+                    <a:pt x="637141" y="1496534"/>
+                  </a:cubicBezTo>
+                  <a:lnTo>
+                    <a:pt x="637142" y="1412889"/>
+                  </a:lnTo>
+                  <a:lnTo>
+                    <a:pt x="515119" y="1375011"/>
+                  </a:lnTo>
+                  <a:lnTo>
+                    <a:pt x="396857" y="1308965"/>
+                  </a:lnTo>
+                  <a:lnTo>
+                    <a:pt x="335679" y="1367029"/>
+                  </a:lnTo>
+                  <a:cubicBezTo>
+                    <a:pt x="317872" y="1383930"/>
+                    <a:pt x="289736" y="1383195"/>
+                    <a:pt x="272837" y="1365387"/>
+                  </a:cubicBezTo>
+                  <a:lnTo>
+                    <a:pt x="150438" y="1236428"/>
+                  </a:lnTo>
+                  <a:cubicBezTo>
+                    <a:pt x="133537" y="1218621"/>
+                    <a:pt x="134273" y="1190486"/>
+                    <a:pt x="152078" y="1173586"/>
+                  </a:cubicBezTo>
+                  <a:lnTo>
+                    <a:pt x="214169" y="1114656"/>
+                  </a:lnTo>
+                  <a:lnTo>
+                    <a:pt x="201341" y="1097060"/>
+                  </a:lnTo>
+                  <a:cubicBezTo>
+                    <a:pt x="177642" y="1055846"/>
+                    <a:pt x="158291" y="1011814"/>
+                    <a:pt x="143914" y="965591"/>
+                  </a:cubicBezTo>
+                  <a:lnTo>
+                    <a:pt x="129684" y="903843"/>
+                  </a:lnTo>
+                  <a:lnTo>
+                    <a:pt x="44451" y="903843"/>
+                  </a:lnTo>
+                  <a:cubicBezTo>
+                    <a:pt x="19901" y="903843"/>
+                    <a:pt x="0" y="883942"/>
+                    <a:pt x="0" y="859392"/>
+                  </a:cubicBezTo>
+                  <a:lnTo>
+                    <a:pt x="0" y="681595"/>
+                  </a:lnTo>
+                  <a:cubicBezTo>
+                    <a:pt x="-1" y="657044"/>
+                    <a:pt x="19900" y="637143"/>
+                    <a:pt x="44451" y="637143"/>
+                  </a:cubicBezTo>
+                  <a:lnTo>
+                    <a:pt x="129685" y="637143"/>
+                  </a:lnTo>
+                  <a:lnTo>
+                    <a:pt x="143915" y="575398"/>
+                  </a:lnTo>
+                  <a:cubicBezTo>
+                    <a:pt x="158292" y="529174"/>
+                    <a:pt x="177642" y="485143"/>
+                    <a:pt x="201340" y="443929"/>
+                  </a:cubicBezTo>
+                  <a:lnTo>
+                    <a:pt x="234076" y="399023"/>
+                  </a:lnTo>
+                  <a:lnTo>
+                    <a:pt x="173955" y="335680"/>
+                  </a:lnTo>
+                  <a:cubicBezTo>
+                    <a:pt x="157055" y="317873"/>
+                    <a:pt x="157790" y="289738"/>
+                    <a:pt x="175597" y="272837"/>
+                  </a:cubicBezTo>
+                  <a:lnTo>
+                    <a:pt x="304558" y="150439"/>
+                  </a:lnTo>
+                  <a:cubicBezTo>
+                    <a:pt x="322363" y="133539"/>
+                    <a:pt x="350499" y="134274"/>
+                    <a:pt x="367399" y="152081"/>
+                  </a:cubicBezTo>
+                  <a:lnTo>
+                    <a:pt x="427194" y="215081"/>
+                  </a:lnTo>
+                  <a:lnTo>
+                    <a:pt x="515119" y="165977"/>
+                  </a:lnTo>
+                  <a:lnTo>
+                    <a:pt x="637141" y="128099"/>
+                  </a:lnTo>
+                  <a:lnTo>
+                    <a:pt x="637141" y="44452"/>
+                  </a:lnTo>
+                  <a:cubicBezTo>
+                    <a:pt x="637142" y="19902"/>
+                    <a:pt x="657043" y="1"/>
+                    <a:pt x="681593" y="0"/>
+                  </a:cubicBezTo>
+                  <a:close/>
+                </a:path>
+              </a:pathLst>
+            </a:custGeom>
+            <a:grpFill/>
+            <a:ln>
+              <a:noFill/>
+            </a:ln>
+          </p:spPr>
+          <p:style>
+            <a:lnRef idx="2">
+              <a:schemeClr val="accent1">
+                <a:shade val="50000"/>
+              </a:schemeClr>
+            </a:lnRef>
+            <a:fillRef idx="1">
+              <a:schemeClr val="accent1"/>
+            </a:fillRef>
+            <a:effectRef idx="0">
+              <a:schemeClr val="accent1"/>
+            </a:effectRef>
+            <a:fontRef idx="minor">
+              <a:schemeClr val="lt1"/>
+            </a:fontRef>
+          </p:style>
+          <p:txBody>
+            <a:bodyPr rtlCol="0" anchor="ctr"/>
+            <a:lstStyle/>
+            <a:p>
+              <a:pPr algn="ctr"/>
+              <a:endParaRPr lang="zh-CN" altLang="en-US"/>
+            </a:p>
+          </p:txBody>
+        </p:sp>
+      </p:grpSp>
     </p:spTree>
     <p:extLst>
       <p:ext uri="{BB962C8B-B14F-4D97-AF65-F5344CB8AC3E}">
@@ -10315,6 +18866,40 @@
 </p:tagLst>
 </file>
 
+<file path=ppt/tags/tag11.xml><?xml version="1.0" encoding="utf-8"?>
+<p:tagLst xmlns:a="http://schemas.openxmlformats.org/drawingml/2006/main" xmlns:r="http://schemas.openxmlformats.org/officeDocument/2006/relationships" xmlns:p="http://schemas.openxmlformats.org/presentationml/2006/main">
+  <p:tag name="PA" val="v5.2.9"/>
+  <p:tag name="PAMAINTYPE" val="4"/>
+  <p:tag name="PATYPE" val="146"/>
+  <p:tag name="PASUBTYPE" val="147"/>
+  <p:tag name="RESOURCELIBID_SHAPE" val="3965"/>
+  <p:tag name="RESOURCELIB_SHAPETYPE" val="4"/>
+</p:tagLst>
+</file>
+
+<file path=ppt/tags/tag12.xml><?xml version="1.0" encoding="utf-8"?>
+<p:tagLst xmlns:a="http://schemas.openxmlformats.org/drawingml/2006/main" xmlns:r="http://schemas.openxmlformats.org/officeDocument/2006/relationships" xmlns:p="http://schemas.openxmlformats.org/presentationml/2006/main">
+  <p:tag name="PA" val="v5.2.9"/>
+  <p:tag name="PAMAINTYPE" val="4"/>
+  <p:tag name="PATYPE" val="163"/>
+  <p:tag name="PASUBTYPE" val="164"/>
+  <p:tag name="RESOURCELIBID_SHAPE" val="284715"/>
+  <p:tag name="RESOURCELIB_SHAPETYPE" val="4"/>
+</p:tagLst>
+</file>
+
+<file path=ppt/tags/tag13.xml><?xml version="1.0" encoding="utf-8"?>
+<p:tagLst xmlns:a="http://schemas.openxmlformats.org/drawingml/2006/main" xmlns:r="http://schemas.openxmlformats.org/officeDocument/2006/relationships" xmlns:p="http://schemas.openxmlformats.org/presentationml/2006/main">
+  <p:tag name="PA" val="v5.2.9"/>
+</p:tagLst>
+</file>
+
+<file path=ppt/tags/tag14.xml><?xml version="1.0" encoding="utf-8"?>
+<p:tagLst xmlns:a="http://schemas.openxmlformats.org/drawingml/2006/main" xmlns:r="http://schemas.openxmlformats.org/officeDocument/2006/relationships" xmlns:p="http://schemas.openxmlformats.org/presentationml/2006/main">
+  <p:tag name="PA" val="v5.2.9"/>
+</p:tagLst>
+</file>
+
 <file path=ppt/tags/tag2.xml><?xml version="1.0" encoding="utf-8"?>
 <p:tagLst xmlns:a="http://schemas.openxmlformats.org/drawingml/2006/main" xmlns:r="http://schemas.openxmlformats.org/officeDocument/2006/relationships" xmlns:p="http://schemas.openxmlformats.org/presentationml/2006/main">
   <p:tag name="PA" val="v5.2.9"/>
@@ -10353,22 +18938,12 @@
 <file path=ppt/tags/tag7.xml><?xml version="1.0" encoding="utf-8"?>
 <p:tagLst xmlns:a="http://schemas.openxmlformats.org/drawingml/2006/main" xmlns:r="http://schemas.openxmlformats.org/officeDocument/2006/relationships" xmlns:p="http://schemas.openxmlformats.org/presentationml/2006/main">
   <p:tag name="PA" val="v5.2.9"/>
-  <p:tag name="PAMAINTYPE" val="4"/>
-  <p:tag name="PATYPE" val="146"/>
-  <p:tag name="PASUBTYPE" val="147"/>
-  <p:tag name="RESOURCELIBID_SHAPE" val="3965"/>
-  <p:tag name="RESOURCELIB_SHAPETYPE" val="4"/>
 </p:tagLst>
 </file>
 
 <file path=ppt/tags/tag8.xml><?xml version="1.0" encoding="utf-8"?>
 <p:tagLst xmlns:a="http://schemas.openxmlformats.org/drawingml/2006/main" xmlns:r="http://schemas.openxmlformats.org/officeDocument/2006/relationships" xmlns:p="http://schemas.openxmlformats.org/presentationml/2006/main">
   <p:tag name="PA" val="v5.2.9"/>
-  <p:tag name="PAMAINTYPE" val="4"/>
-  <p:tag name="PATYPE" val="163"/>
-  <p:tag name="PASUBTYPE" val="164"/>
-  <p:tag name="RESOURCELIBID_SHAPE" val="284715"/>
-  <p:tag name="RESOURCELIB_SHAPETYPE" val="4"/>
 </p:tagLst>
 </file>
 

--- a/icons/MinecraftApiToolbox.ico.pptx
+++ b/icons/MinecraftApiToolbox.ico.pptx
@@ -8123,6 +8123,485 @@
           </p:sp>
         </p:grpSp>
       </p:grpSp>
+      <p:sp>
+        <p:nvSpPr>
+          <p:cNvPr id="20" name="图形 4" descr="螺丝刀">
+            <a:extLst>
+              <a:ext uri="{FF2B5EF4-FFF2-40B4-BE49-F238E27FC236}">
+                <a16:creationId xmlns:a16="http://schemas.microsoft.com/office/drawing/2014/main" id="{CF70E764-7491-48B6-963F-EFE8323DFDA9}"/>
+              </a:ext>
+            </a:extLst>
+          </p:cNvPr>
+          <p:cNvSpPr/>
+          <p:nvPr/>
+        </p:nvSpPr>
+        <p:spPr>
+          <a:xfrm>
+            <a:off x="2510404" y="2999019"/>
+            <a:ext cx="838137" cy="839090"/>
+          </a:xfrm>
+          <a:custGeom>
+            <a:avLst/>
+            <a:gdLst>
+              <a:gd name="connsiteX0" fmla="*/ 801943 w 838137"/>
+              <a:gd name="connsiteY0" fmla="*/ 0 h 839090"/>
+              <a:gd name="connsiteX1" fmla="*/ 711455 w 838137"/>
+              <a:gd name="connsiteY1" fmla="*/ 72390 h 839090"/>
+              <a:gd name="connsiteX2" fmla="*/ 684786 w 838137"/>
+              <a:gd name="connsiteY2" fmla="*/ 122873 h 839090"/>
+              <a:gd name="connsiteX3" fmla="*/ 685738 w 838137"/>
+              <a:gd name="connsiteY3" fmla="*/ 123825 h 839090"/>
+              <a:gd name="connsiteX4" fmla="*/ 361888 w 838137"/>
+              <a:gd name="connsiteY4" fmla="*/ 447675 h 839090"/>
+              <a:gd name="connsiteX5" fmla="*/ 322836 w 838137"/>
+              <a:gd name="connsiteY5" fmla="*/ 407670 h 839090"/>
+              <a:gd name="connsiteX6" fmla="*/ 295213 w 838137"/>
+              <a:gd name="connsiteY6" fmla="*/ 435293 h 839090"/>
+              <a:gd name="connsiteX7" fmla="*/ 295213 w 838137"/>
+              <a:gd name="connsiteY7" fmla="*/ 471488 h 839090"/>
+              <a:gd name="connsiteX8" fmla="*/ 259018 w 838137"/>
+              <a:gd name="connsiteY8" fmla="*/ 471488 h 839090"/>
+              <a:gd name="connsiteX9" fmla="*/ 13273 w 838137"/>
+              <a:gd name="connsiteY9" fmla="*/ 716280 h 839090"/>
+              <a:gd name="connsiteX10" fmla="*/ 14225 w 838137"/>
+              <a:gd name="connsiteY10" fmla="*/ 717233 h 839090"/>
+              <a:gd name="connsiteX11" fmla="*/ 22798 w 838137"/>
+              <a:gd name="connsiteY11" fmla="*/ 816293 h 839090"/>
+              <a:gd name="connsiteX12" fmla="*/ 121858 w 838137"/>
+              <a:gd name="connsiteY12" fmla="*/ 824865 h 839090"/>
+              <a:gd name="connsiteX13" fmla="*/ 122810 w 838137"/>
+              <a:gd name="connsiteY13" fmla="*/ 825818 h 839090"/>
+              <a:gd name="connsiteX14" fmla="*/ 132335 w 838137"/>
+              <a:gd name="connsiteY14" fmla="*/ 816293 h 839090"/>
+              <a:gd name="connsiteX15" fmla="*/ 367603 w 838137"/>
+              <a:gd name="connsiteY15" fmla="*/ 581025 h 839090"/>
+              <a:gd name="connsiteX16" fmla="*/ 367603 w 838137"/>
+              <a:gd name="connsiteY16" fmla="*/ 544830 h 839090"/>
+              <a:gd name="connsiteX17" fmla="*/ 403798 w 838137"/>
+              <a:gd name="connsiteY17" fmla="*/ 544830 h 839090"/>
+              <a:gd name="connsiteX18" fmla="*/ 430468 w 838137"/>
+              <a:gd name="connsiteY18" fmla="*/ 518160 h 839090"/>
+              <a:gd name="connsiteX19" fmla="*/ 390463 w 838137"/>
+              <a:gd name="connsiteY19" fmla="*/ 477203 h 839090"/>
+              <a:gd name="connsiteX20" fmla="*/ 714313 w 838137"/>
+              <a:gd name="connsiteY20" fmla="*/ 153353 h 839090"/>
+              <a:gd name="connsiteX21" fmla="*/ 715265 w 838137"/>
+              <a:gd name="connsiteY21" fmla="*/ 154305 h 839090"/>
+              <a:gd name="connsiteX22" fmla="*/ 765748 w 838137"/>
+              <a:gd name="connsiteY22" fmla="*/ 127635 h 839090"/>
+              <a:gd name="connsiteX23" fmla="*/ 838138 w 838137"/>
+              <a:gd name="connsiteY23" fmla="*/ 36195 h 839090"/>
+              <a:gd name="connsiteX24" fmla="*/ 801943 w 838137"/>
+              <a:gd name="connsiteY24" fmla="*/ 0 h 839090"/>
+            </a:gdLst>
+            <a:ahLst/>
+            <a:cxnLst>
+              <a:cxn ang="0">
+                <a:pos x="connsiteX0" y="connsiteY0"/>
+              </a:cxn>
+              <a:cxn ang="0">
+                <a:pos x="connsiteX1" y="connsiteY1"/>
+              </a:cxn>
+              <a:cxn ang="0">
+                <a:pos x="connsiteX2" y="connsiteY2"/>
+              </a:cxn>
+              <a:cxn ang="0">
+                <a:pos x="connsiteX3" y="connsiteY3"/>
+              </a:cxn>
+              <a:cxn ang="0">
+                <a:pos x="connsiteX4" y="connsiteY4"/>
+              </a:cxn>
+              <a:cxn ang="0">
+                <a:pos x="connsiteX5" y="connsiteY5"/>
+              </a:cxn>
+              <a:cxn ang="0">
+                <a:pos x="connsiteX6" y="connsiteY6"/>
+              </a:cxn>
+              <a:cxn ang="0">
+                <a:pos x="connsiteX7" y="connsiteY7"/>
+              </a:cxn>
+              <a:cxn ang="0">
+                <a:pos x="connsiteX8" y="connsiteY8"/>
+              </a:cxn>
+              <a:cxn ang="0">
+                <a:pos x="connsiteX9" y="connsiteY9"/>
+              </a:cxn>
+              <a:cxn ang="0">
+                <a:pos x="connsiteX10" y="connsiteY10"/>
+              </a:cxn>
+              <a:cxn ang="0">
+                <a:pos x="connsiteX11" y="connsiteY11"/>
+              </a:cxn>
+              <a:cxn ang="0">
+                <a:pos x="connsiteX12" y="connsiteY12"/>
+              </a:cxn>
+              <a:cxn ang="0">
+                <a:pos x="connsiteX13" y="connsiteY13"/>
+              </a:cxn>
+              <a:cxn ang="0">
+                <a:pos x="connsiteX14" y="connsiteY14"/>
+              </a:cxn>
+              <a:cxn ang="0">
+                <a:pos x="connsiteX15" y="connsiteY15"/>
+              </a:cxn>
+              <a:cxn ang="0">
+                <a:pos x="connsiteX16" y="connsiteY16"/>
+              </a:cxn>
+              <a:cxn ang="0">
+                <a:pos x="connsiteX17" y="connsiteY17"/>
+              </a:cxn>
+              <a:cxn ang="0">
+                <a:pos x="connsiteX18" y="connsiteY18"/>
+              </a:cxn>
+              <a:cxn ang="0">
+                <a:pos x="connsiteX19" y="connsiteY19"/>
+              </a:cxn>
+              <a:cxn ang="0">
+                <a:pos x="connsiteX20" y="connsiteY20"/>
+              </a:cxn>
+              <a:cxn ang="0">
+                <a:pos x="connsiteX21" y="connsiteY21"/>
+              </a:cxn>
+              <a:cxn ang="0">
+                <a:pos x="connsiteX22" y="connsiteY22"/>
+              </a:cxn>
+              <a:cxn ang="0">
+                <a:pos x="connsiteX23" y="connsiteY23"/>
+              </a:cxn>
+              <a:cxn ang="0">
+                <a:pos x="connsiteX24" y="connsiteY24"/>
+              </a:cxn>
+            </a:cxnLst>
+            <a:rect l="l" t="t" r="r" b="b"/>
+            <a:pathLst>
+              <a:path w="838137" h="839090">
+                <a:moveTo>
+                  <a:pt x="801943" y="0"/>
+                </a:moveTo>
+                <a:lnTo>
+                  <a:pt x="711455" y="72390"/>
+                </a:lnTo>
+                <a:lnTo>
+                  <a:pt x="684786" y="122873"/>
+                </a:lnTo>
+                <a:lnTo>
+                  <a:pt x="685738" y="123825"/>
+                </a:lnTo>
+                <a:lnTo>
+                  <a:pt x="361888" y="447675"/>
+                </a:lnTo>
+                <a:lnTo>
+                  <a:pt x="322836" y="407670"/>
+                </a:lnTo>
+                <a:lnTo>
+                  <a:pt x="295213" y="435293"/>
+                </a:lnTo>
+                <a:cubicBezTo>
+                  <a:pt x="305690" y="445770"/>
+                  <a:pt x="305690" y="461963"/>
+                  <a:pt x="295213" y="471488"/>
+                </a:cubicBezTo>
+                <a:cubicBezTo>
+                  <a:pt x="284736" y="481965"/>
+                  <a:pt x="268543" y="481965"/>
+                  <a:pt x="259018" y="471488"/>
+                </a:cubicBezTo>
+                <a:lnTo>
+                  <a:pt x="13273" y="716280"/>
+                </a:lnTo>
+                <a:lnTo>
+                  <a:pt x="14225" y="717233"/>
+                </a:lnTo>
+                <a:cubicBezTo>
+                  <a:pt x="-7682" y="747713"/>
+                  <a:pt x="-3872" y="789623"/>
+                  <a:pt x="22798" y="816293"/>
+                </a:cubicBezTo>
+                <a:cubicBezTo>
+                  <a:pt x="49468" y="842963"/>
+                  <a:pt x="91378" y="846773"/>
+                  <a:pt x="121858" y="824865"/>
+                </a:cubicBezTo>
+                <a:lnTo>
+                  <a:pt x="122810" y="825818"/>
+                </a:lnTo>
+                <a:lnTo>
+                  <a:pt x="132335" y="816293"/>
+                </a:lnTo>
+                <a:lnTo>
+                  <a:pt x="367603" y="581025"/>
+                </a:lnTo>
+                <a:cubicBezTo>
+                  <a:pt x="357125" y="570548"/>
+                  <a:pt x="357125" y="554355"/>
+                  <a:pt x="367603" y="544830"/>
+                </a:cubicBezTo>
+                <a:cubicBezTo>
+                  <a:pt x="378081" y="534353"/>
+                  <a:pt x="394273" y="534353"/>
+                  <a:pt x="403798" y="544830"/>
+                </a:cubicBezTo>
+                <a:lnTo>
+                  <a:pt x="430468" y="518160"/>
+                </a:lnTo>
+                <a:lnTo>
+                  <a:pt x="390463" y="477203"/>
+                </a:lnTo>
+                <a:lnTo>
+                  <a:pt x="714313" y="153353"/>
+                </a:lnTo>
+                <a:lnTo>
+                  <a:pt x="715265" y="154305"/>
+                </a:lnTo>
+                <a:lnTo>
+                  <a:pt x="765748" y="127635"/>
+                </a:lnTo>
+                <a:lnTo>
+                  <a:pt x="838138" y="36195"/>
+                </a:lnTo>
+                <a:lnTo>
+                  <a:pt x="801943" y="0"/>
+                </a:lnTo>
+                <a:close/>
+              </a:path>
+            </a:pathLst>
+          </a:custGeom>
+          <a:solidFill>
+            <a:srgbClr val="000000"/>
+          </a:solidFill>
+          <a:ln w="9525" cap="flat">
+            <a:noFill/>
+            <a:prstDash val="solid"/>
+            <a:miter/>
+          </a:ln>
+        </p:spPr>
+        <p:txBody>
+          <a:bodyPr rtlCol="0" anchor="ctr"/>
+          <a:lstStyle/>
+          <a:p>
+            <a:endParaRPr lang="zh-CN" altLang="en-US" dirty="0"/>
+          </a:p>
+        </p:txBody>
+      </p:sp>
+      <p:sp>
+        <p:nvSpPr>
+          <p:cNvPr id="21" name="图形 6" descr="扳手">
+            <a:extLst>
+              <a:ext uri="{FF2B5EF4-FFF2-40B4-BE49-F238E27FC236}">
+                <a16:creationId xmlns:a16="http://schemas.microsoft.com/office/drawing/2014/main" id="{9467ECAB-DA73-4CA7-BE3F-B23EB9F15838}"/>
+              </a:ext>
+            </a:extLst>
+          </p:cNvPr>
+          <p:cNvSpPr/>
+          <p:nvPr/>
+        </p:nvSpPr>
+        <p:spPr>
+          <a:xfrm rot="5400000">
+            <a:off x="2510785" y="2998721"/>
+            <a:ext cx="837374" cy="839686"/>
+          </a:xfrm>
+          <a:custGeom>
+            <a:avLst/>
+            <a:gdLst>
+              <a:gd name="connsiteX0" fmla="*/ 743490 w 837374"/>
+              <a:gd name="connsiteY0" fmla="*/ 180766 h 839686"/>
+              <a:gd name="connsiteX1" fmla="*/ 675862 w 837374"/>
+              <a:gd name="connsiteY1" fmla="*/ 162668 h 839686"/>
+              <a:gd name="connsiteX2" fmla="*/ 657765 w 837374"/>
+              <a:gd name="connsiteY2" fmla="*/ 95041 h 839686"/>
+              <a:gd name="connsiteX3" fmla="*/ 743490 w 837374"/>
+              <a:gd name="connsiteY3" fmla="*/ 9316 h 839686"/>
+              <a:gd name="connsiteX4" fmla="*/ 593947 w 837374"/>
+              <a:gd name="connsiteY4" fmla="*/ 37891 h 839686"/>
+              <a:gd name="connsiteX5" fmla="*/ 552037 w 837374"/>
+              <a:gd name="connsiteY5" fmla="*/ 183623 h 839686"/>
+              <a:gd name="connsiteX6" fmla="*/ 182467 w 837374"/>
+              <a:gd name="connsiteY6" fmla="*/ 553194 h 839686"/>
+              <a:gd name="connsiteX7" fmla="*/ 37687 w 837374"/>
+              <a:gd name="connsiteY7" fmla="*/ 596056 h 839686"/>
+              <a:gd name="connsiteX8" fmla="*/ 9112 w 837374"/>
+              <a:gd name="connsiteY8" fmla="*/ 744646 h 839686"/>
+              <a:gd name="connsiteX9" fmla="*/ 94837 w 837374"/>
+              <a:gd name="connsiteY9" fmla="*/ 658921 h 839686"/>
+              <a:gd name="connsiteX10" fmla="*/ 161512 w 837374"/>
+              <a:gd name="connsiteY10" fmla="*/ 677019 h 839686"/>
+              <a:gd name="connsiteX11" fmla="*/ 179610 w 837374"/>
+              <a:gd name="connsiteY11" fmla="*/ 744646 h 839686"/>
+              <a:gd name="connsiteX12" fmla="*/ 93885 w 837374"/>
+              <a:gd name="connsiteY12" fmla="*/ 830371 h 839686"/>
+              <a:gd name="connsiteX13" fmla="*/ 243427 w 837374"/>
+              <a:gd name="connsiteY13" fmla="*/ 801796 h 839686"/>
+              <a:gd name="connsiteX14" fmla="*/ 285337 w 837374"/>
+              <a:gd name="connsiteY14" fmla="*/ 656064 h 839686"/>
+              <a:gd name="connsiteX15" fmla="*/ 654907 w 837374"/>
+              <a:gd name="connsiteY15" fmla="*/ 286493 h 839686"/>
+              <a:gd name="connsiteX16" fmla="*/ 799687 w 837374"/>
+              <a:gd name="connsiteY16" fmla="*/ 243631 h 839686"/>
+              <a:gd name="connsiteX17" fmla="*/ 828262 w 837374"/>
+              <a:gd name="connsiteY17" fmla="*/ 95041 h 839686"/>
+              <a:gd name="connsiteX18" fmla="*/ 743490 w 837374"/>
+              <a:gd name="connsiteY18" fmla="*/ 180766 h 839686"/>
+            </a:gdLst>
+            <a:ahLst/>
+            <a:cxnLst>
+              <a:cxn ang="0">
+                <a:pos x="connsiteX0" y="connsiteY0"/>
+              </a:cxn>
+              <a:cxn ang="0">
+                <a:pos x="connsiteX1" y="connsiteY1"/>
+              </a:cxn>
+              <a:cxn ang="0">
+                <a:pos x="connsiteX2" y="connsiteY2"/>
+              </a:cxn>
+              <a:cxn ang="0">
+                <a:pos x="connsiteX3" y="connsiteY3"/>
+              </a:cxn>
+              <a:cxn ang="0">
+                <a:pos x="connsiteX4" y="connsiteY4"/>
+              </a:cxn>
+              <a:cxn ang="0">
+                <a:pos x="connsiteX5" y="connsiteY5"/>
+              </a:cxn>
+              <a:cxn ang="0">
+                <a:pos x="connsiteX6" y="connsiteY6"/>
+              </a:cxn>
+              <a:cxn ang="0">
+                <a:pos x="connsiteX7" y="connsiteY7"/>
+              </a:cxn>
+              <a:cxn ang="0">
+                <a:pos x="connsiteX8" y="connsiteY8"/>
+              </a:cxn>
+              <a:cxn ang="0">
+                <a:pos x="connsiteX9" y="connsiteY9"/>
+              </a:cxn>
+              <a:cxn ang="0">
+                <a:pos x="connsiteX10" y="connsiteY10"/>
+              </a:cxn>
+              <a:cxn ang="0">
+                <a:pos x="connsiteX11" y="connsiteY11"/>
+              </a:cxn>
+              <a:cxn ang="0">
+                <a:pos x="connsiteX12" y="connsiteY12"/>
+              </a:cxn>
+              <a:cxn ang="0">
+                <a:pos x="connsiteX13" y="connsiteY13"/>
+              </a:cxn>
+              <a:cxn ang="0">
+                <a:pos x="connsiteX14" y="connsiteY14"/>
+              </a:cxn>
+              <a:cxn ang="0">
+                <a:pos x="connsiteX15" y="connsiteY15"/>
+              </a:cxn>
+              <a:cxn ang="0">
+                <a:pos x="connsiteX16" y="connsiteY16"/>
+              </a:cxn>
+              <a:cxn ang="0">
+                <a:pos x="connsiteX17" y="connsiteY17"/>
+              </a:cxn>
+              <a:cxn ang="0">
+                <a:pos x="connsiteX18" y="connsiteY18"/>
+              </a:cxn>
+            </a:cxnLst>
+            <a:rect l="l" t="t" r="r" b="b"/>
+            <a:pathLst>
+              <a:path w="837374" h="839686">
+                <a:moveTo>
+                  <a:pt x="743490" y="180766"/>
+                </a:moveTo>
+                <a:lnTo>
+                  <a:pt x="675862" y="162668"/>
+                </a:lnTo>
+                <a:lnTo>
+                  <a:pt x="657765" y="95041"/>
+                </a:lnTo>
+                <a:lnTo>
+                  <a:pt x="743490" y="9316"/>
+                </a:lnTo>
+                <a:cubicBezTo>
+                  <a:pt x="692055" y="-9734"/>
+                  <a:pt x="634905" y="743"/>
+                  <a:pt x="593947" y="37891"/>
+                </a:cubicBezTo>
+                <a:cubicBezTo>
+                  <a:pt x="553942" y="75038"/>
+                  <a:pt x="536797" y="131236"/>
+                  <a:pt x="552037" y="183623"/>
+                </a:cubicBezTo>
+                <a:lnTo>
+                  <a:pt x="182467" y="553194"/>
+                </a:lnTo>
+                <a:cubicBezTo>
+                  <a:pt x="130080" y="538906"/>
+                  <a:pt x="73882" y="556051"/>
+                  <a:pt x="37687" y="596056"/>
+                </a:cubicBezTo>
+                <a:cubicBezTo>
+                  <a:pt x="1492" y="636061"/>
+                  <a:pt x="-9938" y="693211"/>
+                  <a:pt x="9112" y="744646"/>
+                </a:cubicBezTo>
+                <a:lnTo>
+                  <a:pt x="94837" y="658921"/>
+                </a:lnTo>
+                <a:lnTo>
+                  <a:pt x="161512" y="677019"/>
+                </a:lnTo>
+                <a:lnTo>
+                  <a:pt x="179610" y="744646"/>
+                </a:lnTo>
+                <a:lnTo>
+                  <a:pt x="93885" y="830371"/>
+                </a:lnTo>
+                <a:cubicBezTo>
+                  <a:pt x="145320" y="849421"/>
+                  <a:pt x="202470" y="838944"/>
+                  <a:pt x="243427" y="801796"/>
+                </a:cubicBezTo>
+                <a:cubicBezTo>
+                  <a:pt x="283432" y="764648"/>
+                  <a:pt x="300577" y="708451"/>
+                  <a:pt x="285337" y="656064"/>
+                </a:cubicBezTo>
+                <a:lnTo>
+                  <a:pt x="654907" y="286493"/>
+                </a:lnTo>
+                <a:cubicBezTo>
+                  <a:pt x="707295" y="300781"/>
+                  <a:pt x="763492" y="283636"/>
+                  <a:pt x="799687" y="243631"/>
+                </a:cubicBezTo>
+                <a:cubicBezTo>
+                  <a:pt x="835882" y="203626"/>
+                  <a:pt x="847312" y="146476"/>
+                  <a:pt x="828262" y="95041"/>
+                </a:cubicBezTo>
+                <a:lnTo>
+                  <a:pt x="743490" y="180766"/>
+                </a:lnTo>
+                <a:close/>
+              </a:path>
+            </a:pathLst>
+          </a:custGeom>
+          <a:solidFill>
+            <a:schemeClr val="tx1">
+              <a:lumMod val="85000"/>
+              <a:lumOff val="15000"/>
+            </a:schemeClr>
+          </a:solidFill>
+          <a:ln w="9525" cap="flat">
+            <a:noFill/>
+            <a:prstDash val="solid"/>
+            <a:miter/>
+          </a:ln>
+        </p:spPr>
+        <p:txBody>
+          <a:bodyPr rtlCol="0" anchor="ctr"/>
+          <a:lstStyle/>
+          <a:p>
+            <a:endParaRPr lang="zh-CN" altLang="en-US"/>
+          </a:p>
+        </p:txBody>
+      </p:sp>
     </p:spTree>
     <p:extLst>
       <p:ext uri="{BB962C8B-B14F-4D97-AF65-F5344CB8AC3E}">
@@ -10355,523 +10834,6 @@
       </p:sp>
       <p:grpSp>
         <p:nvGrpSpPr>
-          <p:cNvPr id="6" name="组合 5">
-            <a:extLst>
-              <a:ext uri="{FF2B5EF4-FFF2-40B4-BE49-F238E27FC236}">
-                <a16:creationId xmlns:a16="http://schemas.microsoft.com/office/drawing/2014/main" id="{888EADD7-3901-45A3-9788-4AD0114D9CEC}"/>
-              </a:ext>
-            </a:extLst>
-          </p:cNvPr>
-          <p:cNvGrpSpPr/>
-          <p:nvPr/>
-        </p:nvGrpSpPr>
-        <p:grpSpPr>
-          <a:xfrm rot="16200000">
-            <a:off x="3361196" y="3405679"/>
-            <a:ext cx="914867" cy="914218"/>
-            <a:chOff x="5676962" y="3009900"/>
-            <a:chExt cx="839686" cy="839090"/>
-          </a:xfrm>
-          <a:effectLst>
-            <a:outerShdw blurRad="50800" dist="38100" dir="18900000" algn="bl" rotWithShape="0">
-              <a:prstClr val="black">
-                <a:alpha val="40000"/>
-              </a:prstClr>
-            </a:outerShdw>
-          </a:effectLst>
-        </p:grpSpPr>
-        <p:sp>
-          <p:nvSpPr>
-            <p:cNvPr id="7" name="图形 6" descr="扳手">
-              <a:extLst>
-                <a:ext uri="{FF2B5EF4-FFF2-40B4-BE49-F238E27FC236}">
-                  <a16:creationId xmlns:a16="http://schemas.microsoft.com/office/drawing/2014/main" id="{FDD315A9-0299-4DC8-997D-17C0088C25FC}"/>
-                </a:ext>
-              </a:extLst>
-            </p:cNvPr>
-            <p:cNvSpPr/>
-            <p:nvPr/>
-          </p:nvSpPr>
-          <p:spPr>
-            <a:xfrm rot="5400000">
-              <a:off x="5678118" y="3010460"/>
-              <a:ext cx="837374" cy="839686"/>
-            </a:xfrm>
-            <a:custGeom>
-              <a:avLst/>
-              <a:gdLst>
-                <a:gd name="connsiteX0" fmla="*/ 743490 w 837374"/>
-                <a:gd name="connsiteY0" fmla="*/ 180766 h 839686"/>
-                <a:gd name="connsiteX1" fmla="*/ 675862 w 837374"/>
-                <a:gd name="connsiteY1" fmla="*/ 162668 h 839686"/>
-                <a:gd name="connsiteX2" fmla="*/ 657765 w 837374"/>
-                <a:gd name="connsiteY2" fmla="*/ 95041 h 839686"/>
-                <a:gd name="connsiteX3" fmla="*/ 743490 w 837374"/>
-                <a:gd name="connsiteY3" fmla="*/ 9316 h 839686"/>
-                <a:gd name="connsiteX4" fmla="*/ 593947 w 837374"/>
-                <a:gd name="connsiteY4" fmla="*/ 37891 h 839686"/>
-                <a:gd name="connsiteX5" fmla="*/ 552037 w 837374"/>
-                <a:gd name="connsiteY5" fmla="*/ 183623 h 839686"/>
-                <a:gd name="connsiteX6" fmla="*/ 182467 w 837374"/>
-                <a:gd name="connsiteY6" fmla="*/ 553194 h 839686"/>
-                <a:gd name="connsiteX7" fmla="*/ 37687 w 837374"/>
-                <a:gd name="connsiteY7" fmla="*/ 596056 h 839686"/>
-                <a:gd name="connsiteX8" fmla="*/ 9112 w 837374"/>
-                <a:gd name="connsiteY8" fmla="*/ 744646 h 839686"/>
-                <a:gd name="connsiteX9" fmla="*/ 94837 w 837374"/>
-                <a:gd name="connsiteY9" fmla="*/ 658921 h 839686"/>
-                <a:gd name="connsiteX10" fmla="*/ 161512 w 837374"/>
-                <a:gd name="connsiteY10" fmla="*/ 677019 h 839686"/>
-                <a:gd name="connsiteX11" fmla="*/ 179610 w 837374"/>
-                <a:gd name="connsiteY11" fmla="*/ 744646 h 839686"/>
-                <a:gd name="connsiteX12" fmla="*/ 93885 w 837374"/>
-                <a:gd name="connsiteY12" fmla="*/ 830371 h 839686"/>
-                <a:gd name="connsiteX13" fmla="*/ 243427 w 837374"/>
-                <a:gd name="connsiteY13" fmla="*/ 801796 h 839686"/>
-                <a:gd name="connsiteX14" fmla="*/ 285337 w 837374"/>
-                <a:gd name="connsiteY14" fmla="*/ 656064 h 839686"/>
-                <a:gd name="connsiteX15" fmla="*/ 654907 w 837374"/>
-                <a:gd name="connsiteY15" fmla="*/ 286493 h 839686"/>
-                <a:gd name="connsiteX16" fmla="*/ 799687 w 837374"/>
-                <a:gd name="connsiteY16" fmla="*/ 243631 h 839686"/>
-                <a:gd name="connsiteX17" fmla="*/ 828262 w 837374"/>
-                <a:gd name="connsiteY17" fmla="*/ 95041 h 839686"/>
-                <a:gd name="connsiteX18" fmla="*/ 743490 w 837374"/>
-                <a:gd name="connsiteY18" fmla="*/ 180766 h 839686"/>
-              </a:gdLst>
-              <a:ahLst/>
-              <a:cxnLst>
-                <a:cxn ang="0">
-                  <a:pos x="connsiteX0" y="connsiteY0"/>
-                </a:cxn>
-                <a:cxn ang="0">
-                  <a:pos x="connsiteX1" y="connsiteY1"/>
-                </a:cxn>
-                <a:cxn ang="0">
-                  <a:pos x="connsiteX2" y="connsiteY2"/>
-                </a:cxn>
-                <a:cxn ang="0">
-                  <a:pos x="connsiteX3" y="connsiteY3"/>
-                </a:cxn>
-                <a:cxn ang="0">
-                  <a:pos x="connsiteX4" y="connsiteY4"/>
-                </a:cxn>
-                <a:cxn ang="0">
-                  <a:pos x="connsiteX5" y="connsiteY5"/>
-                </a:cxn>
-                <a:cxn ang="0">
-                  <a:pos x="connsiteX6" y="connsiteY6"/>
-                </a:cxn>
-                <a:cxn ang="0">
-                  <a:pos x="connsiteX7" y="connsiteY7"/>
-                </a:cxn>
-                <a:cxn ang="0">
-                  <a:pos x="connsiteX8" y="connsiteY8"/>
-                </a:cxn>
-                <a:cxn ang="0">
-                  <a:pos x="connsiteX9" y="connsiteY9"/>
-                </a:cxn>
-                <a:cxn ang="0">
-                  <a:pos x="connsiteX10" y="connsiteY10"/>
-                </a:cxn>
-                <a:cxn ang="0">
-                  <a:pos x="connsiteX11" y="connsiteY11"/>
-                </a:cxn>
-                <a:cxn ang="0">
-                  <a:pos x="connsiteX12" y="connsiteY12"/>
-                </a:cxn>
-                <a:cxn ang="0">
-                  <a:pos x="connsiteX13" y="connsiteY13"/>
-                </a:cxn>
-                <a:cxn ang="0">
-                  <a:pos x="connsiteX14" y="connsiteY14"/>
-                </a:cxn>
-                <a:cxn ang="0">
-                  <a:pos x="connsiteX15" y="connsiteY15"/>
-                </a:cxn>
-                <a:cxn ang="0">
-                  <a:pos x="connsiteX16" y="connsiteY16"/>
-                </a:cxn>
-                <a:cxn ang="0">
-                  <a:pos x="connsiteX17" y="connsiteY17"/>
-                </a:cxn>
-                <a:cxn ang="0">
-                  <a:pos x="connsiteX18" y="connsiteY18"/>
-                </a:cxn>
-              </a:cxnLst>
-              <a:rect l="l" t="t" r="r" b="b"/>
-              <a:pathLst>
-                <a:path w="837374" h="839686">
-                  <a:moveTo>
-                    <a:pt x="743490" y="180766"/>
-                  </a:moveTo>
-                  <a:lnTo>
-                    <a:pt x="675862" y="162668"/>
-                  </a:lnTo>
-                  <a:lnTo>
-                    <a:pt x="657765" y="95041"/>
-                  </a:lnTo>
-                  <a:lnTo>
-                    <a:pt x="743490" y="9316"/>
-                  </a:lnTo>
-                  <a:cubicBezTo>
-                    <a:pt x="692055" y="-9734"/>
-                    <a:pt x="634905" y="743"/>
-                    <a:pt x="593947" y="37891"/>
-                  </a:cubicBezTo>
-                  <a:cubicBezTo>
-                    <a:pt x="553942" y="75038"/>
-                    <a:pt x="536797" y="131236"/>
-                    <a:pt x="552037" y="183623"/>
-                  </a:cubicBezTo>
-                  <a:lnTo>
-                    <a:pt x="182467" y="553194"/>
-                  </a:lnTo>
-                  <a:cubicBezTo>
-                    <a:pt x="130080" y="538906"/>
-                    <a:pt x="73882" y="556051"/>
-                    <a:pt x="37687" y="596056"/>
-                  </a:cubicBezTo>
-                  <a:cubicBezTo>
-                    <a:pt x="1492" y="636061"/>
-                    <a:pt x="-9938" y="693211"/>
-                    <a:pt x="9112" y="744646"/>
-                  </a:cubicBezTo>
-                  <a:lnTo>
-                    <a:pt x="94837" y="658921"/>
-                  </a:lnTo>
-                  <a:lnTo>
-                    <a:pt x="161512" y="677019"/>
-                  </a:lnTo>
-                  <a:lnTo>
-                    <a:pt x="179610" y="744646"/>
-                  </a:lnTo>
-                  <a:lnTo>
-                    <a:pt x="93885" y="830371"/>
-                  </a:lnTo>
-                  <a:cubicBezTo>
-                    <a:pt x="145320" y="849421"/>
-                    <a:pt x="202470" y="838944"/>
-                    <a:pt x="243427" y="801796"/>
-                  </a:cubicBezTo>
-                  <a:cubicBezTo>
-                    <a:pt x="283432" y="764648"/>
-                    <a:pt x="300577" y="708451"/>
-                    <a:pt x="285337" y="656064"/>
-                  </a:cubicBezTo>
-                  <a:lnTo>
-                    <a:pt x="654907" y="286493"/>
-                  </a:lnTo>
-                  <a:cubicBezTo>
-                    <a:pt x="707295" y="300781"/>
-                    <a:pt x="763492" y="283636"/>
-                    <a:pt x="799687" y="243631"/>
-                  </a:cubicBezTo>
-                  <a:cubicBezTo>
-                    <a:pt x="835882" y="203626"/>
-                    <a:pt x="847312" y="146476"/>
-                    <a:pt x="828262" y="95041"/>
-                  </a:cubicBezTo>
-                  <a:lnTo>
-                    <a:pt x="743490" y="180766"/>
-                  </a:lnTo>
-                  <a:close/>
-                </a:path>
-              </a:pathLst>
-            </a:custGeom>
-            <a:solidFill>
-              <a:schemeClr val="tx1">
-                <a:lumMod val="85000"/>
-                <a:lumOff val="15000"/>
-              </a:schemeClr>
-            </a:solidFill>
-            <a:ln w="9525" cap="flat">
-              <a:noFill/>
-              <a:prstDash val="solid"/>
-              <a:miter/>
-            </a:ln>
-            <a:scene3d>
-              <a:camera prst="orthographicFront"/>
-              <a:lightRig rig="threePt" dir="t"/>
-            </a:scene3d>
-            <a:sp3d contourW="6350"/>
-          </p:spPr>
-          <p:txBody>
-            <a:bodyPr rtlCol="0" anchor="ctr"/>
-            <a:lstStyle/>
-            <a:p>
-              <a:endParaRPr lang="zh-CN" altLang="en-US"/>
-            </a:p>
-          </p:txBody>
-        </p:sp>
-        <p:sp>
-          <p:nvSpPr>
-            <p:cNvPr id="8" name="图形 4" descr="螺丝刀">
-              <a:extLst>
-                <a:ext uri="{FF2B5EF4-FFF2-40B4-BE49-F238E27FC236}">
-                  <a16:creationId xmlns:a16="http://schemas.microsoft.com/office/drawing/2014/main" id="{E66AE3BC-826E-49FA-ABC3-FCDD323C5AD2}"/>
-                </a:ext>
-              </a:extLst>
-            </p:cNvPr>
-            <p:cNvSpPr/>
-            <p:nvPr/>
-          </p:nvSpPr>
-          <p:spPr>
-            <a:xfrm>
-              <a:off x="5676962" y="3009900"/>
-              <a:ext cx="838137" cy="839090"/>
-            </a:xfrm>
-            <a:custGeom>
-              <a:avLst/>
-              <a:gdLst>
-                <a:gd name="connsiteX0" fmla="*/ 801943 w 838137"/>
-                <a:gd name="connsiteY0" fmla="*/ 0 h 839090"/>
-                <a:gd name="connsiteX1" fmla="*/ 711455 w 838137"/>
-                <a:gd name="connsiteY1" fmla="*/ 72390 h 839090"/>
-                <a:gd name="connsiteX2" fmla="*/ 684786 w 838137"/>
-                <a:gd name="connsiteY2" fmla="*/ 122873 h 839090"/>
-                <a:gd name="connsiteX3" fmla="*/ 685738 w 838137"/>
-                <a:gd name="connsiteY3" fmla="*/ 123825 h 839090"/>
-                <a:gd name="connsiteX4" fmla="*/ 361888 w 838137"/>
-                <a:gd name="connsiteY4" fmla="*/ 447675 h 839090"/>
-                <a:gd name="connsiteX5" fmla="*/ 322836 w 838137"/>
-                <a:gd name="connsiteY5" fmla="*/ 407670 h 839090"/>
-                <a:gd name="connsiteX6" fmla="*/ 295213 w 838137"/>
-                <a:gd name="connsiteY6" fmla="*/ 435293 h 839090"/>
-                <a:gd name="connsiteX7" fmla="*/ 295213 w 838137"/>
-                <a:gd name="connsiteY7" fmla="*/ 471488 h 839090"/>
-                <a:gd name="connsiteX8" fmla="*/ 259018 w 838137"/>
-                <a:gd name="connsiteY8" fmla="*/ 471488 h 839090"/>
-                <a:gd name="connsiteX9" fmla="*/ 13273 w 838137"/>
-                <a:gd name="connsiteY9" fmla="*/ 716280 h 839090"/>
-                <a:gd name="connsiteX10" fmla="*/ 14225 w 838137"/>
-                <a:gd name="connsiteY10" fmla="*/ 717233 h 839090"/>
-                <a:gd name="connsiteX11" fmla="*/ 22798 w 838137"/>
-                <a:gd name="connsiteY11" fmla="*/ 816293 h 839090"/>
-                <a:gd name="connsiteX12" fmla="*/ 121858 w 838137"/>
-                <a:gd name="connsiteY12" fmla="*/ 824865 h 839090"/>
-                <a:gd name="connsiteX13" fmla="*/ 122810 w 838137"/>
-                <a:gd name="connsiteY13" fmla="*/ 825818 h 839090"/>
-                <a:gd name="connsiteX14" fmla="*/ 132335 w 838137"/>
-                <a:gd name="connsiteY14" fmla="*/ 816293 h 839090"/>
-                <a:gd name="connsiteX15" fmla="*/ 367603 w 838137"/>
-                <a:gd name="connsiteY15" fmla="*/ 581025 h 839090"/>
-                <a:gd name="connsiteX16" fmla="*/ 367603 w 838137"/>
-                <a:gd name="connsiteY16" fmla="*/ 544830 h 839090"/>
-                <a:gd name="connsiteX17" fmla="*/ 403798 w 838137"/>
-                <a:gd name="connsiteY17" fmla="*/ 544830 h 839090"/>
-                <a:gd name="connsiteX18" fmla="*/ 430468 w 838137"/>
-                <a:gd name="connsiteY18" fmla="*/ 518160 h 839090"/>
-                <a:gd name="connsiteX19" fmla="*/ 390463 w 838137"/>
-                <a:gd name="connsiteY19" fmla="*/ 477203 h 839090"/>
-                <a:gd name="connsiteX20" fmla="*/ 714313 w 838137"/>
-                <a:gd name="connsiteY20" fmla="*/ 153353 h 839090"/>
-                <a:gd name="connsiteX21" fmla="*/ 715265 w 838137"/>
-                <a:gd name="connsiteY21" fmla="*/ 154305 h 839090"/>
-                <a:gd name="connsiteX22" fmla="*/ 765748 w 838137"/>
-                <a:gd name="connsiteY22" fmla="*/ 127635 h 839090"/>
-                <a:gd name="connsiteX23" fmla="*/ 838138 w 838137"/>
-                <a:gd name="connsiteY23" fmla="*/ 36195 h 839090"/>
-                <a:gd name="connsiteX24" fmla="*/ 801943 w 838137"/>
-                <a:gd name="connsiteY24" fmla="*/ 0 h 839090"/>
-              </a:gdLst>
-              <a:ahLst/>
-              <a:cxnLst>
-                <a:cxn ang="0">
-                  <a:pos x="connsiteX0" y="connsiteY0"/>
-                </a:cxn>
-                <a:cxn ang="0">
-                  <a:pos x="connsiteX1" y="connsiteY1"/>
-                </a:cxn>
-                <a:cxn ang="0">
-                  <a:pos x="connsiteX2" y="connsiteY2"/>
-                </a:cxn>
-                <a:cxn ang="0">
-                  <a:pos x="connsiteX3" y="connsiteY3"/>
-                </a:cxn>
-                <a:cxn ang="0">
-                  <a:pos x="connsiteX4" y="connsiteY4"/>
-                </a:cxn>
-                <a:cxn ang="0">
-                  <a:pos x="connsiteX5" y="connsiteY5"/>
-                </a:cxn>
-                <a:cxn ang="0">
-                  <a:pos x="connsiteX6" y="connsiteY6"/>
-                </a:cxn>
-                <a:cxn ang="0">
-                  <a:pos x="connsiteX7" y="connsiteY7"/>
-                </a:cxn>
-                <a:cxn ang="0">
-                  <a:pos x="connsiteX8" y="connsiteY8"/>
-                </a:cxn>
-                <a:cxn ang="0">
-                  <a:pos x="connsiteX9" y="connsiteY9"/>
-                </a:cxn>
-                <a:cxn ang="0">
-                  <a:pos x="connsiteX10" y="connsiteY10"/>
-                </a:cxn>
-                <a:cxn ang="0">
-                  <a:pos x="connsiteX11" y="connsiteY11"/>
-                </a:cxn>
-                <a:cxn ang="0">
-                  <a:pos x="connsiteX12" y="connsiteY12"/>
-                </a:cxn>
-                <a:cxn ang="0">
-                  <a:pos x="connsiteX13" y="connsiteY13"/>
-                </a:cxn>
-                <a:cxn ang="0">
-                  <a:pos x="connsiteX14" y="connsiteY14"/>
-                </a:cxn>
-                <a:cxn ang="0">
-                  <a:pos x="connsiteX15" y="connsiteY15"/>
-                </a:cxn>
-                <a:cxn ang="0">
-                  <a:pos x="connsiteX16" y="connsiteY16"/>
-                </a:cxn>
-                <a:cxn ang="0">
-                  <a:pos x="connsiteX17" y="connsiteY17"/>
-                </a:cxn>
-                <a:cxn ang="0">
-                  <a:pos x="connsiteX18" y="connsiteY18"/>
-                </a:cxn>
-                <a:cxn ang="0">
-                  <a:pos x="connsiteX19" y="connsiteY19"/>
-                </a:cxn>
-                <a:cxn ang="0">
-                  <a:pos x="connsiteX20" y="connsiteY20"/>
-                </a:cxn>
-                <a:cxn ang="0">
-                  <a:pos x="connsiteX21" y="connsiteY21"/>
-                </a:cxn>
-                <a:cxn ang="0">
-                  <a:pos x="connsiteX22" y="connsiteY22"/>
-                </a:cxn>
-                <a:cxn ang="0">
-                  <a:pos x="connsiteX23" y="connsiteY23"/>
-                </a:cxn>
-                <a:cxn ang="0">
-                  <a:pos x="connsiteX24" y="connsiteY24"/>
-                </a:cxn>
-              </a:cxnLst>
-              <a:rect l="l" t="t" r="r" b="b"/>
-              <a:pathLst>
-                <a:path w="838137" h="839090">
-                  <a:moveTo>
-                    <a:pt x="801943" y="0"/>
-                  </a:moveTo>
-                  <a:lnTo>
-                    <a:pt x="711455" y="72390"/>
-                  </a:lnTo>
-                  <a:lnTo>
-                    <a:pt x="684786" y="122873"/>
-                  </a:lnTo>
-                  <a:lnTo>
-                    <a:pt x="685738" y="123825"/>
-                  </a:lnTo>
-                  <a:lnTo>
-                    <a:pt x="361888" y="447675"/>
-                  </a:lnTo>
-                  <a:lnTo>
-                    <a:pt x="322836" y="407670"/>
-                  </a:lnTo>
-                  <a:lnTo>
-                    <a:pt x="295213" y="435293"/>
-                  </a:lnTo>
-                  <a:cubicBezTo>
-                    <a:pt x="305690" y="445770"/>
-                    <a:pt x="305690" y="461963"/>
-                    <a:pt x="295213" y="471488"/>
-                  </a:cubicBezTo>
-                  <a:cubicBezTo>
-                    <a:pt x="284736" y="481965"/>
-                    <a:pt x="268543" y="481965"/>
-                    <a:pt x="259018" y="471488"/>
-                  </a:cubicBezTo>
-                  <a:lnTo>
-                    <a:pt x="13273" y="716280"/>
-                  </a:lnTo>
-                  <a:lnTo>
-                    <a:pt x="14225" y="717233"/>
-                  </a:lnTo>
-                  <a:cubicBezTo>
-                    <a:pt x="-7682" y="747713"/>
-                    <a:pt x="-3872" y="789623"/>
-                    <a:pt x="22798" y="816293"/>
-                  </a:cubicBezTo>
-                  <a:cubicBezTo>
-                    <a:pt x="49468" y="842963"/>
-                    <a:pt x="91378" y="846773"/>
-                    <a:pt x="121858" y="824865"/>
-                  </a:cubicBezTo>
-                  <a:lnTo>
-                    <a:pt x="122810" y="825818"/>
-                  </a:lnTo>
-                  <a:lnTo>
-                    <a:pt x="132335" y="816293"/>
-                  </a:lnTo>
-                  <a:lnTo>
-                    <a:pt x="367603" y="581025"/>
-                  </a:lnTo>
-                  <a:cubicBezTo>
-                    <a:pt x="357125" y="570548"/>
-                    <a:pt x="357125" y="554355"/>
-                    <a:pt x="367603" y="544830"/>
-                  </a:cubicBezTo>
-                  <a:cubicBezTo>
-                    <a:pt x="378081" y="534353"/>
-                    <a:pt x="394273" y="534353"/>
-                    <a:pt x="403798" y="544830"/>
-                  </a:cubicBezTo>
-                  <a:lnTo>
-                    <a:pt x="430468" y="518160"/>
-                  </a:lnTo>
-                  <a:lnTo>
-                    <a:pt x="390463" y="477203"/>
-                  </a:lnTo>
-                  <a:lnTo>
-                    <a:pt x="714313" y="153353"/>
-                  </a:lnTo>
-                  <a:lnTo>
-                    <a:pt x="715265" y="154305"/>
-                  </a:lnTo>
-                  <a:lnTo>
-                    <a:pt x="765748" y="127635"/>
-                  </a:lnTo>
-                  <a:lnTo>
-                    <a:pt x="838138" y="36195"/>
-                  </a:lnTo>
-                  <a:lnTo>
-                    <a:pt x="801943" y="0"/>
-                  </a:lnTo>
-                  <a:close/>
-                </a:path>
-              </a:pathLst>
-            </a:custGeom>
-            <a:solidFill>
-              <a:srgbClr val="000000"/>
-            </a:solidFill>
-            <a:ln w="9525" cap="flat">
-              <a:noFill/>
-              <a:prstDash val="solid"/>
-              <a:miter/>
-            </a:ln>
-            <a:scene3d>
-              <a:camera prst="orthographicFront"/>
-              <a:lightRig rig="threePt" dir="t"/>
-            </a:scene3d>
-            <a:sp3d contourW="6350"/>
-          </p:spPr>
-          <p:txBody>
-            <a:bodyPr rtlCol="0" anchor="ctr"/>
-            <a:lstStyle/>
-            <a:p>
-              <a:endParaRPr lang="zh-CN" altLang="en-US" dirty="0"/>
-            </a:p>
-          </p:txBody>
-        </p:sp>
-      </p:grpSp>
-      <p:grpSp>
-        <p:nvGrpSpPr>
           <p:cNvPr id="14" name="组合 13">
             <a:extLst>
               <a:ext uri="{FF2B5EF4-FFF2-40B4-BE49-F238E27FC236}">
@@ -14609,523 +14571,6 @@
       </p:sp>
       <p:grpSp>
         <p:nvGrpSpPr>
-          <p:cNvPr id="23" name="组合 22">
-            <a:extLst>
-              <a:ext uri="{FF2B5EF4-FFF2-40B4-BE49-F238E27FC236}">
-                <a16:creationId xmlns:a16="http://schemas.microsoft.com/office/drawing/2014/main" id="{E6A611FE-D2F2-4921-9CC1-FFDAD923B9AE}"/>
-              </a:ext>
-            </a:extLst>
-          </p:cNvPr>
-          <p:cNvGrpSpPr/>
-          <p:nvPr/>
-        </p:nvGrpSpPr>
-        <p:grpSpPr>
-          <a:xfrm rot="16200000">
-            <a:off x="10875929" y="3340538"/>
-            <a:ext cx="914867" cy="914218"/>
-            <a:chOff x="5676962" y="3009900"/>
-            <a:chExt cx="839686" cy="839090"/>
-          </a:xfrm>
-          <a:effectLst>
-            <a:outerShdw blurRad="50800" dist="38100" dir="18900000" algn="bl" rotWithShape="0">
-              <a:prstClr val="black">
-                <a:alpha val="40000"/>
-              </a:prstClr>
-            </a:outerShdw>
-          </a:effectLst>
-        </p:grpSpPr>
-        <p:sp>
-          <p:nvSpPr>
-            <p:cNvPr id="24" name="图形 6" descr="扳手">
-              <a:extLst>
-                <a:ext uri="{FF2B5EF4-FFF2-40B4-BE49-F238E27FC236}">
-                  <a16:creationId xmlns:a16="http://schemas.microsoft.com/office/drawing/2014/main" id="{F65A15FA-7198-4647-ABC7-78084C6B5900}"/>
-                </a:ext>
-              </a:extLst>
-            </p:cNvPr>
-            <p:cNvSpPr/>
-            <p:nvPr/>
-          </p:nvSpPr>
-          <p:spPr>
-            <a:xfrm rot="5400000">
-              <a:off x="5678118" y="3010460"/>
-              <a:ext cx="837374" cy="839686"/>
-            </a:xfrm>
-            <a:custGeom>
-              <a:avLst/>
-              <a:gdLst>
-                <a:gd name="connsiteX0" fmla="*/ 743490 w 837374"/>
-                <a:gd name="connsiteY0" fmla="*/ 180766 h 839686"/>
-                <a:gd name="connsiteX1" fmla="*/ 675862 w 837374"/>
-                <a:gd name="connsiteY1" fmla="*/ 162668 h 839686"/>
-                <a:gd name="connsiteX2" fmla="*/ 657765 w 837374"/>
-                <a:gd name="connsiteY2" fmla="*/ 95041 h 839686"/>
-                <a:gd name="connsiteX3" fmla="*/ 743490 w 837374"/>
-                <a:gd name="connsiteY3" fmla="*/ 9316 h 839686"/>
-                <a:gd name="connsiteX4" fmla="*/ 593947 w 837374"/>
-                <a:gd name="connsiteY4" fmla="*/ 37891 h 839686"/>
-                <a:gd name="connsiteX5" fmla="*/ 552037 w 837374"/>
-                <a:gd name="connsiteY5" fmla="*/ 183623 h 839686"/>
-                <a:gd name="connsiteX6" fmla="*/ 182467 w 837374"/>
-                <a:gd name="connsiteY6" fmla="*/ 553194 h 839686"/>
-                <a:gd name="connsiteX7" fmla="*/ 37687 w 837374"/>
-                <a:gd name="connsiteY7" fmla="*/ 596056 h 839686"/>
-                <a:gd name="connsiteX8" fmla="*/ 9112 w 837374"/>
-                <a:gd name="connsiteY8" fmla="*/ 744646 h 839686"/>
-                <a:gd name="connsiteX9" fmla="*/ 94837 w 837374"/>
-                <a:gd name="connsiteY9" fmla="*/ 658921 h 839686"/>
-                <a:gd name="connsiteX10" fmla="*/ 161512 w 837374"/>
-                <a:gd name="connsiteY10" fmla="*/ 677019 h 839686"/>
-                <a:gd name="connsiteX11" fmla="*/ 179610 w 837374"/>
-                <a:gd name="connsiteY11" fmla="*/ 744646 h 839686"/>
-                <a:gd name="connsiteX12" fmla="*/ 93885 w 837374"/>
-                <a:gd name="connsiteY12" fmla="*/ 830371 h 839686"/>
-                <a:gd name="connsiteX13" fmla="*/ 243427 w 837374"/>
-                <a:gd name="connsiteY13" fmla="*/ 801796 h 839686"/>
-                <a:gd name="connsiteX14" fmla="*/ 285337 w 837374"/>
-                <a:gd name="connsiteY14" fmla="*/ 656064 h 839686"/>
-                <a:gd name="connsiteX15" fmla="*/ 654907 w 837374"/>
-                <a:gd name="connsiteY15" fmla="*/ 286493 h 839686"/>
-                <a:gd name="connsiteX16" fmla="*/ 799687 w 837374"/>
-                <a:gd name="connsiteY16" fmla="*/ 243631 h 839686"/>
-                <a:gd name="connsiteX17" fmla="*/ 828262 w 837374"/>
-                <a:gd name="connsiteY17" fmla="*/ 95041 h 839686"/>
-                <a:gd name="connsiteX18" fmla="*/ 743490 w 837374"/>
-                <a:gd name="connsiteY18" fmla="*/ 180766 h 839686"/>
-              </a:gdLst>
-              <a:ahLst/>
-              <a:cxnLst>
-                <a:cxn ang="0">
-                  <a:pos x="connsiteX0" y="connsiteY0"/>
-                </a:cxn>
-                <a:cxn ang="0">
-                  <a:pos x="connsiteX1" y="connsiteY1"/>
-                </a:cxn>
-                <a:cxn ang="0">
-                  <a:pos x="connsiteX2" y="connsiteY2"/>
-                </a:cxn>
-                <a:cxn ang="0">
-                  <a:pos x="connsiteX3" y="connsiteY3"/>
-                </a:cxn>
-                <a:cxn ang="0">
-                  <a:pos x="connsiteX4" y="connsiteY4"/>
-                </a:cxn>
-                <a:cxn ang="0">
-                  <a:pos x="connsiteX5" y="connsiteY5"/>
-                </a:cxn>
-                <a:cxn ang="0">
-                  <a:pos x="connsiteX6" y="connsiteY6"/>
-                </a:cxn>
-                <a:cxn ang="0">
-                  <a:pos x="connsiteX7" y="connsiteY7"/>
-                </a:cxn>
-                <a:cxn ang="0">
-                  <a:pos x="connsiteX8" y="connsiteY8"/>
-                </a:cxn>
-                <a:cxn ang="0">
-                  <a:pos x="connsiteX9" y="connsiteY9"/>
-                </a:cxn>
-                <a:cxn ang="0">
-                  <a:pos x="connsiteX10" y="connsiteY10"/>
-                </a:cxn>
-                <a:cxn ang="0">
-                  <a:pos x="connsiteX11" y="connsiteY11"/>
-                </a:cxn>
-                <a:cxn ang="0">
-                  <a:pos x="connsiteX12" y="connsiteY12"/>
-                </a:cxn>
-                <a:cxn ang="0">
-                  <a:pos x="connsiteX13" y="connsiteY13"/>
-                </a:cxn>
-                <a:cxn ang="0">
-                  <a:pos x="connsiteX14" y="connsiteY14"/>
-                </a:cxn>
-                <a:cxn ang="0">
-                  <a:pos x="connsiteX15" y="connsiteY15"/>
-                </a:cxn>
-                <a:cxn ang="0">
-                  <a:pos x="connsiteX16" y="connsiteY16"/>
-                </a:cxn>
-                <a:cxn ang="0">
-                  <a:pos x="connsiteX17" y="connsiteY17"/>
-                </a:cxn>
-                <a:cxn ang="0">
-                  <a:pos x="connsiteX18" y="connsiteY18"/>
-                </a:cxn>
-              </a:cxnLst>
-              <a:rect l="l" t="t" r="r" b="b"/>
-              <a:pathLst>
-                <a:path w="837374" h="839686">
-                  <a:moveTo>
-                    <a:pt x="743490" y="180766"/>
-                  </a:moveTo>
-                  <a:lnTo>
-                    <a:pt x="675862" y="162668"/>
-                  </a:lnTo>
-                  <a:lnTo>
-                    <a:pt x="657765" y="95041"/>
-                  </a:lnTo>
-                  <a:lnTo>
-                    <a:pt x="743490" y="9316"/>
-                  </a:lnTo>
-                  <a:cubicBezTo>
-                    <a:pt x="692055" y="-9734"/>
-                    <a:pt x="634905" y="743"/>
-                    <a:pt x="593947" y="37891"/>
-                  </a:cubicBezTo>
-                  <a:cubicBezTo>
-                    <a:pt x="553942" y="75038"/>
-                    <a:pt x="536797" y="131236"/>
-                    <a:pt x="552037" y="183623"/>
-                  </a:cubicBezTo>
-                  <a:lnTo>
-                    <a:pt x="182467" y="553194"/>
-                  </a:lnTo>
-                  <a:cubicBezTo>
-                    <a:pt x="130080" y="538906"/>
-                    <a:pt x="73882" y="556051"/>
-                    <a:pt x="37687" y="596056"/>
-                  </a:cubicBezTo>
-                  <a:cubicBezTo>
-                    <a:pt x="1492" y="636061"/>
-                    <a:pt x="-9938" y="693211"/>
-                    <a:pt x="9112" y="744646"/>
-                  </a:cubicBezTo>
-                  <a:lnTo>
-                    <a:pt x="94837" y="658921"/>
-                  </a:lnTo>
-                  <a:lnTo>
-                    <a:pt x="161512" y="677019"/>
-                  </a:lnTo>
-                  <a:lnTo>
-                    <a:pt x="179610" y="744646"/>
-                  </a:lnTo>
-                  <a:lnTo>
-                    <a:pt x="93885" y="830371"/>
-                  </a:lnTo>
-                  <a:cubicBezTo>
-                    <a:pt x="145320" y="849421"/>
-                    <a:pt x="202470" y="838944"/>
-                    <a:pt x="243427" y="801796"/>
-                  </a:cubicBezTo>
-                  <a:cubicBezTo>
-                    <a:pt x="283432" y="764648"/>
-                    <a:pt x="300577" y="708451"/>
-                    <a:pt x="285337" y="656064"/>
-                  </a:cubicBezTo>
-                  <a:lnTo>
-                    <a:pt x="654907" y="286493"/>
-                  </a:lnTo>
-                  <a:cubicBezTo>
-                    <a:pt x="707295" y="300781"/>
-                    <a:pt x="763492" y="283636"/>
-                    <a:pt x="799687" y="243631"/>
-                  </a:cubicBezTo>
-                  <a:cubicBezTo>
-                    <a:pt x="835882" y="203626"/>
-                    <a:pt x="847312" y="146476"/>
-                    <a:pt x="828262" y="95041"/>
-                  </a:cubicBezTo>
-                  <a:lnTo>
-                    <a:pt x="743490" y="180766"/>
-                  </a:lnTo>
-                  <a:close/>
-                </a:path>
-              </a:pathLst>
-            </a:custGeom>
-            <a:solidFill>
-              <a:schemeClr val="tx1">
-                <a:lumMod val="85000"/>
-                <a:lumOff val="15000"/>
-              </a:schemeClr>
-            </a:solidFill>
-            <a:ln w="9525" cap="flat">
-              <a:noFill/>
-              <a:prstDash val="solid"/>
-              <a:miter/>
-            </a:ln>
-            <a:scene3d>
-              <a:camera prst="orthographicFront"/>
-              <a:lightRig rig="threePt" dir="t"/>
-            </a:scene3d>
-            <a:sp3d contourW="6350"/>
-          </p:spPr>
-          <p:txBody>
-            <a:bodyPr rtlCol="0" anchor="ctr"/>
-            <a:lstStyle/>
-            <a:p>
-              <a:endParaRPr lang="zh-CN" altLang="en-US"/>
-            </a:p>
-          </p:txBody>
-        </p:sp>
-        <p:sp>
-          <p:nvSpPr>
-            <p:cNvPr id="25" name="图形 4" descr="螺丝刀">
-              <a:extLst>
-                <a:ext uri="{FF2B5EF4-FFF2-40B4-BE49-F238E27FC236}">
-                  <a16:creationId xmlns:a16="http://schemas.microsoft.com/office/drawing/2014/main" id="{B4F9C5B7-6767-4440-A4FB-C84F6A0D2594}"/>
-                </a:ext>
-              </a:extLst>
-            </p:cNvPr>
-            <p:cNvSpPr/>
-            <p:nvPr/>
-          </p:nvSpPr>
-          <p:spPr>
-            <a:xfrm>
-              <a:off x="5676962" y="3009900"/>
-              <a:ext cx="838137" cy="839090"/>
-            </a:xfrm>
-            <a:custGeom>
-              <a:avLst/>
-              <a:gdLst>
-                <a:gd name="connsiteX0" fmla="*/ 801943 w 838137"/>
-                <a:gd name="connsiteY0" fmla="*/ 0 h 839090"/>
-                <a:gd name="connsiteX1" fmla="*/ 711455 w 838137"/>
-                <a:gd name="connsiteY1" fmla="*/ 72390 h 839090"/>
-                <a:gd name="connsiteX2" fmla="*/ 684786 w 838137"/>
-                <a:gd name="connsiteY2" fmla="*/ 122873 h 839090"/>
-                <a:gd name="connsiteX3" fmla="*/ 685738 w 838137"/>
-                <a:gd name="connsiteY3" fmla="*/ 123825 h 839090"/>
-                <a:gd name="connsiteX4" fmla="*/ 361888 w 838137"/>
-                <a:gd name="connsiteY4" fmla="*/ 447675 h 839090"/>
-                <a:gd name="connsiteX5" fmla="*/ 322836 w 838137"/>
-                <a:gd name="connsiteY5" fmla="*/ 407670 h 839090"/>
-                <a:gd name="connsiteX6" fmla="*/ 295213 w 838137"/>
-                <a:gd name="connsiteY6" fmla="*/ 435293 h 839090"/>
-                <a:gd name="connsiteX7" fmla="*/ 295213 w 838137"/>
-                <a:gd name="connsiteY7" fmla="*/ 471488 h 839090"/>
-                <a:gd name="connsiteX8" fmla="*/ 259018 w 838137"/>
-                <a:gd name="connsiteY8" fmla="*/ 471488 h 839090"/>
-                <a:gd name="connsiteX9" fmla="*/ 13273 w 838137"/>
-                <a:gd name="connsiteY9" fmla="*/ 716280 h 839090"/>
-                <a:gd name="connsiteX10" fmla="*/ 14225 w 838137"/>
-                <a:gd name="connsiteY10" fmla="*/ 717233 h 839090"/>
-                <a:gd name="connsiteX11" fmla="*/ 22798 w 838137"/>
-                <a:gd name="connsiteY11" fmla="*/ 816293 h 839090"/>
-                <a:gd name="connsiteX12" fmla="*/ 121858 w 838137"/>
-                <a:gd name="connsiteY12" fmla="*/ 824865 h 839090"/>
-                <a:gd name="connsiteX13" fmla="*/ 122810 w 838137"/>
-                <a:gd name="connsiteY13" fmla="*/ 825818 h 839090"/>
-                <a:gd name="connsiteX14" fmla="*/ 132335 w 838137"/>
-                <a:gd name="connsiteY14" fmla="*/ 816293 h 839090"/>
-                <a:gd name="connsiteX15" fmla="*/ 367603 w 838137"/>
-                <a:gd name="connsiteY15" fmla="*/ 581025 h 839090"/>
-                <a:gd name="connsiteX16" fmla="*/ 367603 w 838137"/>
-                <a:gd name="connsiteY16" fmla="*/ 544830 h 839090"/>
-                <a:gd name="connsiteX17" fmla="*/ 403798 w 838137"/>
-                <a:gd name="connsiteY17" fmla="*/ 544830 h 839090"/>
-                <a:gd name="connsiteX18" fmla="*/ 430468 w 838137"/>
-                <a:gd name="connsiteY18" fmla="*/ 518160 h 839090"/>
-                <a:gd name="connsiteX19" fmla="*/ 390463 w 838137"/>
-                <a:gd name="connsiteY19" fmla="*/ 477203 h 839090"/>
-                <a:gd name="connsiteX20" fmla="*/ 714313 w 838137"/>
-                <a:gd name="connsiteY20" fmla="*/ 153353 h 839090"/>
-                <a:gd name="connsiteX21" fmla="*/ 715265 w 838137"/>
-                <a:gd name="connsiteY21" fmla="*/ 154305 h 839090"/>
-                <a:gd name="connsiteX22" fmla="*/ 765748 w 838137"/>
-                <a:gd name="connsiteY22" fmla="*/ 127635 h 839090"/>
-                <a:gd name="connsiteX23" fmla="*/ 838138 w 838137"/>
-                <a:gd name="connsiteY23" fmla="*/ 36195 h 839090"/>
-                <a:gd name="connsiteX24" fmla="*/ 801943 w 838137"/>
-                <a:gd name="connsiteY24" fmla="*/ 0 h 839090"/>
-              </a:gdLst>
-              <a:ahLst/>
-              <a:cxnLst>
-                <a:cxn ang="0">
-                  <a:pos x="connsiteX0" y="connsiteY0"/>
-                </a:cxn>
-                <a:cxn ang="0">
-                  <a:pos x="connsiteX1" y="connsiteY1"/>
-                </a:cxn>
-                <a:cxn ang="0">
-                  <a:pos x="connsiteX2" y="connsiteY2"/>
-                </a:cxn>
-                <a:cxn ang="0">
-                  <a:pos x="connsiteX3" y="connsiteY3"/>
-                </a:cxn>
-                <a:cxn ang="0">
-                  <a:pos x="connsiteX4" y="connsiteY4"/>
-                </a:cxn>
-                <a:cxn ang="0">
-                  <a:pos x="connsiteX5" y="connsiteY5"/>
-                </a:cxn>
-                <a:cxn ang="0">
-                  <a:pos x="connsiteX6" y="connsiteY6"/>
-                </a:cxn>
-                <a:cxn ang="0">
-                  <a:pos x="connsiteX7" y="connsiteY7"/>
-                </a:cxn>
-                <a:cxn ang="0">
-                  <a:pos x="connsiteX8" y="connsiteY8"/>
-                </a:cxn>
-                <a:cxn ang="0">
-                  <a:pos x="connsiteX9" y="connsiteY9"/>
-                </a:cxn>
-                <a:cxn ang="0">
-                  <a:pos x="connsiteX10" y="connsiteY10"/>
-                </a:cxn>
-                <a:cxn ang="0">
-                  <a:pos x="connsiteX11" y="connsiteY11"/>
-                </a:cxn>
-                <a:cxn ang="0">
-                  <a:pos x="connsiteX12" y="connsiteY12"/>
-                </a:cxn>
-                <a:cxn ang="0">
-                  <a:pos x="connsiteX13" y="connsiteY13"/>
-                </a:cxn>
-                <a:cxn ang="0">
-                  <a:pos x="connsiteX14" y="connsiteY14"/>
-                </a:cxn>
-                <a:cxn ang="0">
-                  <a:pos x="connsiteX15" y="connsiteY15"/>
-                </a:cxn>
-                <a:cxn ang="0">
-                  <a:pos x="connsiteX16" y="connsiteY16"/>
-                </a:cxn>
-                <a:cxn ang="0">
-                  <a:pos x="connsiteX17" y="connsiteY17"/>
-                </a:cxn>
-                <a:cxn ang="0">
-                  <a:pos x="connsiteX18" y="connsiteY18"/>
-                </a:cxn>
-                <a:cxn ang="0">
-                  <a:pos x="connsiteX19" y="connsiteY19"/>
-                </a:cxn>
-                <a:cxn ang="0">
-                  <a:pos x="connsiteX20" y="connsiteY20"/>
-                </a:cxn>
-                <a:cxn ang="0">
-                  <a:pos x="connsiteX21" y="connsiteY21"/>
-                </a:cxn>
-                <a:cxn ang="0">
-                  <a:pos x="connsiteX22" y="connsiteY22"/>
-                </a:cxn>
-                <a:cxn ang="0">
-                  <a:pos x="connsiteX23" y="connsiteY23"/>
-                </a:cxn>
-                <a:cxn ang="0">
-                  <a:pos x="connsiteX24" y="connsiteY24"/>
-                </a:cxn>
-              </a:cxnLst>
-              <a:rect l="l" t="t" r="r" b="b"/>
-              <a:pathLst>
-                <a:path w="838137" h="839090">
-                  <a:moveTo>
-                    <a:pt x="801943" y="0"/>
-                  </a:moveTo>
-                  <a:lnTo>
-                    <a:pt x="711455" y="72390"/>
-                  </a:lnTo>
-                  <a:lnTo>
-                    <a:pt x="684786" y="122873"/>
-                  </a:lnTo>
-                  <a:lnTo>
-                    <a:pt x="685738" y="123825"/>
-                  </a:lnTo>
-                  <a:lnTo>
-                    <a:pt x="361888" y="447675"/>
-                  </a:lnTo>
-                  <a:lnTo>
-                    <a:pt x="322836" y="407670"/>
-                  </a:lnTo>
-                  <a:lnTo>
-                    <a:pt x="295213" y="435293"/>
-                  </a:lnTo>
-                  <a:cubicBezTo>
-                    <a:pt x="305690" y="445770"/>
-                    <a:pt x="305690" y="461963"/>
-                    <a:pt x="295213" y="471488"/>
-                  </a:cubicBezTo>
-                  <a:cubicBezTo>
-                    <a:pt x="284736" y="481965"/>
-                    <a:pt x="268543" y="481965"/>
-                    <a:pt x="259018" y="471488"/>
-                  </a:cubicBezTo>
-                  <a:lnTo>
-                    <a:pt x="13273" y="716280"/>
-                  </a:lnTo>
-                  <a:lnTo>
-                    <a:pt x="14225" y="717233"/>
-                  </a:lnTo>
-                  <a:cubicBezTo>
-                    <a:pt x="-7682" y="747713"/>
-                    <a:pt x="-3872" y="789623"/>
-                    <a:pt x="22798" y="816293"/>
-                  </a:cubicBezTo>
-                  <a:cubicBezTo>
-                    <a:pt x="49468" y="842963"/>
-                    <a:pt x="91378" y="846773"/>
-                    <a:pt x="121858" y="824865"/>
-                  </a:cubicBezTo>
-                  <a:lnTo>
-                    <a:pt x="122810" y="825818"/>
-                  </a:lnTo>
-                  <a:lnTo>
-                    <a:pt x="132335" y="816293"/>
-                  </a:lnTo>
-                  <a:lnTo>
-                    <a:pt x="367603" y="581025"/>
-                  </a:lnTo>
-                  <a:cubicBezTo>
-                    <a:pt x="357125" y="570548"/>
-                    <a:pt x="357125" y="554355"/>
-                    <a:pt x="367603" y="544830"/>
-                  </a:cubicBezTo>
-                  <a:cubicBezTo>
-                    <a:pt x="378081" y="534353"/>
-                    <a:pt x="394273" y="534353"/>
-                    <a:pt x="403798" y="544830"/>
-                  </a:cubicBezTo>
-                  <a:lnTo>
-                    <a:pt x="430468" y="518160"/>
-                  </a:lnTo>
-                  <a:lnTo>
-                    <a:pt x="390463" y="477203"/>
-                  </a:lnTo>
-                  <a:lnTo>
-                    <a:pt x="714313" y="153353"/>
-                  </a:lnTo>
-                  <a:lnTo>
-                    <a:pt x="715265" y="154305"/>
-                  </a:lnTo>
-                  <a:lnTo>
-                    <a:pt x="765748" y="127635"/>
-                  </a:lnTo>
-                  <a:lnTo>
-                    <a:pt x="838138" y="36195"/>
-                  </a:lnTo>
-                  <a:lnTo>
-                    <a:pt x="801943" y="0"/>
-                  </a:lnTo>
-                  <a:close/>
-                </a:path>
-              </a:pathLst>
-            </a:custGeom>
-            <a:solidFill>
-              <a:srgbClr val="000000"/>
-            </a:solidFill>
-            <a:ln w="9525" cap="flat">
-              <a:noFill/>
-              <a:prstDash val="solid"/>
-              <a:miter/>
-            </a:ln>
-            <a:scene3d>
-              <a:camera prst="orthographicFront"/>
-              <a:lightRig rig="threePt" dir="t"/>
-            </a:scene3d>
-            <a:sp3d contourW="6350"/>
-          </p:spPr>
-          <p:txBody>
-            <a:bodyPr rtlCol="0" anchor="ctr"/>
-            <a:lstStyle/>
-            <a:p>
-              <a:endParaRPr lang="zh-CN" altLang="en-US" dirty="0"/>
-            </a:p>
-          </p:txBody>
-        </p:sp>
-      </p:grpSp>
-      <p:grpSp>
-        <p:nvGrpSpPr>
           <p:cNvPr id="26" name="组合 25">
             <a:extLst>
               <a:ext uri="{FF2B5EF4-FFF2-40B4-BE49-F238E27FC236}">
@@ -16791,6 +16236,1006 @@
             <a:lstStyle/>
             <a:p>
               <a:pPr algn="ctr"/>
+              <a:endParaRPr lang="zh-CN" altLang="en-US"/>
+            </a:p>
+          </p:txBody>
+        </p:sp>
+      </p:grpSp>
+      <p:grpSp>
+        <p:nvGrpSpPr>
+          <p:cNvPr id="3" name="组合 2">
+            <a:extLst>
+              <a:ext uri="{FF2B5EF4-FFF2-40B4-BE49-F238E27FC236}">
+                <a16:creationId xmlns:a16="http://schemas.microsoft.com/office/drawing/2014/main" id="{9886D897-D61B-420B-AB05-AA1D3DBA927B}"/>
+              </a:ext>
+            </a:extLst>
+          </p:cNvPr>
+          <p:cNvGrpSpPr/>
+          <p:nvPr/>
+        </p:nvGrpSpPr>
+        <p:grpSpPr>
+          <a:xfrm>
+            <a:off x="3352003" y="3366452"/>
+            <a:ext cx="971418" cy="970728"/>
+            <a:chOff x="4802839" y="3632533"/>
+            <a:chExt cx="839686" cy="839090"/>
+          </a:xfrm>
+        </p:grpSpPr>
+        <p:sp>
+          <p:nvSpPr>
+            <p:cNvPr id="29" name="图形 4" descr="螺丝刀">
+              <a:extLst>
+                <a:ext uri="{FF2B5EF4-FFF2-40B4-BE49-F238E27FC236}">
+                  <a16:creationId xmlns:a16="http://schemas.microsoft.com/office/drawing/2014/main" id="{443E18B9-1EB3-48EA-AF7F-61AC3E32C82D}"/>
+                </a:ext>
+              </a:extLst>
+            </p:cNvPr>
+            <p:cNvSpPr/>
+            <p:nvPr/>
+          </p:nvSpPr>
+          <p:spPr>
+            <a:xfrm>
+              <a:off x="4803614" y="3632533"/>
+              <a:ext cx="838137" cy="839090"/>
+            </a:xfrm>
+            <a:custGeom>
+              <a:avLst/>
+              <a:gdLst>
+                <a:gd name="connsiteX0" fmla="*/ 801943 w 838137"/>
+                <a:gd name="connsiteY0" fmla="*/ 0 h 839090"/>
+                <a:gd name="connsiteX1" fmla="*/ 711455 w 838137"/>
+                <a:gd name="connsiteY1" fmla="*/ 72390 h 839090"/>
+                <a:gd name="connsiteX2" fmla="*/ 684786 w 838137"/>
+                <a:gd name="connsiteY2" fmla="*/ 122873 h 839090"/>
+                <a:gd name="connsiteX3" fmla="*/ 685738 w 838137"/>
+                <a:gd name="connsiteY3" fmla="*/ 123825 h 839090"/>
+                <a:gd name="connsiteX4" fmla="*/ 361888 w 838137"/>
+                <a:gd name="connsiteY4" fmla="*/ 447675 h 839090"/>
+                <a:gd name="connsiteX5" fmla="*/ 322836 w 838137"/>
+                <a:gd name="connsiteY5" fmla="*/ 407670 h 839090"/>
+                <a:gd name="connsiteX6" fmla="*/ 295213 w 838137"/>
+                <a:gd name="connsiteY6" fmla="*/ 435293 h 839090"/>
+                <a:gd name="connsiteX7" fmla="*/ 295213 w 838137"/>
+                <a:gd name="connsiteY7" fmla="*/ 471488 h 839090"/>
+                <a:gd name="connsiteX8" fmla="*/ 259018 w 838137"/>
+                <a:gd name="connsiteY8" fmla="*/ 471488 h 839090"/>
+                <a:gd name="connsiteX9" fmla="*/ 13273 w 838137"/>
+                <a:gd name="connsiteY9" fmla="*/ 716280 h 839090"/>
+                <a:gd name="connsiteX10" fmla="*/ 14225 w 838137"/>
+                <a:gd name="connsiteY10" fmla="*/ 717233 h 839090"/>
+                <a:gd name="connsiteX11" fmla="*/ 22798 w 838137"/>
+                <a:gd name="connsiteY11" fmla="*/ 816293 h 839090"/>
+                <a:gd name="connsiteX12" fmla="*/ 121858 w 838137"/>
+                <a:gd name="connsiteY12" fmla="*/ 824865 h 839090"/>
+                <a:gd name="connsiteX13" fmla="*/ 122810 w 838137"/>
+                <a:gd name="connsiteY13" fmla="*/ 825818 h 839090"/>
+                <a:gd name="connsiteX14" fmla="*/ 132335 w 838137"/>
+                <a:gd name="connsiteY14" fmla="*/ 816293 h 839090"/>
+                <a:gd name="connsiteX15" fmla="*/ 367603 w 838137"/>
+                <a:gd name="connsiteY15" fmla="*/ 581025 h 839090"/>
+                <a:gd name="connsiteX16" fmla="*/ 367603 w 838137"/>
+                <a:gd name="connsiteY16" fmla="*/ 544830 h 839090"/>
+                <a:gd name="connsiteX17" fmla="*/ 403798 w 838137"/>
+                <a:gd name="connsiteY17" fmla="*/ 544830 h 839090"/>
+                <a:gd name="connsiteX18" fmla="*/ 430468 w 838137"/>
+                <a:gd name="connsiteY18" fmla="*/ 518160 h 839090"/>
+                <a:gd name="connsiteX19" fmla="*/ 390463 w 838137"/>
+                <a:gd name="connsiteY19" fmla="*/ 477203 h 839090"/>
+                <a:gd name="connsiteX20" fmla="*/ 714313 w 838137"/>
+                <a:gd name="connsiteY20" fmla="*/ 153353 h 839090"/>
+                <a:gd name="connsiteX21" fmla="*/ 715265 w 838137"/>
+                <a:gd name="connsiteY21" fmla="*/ 154305 h 839090"/>
+                <a:gd name="connsiteX22" fmla="*/ 765748 w 838137"/>
+                <a:gd name="connsiteY22" fmla="*/ 127635 h 839090"/>
+                <a:gd name="connsiteX23" fmla="*/ 838138 w 838137"/>
+                <a:gd name="connsiteY23" fmla="*/ 36195 h 839090"/>
+                <a:gd name="connsiteX24" fmla="*/ 801943 w 838137"/>
+                <a:gd name="connsiteY24" fmla="*/ 0 h 839090"/>
+              </a:gdLst>
+              <a:ahLst/>
+              <a:cxnLst>
+                <a:cxn ang="0">
+                  <a:pos x="connsiteX0" y="connsiteY0"/>
+                </a:cxn>
+                <a:cxn ang="0">
+                  <a:pos x="connsiteX1" y="connsiteY1"/>
+                </a:cxn>
+                <a:cxn ang="0">
+                  <a:pos x="connsiteX2" y="connsiteY2"/>
+                </a:cxn>
+                <a:cxn ang="0">
+                  <a:pos x="connsiteX3" y="connsiteY3"/>
+                </a:cxn>
+                <a:cxn ang="0">
+                  <a:pos x="connsiteX4" y="connsiteY4"/>
+                </a:cxn>
+                <a:cxn ang="0">
+                  <a:pos x="connsiteX5" y="connsiteY5"/>
+                </a:cxn>
+                <a:cxn ang="0">
+                  <a:pos x="connsiteX6" y="connsiteY6"/>
+                </a:cxn>
+                <a:cxn ang="0">
+                  <a:pos x="connsiteX7" y="connsiteY7"/>
+                </a:cxn>
+                <a:cxn ang="0">
+                  <a:pos x="connsiteX8" y="connsiteY8"/>
+                </a:cxn>
+                <a:cxn ang="0">
+                  <a:pos x="connsiteX9" y="connsiteY9"/>
+                </a:cxn>
+                <a:cxn ang="0">
+                  <a:pos x="connsiteX10" y="connsiteY10"/>
+                </a:cxn>
+                <a:cxn ang="0">
+                  <a:pos x="connsiteX11" y="connsiteY11"/>
+                </a:cxn>
+                <a:cxn ang="0">
+                  <a:pos x="connsiteX12" y="connsiteY12"/>
+                </a:cxn>
+                <a:cxn ang="0">
+                  <a:pos x="connsiteX13" y="connsiteY13"/>
+                </a:cxn>
+                <a:cxn ang="0">
+                  <a:pos x="connsiteX14" y="connsiteY14"/>
+                </a:cxn>
+                <a:cxn ang="0">
+                  <a:pos x="connsiteX15" y="connsiteY15"/>
+                </a:cxn>
+                <a:cxn ang="0">
+                  <a:pos x="connsiteX16" y="connsiteY16"/>
+                </a:cxn>
+                <a:cxn ang="0">
+                  <a:pos x="connsiteX17" y="connsiteY17"/>
+                </a:cxn>
+                <a:cxn ang="0">
+                  <a:pos x="connsiteX18" y="connsiteY18"/>
+                </a:cxn>
+                <a:cxn ang="0">
+                  <a:pos x="connsiteX19" y="connsiteY19"/>
+                </a:cxn>
+                <a:cxn ang="0">
+                  <a:pos x="connsiteX20" y="connsiteY20"/>
+                </a:cxn>
+                <a:cxn ang="0">
+                  <a:pos x="connsiteX21" y="connsiteY21"/>
+                </a:cxn>
+                <a:cxn ang="0">
+                  <a:pos x="connsiteX22" y="connsiteY22"/>
+                </a:cxn>
+                <a:cxn ang="0">
+                  <a:pos x="connsiteX23" y="connsiteY23"/>
+                </a:cxn>
+                <a:cxn ang="0">
+                  <a:pos x="connsiteX24" y="connsiteY24"/>
+                </a:cxn>
+              </a:cxnLst>
+              <a:rect l="l" t="t" r="r" b="b"/>
+              <a:pathLst>
+                <a:path w="838137" h="839090">
+                  <a:moveTo>
+                    <a:pt x="801943" y="0"/>
+                  </a:moveTo>
+                  <a:lnTo>
+                    <a:pt x="711455" y="72390"/>
+                  </a:lnTo>
+                  <a:lnTo>
+                    <a:pt x="684786" y="122873"/>
+                  </a:lnTo>
+                  <a:lnTo>
+                    <a:pt x="685738" y="123825"/>
+                  </a:lnTo>
+                  <a:lnTo>
+                    <a:pt x="361888" y="447675"/>
+                  </a:lnTo>
+                  <a:lnTo>
+                    <a:pt x="322836" y="407670"/>
+                  </a:lnTo>
+                  <a:lnTo>
+                    <a:pt x="295213" y="435293"/>
+                  </a:lnTo>
+                  <a:cubicBezTo>
+                    <a:pt x="305690" y="445770"/>
+                    <a:pt x="305690" y="461963"/>
+                    <a:pt x="295213" y="471488"/>
+                  </a:cubicBezTo>
+                  <a:cubicBezTo>
+                    <a:pt x="284736" y="481965"/>
+                    <a:pt x="268543" y="481965"/>
+                    <a:pt x="259018" y="471488"/>
+                  </a:cubicBezTo>
+                  <a:lnTo>
+                    <a:pt x="13273" y="716280"/>
+                  </a:lnTo>
+                  <a:lnTo>
+                    <a:pt x="14225" y="717233"/>
+                  </a:lnTo>
+                  <a:cubicBezTo>
+                    <a:pt x="-7682" y="747713"/>
+                    <a:pt x="-3872" y="789623"/>
+                    <a:pt x="22798" y="816293"/>
+                  </a:cubicBezTo>
+                  <a:cubicBezTo>
+                    <a:pt x="49468" y="842963"/>
+                    <a:pt x="91378" y="846773"/>
+                    <a:pt x="121858" y="824865"/>
+                  </a:cubicBezTo>
+                  <a:lnTo>
+                    <a:pt x="122810" y="825818"/>
+                  </a:lnTo>
+                  <a:lnTo>
+                    <a:pt x="132335" y="816293"/>
+                  </a:lnTo>
+                  <a:lnTo>
+                    <a:pt x="367603" y="581025"/>
+                  </a:lnTo>
+                  <a:cubicBezTo>
+                    <a:pt x="357125" y="570548"/>
+                    <a:pt x="357125" y="554355"/>
+                    <a:pt x="367603" y="544830"/>
+                  </a:cubicBezTo>
+                  <a:cubicBezTo>
+                    <a:pt x="378081" y="534353"/>
+                    <a:pt x="394273" y="534353"/>
+                    <a:pt x="403798" y="544830"/>
+                  </a:cubicBezTo>
+                  <a:lnTo>
+                    <a:pt x="430468" y="518160"/>
+                  </a:lnTo>
+                  <a:lnTo>
+                    <a:pt x="390463" y="477203"/>
+                  </a:lnTo>
+                  <a:lnTo>
+                    <a:pt x="714313" y="153353"/>
+                  </a:lnTo>
+                  <a:lnTo>
+                    <a:pt x="715265" y="154305"/>
+                  </a:lnTo>
+                  <a:lnTo>
+                    <a:pt x="765748" y="127635"/>
+                  </a:lnTo>
+                  <a:lnTo>
+                    <a:pt x="838138" y="36195"/>
+                  </a:lnTo>
+                  <a:lnTo>
+                    <a:pt x="801943" y="0"/>
+                  </a:lnTo>
+                  <a:close/>
+                </a:path>
+              </a:pathLst>
+            </a:custGeom>
+            <a:solidFill>
+              <a:srgbClr val="000000"/>
+            </a:solidFill>
+            <a:ln w="9525" cap="flat">
+              <a:noFill/>
+              <a:prstDash val="solid"/>
+              <a:miter/>
+            </a:ln>
+          </p:spPr>
+          <p:txBody>
+            <a:bodyPr rtlCol="0" anchor="ctr"/>
+            <a:lstStyle/>
+            <a:p>
+              <a:endParaRPr lang="zh-CN" altLang="en-US" dirty="0"/>
+            </a:p>
+          </p:txBody>
+        </p:sp>
+        <p:sp>
+          <p:nvSpPr>
+            <p:cNvPr id="30" name="图形 6" descr="扳手">
+              <a:extLst>
+                <a:ext uri="{FF2B5EF4-FFF2-40B4-BE49-F238E27FC236}">
+                  <a16:creationId xmlns:a16="http://schemas.microsoft.com/office/drawing/2014/main" id="{9B311584-9EF5-4DDD-AEAD-D46BF9CB9C4E}"/>
+                </a:ext>
+              </a:extLst>
+            </p:cNvPr>
+            <p:cNvSpPr/>
+            <p:nvPr/>
+          </p:nvSpPr>
+          <p:spPr>
+            <a:xfrm rot="5400000">
+              <a:off x="4803995" y="3632235"/>
+              <a:ext cx="837374" cy="839686"/>
+            </a:xfrm>
+            <a:custGeom>
+              <a:avLst/>
+              <a:gdLst>
+                <a:gd name="connsiteX0" fmla="*/ 743490 w 837374"/>
+                <a:gd name="connsiteY0" fmla="*/ 180766 h 839686"/>
+                <a:gd name="connsiteX1" fmla="*/ 675862 w 837374"/>
+                <a:gd name="connsiteY1" fmla="*/ 162668 h 839686"/>
+                <a:gd name="connsiteX2" fmla="*/ 657765 w 837374"/>
+                <a:gd name="connsiteY2" fmla="*/ 95041 h 839686"/>
+                <a:gd name="connsiteX3" fmla="*/ 743490 w 837374"/>
+                <a:gd name="connsiteY3" fmla="*/ 9316 h 839686"/>
+                <a:gd name="connsiteX4" fmla="*/ 593947 w 837374"/>
+                <a:gd name="connsiteY4" fmla="*/ 37891 h 839686"/>
+                <a:gd name="connsiteX5" fmla="*/ 552037 w 837374"/>
+                <a:gd name="connsiteY5" fmla="*/ 183623 h 839686"/>
+                <a:gd name="connsiteX6" fmla="*/ 182467 w 837374"/>
+                <a:gd name="connsiteY6" fmla="*/ 553194 h 839686"/>
+                <a:gd name="connsiteX7" fmla="*/ 37687 w 837374"/>
+                <a:gd name="connsiteY7" fmla="*/ 596056 h 839686"/>
+                <a:gd name="connsiteX8" fmla="*/ 9112 w 837374"/>
+                <a:gd name="connsiteY8" fmla="*/ 744646 h 839686"/>
+                <a:gd name="connsiteX9" fmla="*/ 94837 w 837374"/>
+                <a:gd name="connsiteY9" fmla="*/ 658921 h 839686"/>
+                <a:gd name="connsiteX10" fmla="*/ 161512 w 837374"/>
+                <a:gd name="connsiteY10" fmla="*/ 677019 h 839686"/>
+                <a:gd name="connsiteX11" fmla="*/ 179610 w 837374"/>
+                <a:gd name="connsiteY11" fmla="*/ 744646 h 839686"/>
+                <a:gd name="connsiteX12" fmla="*/ 93885 w 837374"/>
+                <a:gd name="connsiteY12" fmla="*/ 830371 h 839686"/>
+                <a:gd name="connsiteX13" fmla="*/ 243427 w 837374"/>
+                <a:gd name="connsiteY13" fmla="*/ 801796 h 839686"/>
+                <a:gd name="connsiteX14" fmla="*/ 285337 w 837374"/>
+                <a:gd name="connsiteY14" fmla="*/ 656064 h 839686"/>
+                <a:gd name="connsiteX15" fmla="*/ 654907 w 837374"/>
+                <a:gd name="connsiteY15" fmla="*/ 286493 h 839686"/>
+                <a:gd name="connsiteX16" fmla="*/ 799687 w 837374"/>
+                <a:gd name="connsiteY16" fmla="*/ 243631 h 839686"/>
+                <a:gd name="connsiteX17" fmla="*/ 828262 w 837374"/>
+                <a:gd name="connsiteY17" fmla="*/ 95041 h 839686"/>
+                <a:gd name="connsiteX18" fmla="*/ 743490 w 837374"/>
+                <a:gd name="connsiteY18" fmla="*/ 180766 h 839686"/>
+              </a:gdLst>
+              <a:ahLst/>
+              <a:cxnLst>
+                <a:cxn ang="0">
+                  <a:pos x="connsiteX0" y="connsiteY0"/>
+                </a:cxn>
+                <a:cxn ang="0">
+                  <a:pos x="connsiteX1" y="connsiteY1"/>
+                </a:cxn>
+                <a:cxn ang="0">
+                  <a:pos x="connsiteX2" y="connsiteY2"/>
+                </a:cxn>
+                <a:cxn ang="0">
+                  <a:pos x="connsiteX3" y="connsiteY3"/>
+                </a:cxn>
+                <a:cxn ang="0">
+                  <a:pos x="connsiteX4" y="connsiteY4"/>
+                </a:cxn>
+                <a:cxn ang="0">
+                  <a:pos x="connsiteX5" y="connsiteY5"/>
+                </a:cxn>
+                <a:cxn ang="0">
+                  <a:pos x="connsiteX6" y="connsiteY6"/>
+                </a:cxn>
+                <a:cxn ang="0">
+                  <a:pos x="connsiteX7" y="connsiteY7"/>
+                </a:cxn>
+                <a:cxn ang="0">
+                  <a:pos x="connsiteX8" y="connsiteY8"/>
+                </a:cxn>
+                <a:cxn ang="0">
+                  <a:pos x="connsiteX9" y="connsiteY9"/>
+                </a:cxn>
+                <a:cxn ang="0">
+                  <a:pos x="connsiteX10" y="connsiteY10"/>
+                </a:cxn>
+                <a:cxn ang="0">
+                  <a:pos x="connsiteX11" y="connsiteY11"/>
+                </a:cxn>
+                <a:cxn ang="0">
+                  <a:pos x="connsiteX12" y="connsiteY12"/>
+                </a:cxn>
+                <a:cxn ang="0">
+                  <a:pos x="connsiteX13" y="connsiteY13"/>
+                </a:cxn>
+                <a:cxn ang="0">
+                  <a:pos x="connsiteX14" y="connsiteY14"/>
+                </a:cxn>
+                <a:cxn ang="0">
+                  <a:pos x="connsiteX15" y="connsiteY15"/>
+                </a:cxn>
+                <a:cxn ang="0">
+                  <a:pos x="connsiteX16" y="connsiteY16"/>
+                </a:cxn>
+                <a:cxn ang="0">
+                  <a:pos x="connsiteX17" y="connsiteY17"/>
+                </a:cxn>
+                <a:cxn ang="0">
+                  <a:pos x="connsiteX18" y="connsiteY18"/>
+                </a:cxn>
+              </a:cxnLst>
+              <a:rect l="l" t="t" r="r" b="b"/>
+              <a:pathLst>
+                <a:path w="837374" h="839686">
+                  <a:moveTo>
+                    <a:pt x="743490" y="180766"/>
+                  </a:moveTo>
+                  <a:lnTo>
+                    <a:pt x="675862" y="162668"/>
+                  </a:lnTo>
+                  <a:lnTo>
+                    <a:pt x="657765" y="95041"/>
+                  </a:lnTo>
+                  <a:lnTo>
+                    <a:pt x="743490" y="9316"/>
+                  </a:lnTo>
+                  <a:cubicBezTo>
+                    <a:pt x="692055" y="-9734"/>
+                    <a:pt x="634905" y="743"/>
+                    <a:pt x="593947" y="37891"/>
+                  </a:cubicBezTo>
+                  <a:cubicBezTo>
+                    <a:pt x="553942" y="75038"/>
+                    <a:pt x="536797" y="131236"/>
+                    <a:pt x="552037" y="183623"/>
+                  </a:cubicBezTo>
+                  <a:lnTo>
+                    <a:pt x="182467" y="553194"/>
+                  </a:lnTo>
+                  <a:cubicBezTo>
+                    <a:pt x="130080" y="538906"/>
+                    <a:pt x="73882" y="556051"/>
+                    <a:pt x="37687" y="596056"/>
+                  </a:cubicBezTo>
+                  <a:cubicBezTo>
+                    <a:pt x="1492" y="636061"/>
+                    <a:pt x="-9938" y="693211"/>
+                    <a:pt x="9112" y="744646"/>
+                  </a:cubicBezTo>
+                  <a:lnTo>
+                    <a:pt x="94837" y="658921"/>
+                  </a:lnTo>
+                  <a:lnTo>
+                    <a:pt x="161512" y="677019"/>
+                  </a:lnTo>
+                  <a:lnTo>
+                    <a:pt x="179610" y="744646"/>
+                  </a:lnTo>
+                  <a:lnTo>
+                    <a:pt x="93885" y="830371"/>
+                  </a:lnTo>
+                  <a:cubicBezTo>
+                    <a:pt x="145320" y="849421"/>
+                    <a:pt x="202470" y="838944"/>
+                    <a:pt x="243427" y="801796"/>
+                  </a:cubicBezTo>
+                  <a:cubicBezTo>
+                    <a:pt x="283432" y="764648"/>
+                    <a:pt x="300577" y="708451"/>
+                    <a:pt x="285337" y="656064"/>
+                  </a:cubicBezTo>
+                  <a:lnTo>
+                    <a:pt x="654907" y="286493"/>
+                  </a:lnTo>
+                  <a:cubicBezTo>
+                    <a:pt x="707295" y="300781"/>
+                    <a:pt x="763492" y="283636"/>
+                    <a:pt x="799687" y="243631"/>
+                  </a:cubicBezTo>
+                  <a:cubicBezTo>
+                    <a:pt x="835882" y="203626"/>
+                    <a:pt x="847312" y="146476"/>
+                    <a:pt x="828262" y="95041"/>
+                  </a:cubicBezTo>
+                  <a:lnTo>
+                    <a:pt x="743490" y="180766"/>
+                  </a:lnTo>
+                  <a:close/>
+                </a:path>
+              </a:pathLst>
+            </a:custGeom>
+            <a:solidFill>
+              <a:schemeClr val="tx1">
+                <a:lumMod val="85000"/>
+                <a:lumOff val="15000"/>
+              </a:schemeClr>
+            </a:solidFill>
+            <a:ln w="9525" cap="flat">
+              <a:noFill/>
+              <a:prstDash val="solid"/>
+              <a:miter/>
+            </a:ln>
+          </p:spPr>
+          <p:txBody>
+            <a:bodyPr rtlCol="0" anchor="ctr"/>
+            <a:lstStyle/>
+            <a:p>
+              <a:endParaRPr lang="zh-CN" altLang="en-US"/>
+            </a:p>
+          </p:txBody>
+        </p:sp>
+      </p:grpSp>
+      <p:grpSp>
+        <p:nvGrpSpPr>
+          <p:cNvPr id="31" name="组合 30">
+            <a:extLst>
+              <a:ext uri="{FF2B5EF4-FFF2-40B4-BE49-F238E27FC236}">
+                <a16:creationId xmlns:a16="http://schemas.microsoft.com/office/drawing/2014/main" id="{65ACD0CF-E069-44A5-B83A-A42F4792D7FE}"/>
+              </a:ext>
+            </a:extLst>
+          </p:cNvPr>
+          <p:cNvGrpSpPr/>
+          <p:nvPr/>
+        </p:nvGrpSpPr>
+        <p:grpSpPr>
+          <a:xfrm>
+            <a:off x="11011087" y="3327550"/>
+            <a:ext cx="971418" cy="970728"/>
+            <a:chOff x="4802839" y="3632533"/>
+            <a:chExt cx="839686" cy="839090"/>
+          </a:xfrm>
+        </p:grpSpPr>
+        <p:sp>
+          <p:nvSpPr>
+            <p:cNvPr id="32" name="图形 4" descr="螺丝刀">
+              <a:extLst>
+                <a:ext uri="{FF2B5EF4-FFF2-40B4-BE49-F238E27FC236}">
+                  <a16:creationId xmlns:a16="http://schemas.microsoft.com/office/drawing/2014/main" id="{D79F6DD6-204F-4C51-A20B-B306B254FB47}"/>
+                </a:ext>
+              </a:extLst>
+            </p:cNvPr>
+            <p:cNvSpPr/>
+            <p:nvPr/>
+          </p:nvSpPr>
+          <p:spPr>
+            <a:xfrm>
+              <a:off x="4803614" y="3632533"/>
+              <a:ext cx="838137" cy="839090"/>
+            </a:xfrm>
+            <a:custGeom>
+              <a:avLst/>
+              <a:gdLst>
+                <a:gd name="connsiteX0" fmla="*/ 801943 w 838137"/>
+                <a:gd name="connsiteY0" fmla="*/ 0 h 839090"/>
+                <a:gd name="connsiteX1" fmla="*/ 711455 w 838137"/>
+                <a:gd name="connsiteY1" fmla="*/ 72390 h 839090"/>
+                <a:gd name="connsiteX2" fmla="*/ 684786 w 838137"/>
+                <a:gd name="connsiteY2" fmla="*/ 122873 h 839090"/>
+                <a:gd name="connsiteX3" fmla="*/ 685738 w 838137"/>
+                <a:gd name="connsiteY3" fmla="*/ 123825 h 839090"/>
+                <a:gd name="connsiteX4" fmla="*/ 361888 w 838137"/>
+                <a:gd name="connsiteY4" fmla="*/ 447675 h 839090"/>
+                <a:gd name="connsiteX5" fmla="*/ 322836 w 838137"/>
+                <a:gd name="connsiteY5" fmla="*/ 407670 h 839090"/>
+                <a:gd name="connsiteX6" fmla="*/ 295213 w 838137"/>
+                <a:gd name="connsiteY6" fmla="*/ 435293 h 839090"/>
+                <a:gd name="connsiteX7" fmla="*/ 295213 w 838137"/>
+                <a:gd name="connsiteY7" fmla="*/ 471488 h 839090"/>
+                <a:gd name="connsiteX8" fmla="*/ 259018 w 838137"/>
+                <a:gd name="connsiteY8" fmla="*/ 471488 h 839090"/>
+                <a:gd name="connsiteX9" fmla="*/ 13273 w 838137"/>
+                <a:gd name="connsiteY9" fmla="*/ 716280 h 839090"/>
+                <a:gd name="connsiteX10" fmla="*/ 14225 w 838137"/>
+                <a:gd name="connsiteY10" fmla="*/ 717233 h 839090"/>
+                <a:gd name="connsiteX11" fmla="*/ 22798 w 838137"/>
+                <a:gd name="connsiteY11" fmla="*/ 816293 h 839090"/>
+                <a:gd name="connsiteX12" fmla="*/ 121858 w 838137"/>
+                <a:gd name="connsiteY12" fmla="*/ 824865 h 839090"/>
+                <a:gd name="connsiteX13" fmla="*/ 122810 w 838137"/>
+                <a:gd name="connsiteY13" fmla="*/ 825818 h 839090"/>
+                <a:gd name="connsiteX14" fmla="*/ 132335 w 838137"/>
+                <a:gd name="connsiteY14" fmla="*/ 816293 h 839090"/>
+                <a:gd name="connsiteX15" fmla="*/ 367603 w 838137"/>
+                <a:gd name="connsiteY15" fmla="*/ 581025 h 839090"/>
+                <a:gd name="connsiteX16" fmla="*/ 367603 w 838137"/>
+                <a:gd name="connsiteY16" fmla="*/ 544830 h 839090"/>
+                <a:gd name="connsiteX17" fmla="*/ 403798 w 838137"/>
+                <a:gd name="connsiteY17" fmla="*/ 544830 h 839090"/>
+                <a:gd name="connsiteX18" fmla="*/ 430468 w 838137"/>
+                <a:gd name="connsiteY18" fmla="*/ 518160 h 839090"/>
+                <a:gd name="connsiteX19" fmla="*/ 390463 w 838137"/>
+                <a:gd name="connsiteY19" fmla="*/ 477203 h 839090"/>
+                <a:gd name="connsiteX20" fmla="*/ 714313 w 838137"/>
+                <a:gd name="connsiteY20" fmla="*/ 153353 h 839090"/>
+                <a:gd name="connsiteX21" fmla="*/ 715265 w 838137"/>
+                <a:gd name="connsiteY21" fmla="*/ 154305 h 839090"/>
+                <a:gd name="connsiteX22" fmla="*/ 765748 w 838137"/>
+                <a:gd name="connsiteY22" fmla="*/ 127635 h 839090"/>
+                <a:gd name="connsiteX23" fmla="*/ 838138 w 838137"/>
+                <a:gd name="connsiteY23" fmla="*/ 36195 h 839090"/>
+                <a:gd name="connsiteX24" fmla="*/ 801943 w 838137"/>
+                <a:gd name="connsiteY24" fmla="*/ 0 h 839090"/>
+              </a:gdLst>
+              <a:ahLst/>
+              <a:cxnLst>
+                <a:cxn ang="0">
+                  <a:pos x="connsiteX0" y="connsiteY0"/>
+                </a:cxn>
+                <a:cxn ang="0">
+                  <a:pos x="connsiteX1" y="connsiteY1"/>
+                </a:cxn>
+                <a:cxn ang="0">
+                  <a:pos x="connsiteX2" y="connsiteY2"/>
+                </a:cxn>
+                <a:cxn ang="0">
+                  <a:pos x="connsiteX3" y="connsiteY3"/>
+                </a:cxn>
+                <a:cxn ang="0">
+                  <a:pos x="connsiteX4" y="connsiteY4"/>
+                </a:cxn>
+                <a:cxn ang="0">
+                  <a:pos x="connsiteX5" y="connsiteY5"/>
+                </a:cxn>
+                <a:cxn ang="0">
+                  <a:pos x="connsiteX6" y="connsiteY6"/>
+                </a:cxn>
+                <a:cxn ang="0">
+                  <a:pos x="connsiteX7" y="connsiteY7"/>
+                </a:cxn>
+                <a:cxn ang="0">
+                  <a:pos x="connsiteX8" y="connsiteY8"/>
+                </a:cxn>
+                <a:cxn ang="0">
+                  <a:pos x="connsiteX9" y="connsiteY9"/>
+                </a:cxn>
+                <a:cxn ang="0">
+                  <a:pos x="connsiteX10" y="connsiteY10"/>
+                </a:cxn>
+                <a:cxn ang="0">
+                  <a:pos x="connsiteX11" y="connsiteY11"/>
+                </a:cxn>
+                <a:cxn ang="0">
+                  <a:pos x="connsiteX12" y="connsiteY12"/>
+                </a:cxn>
+                <a:cxn ang="0">
+                  <a:pos x="connsiteX13" y="connsiteY13"/>
+                </a:cxn>
+                <a:cxn ang="0">
+                  <a:pos x="connsiteX14" y="connsiteY14"/>
+                </a:cxn>
+                <a:cxn ang="0">
+                  <a:pos x="connsiteX15" y="connsiteY15"/>
+                </a:cxn>
+                <a:cxn ang="0">
+                  <a:pos x="connsiteX16" y="connsiteY16"/>
+                </a:cxn>
+                <a:cxn ang="0">
+                  <a:pos x="connsiteX17" y="connsiteY17"/>
+                </a:cxn>
+                <a:cxn ang="0">
+                  <a:pos x="connsiteX18" y="connsiteY18"/>
+                </a:cxn>
+                <a:cxn ang="0">
+                  <a:pos x="connsiteX19" y="connsiteY19"/>
+                </a:cxn>
+                <a:cxn ang="0">
+                  <a:pos x="connsiteX20" y="connsiteY20"/>
+                </a:cxn>
+                <a:cxn ang="0">
+                  <a:pos x="connsiteX21" y="connsiteY21"/>
+                </a:cxn>
+                <a:cxn ang="0">
+                  <a:pos x="connsiteX22" y="connsiteY22"/>
+                </a:cxn>
+                <a:cxn ang="0">
+                  <a:pos x="connsiteX23" y="connsiteY23"/>
+                </a:cxn>
+                <a:cxn ang="0">
+                  <a:pos x="connsiteX24" y="connsiteY24"/>
+                </a:cxn>
+              </a:cxnLst>
+              <a:rect l="l" t="t" r="r" b="b"/>
+              <a:pathLst>
+                <a:path w="838137" h="839090">
+                  <a:moveTo>
+                    <a:pt x="801943" y="0"/>
+                  </a:moveTo>
+                  <a:lnTo>
+                    <a:pt x="711455" y="72390"/>
+                  </a:lnTo>
+                  <a:lnTo>
+                    <a:pt x="684786" y="122873"/>
+                  </a:lnTo>
+                  <a:lnTo>
+                    <a:pt x="685738" y="123825"/>
+                  </a:lnTo>
+                  <a:lnTo>
+                    <a:pt x="361888" y="447675"/>
+                  </a:lnTo>
+                  <a:lnTo>
+                    <a:pt x="322836" y="407670"/>
+                  </a:lnTo>
+                  <a:lnTo>
+                    <a:pt x="295213" y="435293"/>
+                  </a:lnTo>
+                  <a:cubicBezTo>
+                    <a:pt x="305690" y="445770"/>
+                    <a:pt x="305690" y="461963"/>
+                    <a:pt x="295213" y="471488"/>
+                  </a:cubicBezTo>
+                  <a:cubicBezTo>
+                    <a:pt x="284736" y="481965"/>
+                    <a:pt x="268543" y="481965"/>
+                    <a:pt x="259018" y="471488"/>
+                  </a:cubicBezTo>
+                  <a:lnTo>
+                    <a:pt x="13273" y="716280"/>
+                  </a:lnTo>
+                  <a:lnTo>
+                    <a:pt x="14225" y="717233"/>
+                  </a:lnTo>
+                  <a:cubicBezTo>
+                    <a:pt x="-7682" y="747713"/>
+                    <a:pt x="-3872" y="789623"/>
+                    <a:pt x="22798" y="816293"/>
+                  </a:cubicBezTo>
+                  <a:cubicBezTo>
+                    <a:pt x="49468" y="842963"/>
+                    <a:pt x="91378" y="846773"/>
+                    <a:pt x="121858" y="824865"/>
+                  </a:cubicBezTo>
+                  <a:lnTo>
+                    <a:pt x="122810" y="825818"/>
+                  </a:lnTo>
+                  <a:lnTo>
+                    <a:pt x="132335" y="816293"/>
+                  </a:lnTo>
+                  <a:lnTo>
+                    <a:pt x="367603" y="581025"/>
+                  </a:lnTo>
+                  <a:cubicBezTo>
+                    <a:pt x="357125" y="570548"/>
+                    <a:pt x="357125" y="554355"/>
+                    <a:pt x="367603" y="544830"/>
+                  </a:cubicBezTo>
+                  <a:cubicBezTo>
+                    <a:pt x="378081" y="534353"/>
+                    <a:pt x="394273" y="534353"/>
+                    <a:pt x="403798" y="544830"/>
+                  </a:cubicBezTo>
+                  <a:lnTo>
+                    <a:pt x="430468" y="518160"/>
+                  </a:lnTo>
+                  <a:lnTo>
+                    <a:pt x="390463" y="477203"/>
+                  </a:lnTo>
+                  <a:lnTo>
+                    <a:pt x="714313" y="153353"/>
+                  </a:lnTo>
+                  <a:lnTo>
+                    <a:pt x="715265" y="154305"/>
+                  </a:lnTo>
+                  <a:lnTo>
+                    <a:pt x="765748" y="127635"/>
+                  </a:lnTo>
+                  <a:lnTo>
+                    <a:pt x="838138" y="36195"/>
+                  </a:lnTo>
+                  <a:lnTo>
+                    <a:pt x="801943" y="0"/>
+                  </a:lnTo>
+                  <a:close/>
+                </a:path>
+              </a:pathLst>
+            </a:custGeom>
+            <a:solidFill>
+              <a:srgbClr val="000000"/>
+            </a:solidFill>
+            <a:ln w="9525" cap="flat">
+              <a:noFill/>
+              <a:prstDash val="solid"/>
+              <a:miter/>
+            </a:ln>
+          </p:spPr>
+          <p:txBody>
+            <a:bodyPr rtlCol="0" anchor="ctr"/>
+            <a:lstStyle/>
+            <a:p>
+              <a:endParaRPr lang="zh-CN" altLang="en-US" dirty="0"/>
+            </a:p>
+          </p:txBody>
+        </p:sp>
+        <p:sp>
+          <p:nvSpPr>
+            <p:cNvPr id="33" name="图形 6" descr="扳手">
+              <a:extLst>
+                <a:ext uri="{FF2B5EF4-FFF2-40B4-BE49-F238E27FC236}">
+                  <a16:creationId xmlns:a16="http://schemas.microsoft.com/office/drawing/2014/main" id="{D79180E5-0059-4C22-BF89-FF5333A29589}"/>
+                </a:ext>
+              </a:extLst>
+            </p:cNvPr>
+            <p:cNvSpPr/>
+            <p:nvPr/>
+          </p:nvSpPr>
+          <p:spPr>
+            <a:xfrm rot="5400000">
+              <a:off x="4803995" y="3632235"/>
+              <a:ext cx="837374" cy="839686"/>
+            </a:xfrm>
+            <a:custGeom>
+              <a:avLst/>
+              <a:gdLst>
+                <a:gd name="connsiteX0" fmla="*/ 743490 w 837374"/>
+                <a:gd name="connsiteY0" fmla="*/ 180766 h 839686"/>
+                <a:gd name="connsiteX1" fmla="*/ 675862 w 837374"/>
+                <a:gd name="connsiteY1" fmla="*/ 162668 h 839686"/>
+                <a:gd name="connsiteX2" fmla="*/ 657765 w 837374"/>
+                <a:gd name="connsiteY2" fmla="*/ 95041 h 839686"/>
+                <a:gd name="connsiteX3" fmla="*/ 743490 w 837374"/>
+                <a:gd name="connsiteY3" fmla="*/ 9316 h 839686"/>
+                <a:gd name="connsiteX4" fmla="*/ 593947 w 837374"/>
+                <a:gd name="connsiteY4" fmla="*/ 37891 h 839686"/>
+                <a:gd name="connsiteX5" fmla="*/ 552037 w 837374"/>
+                <a:gd name="connsiteY5" fmla="*/ 183623 h 839686"/>
+                <a:gd name="connsiteX6" fmla="*/ 182467 w 837374"/>
+                <a:gd name="connsiteY6" fmla="*/ 553194 h 839686"/>
+                <a:gd name="connsiteX7" fmla="*/ 37687 w 837374"/>
+                <a:gd name="connsiteY7" fmla="*/ 596056 h 839686"/>
+                <a:gd name="connsiteX8" fmla="*/ 9112 w 837374"/>
+                <a:gd name="connsiteY8" fmla="*/ 744646 h 839686"/>
+                <a:gd name="connsiteX9" fmla="*/ 94837 w 837374"/>
+                <a:gd name="connsiteY9" fmla="*/ 658921 h 839686"/>
+                <a:gd name="connsiteX10" fmla="*/ 161512 w 837374"/>
+                <a:gd name="connsiteY10" fmla="*/ 677019 h 839686"/>
+                <a:gd name="connsiteX11" fmla="*/ 179610 w 837374"/>
+                <a:gd name="connsiteY11" fmla="*/ 744646 h 839686"/>
+                <a:gd name="connsiteX12" fmla="*/ 93885 w 837374"/>
+                <a:gd name="connsiteY12" fmla="*/ 830371 h 839686"/>
+                <a:gd name="connsiteX13" fmla="*/ 243427 w 837374"/>
+                <a:gd name="connsiteY13" fmla="*/ 801796 h 839686"/>
+                <a:gd name="connsiteX14" fmla="*/ 285337 w 837374"/>
+                <a:gd name="connsiteY14" fmla="*/ 656064 h 839686"/>
+                <a:gd name="connsiteX15" fmla="*/ 654907 w 837374"/>
+                <a:gd name="connsiteY15" fmla="*/ 286493 h 839686"/>
+                <a:gd name="connsiteX16" fmla="*/ 799687 w 837374"/>
+                <a:gd name="connsiteY16" fmla="*/ 243631 h 839686"/>
+                <a:gd name="connsiteX17" fmla="*/ 828262 w 837374"/>
+                <a:gd name="connsiteY17" fmla="*/ 95041 h 839686"/>
+                <a:gd name="connsiteX18" fmla="*/ 743490 w 837374"/>
+                <a:gd name="connsiteY18" fmla="*/ 180766 h 839686"/>
+              </a:gdLst>
+              <a:ahLst/>
+              <a:cxnLst>
+                <a:cxn ang="0">
+                  <a:pos x="connsiteX0" y="connsiteY0"/>
+                </a:cxn>
+                <a:cxn ang="0">
+                  <a:pos x="connsiteX1" y="connsiteY1"/>
+                </a:cxn>
+                <a:cxn ang="0">
+                  <a:pos x="connsiteX2" y="connsiteY2"/>
+                </a:cxn>
+                <a:cxn ang="0">
+                  <a:pos x="connsiteX3" y="connsiteY3"/>
+                </a:cxn>
+                <a:cxn ang="0">
+                  <a:pos x="connsiteX4" y="connsiteY4"/>
+                </a:cxn>
+                <a:cxn ang="0">
+                  <a:pos x="connsiteX5" y="connsiteY5"/>
+                </a:cxn>
+                <a:cxn ang="0">
+                  <a:pos x="connsiteX6" y="connsiteY6"/>
+                </a:cxn>
+                <a:cxn ang="0">
+                  <a:pos x="connsiteX7" y="connsiteY7"/>
+                </a:cxn>
+                <a:cxn ang="0">
+                  <a:pos x="connsiteX8" y="connsiteY8"/>
+                </a:cxn>
+                <a:cxn ang="0">
+                  <a:pos x="connsiteX9" y="connsiteY9"/>
+                </a:cxn>
+                <a:cxn ang="0">
+                  <a:pos x="connsiteX10" y="connsiteY10"/>
+                </a:cxn>
+                <a:cxn ang="0">
+                  <a:pos x="connsiteX11" y="connsiteY11"/>
+                </a:cxn>
+                <a:cxn ang="0">
+                  <a:pos x="connsiteX12" y="connsiteY12"/>
+                </a:cxn>
+                <a:cxn ang="0">
+                  <a:pos x="connsiteX13" y="connsiteY13"/>
+                </a:cxn>
+                <a:cxn ang="0">
+                  <a:pos x="connsiteX14" y="connsiteY14"/>
+                </a:cxn>
+                <a:cxn ang="0">
+                  <a:pos x="connsiteX15" y="connsiteY15"/>
+                </a:cxn>
+                <a:cxn ang="0">
+                  <a:pos x="connsiteX16" y="connsiteY16"/>
+                </a:cxn>
+                <a:cxn ang="0">
+                  <a:pos x="connsiteX17" y="connsiteY17"/>
+                </a:cxn>
+                <a:cxn ang="0">
+                  <a:pos x="connsiteX18" y="connsiteY18"/>
+                </a:cxn>
+              </a:cxnLst>
+              <a:rect l="l" t="t" r="r" b="b"/>
+              <a:pathLst>
+                <a:path w="837374" h="839686">
+                  <a:moveTo>
+                    <a:pt x="743490" y="180766"/>
+                  </a:moveTo>
+                  <a:lnTo>
+                    <a:pt x="675862" y="162668"/>
+                  </a:lnTo>
+                  <a:lnTo>
+                    <a:pt x="657765" y="95041"/>
+                  </a:lnTo>
+                  <a:lnTo>
+                    <a:pt x="743490" y="9316"/>
+                  </a:lnTo>
+                  <a:cubicBezTo>
+                    <a:pt x="692055" y="-9734"/>
+                    <a:pt x="634905" y="743"/>
+                    <a:pt x="593947" y="37891"/>
+                  </a:cubicBezTo>
+                  <a:cubicBezTo>
+                    <a:pt x="553942" y="75038"/>
+                    <a:pt x="536797" y="131236"/>
+                    <a:pt x="552037" y="183623"/>
+                  </a:cubicBezTo>
+                  <a:lnTo>
+                    <a:pt x="182467" y="553194"/>
+                  </a:lnTo>
+                  <a:cubicBezTo>
+                    <a:pt x="130080" y="538906"/>
+                    <a:pt x="73882" y="556051"/>
+                    <a:pt x="37687" y="596056"/>
+                  </a:cubicBezTo>
+                  <a:cubicBezTo>
+                    <a:pt x="1492" y="636061"/>
+                    <a:pt x="-9938" y="693211"/>
+                    <a:pt x="9112" y="744646"/>
+                  </a:cubicBezTo>
+                  <a:lnTo>
+                    <a:pt x="94837" y="658921"/>
+                  </a:lnTo>
+                  <a:lnTo>
+                    <a:pt x="161512" y="677019"/>
+                  </a:lnTo>
+                  <a:lnTo>
+                    <a:pt x="179610" y="744646"/>
+                  </a:lnTo>
+                  <a:lnTo>
+                    <a:pt x="93885" y="830371"/>
+                  </a:lnTo>
+                  <a:cubicBezTo>
+                    <a:pt x="145320" y="849421"/>
+                    <a:pt x="202470" y="838944"/>
+                    <a:pt x="243427" y="801796"/>
+                  </a:cubicBezTo>
+                  <a:cubicBezTo>
+                    <a:pt x="283432" y="764648"/>
+                    <a:pt x="300577" y="708451"/>
+                    <a:pt x="285337" y="656064"/>
+                  </a:cubicBezTo>
+                  <a:lnTo>
+                    <a:pt x="654907" y="286493"/>
+                  </a:lnTo>
+                  <a:cubicBezTo>
+                    <a:pt x="707295" y="300781"/>
+                    <a:pt x="763492" y="283636"/>
+                    <a:pt x="799687" y="243631"/>
+                  </a:cubicBezTo>
+                  <a:cubicBezTo>
+                    <a:pt x="835882" y="203626"/>
+                    <a:pt x="847312" y="146476"/>
+                    <a:pt x="828262" y="95041"/>
+                  </a:cubicBezTo>
+                  <a:lnTo>
+                    <a:pt x="743490" y="180766"/>
+                  </a:lnTo>
+                  <a:close/>
+                </a:path>
+              </a:pathLst>
+            </a:custGeom>
+            <a:solidFill>
+              <a:schemeClr val="tx1">
+                <a:lumMod val="85000"/>
+                <a:lumOff val="15000"/>
+              </a:schemeClr>
+            </a:solidFill>
+            <a:ln w="9525" cap="flat">
+              <a:noFill/>
+              <a:prstDash val="solid"/>
+              <a:miter/>
+            </a:ln>
+          </p:spPr>
+          <p:txBody>
+            <a:bodyPr rtlCol="0" anchor="ctr"/>
+            <a:lstStyle/>
+            <a:p>
               <a:endParaRPr lang="zh-CN" altLang="en-US"/>
             </a:p>
           </p:txBody>
